--- a/blood_donation.pptx
+++ b/blood_donation.pptx
@@ -211,7 +211,7 @@
           <a:p>
             <a:fld id="{1DE40755-8679-4EBC-9EFA-4F99D54FDAB0}" type="datetimeFigureOut">
               <a:rPr lang="en-MY" smtClean="0"/>
-              <a:t>17/1/2024</a:t>
+              <a:t>25/1/2024</a:t>
             </a:fld>
             <a:endParaRPr lang="en-MY"/>
           </a:p>
@@ -715,7 +715,7 @@
           <a:p>
             <a:fld id="{FDA1C1AF-7B8C-40AE-9551-7C06C9AE4EEC}" type="datetimeFigureOut">
               <a:rPr lang="en-MY" smtClean="0"/>
-              <a:t>17/1/2024</a:t>
+              <a:t>25/1/2024</a:t>
             </a:fld>
             <a:endParaRPr lang="en-MY"/>
           </a:p>
@@ -901,7 +901,7 @@
           <a:p>
             <a:fld id="{FDA1C1AF-7B8C-40AE-9551-7C06C9AE4EEC}" type="datetimeFigureOut">
               <a:rPr lang="en-MY" smtClean="0"/>
-              <a:t>17/1/2024</a:t>
+              <a:t>25/1/2024</a:t>
             </a:fld>
             <a:endParaRPr lang="en-MY"/>
           </a:p>
@@ -1081,7 +1081,7 @@
           <a:p>
             <a:fld id="{FDA1C1AF-7B8C-40AE-9551-7C06C9AE4EEC}" type="datetimeFigureOut">
               <a:rPr lang="en-MY" smtClean="0"/>
-              <a:t>17/1/2024</a:t>
+              <a:t>25/1/2024</a:t>
             </a:fld>
             <a:endParaRPr lang="en-MY"/>
           </a:p>
@@ -1251,7 +1251,7 @@
           <a:p>
             <a:fld id="{FDA1C1AF-7B8C-40AE-9551-7C06C9AE4EEC}" type="datetimeFigureOut">
               <a:rPr lang="en-MY" smtClean="0"/>
-              <a:t>17/1/2024</a:t>
+              <a:t>25/1/2024</a:t>
             </a:fld>
             <a:endParaRPr lang="en-MY"/>
           </a:p>
@@ -1495,7 +1495,7 @@
           <a:p>
             <a:fld id="{FDA1C1AF-7B8C-40AE-9551-7C06C9AE4EEC}" type="datetimeFigureOut">
               <a:rPr lang="en-MY" smtClean="0"/>
-              <a:t>17/1/2024</a:t>
+              <a:t>25/1/2024</a:t>
             </a:fld>
             <a:endParaRPr lang="en-MY"/>
           </a:p>
@@ -1727,7 +1727,7 @@
           <a:p>
             <a:fld id="{FDA1C1AF-7B8C-40AE-9551-7C06C9AE4EEC}" type="datetimeFigureOut">
               <a:rPr lang="en-MY" smtClean="0"/>
-              <a:t>17/1/2024</a:t>
+              <a:t>25/1/2024</a:t>
             </a:fld>
             <a:endParaRPr lang="en-MY"/>
           </a:p>
@@ -2094,7 +2094,7 @@
           <a:p>
             <a:fld id="{FDA1C1AF-7B8C-40AE-9551-7C06C9AE4EEC}" type="datetimeFigureOut">
               <a:rPr lang="en-MY" smtClean="0"/>
-              <a:t>17/1/2024</a:t>
+              <a:t>25/1/2024</a:t>
             </a:fld>
             <a:endParaRPr lang="en-MY"/>
           </a:p>
@@ -2212,7 +2212,7 @@
           <a:p>
             <a:fld id="{FDA1C1AF-7B8C-40AE-9551-7C06C9AE4EEC}" type="datetimeFigureOut">
               <a:rPr lang="en-MY" smtClean="0"/>
-              <a:t>17/1/2024</a:t>
+              <a:t>25/1/2024</a:t>
             </a:fld>
             <a:endParaRPr lang="en-MY"/>
           </a:p>
@@ -2307,7 +2307,7 @@
           <a:p>
             <a:fld id="{FDA1C1AF-7B8C-40AE-9551-7C06C9AE4EEC}" type="datetimeFigureOut">
               <a:rPr lang="en-MY" smtClean="0"/>
-              <a:t>17/1/2024</a:t>
+              <a:t>25/1/2024</a:t>
             </a:fld>
             <a:endParaRPr lang="en-MY"/>
           </a:p>
@@ -2584,7 +2584,7 @@
           <a:p>
             <a:fld id="{FDA1C1AF-7B8C-40AE-9551-7C06C9AE4EEC}" type="datetimeFigureOut">
               <a:rPr lang="en-MY" smtClean="0"/>
-              <a:t>17/1/2024</a:t>
+              <a:t>25/1/2024</a:t>
             </a:fld>
             <a:endParaRPr lang="en-MY"/>
           </a:p>
@@ -2841,7 +2841,7 @@
           <a:p>
             <a:fld id="{FDA1C1AF-7B8C-40AE-9551-7C06C9AE4EEC}" type="datetimeFigureOut">
               <a:rPr lang="en-MY" smtClean="0"/>
-              <a:t>17/1/2024</a:t>
+              <a:t>25/1/2024</a:t>
             </a:fld>
             <a:endParaRPr lang="en-MY"/>
           </a:p>
@@ -3054,7 +3054,7 @@
           <a:p>
             <a:fld id="{FDA1C1AF-7B8C-40AE-9551-7C06C9AE4EEC}" type="datetimeFigureOut">
               <a:rPr lang="en-MY" smtClean="0"/>
-              <a:t>17/1/2024</a:t>
+              <a:t>25/1/2024</a:t>
             </a:fld>
             <a:endParaRPr lang="en-MY"/>
           </a:p>
@@ -7045,11 +7045,11 @@
           <a:p>
             <a:pPr algn="ctr"/>
             <a:r>
-              <a:rPr lang="en-US" sz="4800" b="1" dirty="0">
+              <a:rPr lang="en-US" sz="4800" b="1">
                 <a:latin typeface="Verdana" panose="020B0604030504040204" pitchFamily="34" charset="0"/>
                 <a:ea typeface="Verdana" panose="020B0604030504040204" pitchFamily="34" charset="0"/>
               </a:rPr>
-              <a:t>2,934</a:t>
+              <a:t>johor</a:t>
             </a:r>
             <a:endParaRPr lang="en-MY" sz="4800" b="1" dirty="0">
               <a:latin typeface="Verdana" panose="020B0604030504040204" pitchFamily="34" charset="0"/>

--- a/blood_donation.pptx
+++ b/blood_donation.pptx
@@ -110,12 +110,12 @@
   <p:extLst>
     <p:ext uri="{EFAFB233-063F-42B5-8137-9DF3F51BA10A}">
       <p15:sldGuideLst xmlns:p15="http://schemas.microsoft.com/office/powerpoint/2012/main">
-        <p15:guide id="1" orient="horz" pos="10220" userDrawn="1">
+        <p15:guide id="1" orient="horz" pos="10227" userDrawn="1">
           <p15:clr>
             <a:srgbClr val="A4A3A4"/>
           </p15:clr>
         </p15:guide>
-        <p15:guide id="2" pos="9558" userDrawn="1">
+        <p15:guide id="2" pos="9536" userDrawn="1">
           <p15:clr>
             <a:srgbClr val="A4A3A4"/>
           </p15:clr>
@@ -3497,8 +3497,8 @@
         </p:nvSpPr>
         <p:spPr>
           <a:xfrm>
-            <a:off x="10802815" y="5486068"/>
-            <a:ext cx="8698524" cy="2840512"/>
+            <a:off x="10818677" y="6905001"/>
+            <a:ext cx="8698524" cy="3560875"/>
           </a:xfrm>
           <a:prstGeom prst="roundRect">
             <a:avLst/>
@@ -3506,10 +3506,10 @@
           <a:gradFill>
             <a:gsLst>
               <a:gs pos="0">
-                <a:srgbClr val="2A0000"/>
+                <a:srgbClr val="000428"/>
               </a:gs>
               <a:gs pos="100000">
-                <a:srgbClr val="FA0505"/>
+                <a:srgbClr val="004E92"/>
               </a:gs>
             </a:gsLst>
             <a:lin ang="5400000" scaled="0"/>
@@ -3557,8 +3557,8 @@
         </p:nvSpPr>
         <p:spPr>
           <a:xfrm>
-            <a:off x="10802815" y="6165229"/>
-            <a:ext cx="8698524" cy="584775"/>
+            <a:off x="10877292" y="8139086"/>
+            <a:ext cx="8639909" cy="584775"/>
           </a:xfrm>
           <a:prstGeom prst="rect">
             <a:avLst/>
@@ -3580,7 +3580,7 @@
                 <a:latin typeface="Verdana" panose="020B0604030504040204" pitchFamily="34" charset="0"/>
                 <a:ea typeface="Verdana" panose="020B0604030504040204" pitchFamily="34" charset="0"/>
               </a:rPr>
-              <a:t>New Donations</a:t>
+              <a:t>MALAYSIA</a:t>
             </a:r>
             <a:endParaRPr lang="en-MY" sz="3200" b="1" dirty="0">
               <a:solidFill>
@@ -3606,8 +3606,8 @@
         </p:nvSpPr>
         <p:spPr>
           <a:xfrm>
-            <a:off x="10802820" y="6819706"/>
-            <a:ext cx="8698523" cy="830997"/>
+            <a:off x="10842130" y="8828811"/>
+            <a:ext cx="8618834" cy="830997"/>
           </a:xfrm>
           <a:prstGeom prst="rect">
             <a:avLst/>
@@ -3655,7 +3655,7 @@
         </p:nvSpPr>
         <p:spPr>
           <a:xfrm>
-            <a:off x="1526276" y="855822"/>
+            <a:off x="1506120" y="1601387"/>
             <a:ext cx="23456484" cy="1015534"/>
           </a:xfrm>
           <a:prstGeom prst="rect">
@@ -3674,21 +3674,7 @@
                 <a:latin typeface="Verdana" panose="020B0604030504040204" pitchFamily="34" charset="0"/>
                 <a:ea typeface="Verdana" panose="020B0604030504040204" pitchFamily="34" charset="0"/>
               </a:rPr>
-              <a:t>Udemy Courses</a:t>
-            </a:r>
-            <a:r>
-              <a:rPr lang="en-US" sz="5400" b="1" dirty="0">
-                <a:latin typeface="Verdana" panose="020B0604030504040204" pitchFamily="34" charset="0"/>
-                <a:ea typeface="Verdana" panose="020B0604030504040204" pitchFamily="34" charset="0"/>
-              </a:rPr>
-              <a:t> </a:t>
-            </a:r>
-            <a:r>
-              <a:rPr lang="en-US" sz="5999" b="1" dirty="0">
-                <a:latin typeface="Verdana" panose="020B0604030504040204" pitchFamily="34" charset="0"/>
-                <a:ea typeface="Verdana" panose="020B0604030504040204" pitchFamily="34" charset="0"/>
-              </a:rPr>
-              <a:t>Analysis</a:t>
+              <a:t>Malaysia's Blood Donation Count Daily Update</a:t>
             </a:r>
             <a:endParaRPr lang="en-MY" sz="5999" b="1" dirty="0">
               <a:latin typeface="Verdana" panose="020B0604030504040204" pitchFamily="34" charset="0"/>
@@ -3697,52 +3683,6 @@
           </a:p>
         </p:txBody>
       </p:sp>
-      <p:pic>
-        <p:nvPicPr>
-          <p:cNvPr id="69" name="Picture 68">
-            <a:extLst>
-              <a:ext uri="{FF2B5EF4-FFF2-40B4-BE49-F238E27FC236}">
-                <a16:creationId xmlns:a16="http://schemas.microsoft.com/office/drawing/2014/main" id="{1E66A4E2-B5E3-B09F-2678-40FC4C30A576}"/>
-              </a:ext>
-            </a:extLst>
-          </p:cNvPr>
-          <p:cNvPicPr>
-            <a:picLocks noChangeAspect="1"/>
-          </p:cNvPicPr>
-          <p:nvPr/>
-        </p:nvPicPr>
-        <p:blipFill>
-          <a:blip r:embed="rId3">
-            <a:clrChange>
-              <a:clrFrom>
-                <a:srgbClr val="FFFFFF"/>
-              </a:clrFrom>
-              <a:clrTo>
-                <a:srgbClr val="FFFFFF">
-                  <a:alpha val="0"/>
-                </a:srgbClr>
-              </a:clrTo>
-            </a:clrChange>
-            <a:extLst>
-              <a:ext uri="{28A0092B-C50C-407E-A947-70E740481C1C}">
-                <a14:useLocalDpi xmlns:a14="http://schemas.microsoft.com/office/drawing/2010/main" val="0"/>
-              </a:ext>
-            </a:extLst>
-          </a:blip>
-          <a:stretch>
-            <a:fillRect/>
-          </a:stretch>
-        </p:blipFill>
-        <p:spPr>
-          <a:xfrm>
-            <a:off x="25531198" y="0"/>
-            <a:ext cx="3661370" cy="2748142"/>
-          </a:xfrm>
-          <a:prstGeom prst="rect">
-            <a:avLst/>
-          </a:prstGeom>
-        </p:spPr>
-      </p:pic>
       <p:sp>
         <p:nvSpPr>
           <p:cNvPr id="18" name="TextBox 17">
@@ -3757,8 +3697,8 @@
         </p:nvSpPr>
         <p:spPr>
           <a:xfrm>
-            <a:off x="1588789" y="1949148"/>
-            <a:ext cx="23021480" cy="707630"/>
+            <a:off x="1568633" y="2694713"/>
+            <a:ext cx="5280934" cy="399981"/>
           </a:xfrm>
           <a:prstGeom prst="rect">
             <a:avLst/>
@@ -3782,7 +3722,7 @@
                 <a:latin typeface="Verdana" panose="020B0604030504040204" pitchFamily="34" charset="0"/>
                 <a:ea typeface="Verdana" panose="020B0604030504040204" pitchFamily="34" charset="0"/>
               </a:rPr>
-              <a:t>The analysis is conducted on a comprehensive Udemy courses dataset, encompassing information on courses published between 2011 and 2017. The dataset categorizes courses into four subjects: Web Development, Business Finance, Musical Instruments, and Graphic Design.</a:t>
+              <a:t>Data shown is for the daily update of: </a:t>
             </a:r>
             <a:endParaRPr lang="en-MY" sz="1999" dirty="0">
               <a:solidFill>
@@ -3799,53 +3739,10 @@
       </p:sp>
       <p:sp>
         <p:nvSpPr>
-          <p:cNvPr id="8" name="TextBox 7">
+          <p:cNvPr id="53" name="Rectangle: Rounded Corners 52">
             <a:extLst>
               <a:ext uri="{FF2B5EF4-FFF2-40B4-BE49-F238E27FC236}">
-                <a16:creationId xmlns:a16="http://schemas.microsoft.com/office/drawing/2014/main" id="{D3D2A396-8AF2-8B0E-F158-CB90F20FADA9}"/>
-              </a:ext>
-            </a:extLst>
-          </p:cNvPr>
-          <p:cNvSpPr txBox="1"/>
-          <p:nvPr/>
-        </p:nvSpPr>
-        <p:spPr>
-          <a:xfrm>
-            <a:off x="12256479" y="3927721"/>
-            <a:ext cx="5697416" cy="1015534"/>
-          </a:xfrm>
-          <a:prstGeom prst="rect">
-            <a:avLst/>
-          </a:prstGeom>
-          <a:noFill/>
-        </p:spPr>
-        <p:txBody>
-          <a:bodyPr wrap="square" rtlCol="0">
-            <a:spAutoFit/>
-          </a:bodyPr>
-          <a:lstStyle/>
-          <a:p>
-            <a:pPr algn="ctr"/>
-            <a:r>
-              <a:rPr lang="en-US" sz="5999" b="1" dirty="0">
-                <a:latin typeface="Verdana" panose="020B0604030504040204" pitchFamily="34" charset="0"/>
-                <a:ea typeface="Verdana" panose="020B0604030504040204" pitchFamily="34" charset="0"/>
-              </a:rPr>
-              <a:t>MALAYSIA</a:t>
-            </a:r>
-            <a:endParaRPr lang="en-MY" sz="5999" b="1" dirty="0">
-              <a:latin typeface="Verdana" panose="020B0604030504040204" pitchFamily="34" charset="0"/>
-              <a:ea typeface="Verdana" panose="020B0604030504040204" pitchFamily="34" charset="0"/>
-            </a:endParaRPr>
-          </a:p>
-        </p:txBody>
-      </p:sp>
-      <p:sp>
-        <p:nvSpPr>
-          <p:cNvPr id="15" name="Rectangle: Rounded Corners 14">
-            <a:extLst>
-              <a:ext uri="{FF2B5EF4-FFF2-40B4-BE49-F238E27FC236}">
-                <a16:creationId xmlns:a16="http://schemas.microsoft.com/office/drawing/2014/main" id="{76B8C1BF-303C-C7AE-6CF3-FACABB579378}"/>
+                <a16:creationId xmlns:a16="http://schemas.microsoft.com/office/drawing/2014/main" id="{3DC6C831-7E36-21D2-FF3F-C9615FC73127}"/>
               </a:ext>
             </a:extLst>
           </p:cNvPr>
@@ -3854,7 +3751,7 @@
         </p:nvSpPr>
         <p:spPr>
           <a:xfrm>
-            <a:off x="3628294" y="6202450"/>
+            <a:off x="3640017" y="9004633"/>
             <a:ext cx="4994033" cy="2133496"/>
           </a:xfrm>
           <a:prstGeom prst="roundRect">
@@ -3894,10 +3791,10 @@
       </p:sp>
       <p:sp>
         <p:nvSpPr>
-          <p:cNvPr id="19" name="Rectangle: Rounded Corners 18">
+          <p:cNvPr id="54" name="Rectangle: Rounded Corners 53">
             <a:extLst>
               <a:ext uri="{FF2B5EF4-FFF2-40B4-BE49-F238E27FC236}">
-                <a16:creationId xmlns:a16="http://schemas.microsoft.com/office/drawing/2014/main" id="{119BBD3A-3C35-0175-66DA-EA7BF90FAFB1}"/>
+                <a16:creationId xmlns:a16="http://schemas.microsoft.com/office/drawing/2014/main" id="{56D038EE-A559-BDA8-FA6A-6B2A89BD672C}"/>
               </a:ext>
             </a:extLst>
           </p:cNvPr>
@@ -3906,14 +3803,14 @@
         </p:nvSpPr>
         <p:spPr>
           <a:xfrm>
-            <a:off x="1447803" y="6202451"/>
+            <a:off x="1471246" y="8992910"/>
             <a:ext cx="2860433" cy="2156942"/>
           </a:xfrm>
           <a:prstGeom prst="roundRect">
             <a:avLst/>
           </a:prstGeom>
           <a:blipFill>
-            <a:blip r:embed="rId4">
+            <a:blip r:embed="rId3">
               <a:extLst>
                 <a:ext uri="{28A0092B-C50C-407E-A947-70E740481C1C}">
                   <a14:useLocalDpi xmlns:a14="http://schemas.microsoft.com/office/drawing/2010/main" val="0"/>
@@ -3955,10 +3852,10 @@
       </p:sp>
       <p:sp>
         <p:nvSpPr>
-          <p:cNvPr id="25" name="TextBox 24">
+          <p:cNvPr id="55" name="TextBox 54">
             <a:extLst>
               <a:ext uri="{FF2B5EF4-FFF2-40B4-BE49-F238E27FC236}">
-                <a16:creationId xmlns:a16="http://schemas.microsoft.com/office/drawing/2014/main" id="{C0D40DC7-E84A-E332-AF02-9AD4587E70F4}"/>
+                <a16:creationId xmlns:a16="http://schemas.microsoft.com/office/drawing/2014/main" id="{768394AB-57EA-680B-1D38-A74B236AC77D}"/>
               </a:ext>
             </a:extLst>
           </p:cNvPr>
@@ -3967,8 +3864,8 @@
         </p:nvSpPr>
         <p:spPr>
           <a:xfrm>
-            <a:off x="4308235" y="6321548"/>
-            <a:ext cx="4279071" cy="523220"/>
+            <a:off x="4261344" y="9123728"/>
+            <a:ext cx="4337685" cy="523220"/>
           </a:xfrm>
           <a:prstGeom prst="rect">
             <a:avLst/>
@@ -3987,7 +3884,7 @@
                 <a:latin typeface="Verdana" panose="020B0604030504040204" pitchFamily="34" charset="0"/>
                 <a:ea typeface="Verdana" panose="020B0604030504040204" pitchFamily="34" charset="0"/>
               </a:rPr>
-              <a:t>PERLIS</a:t>
+              <a:t>KEDAH</a:t>
             </a:r>
             <a:endParaRPr lang="en-MY" sz="2800" b="1" dirty="0">
               <a:latin typeface="Verdana" panose="020B0604030504040204" pitchFamily="34" charset="0"/>
@@ -3998,10 +3895,10 @@
       </p:sp>
       <p:sp>
         <p:nvSpPr>
-          <p:cNvPr id="27" name="TextBox 26">
+          <p:cNvPr id="56" name="TextBox 55">
             <a:extLst>
               <a:ext uri="{FF2B5EF4-FFF2-40B4-BE49-F238E27FC236}">
-                <a16:creationId xmlns:a16="http://schemas.microsoft.com/office/drawing/2014/main" id="{998998C2-DDE1-0A27-0834-9766A5F2AEE1}"/>
+                <a16:creationId xmlns:a16="http://schemas.microsoft.com/office/drawing/2014/main" id="{286BE749-2E94-F112-32F9-D848988AF7D1}"/>
               </a:ext>
             </a:extLst>
           </p:cNvPr>
@@ -4010,8 +3907,8 @@
         </p:nvSpPr>
         <p:spPr>
           <a:xfrm>
-            <a:off x="4308235" y="6860741"/>
-            <a:ext cx="4279071" cy="830997"/>
+            <a:off x="4296366" y="9662923"/>
+            <a:ext cx="4337685" cy="830997"/>
           </a:xfrm>
           <a:prstGeom prst="rect">
             <a:avLst/>
@@ -4030,7 +3927,7 @@
                 <a:latin typeface="Verdana" panose="020B0604030504040204" pitchFamily="34" charset="0"/>
                 <a:ea typeface="Verdana" panose="020B0604030504040204" pitchFamily="34" charset="0"/>
               </a:rPr>
-              <a:t>perlis</a:t>
+              <a:t>kedah</a:t>
             </a:r>
             <a:endParaRPr lang="en-MY" sz="4800" b="1" dirty="0">
               <a:latin typeface="Verdana" panose="020B0604030504040204" pitchFamily="34" charset="0"/>
@@ -4041,10 +3938,10 @@
       </p:sp>
       <p:sp>
         <p:nvSpPr>
-          <p:cNvPr id="53" name="Rectangle: Rounded Corners 52">
+          <p:cNvPr id="57" name="Rectangle: Rounded Corners 56">
             <a:extLst>
               <a:ext uri="{FF2B5EF4-FFF2-40B4-BE49-F238E27FC236}">
-                <a16:creationId xmlns:a16="http://schemas.microsoft.com/office/drawing/2014/main" id="{3DC6C831-7E36-21D2-FF3F-C9615FC73127}"/>
+                <a16:creationId xmlns:a16="http://schemas.microsoft.com/office/drawing/2014/main" id="{9DB4D0E2-A367-9E16-81FC-FEB30ED4D165}"/>
               </a:ext>
             </a:extLst>
           </p:cNvPr>
@@ -4053,7 +3950,7 @@
         </p:nvSpPr>
         <p:spPr>
           <a:xfrm>
-            <a:off x="3628294" y="9098051"/>
+            <a:off x="3663465" y="20530263"/>
             <a:ext cx="4994033" cy="2133496"/>
           </a:xfrm>
           <a:prstGeom prst="roundRect">
@@ -4093,10 +3990,10 @@
       </p:sp>
       <p:sp>
         <p:nvSpPr>
-          <p:cNvPr id="54" name="Rectangle: Rounded Corners 53">
+          <p:cNvPr id="60" name="Rectangle: Rounded Corners 59">
             <a:extLst>
               <a:ext uri="{FF2B5EF4-FFF2-40B4-BE49-F238E27FC236}">
-                <a16:creationId xmlns:a16="http://schemas.microsoft.com/office/drawing/2014/main" id="{56D038EE-A559-BDA8-FA6A-6B2A89BD672C}"/>
+                <a16:creationId xmlns:a16="http://schemas.microsoft.com/office/drawing/2014/main" id="{967BDE8A-9C99-8337-91AF-2ACBCFA11C48}"/>
               </a:ext>
             </a:extLst>
           </p:cNvPr>
@@ -4105,20 +4002,21 @@
         </p:nvSpPr>
         <p:spPr>
           <a:xfrm>
-            <a:off x="1436081" y="9051160"/>
+            <a:off x="1459375" y="20512523"/>
             <a:ext cx="2860433" cy="2156942"/>
           </a:xfrm>
           <a:prstGeom prst="roundRect">
             <a:avLst/>
           </a:prstGeom>
-          <a:blipFill>
-            <a:blip r:embed="rId5">
+          <a:blipFill dpi="0" rotWithShape="1">
+            <a:blip r:embed="rId4">
               <a:extLst>
                 <a:ext uri="{28A0092B-C50C-407E-A947-70E740481C1C}">
                   <a14:useLocalDpi xmlns:a14="http://schemas.microsoft.com/office/drawing/2010/main" val="0"/>
                 </a:ext>
               </a:extLst>
             </a:blip>
+            <a:srcRect/>
             <a:stretch>
               <a:fillRect/>
             </a:stretch>
@@ -4154,10 +4052,10 @@
       </p:sp>
       <p:sp>
         <p:nvSpPr>
-          <p:cNvPr id="55" name="TextBox 54">
+          <p:cNvPr id="61" name="TextBox 60">
             <a:extLst>
               <a:ext uri="{FF2B5EF4-FFF2-40B4-BE49-F238E27FC236}">
-                <a16:creationId xmlns:a16="http://schemas.microsoft.com/office/drawing/2014/main" id="{768394AB-57EA-680B-1D38-A74B236AC77D}"/>
+                <a16:creationId xmlns:a16="http://schemas.microsoft.com/office/drawing/2014/main" id="{ABC1FC08-C750-58CC-E9C6-9CA7656C851A}"/>
               </a:ext>
             </a:extLst>
           </p:cNvPr>
@@ -4166,8 +4064,8 @@
         </p:nvSpPr>
         <p:spPr>
           <a:xfrm>
-            <a:off x="4249621" y="9217146"/>
-            <a:ext cx="4337685" cy="523220"/>
+            <a:off x="4343408" y="20649361"/>
+            <a:ext cx="4267345" cy="523220"/>
           </a:xfrm>
           <a:prstGeom prst="rect">
             <a:avLst/>
@@ -4186,7 +4084,7 @@
                 <a:latin typeface="Verdana" panose="020B0604030504040204" pitchFamily="34" charset="0"/>
                 <a:ea typeface="Verdana" panose="020B0604030504040204" pitchFamily="34" charset="0"/>
               </a:rPr>
-              <a:t>KEDAH</a:t>
+              <a:t>PULAU PINANG</a:t>
             </a:r>
             <a:endParaRPr lang="en-MY" sz="2800" b="1" dirty="0">
               <a:latin typeface="Verdana" panose="020B0604030504040204" pitchFamily="34" charset="0"/>
@@ -4197,10 +4095,10 @@
       </p:sp>
       <p:sp>
         <p:nvSpPr>
-          <p:cNvPr id="56" name="TextBox 55">
+          <p:cNvPr id="62" name="TextBox 61">
             <a:extLst>
               <a:ext uri="{FF2B5EF4-FFF2-40B4-BE49-F238E27FC236}">
-                <a16:creationId xmlns:a16="http://schemas.microsoft.com/office/drawing/2014/main" id="{286BE749-2E94-F112-32F9-D848988AF7D1}"/>
+                <a16:creationId xmlns:a16="http://schemas.microsoft.com/office/drawing/2014/main" id="{4C80FEF8-29BB-F1A0-7B74-FD24CB477189}"/>
               </a:ext>
             </a:extLst>
           </p:cNvPr>
@@ -4209,8 +4107,8 @@
         </p:nvSpPr>
         <p:spPr>
           <a:xfrm>
-            <a:off x="4284643" y="9756341"/>
-            <a:ext cx="4337685" cy="830997"/>
+            <a:off x="4284787" y="21188556"/>
+            <a:ext cx="4360984" cy="1569660"/>
           </a:xfrm>
           <a:prstGeom prst="rect">
             <a:avLst/>
@@ -4229,7 +4127,14 @@
                 <a:latin typeface="Verdana" panose="020B0604030504040204" pitchFamily="34" charset="0"/>
                 <a:ea typeface="Verdana" panose="020B0604030504040204" pitchFamily="34" charset="0"/>
               </a:rPr>
-              <a:t>kedah</a:t>
+              <a:t>pulau</a:t>
+            </a:r>
+            <a:r>
+              <a:rPr lang="en-US" sz="4800" b="1" dirty="0">
+                <a:latin typeface="Verdana" panose="020B0604030504040204" pitchFamily="34" charset="0"/>
+                <a:ea typeface="Verdana" panose="020B0604030504040204" pitchFamily="34" charset="0"/>
+              </a:rPr>
+              <a:t> pinang</a:t>
             </a:r>
             <a:endParaRPr lang="en-MY" sz="4800" b="1" dirty="0">
               <a:latin typeface="Verdana" panose="020B0604030504040204" pitchFamily="34" charset="0"/>
@@ -4240,10 +4145,10 @@
       </p:sp>
       <p:sp>
         <p:nvSpPr>
-          <p:cNvPr id="57" name="Rectangle: Rounded Corners 56">
+          <p:cNvPr id="63" name="Rectangle: Rounded Corners 62">
             <a:extLst>
               <a:ext uri="{FF2B5EF4-FFF2-40B4-BE49-F238E27FC236}">
-                <a16:creationId xmlns:a16="http://schemas.microsoft.com/office/drawing/2014/main" id="{9DB4D0E2-A367-9E16-81FC-FEB30ED4D165}"/>
+                <a16:creationId xmlns:a16="http://schemas.microsoft.com/office/drawing/2014/main" id="{768E8904-8772-DF5F-9DF0-EED679978AA1}"/>
               </a:ext>
             </a:extLst>
           </p:cNvPr>
@@ -4252,7 +4157,7 @@
         </p:nvSpPr>
         <p:spPr>
           <a:xfrm>
-            <a:off x="3640017" y="11995239"/>
+            <a:off x="3640017" y="11874553"/>
             <a:ext cx="4994033" cy="2133496"/>
           </a:xfrm>
           <a:prstGeom prst="roundRect">
@@ -4292,10 +4197,10 @@
       </p:sp>
       <p:sp>
         <p:nvSpPr>
-          <p:cNvPr id="60" name="Rectangle: Rounded Corners 59">
+          <p:cNvPr id="65" name="Rectangle: Rounded Corners 64">
             <a:extLst>
               <a:ext uri="{FF2B5EF4-FFF2-40B4-BE49-F238E27FC236}">
-                <a16:creationId xmlns:a16="http://schemas.microsoft.com/office/drawing/2014/main" id="{967BDE8A-9C99-8337-91AF-2ACBCFA11C48}"/>
+                <a16:creationId xmlns:a16="http://schemas.microsoft.com/office/drawing/2014/main" id="{DF339FF4-B53E-AE7A-EE35-D55A117FBA8C}"/>
               </a:ext>
             </a:extLst>
           </p:cNvPr>
@@ -4304,21 +4209,20 @@
         </p:nvSpPr>
         <p:spPr>
           <a:xfrm>
-            <a:off x="1459525" y="11995240"/>
+            <a:off x="1485082" y="11874553"/>
             <a:ext cx="2860433" cy="2156942"/>
           </a:xfrm>
           <a:prstGeom prst="roundRect">
             <a:avLst/>
           </a:prstGeom>
-          <a:blipFill dpi="0" rotWithShape="1">
-            <a:blip r:embed="rId6">
+          <a:blipFill>
+            <a:blip r:embed="rId5">
               <a:extLst>
                 <a:ext uri="{28A0092B-C50C-407E-A947-70E740481C1C}">
                   <a14:useLocalDpi xmlns:a14="http://schemas.microsoft.com/office/drawing/2010/main" val="0"/>
                 </a:ext>
               </a:extLst>
             </a:blip>
-            <a:srcRect/>
             <a:stretch>
               <a:fillRect/>
             </a:stretch>
@@ -4354,10 +4258,10 @@
       </p:sp>
       <p:sp>
         <p:nvSpPr>
-          <p:cNvPr id="61" name="TextBox 60">
+          <p:cNvPr id="66" name="TextBox 65">
             <a:extLst>
               <a:ext uri="{FF2B5EF4-FFF2-40B4-BE49-F238E27FC236}">
-                <a16:creationId xmlns:a16="http://schemas.microsoft.com/office/drawing/2014/main" id="{ABC1FC08-C750-58CC-E9C6-9CA7656C851A}"/>
+                <a16:creationId xmlns:a16="http://schemas.microsoft.com/office/drawing/2014/main" id="{155354F4-A17F-CEEC-0F6E-6AE3FCC88C61}"/>
               </a:ext>
             </a:extLst>
           </p:cNvPr>
@@ -4366,8 +4270,8 @@
         </p:nvSpPr>
         <p:spPr>
           <a:xfrm>
-            <a:off x="4319960" y="12114337"/>
-            <a:ext cx="4267345" cy="523220"/>
+            <a:off x="4261342" y="11993651"/>
+            <a:ext cx="4325961" cy="523220"/>
           </a:xfrm>
           <a:prstGeom prst="rect">
             <a:avLst/>
@@ -4386,7 +4290,7 @@
                 <a:latin typeface="Verdana" panose="020B0604030504040204" pitchFamily="34" charset="0"/>
                 <a:ea typeface="Verdana" panose="020B0604030504040204" pitchFamily="34" charset="0"/>
               </a:rPr>
-              <a:t>PULAU PINANG</a:t>
+              <a:t>PERAK</a:t>
             </a:r>
             <a:endParaRPr lang="en-MY" sz="2800" b="1" dirty="0">
               <a:latin typeface="Verdana" panose="020B0604030504040204" pitchFamily="34" charset="0"/>
@@ -4397,10 +4301,10 @@
       </p:sp>
       <p:sp>
         <p:nvSpPr>
-          <p:cNvPr id="62" name="TextBox 61">
+          <p:cNvPr id="70" name="TextBox 69">
             <a:extLst>
               <a:ext uri="{FF2B5EF4-FFF2-40B4-BE49-F238E27FC236}">
-                <a16:creationId xmlns:a16="http://schemas.microsoft.com/office/drawing/2014/main" id="{4C80FEF8-29BB-F1A0-7B74-FD24CB477189}"/>
+                <a16:creationId xmlns:a16="http://schemas.microsoft.com/office/drawing/2014/main" id="{1A63FFCC-A0C2-CFDF-9B99-1E32FDF5C1C1}"/>
               </a:ext>
             </a:extLst>
           </p:cNvPr>
@@ -4409,8 +4313,8 @@
         </p:nvSpPr>
         <p:spPr>
           <a:xfrm>
-            <a:off x="4261339" y="12653532"/>
-            <a:ext cx="4360984" cy="1569660"/>
+            <a:off x="4331679" y="12532844"/>
+            <a:ext cx="4314092" cy="830997"/>
           </a:xfrm>
           <a:prstGeom prst="rect">
             <a:avLst/>
@@ -4429,14 +4333,7 @@
                 <a:latin typeface="Verdana" panose="020B0604030504040204" pitchFamily="34" charset="0"/>
                 <a:ea typeface="Verdana" panose="020B0604030504040204" pitchFamily="34" charset="0"/>
               </a:rPr>
-              <a:t>pulau</a:t>
-            </a:r>
-            <a:r>
-              <a:rPr lang="en-US" sz="4800" b="1" dirty="0">
-                <a:latin typeface="Verdana" panose="020B0604030504040204" pitchFamily="34" charset="0"/>
-                <a:ea typeface="Verdana" panose="020B0604030504040204" pitchFamily="34" charset="0"/>
-              </a:rPr>
-              <a:t> pinang</a:t>
+              <a:t>perak</a:t>
             </a:r>
             <a:endParaRPr lang="en-MY" sz="4800" b="1" dirty="0">
               <a:latin typeface="Verdana" panose="020B0604030504040204" pitchFamily="34" charset="0"/>
@@ -4447,10 +4344,10 @@
       </p:sp>
       <p:sp>
         <p:nvSpPr>
-          <p:cNvPr id="63" name="Rectangle: Rounded Corners 62">
+          <p:cNvPr id="71" name="Rectangle: Rounded Corners 70">
             <a:extLst>
               <a:ext uri="{FF2B5EF4-FFF2-40B4-BE49-F238E27FC236}">
-                <a16:creationId xmlns:a16="http://schemas.microsoft.com/office/drawing/2014/main" id="{768E8904-8772-DF5F-9DF0-EED679978AA1}"/>
+                <a16:creationId xmlns:a16="http://schemas.microsoft.com/office/drawing/2014/main" id="{364D37F0-6B84-C9F0-19B7-90E882A1CB98}"/>
               </a:ext>
             </a:extLst>
           </p:cNvPr>
@@ -4459,7 +4356,7 @@
         </p:nvSpPr>
         <p:spPr>
           <a:xfrm>
-            <a:off x="3640017" y="14890839"/>
+            <a:off x="21635506" y="6103431"/>
             <a:ext cx="4994033" cy="2133496"/>
           </a:xfrm>
           <a:prstGeom prst="roundRect">
@@ -4499,10 +4396,10 @@
       </p:sp>
       <p:sp>
         <p:nvSpPr>
-          <p:cNvPr id="65" name="Rectangle: Rounded Corners 64">
+          <p:cNvPr id="82" name="Rectangle: Rounded Corners 81">
             <a:extLst>
               <a:ext uri="{FF2B5EF4-FFF2-40B4-BE49-F238E27FC236}">
-                <a16:creationId xmlns:a16="http://schemas.microsoft.com/office/drawing/2014/main" id="{DF339FF4-B53E-AE7A-EE35-D55A117FBA8C}"/>
+                <a16:creationId xmlns:a16="http://schemas.microsoft.com/office/drawing/2014/main" id="{44C5C948-DD51-0BFB-EBF2-037F922354C5}"/>
               </a:ext>
             </a:extLst>
           </p:cNvPr>
@@ -4511,14 +4408,14 @@
         </p:nvSpPr>
         <p:spPr>
           <a:xfrm>
-            <a:off x="1447803" y="14843949"/>
+            <a:off x="25949456" y="6111268"/>
             <a:ext cx="2860433" cy="2156942"/>
           </a:xfrm>
           <a:prstGeom prst="roundRect">
             <a:avLst/>
           </a:prstGeom>
           <a:blipFill>
-            <a:blip r:embed="rId7">
+            <a:blip r:embed="rId6">
               <a:extLst>
                 <a:ext uri="{28A0092B-C50C-407E-A947-70E740481C1C}">
                   <a14:useLocalDpi xmlns:a14="http://schemas.microsoft.com/office/drawing/2010/main" val="0"/>
@@ -4560,10 +4457,10 @@
       </p:sp>
       <p:sp>
         <p:nvSpPr>
-          <p:cNvPr id="66" name="TextBox 65">
+          <p:cNvPr id="83" name="TextBox 82">
             <a:extLst>
               <a:ext uri="{FF2B5EF4-FFF2-40B4-BE49-F238E27FC236}">
-                <a16:creationId xmlns:a16="http://schemas.microsoft.com/office/drawing/2014/main" id="{155354F4-A17F-CEEC-0F6E-6AE3FCC88C61}"/>
+                <a16:creationId xmlns:a16="http://schemas.microsoft.com/office/drawing/2014/main" id="{28222DA1-657C-FEC7-DBC7-64B21EACB9AA}"/>
               </a:ext>
             </a:extLst>
           </p:cNvPr>
@@ -4572,8 +4469,8 @@
         </p:nvSpPr>
         <p:spPr>
           <a:xfrm>
-            <a:off x="4261342" y="15009937"/>
-            <a:ext cx="4325961" cy="523220"/>
+            <a:off x="21635504" y="6222528"/>
+            <a:ext cx="4278777" cy="523220"/>
           </a:xfrm>
           <a:prstGeom prst="rect">
             <a:avLst/>
@@ -4592,7 +4489,7 @@
                 <a:latin typeface="Verdana" panose="020B0604030504040204" pitchFamily="34" charset="0"/>
                 <a:ea typeface="Verdana" panose="020B0604030504040204" pitchFamily="34" charset="0"/>
               </a:rPr>
-              <a:t>PERAK</a:t>
+              <a:t>SELANGOR</a:t>
             </a:r>
             <a:endParaRPr lang="en-MY" sz="2800" b="1" dirty="0">
               <a:latin typeface="Verdana" panose="020B0604030504040204" pitchFamily="34" charset="0"/>
@@ -4603,10 +4500,10 @@
       </p:sp>
       <p:sp>
         <p:nvSpPr>
-          <p:cNvPr id="70" name="TextBox 69">
+          <p:cNvPr id="84" name="TextBox 83">
             <a:extLst>
               <a:ext uri="{FF2B5EF4-FFF2-40B4-BE49-F238E27FC236}">
-                <a16:creationId xmlns:a16="http://schemas.microsoft.com/office/drawing/2014/main" id="{1A63FFCC-A0C2-CFDF-9B99-1E32FDF5C1C1}"/>
+                <a16:creationId xmlns:a16="http://schemas.microsoft.com/office/drawing/2014/main" id="{193B7790-95FF-DB82-D57D-F6E2DE2FC022}"/>
               </a:ext>
             </a:extLst>
           </p:cNvPr>
@@ -4615,8 +4512,8 @@
         </p:nvSpPr>
         <p:spPr>
           <a:xfrm>
-            <a:off x="4331679" y="15549130"/>
-            <a:ext cx="4314092" cy="830997"/>
+            <a:off x="21635504" y="6761721"/>
+            <a:ext cx="4337388" cy="830997"/>
           </a:xfrm>
           <a:prstGeom prst="rect">
             <a:avLst/>
@@ -4635,7 +4532,7 @@
                 <a:latin typeface="Verdana" panose="020B0604030504040204" pitchFamily="34" charset="0"/>
                 <a:ea typeface="Verdana" panose="020B0604030504040204" pitchFamily="34" charset="0"/>
               </a:rPr>
-              <a:t>perak</a:t>
+              <a:t>selangor</a:t>
             </a:r>
             <a:endParaRPr lang="en-MY" sz="4800" b="1" dirty="0">
               <a:latin typeface="Verdana" panose="020B0604030504040204" pitchFamily="34" charset="0"/>
@@ -4646,10 +4543,10 @@
       </p:sp>
       <p:sp>
         <p:nvSpPr>
-          <p:cNvPr id="71" name="Rectangle: Rounded Corners 70">
+          <p:cNvPr id="85" name="Rectangle: Rounded Corners 84">
             <a:extLst>
               <a:ext uri="{FF2B5EF4-FFF2-40B4-BE49-F238E27FC236}">
-                <a16:creationId xmlns:a16="http://schemas.microsoft.com/office/drawing/2014/main" id="{364D37F0-6B84-C9F0-19B7-90E882A1CB98}"/>
+                <a16:creationId xmlns:a16="http://schemas.microsoft.com/office/drawing/2014/main" id="{CB70D73A-2EE3-A186-8085-656FFF0333A8}"/>
               </a:ext>
             </a:extLst>
           </p:cNvPr>
@@ -4658,7 +4555,7 @@
         </p:nvSpPr>
         <p:spPr>
           <a:xfrm>
-            <a:off x="3640017" y="17714350"/>
+            <a:off x="3593267" y="6134714"/>
             <a:ext cx="4994033" cy="2133496"/>
           </a:xfrm>
           <a:prstGeom prst="roundRect">
@@ -4698,10 +4595,110 @@
       </p:sp>
       <p:sp>
         <p:nvSpPr>
-          <p:cNvPr id="82" name="Rectangle: Rounded Corners 81">
+          <p:cNvPr id="87" name="TextBox 86">
             <a:extLst>
               <a:ext uri="{FF2B5EF4-FFF2-40B4-BE49-F238E27FC236}">
-                <a16:creationId xmlns:a16="http://schemas.microsoft.com/office/drawing/2014/main" id="{44C5C948-DD51-0BFB-EBF2-037F922354C5}"/>
+                <a16:creationId xmlns:a16="http://schemas.microsoft.com/office/drawing/2014/main" id="{C3DA5CFF-A089-4E4D-3705-9BB68C0D1F2D}"/>
+              </a:ext>
+            </a:extLst>
+          </p:cNvPr>
+          <p:cNvSpPr txBox="1"/>
+          <p:nvPr/>
+        </p:nvSpPr>
+        <p:spPr>
+          <a:xfrm>
+            <a:off x="4214592" y="6253812"/>
+            <a:ext cx="4360982" cy="523220"/>
+          </a:xfrm>
+          <a:prstGeom prst="rect">
+            <a:avLst/>
+          </a:prstGeom>
+          <a:noFill/>
+        </p:spPr>
+        <p:txBody>
+          <a:bodyPr wrap="square" rtlCol="0">
+            <a:spAutoFit/>
+          </a:bodyPr>
+          <a:lstStyle/>
+          <a:p>
+            <a:pPr algn="ctr"/>
+            <a:r>
+              <a:rPr lang="en-US" sz="2800" b="1" dirty="0">
+                <a:latin typeface="Verdana" panose="020B0604030504040204" pitchFamily="34" charset="0"/>
+                <a:ea typeface="Verdana" panose="020B0604030504040204" pitchFamily="34" charset="0"/>
+              </a:rPr>
+              <a:t>KUALA LUMPUR</a:t>
+            </a:r>
+            <a:endParaRPr lang="en-MY" sz="2800" b="1" dirty="0">
+              <a:latin typeface="Verdana" panose="020B0604030504040204" pitchFamily="34" charset="0"/>
+              <a:ea typeface="Verdana" panose="020B0604030504040204" pitchFamily="34" charset="0"/>
+            </a:endParaRPr>
+          </a:p>
+        </p:txBody>
+      </p:sp>
+      <p:sp>
+        <p:nvSpPr>
+          <p:cNvPr id="88" name="TextBox 87">
+            <a:extLst>
+              <a:ext uri="{FF2B5EF4-FFF2-40B4-BE49-F238E27FC236}">
+                <a16:creationId xmlns:a16="http://schemas.microsoft.com/office/drawing/2014/main" id="{2B250DB9-6E6E-2B87-A775-F5B583C1D22A}"/>
+              </a:ext>
+            </a:extLst>
+          </p:cNvPr>
+          <p:cNvSpPr txBox="1"/>
+          <p:nvPr/>
+        </p:nvSpPr>
+        <p:spPr>
+          <a:xfrm>
+            <a:off x="4319808" y="6793006"/>
+            <a:ext cx="4255769" cy="1569660"/>
+          </a:xfrm>
+          <a:prstGeom prst="rect">
+            <a:avLst/>
+          </a:prstGeom>
+          <a:noFill/>
+        </p:spPr>
+        <p:txBody>
+          <a:bodyPr wrap="square" rtlCol="0">
+            <a:spAutoFit/>
+          </a:bodyPr>
+          <a:lstStyle/>
+          <a:p>
+            <a:pPr algn="ctr"/>
+            <a:r>
+              <a:rPr lang="en-US" sz="4800" b="1" dirty="0" err="1">
+                <a:latin typeface="Verdana" panose="020B0604030504040204" pitchFamily="34" charset="0"/>
+                <a:ea typeface="Verdana" panose="020B0604030504040204" pitchFamily="34" charset="0"/>
+              </a:rPr>
+              <a:t>kuala</a:t>
+            </a:r>
+            <a:r>
+              <a:rPr lang="en-US" sz="4800" b="1" dirty="0">
+                <a:latin typeface="Verdana" panose="020B0604030504040204" pitchFamily="34" charset="0"/>
+                <a:ea typeface="Verdana" panose="020B0604030504040204" pitchFamily="34" charset="0"/>
+              </a:rPr>
+              <a:t> </a:t>
+            </a:r>
+            <a:r>
+              <a:rPr lang="en-US" sz="4800" b="1" dirty="0" err="1">
+                <a:latin typeface="Verdana" panose="020B0604030504040204" pitchFamily="34" charset="0"/>
+                <a:ea typeface="Verdana" panose="020B0604030504040204" pitchFamily="34" charset="0"/>
+              </a:rPr>
+              <a:t>lumpur</a:t>
+            </a:r>
+            <a:endParaRPr lang="en-MY" sz="4800" b="1" dirty="0">
+              <a:latin typeface="Verdana" panose="020B0604030504040204" pitchFamily="34" charset="0"/>
+              <a:ea typeface="Verdana" panose="020B0604030504040204" pitchFamily="34" charset="0"/>
+            </a:endParaRPr>
+          </a:p>
+        </p:txBody>
+      </p:sp>
+      <p:sp>
+        <p:nvSpPr>
+          <p:cNvPr id="102" name="Rectangle: Rounded Corners 101">
+            <a:extLst>
+              <a:ext uri="{FF2B5EF4-FFF2-40B4-BE49-F238E27FC236}">
+                <a16:creationId xmlns:a16="http://schemas.microsoft.com/office/drawing/2014/main" id="{FB7DB1D8-C5D7-3F89-8189-0835F7B0E3C6}"/>
               </a:ext>
             </a:extLst>
           </p:cNvPr>
@@ -4710,24 +4707,15 @@
         </p:nvSpPr>
         <p:spPr>
           <a:xfrm>
-            <a:off x="1459525" y="17714351"/>
-            <a:ext cx="2860433" cy="2156942"/>
+            <a:off x="21635504" y="8976586"/>
+            <a:ext cx="5038297" cy="2156942"/>
           </a:xfrm>
           <a:prstGeom prst="roundRect">
             <a:avLst/>
           </a:prstGeom>
-          <a:blipFill>
-            <a:blip r:embed="rId8">
-              <a:extLst>
-                <a:ext uri="{28A0092B-C50C-407E-A947-70E740481C1C}">
-                  <a14:useLocalDpi xmlns:a14="http://schemas.microsoft.com/office/drawing/2010/main" val="0"/>
-                </a:ext>
-              </a:extLst>
-            </a:blip>
-            <a:stretch>
-              <a:fillRect/>
-            </a:stretch>
-          </a:blipFill>
+          <a:solidFill>
+            <a:schemeClr val="bg1"/>
+          </a:solidFill>
           <a:ln>
             <a:noFill/>
           </a:ln>
@@ -4759,10 +4747,10 @@
       </p:sp>
       <p:sp>
         <p:nvSpPr>
-          <p:cNvPr id="83" name="TextBox 82">
+          <p:cNvPr id="106" name="TextBox 105">
             <a:extLst>
               <a:ext uri="{FF2B5EF4-FFF2-40B4-BE49-F238E27FC236}">
-                <a16:creationId xmlns:a16="http://schemas.microsoft.com/office/drawing/2014/main" id="{28222DA1-657C-FEC7-DBC7-64B21EACB9AA}"/>
+                <a16:creationId xmlns:a16="http://schemas.microsoft.com/office/drawing/2014/main" id="{4A50B519-0188-831F-98DB-89CE9683EED9}"/>
               </a:ext>
             </a:extLst>
           </p:cNvPr>
@@ -4771,8 +4759,8 @@
         </p:nvSpPr>
         <p:spPr>
           <a:xfrm>
-            <a:off x="4319959" y="17833447"/>
-            <a:ext cx="4267345" cy="523220"/>
+            <a:off x="21635503" y="9095684"/>
+            <a:ext cx="4296167" cy="523220"/>
           </a:xfrm>
           <a:prstGeom prst="rect">
             <a:avLst/>
@@ -4791,7 +4779,7 @@
                 <a:latin typeface="Verdana" panose="020B0604030504040204" pitchFamily="34" charset="0"/>
                 <a:ea typeface="Verdana" panose="020B0604030504040204" pitchFamily="34" charset="0"/>
               </a:rPr>
-              <a:t>SELANGOR</a:t>
+              <a:t>N. SEMBILAN</a:t>
             </a:r>
             <a:endParaRPr lang="en-MY" sz="2800" b="1" dirty="0">
               <a:latin typeface="Verdana" panose="020B0604030504040204" pitchFamily="34" charset="0"/>
@@ -4802,10 +4790,10 @@
       </p:sp>
       <p:sp>
         <p:nvSpPr>
-          <p:cNvPr id="84" name="TextBox 83">
+          <p:cNvPr id="107" name="TextBox 106">
             <a:extLst>
               <a:ext uri="{FF2B5EF4-FFF2-40B4-BE49-F238E27FC236}">
-                <a16:creationId xmlns:a16="http://schemas.microsoft.com/office/drawing/2014/main" id="{193B7790-95FF-DB82-D57D-F6E2DE2FC022}"/>
+                <a16:creationId xmlns:a16="http://schemas.microsoft.com/office/drawing/2014/main" id="{7FD64DC8-81C0-AD83-E1D9-A50CBEC24A8F}"/>
               </a:ext>
             </a:extLst>
           </p:cNvPr>
@@ -4814,8 +4802,8 @@
         </p:nvSpPr>
         <p:spPr>
           <a:xfrm>
-            <a:off x="4366553" y="18372640"/>
-            <a:ext cx="4255770" cy="830997"/>
+            <a:off x="21635503" y="9634879"/>
+            <a:ext cx="4296166" cy="830997"/>
           </a:xfrm>
           <a:prstGeom prst="rect">
             <a:avLst/>
@@ -4829,12 +4817,19 @@
           <a:lstStyle/>
           <a:p>
             <a:pPr algn="ctr"/>
+            <a:r>
+              <a:rPr lang="en-US" sz="4800" b="1" dirty="0">
+                <a:latin typeface="Verdana" panose="020B0604030504040204" pitchFamily="34" charset="0"/>
+                <a:ea typeface="Verdana" panose="020B0604030504040204" pitchFamily="34" charset="0"/>
+              </a:rPr>
+              <a:t>n. </a:t>
+            </a:r>
             <a:r>
               <a:rPr lang="en-US" sz="4800" b="1" dirty="0" err="1">
                 <a:latin typeface="Verdana" panose="020B0604030504040204" pitchFamily="34" charset="0"/>
                 <a:ea typeface="Verdana" panose="020B0604030504040204" pitchFamily="34" charset="0"/>
               </a:rPr>
-              <a:t>selangor</a:t>
+              <a:t>sembilan</a:t>
             </a:r>
             <a:endParaRPr lang="en-MY" sz="4800" b="1" dirty="0">
               <a:latin typeface="Verdana" panose="020B0604030504040204" pitchFamily="34" charset="0"/>
@@ -4845,10 +4840,10 @@
       </p:sp>
       <p:sp>
         <p:nvSpPr>
-          <p:cNvPr id="85" name="Rectangle: Rounded Corners 84">
+          <p:cNvPr id="108" name="Rectangle: Rounded Corners 107">
             <a:extLst>
               <a:ext uri="{FF2B5EF4-FFF2-40B4-BE49-F238E27FC236}">
-                <a16:creationId xmlns:a16="http://schemas.microsoft.com/office/drawing/2014/main" id="{CB70D73A-2EE3-A186-8085-656FFF0333A8}"/>
+                <a16:creationId xmlns:a16="http://schemas.microsoft.com/office/drawing/2014/main" id="{611937A7-7944-5BBA-0E3F-F9DDD06C9EA7}"/>
               </a:ext>
             </a:extLst>
           </p:cNvPr>
@@ -4857,8 +4852,8 @@
         </p:nvSpPr>
         <p:spPr>
           <a:xfrm>
-            <a:off x="3640017" y="20609949"/>
-            <a:ext cx="4994033" cy="2133496"/>
+            <a:off x="3663468" y="23393399"/>
+            <a:ext cx="4994033" cy="2182187"/>
           </a:xfrm>
           <a:prstGeom prst="roundRect">
             <a:avLst/>
@@ -4897,10 +4892,10 @@
       </p:sp>
       <p:sp>
         <p:nvSpPr>
-          <p:cNvPr id="86" name="Rectangle: Rounded Corners 85">
+          <p:cNvPr id="109" name="Rectangle: Rounded Corners 108">
             <a:extLst>
               <a:ext uri="{FF2B5EF4-FFF2-40B4-BE49-F238E27FC236}">
-                <a16:creationId xmlns:a16="http://schemas.microsoft.com/office/drawing/2014/main" id="{1D5D198C-8A69-4855-DC04-915E28A6C582}"/>
+                <a16:creationId xmlns:a16="http://schemas.microsoft.com/office/drawing/2014/main" id="{99780B40-0F8B-BC95-3A5F-72DE037A4C1E}"/>
               </a:ext>
             </a:extLst>
           </p:cNvPr>
@@ -4909,21 +4904,20 @@
         </p:nvSpPr>
         <p:spPr>
           <a:xfrm>
-            <a:off x="1447803" y="20563058"/>
+            <a:off x="1506120" y="23391797"/>
             <a:ext cx="2860433" cy="2156942"/>
           </a:xfrm>
           <a:prstGeom prst="roundRect">
             <a:avLst/>
           </a:prstGeom>
-          <a:blipFill dpi="0" rotWithShape="1">
-            <a:blip r:embed="rId6">
+          <a:blipFill>
+            <a:blip r:embed="rId7">
               <a:extLst>
                 <a:ext uri="{28A0092B-C50C-407E-A947-70E740481C1C}">
                   <a14:useLocalDpi xmlns:a14="http://schemas.microsoft.com/office/drawing/2010/main" val="0"/>
                 </a:ext>
               </a:extLst>
             </a:blip>
-            <a:srcRect/>
             <a:stretch>
               <a:fillRect/>
             </a:stretch>
@@ -4959,10 +4953,10 @@
       </p:sp>
       <p:sp>
         <p:nvSpPr>
-          <p:cNvPr id="87" name="TextBox 86">
+          <p:cNvPr id="110" name="TextBox 109">
             <a:extLst>
               <a:ext uri="{FF2B5EF4-FFF2-40B4-BE49-F238E27FC236}">
-                <a16:creationId xmlns:a16="http://schemas.microsoft.com/office/drawing/2014/main" id="{C3DA5CFF-A089-4E4D-3705-9BB68C0D1F2D}"/>
+                <a16:creationId xmlns:a16="http://schemas.microsoft.com/office/drawing/2014/main" id="{294E7B61-B00D-290A-FB3F-D9A77C03B906}"/>
               </a:ext>
             </a:extLst>
           </p:cNvPr>
@@ -4971,8 +4965,8 @@
         </p:nvSpPr>
         <p:spPr>
           <a:xfrm>
-            <a:off x="4261342" y="20729047"/>
-            <a:ext cx="4360982" cy="523220"/>
+            <a:off x="4319808" y="23632425"/>
+            <a:ext cx="4337541" cy="523220"/>
           </a:xfrm>
           <a:prstGeom prst="rect">
             <a:avLst/>
@@ -4991,7 +4985,7 @@
                 <a:latin typeface="Verdana" panose="020B0604030504040204" pitchFamily="34" charset="0"/>
                 <a:ea typeface="Verdana" panose="020B0604030504040204" pitchFamily="34" charset="0"/>
               </a:rPr>
-              <a:t>KUALA LUMPUR</a:t>
+              <a:t>SABAH</a:t>
             </a:r>
             <a:endParaRPr lang="en-MY" sz="2800" b="1" dirty="0">
               <a:latin typeface="Verdana" panose="020B0604030504040204" pitchFamily="34" charset="0"/>
@@ -5002,10 +4996,10 @@
       </p:sp>
       <p:sp>
         <p:nvSpPr>
-          <p:cNvPr id="88" name="TextBox 87">
+          <p:cNvPr id="111" name="TextBox 110">
             <a:extLst>
               <a:ext uri="{FF2B5EF4-FFF2-40B4-BE49-F238E27FC236}">
-                <a16:creationId xmlns:a16="http://schemas.microsoft.com/office/drawing/2014/main" id="{2B250DB9-6E6E-2B87-A775-F5B583C1D22A}"/>
+                <a16:creationId xmlns:a16="http://schemas.microsoft.com/office/drawing/2014/main" id="{BEE82F7E-FF36-40FF-792A-B38A2F5F1108}"/>
               </a:ext>
             </a:extLst>
           </p:cNvPr>
@@ -5014,8 +5008,8 @@
         </p:nvSpPr>
         <p:spPr>
           <a:xfrm>
-            <a:off x="4366558" y="21268241"/>
-            <a:ext cx="4255769" cy="1569660"/>
+            <a:off x="4328783" y="24125789"/>
+            <a:ext cx="4328566" cy="830997"/>
           </a:xfrm>
           <a:prstGeom prst="rect">
             <a:avLst/>
@@ -5034,21 +5028,7 @@
                 <a:latin typeface="Verdana" panose="020B0604030504040204" pitchFamily="34" charset="0"/>
                 <a:ea typeface="Verdana" panose="020B0604030504040204" pitchFamily="34" charset="0"/>
               </a:rPr>
-              <a:t>kuala</a:t>
-            </a:r>
-            <a:r>
-              <a:rPr lang="en-US" sz="4800" b="1" dirty="0">
-                <a:latin typeface="Verdana" panose="020B0604030504040204" pitchFamily="34" charset="0"/>
-                <a:ea typeface="Verdana" panose="020B0604030504040204" pitchFamily="34" charset="0"/>
-              </a:rPr>
-              <a:t> </a:t>
-            </a:r>
-            <a:r>
-              <a:rPr lang="en-US" sz="4800" b="1" dirty="0" err="1">
-                <a:latin typeface="Verdana" panose="020B0604030504040204" pitchFamily="34" charset="0"/>
-                <a:ea typeface="Verdana" panose="020B0604030504040204" pitchFamily="34" charset="0"/>
-              </a:rPr>
-              <a:t>lumpur</a:t>
+              <a:t>sabah</a:t>
             </a:r>
             <a:endParaRPr lang="en-MY" sz="4800" b="1" dirty="0">
               <a:latin typeface="Verdana" panose="020B0604030504040204" pitchFamily="34" charset="0"/>
@@ -5059,10 +5039,10 @@
       </p:sp>
       <p:sp>
         <p:nvSpPr>
-          <p:cNvPr id="89" name="Rectangle: Rounded Corners 88">
+          <p:cNvPr id="152" name="Rectangle: Rounded Corners 151">
             <a:extLst>
               <a:ext uri="{FF2B5EF4-FFF2-40B4-BE49-F238E27FC236}">
-                <a16:creationId xmlns:a16="http://schemas.microsoft.com/office/drawing/2014/main" id="{B298BA8A-A79F-1373-A1DF-5C9320508BDF}"/>
+                <a16:creationId xmlns:a16="http://schemas.microsoft.com/office/drawing/2014/main" id="{BC5ED05D-0C5C-7F31-5DAB-C40C9197C84E}"/>
               </a:ext>
             </a:extLst>
           </p:cNvPr>
@@ -5071,7 +5051,7 @@
         </p:nvSpPr>
         <p:spPr>
           <a:xfrm>
-            <a:off x="3651741" y="23507139"/>
+            <a:off x="3640016" y="17642255"/>
             <a:ext cx="4994033" cy="2133496"/>
           </a:xfrm>
           <a:prstGeom prst="roundRect">
@@ -5111,10 +5091,10 @@
       </p:sp>
       <p:sp>
         <p:nvSpPr>
-          <p:cNvPr id="90" name="Rectangle: Rounded Corners 89">
+          <p:cNvPr id="153" name="Rectangle: Rounded Corners 152">
             <a:extLst>
               <a:ext uri="{FF2B5EF4-FFF2-40B4-BE49-F238E27FC236}">
-                <a16:creationId xmlns:a16="http://schemas.microsoft.com/office/drawing/2014/main" id="{DFA21144-3857-7D37-4C46-EFB5F6907514}"/>
+                <a16:creationId xmlns:a16="http://schemas.microsoft.com/office/drawing/2014/main" id="{32A37066-9990-74E7-029F-BD9E26B50B5D}"/>
               </a:ext>
             </a:extLst>
           </p:cNvPr>
@@ -5123,21 +5103,20 @@
         </p:nvSpPr>
         <p:spPr>
           <a:xfrm>
-            <a:off x="1471249" y="23507140"/>
+            <a:off x="1468350" y="17655063"/>
             <a:ext cx="2860433" cy="2156942"/>
           </a:xfrm>
           <a:prstGeom prst="roundRect">
             <a:avLst/>
           </a:prstGeom>
-          <a:blipFill dpi="0" rotWithShape="1">
-            <a:blip r:embed="rId6">
+          <a:blipFill>
+            <a:blip r:embed="rId8">
               <a:extLst>
                 <a:ext uri="{28A0092B-C50C-407E-A947-70E740481C1C}">
                   <a14:useLocalDpi xmlns:a14="http://schemas.microsoft.com/office/drawing/2010/main" val="0"/>
                 </a:ext>
               </a:extLst>
             </a:blip>
-            <a:srcRect/>
             <a:stretch>
               <a:fillRect/>
             </a:stretch>
@@ -5167,16 +5146,16 @@
           <a:lstStyle/>
           <a:p>
             <a:pPr algn="ctr"/>
-            <a:endParaRPr lang="en-MY"/>
-          </a:p>
-        </p:txBody>
-      </p:sp>
-      <p:sp>
-        <p:nvSpPr>
-          <p:cNvPr id="91" name="TextBox 90">
+            <a:endParaRPr lang="en-MY" dirty="0"/>
+          </a:p>
+        </p:txBody>
+      </p:sp>
+      <p:sp>
+        <p:nvSpPr>
+          <p:cNvPr id="154" name="TextBox 153">
             <a:extLst>
               <a:ext uri="{FF2B5EF4-FFF2-40B4-BE49-F238E27FC236}">
-                <a16:creationId xmlns:a16="http://schemas.microsoft.com/office/drawing/2014/main" id="{43130609-0F24-71A5-B824-C76000B9DC64}"/>
+                <a16:creationId xmlns:a16="http://schemas.microsoft.com/office/drawing/2014/main" id="{8433D851-733D-E2D4-9301-01215201BDF0}"/>
               </a:ext>
             </a:extLst>
           </p:cNvPr>
@@ -5185,8 +5164,8 @@
         </p:nvSpPr>
         <p:spPr>
           <a:xfrm>
-            <a:off x="4331678" y="23626236"/>
-            <a:ext cx="4349112" cy="523220"/>
+            <a:off x="4366553" y="17807507"/>
+            <a:ext cx="4290796" cy="531736"/>
           </a:xfrm>
           <a:prstGeom prst="rect">
             <a:avLst/>
@@ -5205,7 +5184,7 @@
                 <a:latin typeface="Verdana" panose="020B0604030504040204" pitchFamily="34" charset="0"/>
                 <a:ea typeface="Verdana" panose="020B0604030504040204" pitchFamily="34" charset="0"/>
               </a:rPr>
-              <a:t>PUTRAJAYA</a:t>
+              <a:t>SARAWAK</a:t>
             </a:r>
             <a:endParaRPr lang="en-MY" sz="2800" b="1" dirty="0">
               <a:latin typeface="Verdana" panose="020B0604030504040204" pitchFamily="34" charset="0"/>
@@ -5216,10 +5195,10 @@
       </p:sp>
       <p:sp>
         <p:nvSpPr>
-          <p:cNvPr id="92" name="TextBox 91">
+          <p:cNvPr id="155" name="TextBox 154">
             <a:extLst>
               <a:ext uri="{FF2B5EF4-FFF2-40B4-BE49-F238E27FC236}">
-                <a16:creationId xmlns:a16="http://schemas.microsoft.com/office/drawing/2014/main" id="{A0744066-3E5C-17E6-657E-33668218071C}"/>
+                <a16:creationId xmlns:a16="http://schemas.microsoft.com/office/drawing/2014/main" id="{630A4649-97AC-0A40-6715-9DADC7D0A011}"/>
               </a:ext>
             </a:extLst>
           </p:cNvPr>
@@ -5228,8 +5207,8 @@
         </p:nvSpPr>
         <p:spPr>
           <a:xfrm>
-            <a:off x="4366558" y="24165429"/>
-            <a:ext cx="4255769" cy="830997"/>
+            <a:off x="4345515" y="18320800"/>
+            <a:ext cx="4372559" cy="830997"/>
           </a:xfrm>
           <a:prstGeom prst="rect">
             <a:avLst/>
@@ -5248,7 +5227,7 @@
                 <a:latin typeface="Verdana" panose="020B0604030504040204" pitchFamily="34" charset="0"/>
                 <a:ea typeface="Verdana" panose="020B0604030504040204" pitchFamily="34" charset="0"/>
               </a:rPr>
-              <a:t>putrajaya</a:t>
+              <a:t>sarawak</a:t>
             </a:r>
             <a:endParaRPr lang="en-MY" sz="4800" b="1" dirty="0">
               <a:latin typeface="Verdana" panose="020B0604030504040204" pitchFamily="34" charset="0"/>
@@ -5259,10 +5238,10 @@
       </p:sp>
       <p:sp>
         <p:nvSpPr>
-          <p:cNvPr id="102" name="Rectangle: Rounded Corners 101">
+          <p:cNvPr id="156" name="Rectangle: Rounded Corners 155">
             <a:extLst>
               <a:ext uri="{FF2B5EF4-FFF2-40B4-BE49-F238E27FC236}">
-                <a16:creationId xmlns:a16="http://schemas.microsoft.com/office/drawing/2014/main" id="{FB7DB1D8-C5D7-3F89-8189-0835F7B0E3C6}"/>
+                <a16:creationId xmlns:a16="http://schemas.microsoft.com/office/drawing/2014/main" id="{AE48A34B-5414-C535-FE8C-0041D7224828}"/>
               </a:ext>
             </a:extLst>
           </p:cNvPr>
@@ -5271,8 +5250,8 @@
         </p:nvSpPr>
         <p:spPr>
           <a:xfrm>
-            <a:off x="3651741" y="26402738"/>
-            <a:ext cx="4994033" cy="2133496"/>
+            <a:off x="21617868" y="11904401"/>
+            <a:ext cx="4994033" cy="2158233"/>
           </a:xfrm>
           <a:prstGeom prst="roundRect">
             <a:avLst/>
@@ -5311,10 +5290,10 @@
       </p:sp>
       <p:sp>
         <p:nvSpPr>
-          <p:cNvPr id="103" name="Rectangle: Rounded Corners 102">
+          <p:cNvPr id="157" name="Rectangle: Rounded Corners 156">
             <a:extLst>
               <a:ext uri="{FF2B5EF4-FFF2-40B4-BE49-F238E27FC236}">
-                <a16:creationId xmlns:a16="http://schemas.microsoft.com/office/drawing/2014/main" id="{DA663A5D-DE24-3F88-76F7-DDEABD1FF7C4}"/>
+                <a16:creationId xmlns:a16="http://schemas.microsoft.com/office/drawing/2014/main" id="{1890269D-74E3-5667-04EF-3538FA740E97}"/>
               </a:ext>
             </a:extLst>
           </p:cNvPr>
@@ -5323,8 +5302,8 @@
         </p:nvSpPr>
         <p:spPr>
           <a:xfrm>
-            <a:off x="1459525" y="26355847"/>
-            <a:ext cx="2860433" cy="2156942"/>
+            <a:off x="25966983" y="11909150"/>
+            <a:ext cx="2860433" cy="2151358"/>
           </a:xfrm>
           <a:prstGeom prst="roundRect">
             <a:avLst/>
@@ -5372,10 +5351,10 @@
       </p:sp>
       <p:sp>
         <p:nvSpPr>
-          <p:cNvPr id="106" name="TextBox 105">
+          <p:cNvPr id="158" name="TextBox 157">
             <a:extLst>
               <a:ext uri="{FF2B5EF4-FFF2-40B4-BE49-F238E27FC236}">
-                <a16:creationId xmlns:a16="http://schemas.microsoft.com/office/drawing/2014/main" id="{4A50B519-0188-831F-98DB-89CE9683EED9}"/>
+                <a16:creationId xmlns:a16="http://schemas.microsoft.com/office/drawing/2014/main" id="{469B75E7-5B34-0670-264E-9D37CCD2C595}"/>
               </a:ext>
             </a:extLst>
           </p:cNvPr>
@@ -5384,8 +5363,8 @@
         </p:nvSpPr>
         <p:spPr>
           <a:xfrm>
-            <a:off x="4273066" y="26521836"/>
-            <a:ext cx="4314237" cy="523220"/>
+            <a:off x="21617863" y="12094736"/>
+            <a:ext cx="4372560" cy="523220"/>
           </a:xfrm>
           <a:prstGeom prst="rect">
             <a:avLst/>
@@ -5404,7 +5383,7 @@
                 <a:latin typeface="Verdana" panose="020B0604030504040204" pitchFamily="34" charset="0"/>
                 <a:ea typeface="Verdana" panose="020B0604030504040204" pitchFamily="34" charset="0"/>
               </a:rPr>
-              <a:t>N. SEMBILAN</a:t>
+              <a:t>KELANTAN</a:t>
             </a:r>
             <a:endParaRPr lang="en-MY" sz="2800" b="1" dirty="0">
               <a:latin typeface="Verdana" panose="020B0604030504040204" pitchFamily="34" charset="0"/>
@@ -5415,10 +5394,10 @@
       </p:sp>
       <p:sp>
         <p:nvSpPr>
-          <p:cNvPr id="107" name="TextBox 106">
+          <p:cNvPr id="159" name="TextBox 158">
             <a:extLst>
               <a:ext uri="{FF2B5EF4-FFF2-40B4-BE49-F238E27FC236}">
-                <a16:creationId xmlns:a16="http://schemas.microsoft.com/office/drawing/2014/main" id="{7FD64DC8-81C0-AD83-E1D9-A50CBEC24A8F}"/>
+                <a16:creationId xmlns:a16="http://schemas.microsoft.com/office/drawing/2014/main" id="{FAE92EEA-0EC0-BC7D-7A93-218FF7E5B05E}"/>
               </a:ext>
             </a:extLst>
           </p:cNvPr>
@@ -5427,8 +5406,8 @@
         </p:nvSpPr>
         <p:spPr>
           <a:xfrm>
-            <a:off x="4366555" y="27061031"/>
-            <a:ext cx="4314237" cy="830997"/>
+            <a:off x="21617865" y="12588099"/>
+            <a:ext cx="4337388" cy="830997"/>
           </a:xfrm>
           <a:prstGeom prst="rect">
             <a:avLst/>
@@ -5442,19 +5421,12 @@
           <a:lstStyle/>
           <a:p>
             <a:pPr algn="ctr"/>
-            <a:r>
-              <a:rPr lang="en-US" sz="4800" b="1" dirty="0">
-                <a:latin typeface="Verdana" panose="020B0604030504040204" pitchFamily="34" charset="0"/>
-                <a:ea typeface="Verdana" panose="020B0604030504040204" pitchFamily="34" charset="0"/>
-              </a:rPr>
-              <a:t>n. </a:t>
-            </a:r>
             <a:r>
               <a:rPr lang="en-US" sz="4800" b="1" dirty="0" err="1">
                 <a:latin typeface="Verdana" panose="020B0604030504040204" pitchFamily="34" charset="0"/>
                 <a:ea typeface="Verdana" panose="020B0604030504040204" pitchFamily="34" charset="0"/>
               </a:rPr>
-              <a:t>sembilan</a:t>
+              <a:t>kelantan</a:t>
             </a:r>
             <a:endParaRPr lang="en-MY" sz="4800" b="1" dirty="0">
               <a:latin typeface="Verdana" panose="020B0604030504040204" pitchFamily="34" charset="0"/>
@@ -5465,10 +5437,10 @@
       </p:sp>
       <p:sp>
         <p:nvSpPr>
-          <p:cNvPr id="108" name="Rectangle: Rounded Corners 107">
+          <p:cNvPr id="160" name="Rectangle: Rounded Corners 159">
             <a:extLst>
               <a:ext uri="{FF2B5EF4-FFF2-40B4-BE49-F238E27FC236}">
-                <a16:creationId xmlns:a16="http://schemas.microsoft.com/office/drawing/2014/main" id="{611937A7-7944-5BBA-0E3F-F9DDD06C9EA7}"/>
+                <a16:creationId xmlns:a16="http://schemas.microsoft.com/office/drawing/2014/main" id="{22C4D5FC-EABE-7C34-871D-D7DCE4B75DDD}"/>
               </a:ext>
             </a:extLst>
           </p:cNvPr>
@@ -5477,8 +5449,8 @@
         </p:nvSpPr>
         <p:spPr>
           <a:xfrm>
-            <a:off x="21582555" y="6209121"/>
-            <a:ext cx="4994033" cy="2133496"/>
+            <a:off x="21604936" y="14764490"/>
+            <a:ext cx="4994033" cy="2149329"/>
           </a:xfrm>
           <a:prstGeom prst="roundRect">
             <a:avLst/>
@@ -5517,10 +5489,10 @@
       </p:sp>
       <p:sp>
         <p:nvSpPr>
-          <p:cNvPr id="109" name="Rectangle: Rounded Corners 108">
+          <p:cNvPr id="161" name="Rectangle: Rounded Corners 160">
             <a:extLst>
               <a:ext uri="{FF2B5EF4-FFF2-40B4-BE49-F238E27FC236}">
-                <a16:creationId xmlns:a16="http://schemas.microsoft.com/office/drawing/2014/main" id="{99780B40-0F8B-BC95-3A5F-72DE037A4C1E}"/>
+                <a16:creationId xmlns:a16="http://schemas.microsoft.com/office/drawing/2014/main" id="{2B7CCDA5-7BB8-8132-561E-D5662773A509}"/>
               </a:ext>
             </a:extLst>
           </p:cNvPr>
@@ -5529,7 +5501,7 @@
         </p:nvSpPr>
         <p:spPr>
           <a:xfrm>
-            <a:off x="25931670" y="6213870"/>
+            <a:off x="25954049" y="14769237"/>
             <a:ext cx="2860433" cy="2156942"/>
           </a:xfrm>
           <a:prstGeom prst="roundRect">
@@ -5578,10 +5550,10 @@
       </p:sp>
       <p:sp>
         <p:nvSpPr>
-          <p:cNvPr id="110" name="TextBox 109">
+          <p:cNvPr id="162" name="TextBox 161">
             <a:extLst>
               <a:ext uri="{FF2B5EF4-FFF2-40B4-BE49-F238E27FC236}">
-                <a16:creationId xmlns:a16="http://schemas.microsoft.com/office/drawing/2014/main" id="{294E7B61-B00D-290A-FB3F-D9A77C03B906}"/>
+                <a16:creationId xmlns:a16="http://schemas.microsoft.com/office/drawing/2014/main" id="{832EEE31-8BE3-D114-95A1-D49B558AC992}"/>
               </a:ext>
             </a:extLst>
           </p:cNvPr>
@@ -5590,8 +5562,8 @@
         </p:nvSpPr>
         <p:spPr>
           <a:xfrm>
-            <a:off x="21582553" y="6399455"/>
-            <a:ext cx="4337391" cy="523220"/>
+            <a:off x="21604930" y="14954823"/>
+            <a:ext cx="4360836" cy="523220"/>
           </a:xfrm>
           <a:prstGeom prst="rect">
             <a:avLst/>
@@ -5610,7 +5582,7 @@
                 <a:latin typeface="Verdana" panose="020B0604030504040204" pitchFamily="34" charset="0"/>
                 <a:ea typeface="Verdana" panose="020B0604030504040204" pitchFamily="34" charset="0"/>
               </a:rPr>
-              <a:t>SABAH</a:t>
+              <a:t>TERENGGANU</a:t>
             </a:r>
             <a:endParaRPr lang="en-MY" sz="2800" b="1" dirty="0">
               <a:latin typeface="Verdana" panose="020B0604030504040204" pitchFamily="34" charset="0"/>
@@ -5621,10 +5593,10 @@
       </p:sp>
       <p:sp>
         <p:nvSpPr>
-          <p:cNvPr id="111" name="TextBox 110">
+          <p:cNvPr id="163" name="TextBox 162">
             <a:extLst>
               <a:ext uri="{FF2B5EF4-FFF2-40B4-BE49-F238E27FC236}">
-                <a16:creationId xmlns:a16="http://schemas.microsoft.com/office/drawing/2014/main" id="{BEE82F7E-FF36-40FF-792A-B38A2F5F1108}"/>
+                <a16:creationId xmlns:a16="http://schemas.microsoft.com/office/drawing/2014/main" id="{8B734220-F4E8-573E-27BA-CDC4236A411F}"/>
               </a:ext>
             </a:extLst>
           </p:cNvPr>
@@ -5633,8 +5605,8 @@
         </p:nvSpPr>
         <p:spPr>
           <a:xfrm>
-            <a:off x="21582552" y="6892819"/>
-            <a:ext cx="4360836" cy="830997"/>
+            <a:off x="21604936" y="15448188"/>
+            <a:ext cx="4325665" cy="830997"/>
           </a:xfrm>
           <a:prstGeom prst="rect">
             <a:avLst/>
@@ -5653,7 +5625,7 @@
                 <a:latin typeface="Verdana" panose="020B0604030504040204" pitchFamily="34" charset="0"/>
                 <a:ea typeface="Verdana" panose="020B0604030504040204" pitchFamily="34" charset="0"/>
               </a:rPr>
-              <a:t>sabah</a:t>
+              <a:t>terengganu</a:t>
             </a:r>
             <a:endParaRPr lang="en-MY" sz="4800" b="1" dirty="0">
               <a:latin typeface="Verdana" panose="020B0604030504040204" pitchFamily="34" charset="0"/>
@@ -5664,10 +5636,10 @@
       </p:sp>
       <p:sp>
         <p:nvSpPr>
-          <p:cNvPr id="148" name="Rectangle: Rounded Corners 147">
+          <p:cNvPr id="164" name="Rectangle: Rounded Corners 163">
             <a:extLst>
               <a:ext uri="{FF2B5EF4-FFF2-40B4-BE49-F238E27FC236}">
-                <a16:creationId xmlns:a16="http://schemas.microsoft.com/office/drawing/2014/main" id="{201434A0-423B-4FE0-B1AB-D412DABA7A4B}"/>
+                <a16:creationId xmlns:a16="http://schemas.microsoft.com/office/drawing/2014/main" id="{B4AB75AE-3437-F4F2-2F87-9A6D5C2DC6B6}"/>
               </a:ext>
             </a:extLst>
           </p:cNvPr>
@@ -5676,7 +5648,7 @@
         </p:nvSpPr>
         <p:spPr>
           <a:xfrm>
-            <a:off x="21594279" y="9082198"/>
+            <a:off x="21676479" y="17613245"/>
             <a:ext cx="4994033" cy="2133496"/>
           </a:xfrm>
           <a:prstGeom prst="roundRect">
@@ -5716,10 +5688,10 @@
       </p:sp>
       <p:sp>
         <p:nvSpPr>
-          <p:cNvPr id="149" name="Rectangle: Rounded Corners 148">
+          <p:cNvPr id="165" name="Rectangle: Rounded Corners 164">
             <a:extLst>
               <a:ext uri="{FF2B5EF4-FFF2-40B4-BE49-F238E27FC236}">
-                <a16:creationId xmlns:a16="http://schemas.microsoft.com/office/drawing/2014/main" id="{4C5289F6-7E4B-76C5-C949-E222ACF9078C}"/>
+                <a16:creationId xmlns:a16="http://schemas.microsoft.com/office/drawing/2014/main" id="{FEFA7EFD-FA47-611F-9632-3E4E9D0D03DF}"/>
               </a:ext>
             </a:extLst>
           </p:cNvPr>
@@ -5728,21 +5700,20 @@
         </p:nvSpPr>
         <p:spPr>
           <a:xfrm>
-            <a:off x="25943392" y="9086945"/>
-            <a:ext cx="2860433" cy="2156942"/>
+            <a:off x="25954049" y="17617991"/>
+            <a:ext cx="2860433" cy="2140473"/>
           </a:xfrm>
           <a:prstGeom prst="roundRect">
             <a:avLst/>
           </a:prstGeom>
-          <a:blipFill dpi="0" rotWithShape="1">
-            <a:blip r:embed="rId6">
+          <a:blipFill>
+            <a:blip r:embed="rId11">
               <a:extLst>
                 <a:ext uri="{28A0092B-C50C-407E-A947-70E740481C1C}">
                   <a14:useLocalDpi xmlns:a14="http://schemas.microsoft.com/office/drawing/2010/main" val="0"/>
                 </a:ext>
               </a:extLst>
             </a:blip>
-            <a:srcRect/>
             <a:stretch>
               <a:fillRect/>
             </a:stretch>
@@ -5778,10 +5749,10 @@
       </p:sp>
       <p:sp>
         <p:nvSpPr>
-          <p:cNvPr id="150" name="TextBox 149">
+          <p:cNvPr id="166" name="TextBox 165">
             <a:extLst>
               <a:ext uri="{FF2B5EF4-FFF2-40B4-BE49-F238E27FC236}">
-                <a16:creationId xmlns:a16="http://schemas.microsoft.com/office/drawing/2014/main" id="{9D855FCA-DC86-F43A-D93E-D972A961CC86}"/>
+                <a16:creationId xmlns:a16="http://schemas.microsoft.com/office/drawing/2014/main" id="{9DB13EF1-8CD1-9E73-8188-4AEEC16C7AC8}"/>
               </a:ext>
             </a:extLst>
           </p:cNvPr>
@@ -5790,8 +5761,8 @@
         </p:nvSpPr>
         <p:spPr>
           <a:xfrm>
-            <a:off x="21594276" y="9272530"/>
-            <a:ext cx="4325667" cy="523220"/>
+            <a:off x="21676476" y="17803577"/>
+            <a:ext cx="4349113" cy="523220"/>
           </a:xfrm>
           <a:prstGeom prst="rect">
             <a:avLst/>
@@ -5810,7 +5781,7 @@
                 <a:latin typeface="Verdana" panose="020B0604030504040204" pitchFamily="34" charset="0"/>
                 <a:ea typeface="Verdana" panose="020B0604030504040204" pitchFamily="34" charset="0"/>
               </a:rPr>
-              <a:t>LABUAN</a:t>
+              <a:t>PAHANG</a:t>
             </a:r>
             <a:endParaRPr lang="en-MY" sz="2800" b="1" dirty="0">
               <a:latin typeface="Verdana" panose="020B0604030504040204" pitchFamily="34" charset="0"/>
@@ -5821,10 +5792,10 @@
       </p:sp>
       <p:sp>
         <p:nvSpPr>
-          <p:cNvPr id="151" name="TextBox 150">
+          <p:cNvPr id="167" name="TextBox 166">
             <a:extLst>
               <a:ext uri="{FF2B5EF4-FFF2-40B4-BE49-F238E27FC236}">
-                <a16:creationId xmlns:a16="http://schemas.microsoft.com/office/drawing/2014/main" id="{CDCA9D55-F0DB-7470-F866-7C902D2A9567}"/>
+                <a16:creationId xmlns:a16="http://schemas.microsoft.com/office/drawing/2014/main" id="{62ECF226-8E6B-5658-2156-A9572A4E86E0}"/>
               </a:ext>
             </a:extLst>
           </p:cNvPr>
@@ -5833,8 +5804,8 @@
         </p:nvSpPr>
         <p:spPr>
           <a:xfrm>
-            <a:off x="21594279" y="9765894"/>
-            <a:ext cx="4325665" cy="830997"/>
+            <a:off x="21676476" y="18296942"/>
+            <a:ext cx="4313942" cy="830997"/>
           </a:xfrm>
           <a:prstGeom prst="rect">
             <a:avLst/>
@@ -5853,7 +5824,7 @@
                 <a:latin typeface="Verdana" panose="020B0604030504040204" pitchFamily="34" charset="0"/>
                 <a:ea typeface="Verdana" panose="020B0604030504040204" pitchFamily="34" charset="0"/>
               </a:rPr>
-              <a:t>labuan</a:t>
+              <a:t>pahang</a:t>
             </a:r>
             <a:endParaRPr lang="en-MY" sz="4800" b="1" dirty="0">
               <a:latin typeface="Verdana" panose="020B0604030504040204" pitchFamily="34" charset="0"/>
@@ -5864,10 +5835,10 @@
       </p:sp>
       <p:sp>
         <p:nvSpPr>
-          <p:cNvPr id="152" name="Rectangle: Rounded Corners 151">
+          <p:cNvPr id="168" name="Rectangle: Rounded Corners 167">
             <a:extLst>
               <a:ext uri="{FF2B5EF4-FFF2-40B4-BE49-F238E27FC236}">
-                <a16:creationId xmlns:a16="http://schemas.microsoft.com/office/drawing/2014/main" id="{BC5ED05D-0C5C-7F31-5DAB-C40C9197C84E}"/>
+                <a16:creationId xmlns:a16="http://schemas.microsoft.com/office/drawing/2014/main" id="{40BBD63F-9F0F-8700-5AEC-2A30B9CC6F89}"/>
               </a:ext>
             </a:extLst>
           </p:cNvPr>
@@ -5876,8 +5847,8 @@
         </p:nvSpPr>
         <p:spPr>
           <a:xfrm>
-            <a:off x="21570832" y="11942328"/>
-            <a:ext cx="4994033" cy="2133496"/>
+            <a:off x="3663468" y="26283094"/>
+            <a:ext cx="4994033" cy="2173310"/>
           </a:xfrm>
           <a:prstGeom prst="roundRect">
             <a:avLst/>
@@ -5916,10 +5887,96 @@
       </p:sp>
       <p:sp>
         <p:nvSpPr>
-          <p:cNvPr id="153" name="Rectangle: Rounded Corners 152">
+          <p:cNvPr id="170" name="TextBox 169">
             <a:extLst>
               <a:ext uri="{FF2B5EF4-FFF2-40B4-BE49-F238E27FC236}">
-                <a16:creationId xmlns:a16="http://schemas.microsoft.com/office/drawing/2014/main" id="{32A37066-9990-74E7-029F-BD9E26B50B5D}"/>
+                <a16:creationId xmlns:a16="http://schemas.microsoft.com/office/drawing/2014/main" id="{DF31A802-D002-C92B-121A-7E216B57D882}"/>
+              </a:ext>
+            </a:extLst>
+          </p:cNvPr>
+          <p:cNvSpPr txBox="1"/>
+          <p:nvPr/>
+        </p:nvSpPr>
+        <p:spPr>
+          <a:xfrm>
+            <a:off x="4378583" y="26513241"/>
+            <a:ext cx="4278766" cy="523220"/>
+          </a:xfrm>
+          <a:prstGeom prst="rect">
+            <a:avLst/>
+          </a:prstGeom>
+          <a:noFill/>
+        </p:spPr>
+        <p:txBody>
+          <a:bodyPr wrap="square" rtlCol="0">
+            <a:spAutoFit/>
+          </a:bodyPr>
+          <a:lstStyle/>
+          <a:p>
+            <a:pPr algn="ctr"/>
+            <a:r>
+              <a:rPr lang="en-US" sz="2800" b="1" dirty="0">
+                <a:latin typeface="Verdana" panose="020B0604030504040204" pitchFamily="34" charset="0"/>
+                <a:ea typeface="Verdana" panose="020B0604030504040204" pitchFamily="34" charset="0"/>
+              </a:rPr>
+              <a:t>MELAKA</a:t>
+            </a:r>
+            <a:endParaRPr lang="en-MY" sz="2800" b="1" dirty="0">
+              <a:latin typeface="Verdana" panose="020B0604030504040204" pitchFamily="34" charset="0"/>
+              <a:ea typeface="Verdana" panose="020B0604030504040204" pitchFamily="34" charset="0"/>
+            </a:endParaRPr>
+          </a:p>
+        </p:txBody>
+      </p:sp>
+      <p:sp>
+        <p:nvSpPr>
+          <p:cNvPr id="171" name="TextBox 170">
+            <a:extLst>
+              <a:ext uri="{FF2B5EF4-FFF2-40B4-BE49-F238E27FC236}">
+                <a16:creationId xmlns:a16="http://schemas.microsoft.com/office/drawing/2014/main" id="{6B0B2133-EE6C-8F12-7C73-49CDE03EAA11}"/>
+              </a:ext>
+            </a:extLst>
+          </p:cNvPr>
+          <p:cNvSpPr txBox="1"/>
+          <p:nvPr/>
+        </p:nvSpPr>
+        <p:spPr>
+          <a:xfrm>
+            <a:off x="4378431" y="27006605"/>
+            <a:ext cx="4278918" cy="830997"/>
+          </a:xfrm>
+          <a:prstGeom prst="rect">
+            <a:avLst/>
+          </a:prstGeom>
+          <a:noFill/>
+        </p:spPr>
+        <p:txBody>
+          <a:bodyPr wrap="square" rtlCol="0">
+            <a:spAutoFit/>
+          </a:bodyPr>
+          <a:lstStyle/>
+          <a:p>
+            <a:pPr algn="ctr"/>
+            <a:r>
+              <a:rPr lang="en-US" sz="4800" b="1" dirty="0" err="1">
+                <a:latin typeface="Verdana" panose="020B0604030504040204" pitchFamily="34" charset="0"/>
+                <a:ea typeface="Verdana" panose="020B0604030504040204" pitchFamily="34" charset="0"/>
+              </a:rPr>
+              <a:t>melaka</a:t>
+            </a:r>
+            <a:endParaRPr lang="en-MY" sz="4800" b="1" dirty="0">
+              <a:latin typeface="Verdana" panose="020B0604030504040204" pitchFamily="34" charset="0"/>
+              <a:ea typeface="Verdana" panose="020B0604030504040204" pitchFamily="34" charset="0"/>
+            </a:endParaRPr>
+          </a:p>
+        </p:txBody>
+      </p:sp>
+      <p:sp>
+        <p:nvSpPr>
+          <p:cNvPr id="172" name="Rectangle: Rounded Corners 171">
+            <a:extLst>
+              <a:ext uri="{FF2B5EF4-FFF2-40B4-BE49-F238E27FC236}">
+                <a16:creationId xmlns:a16="http://schemas.microsoft.com/office/drawing/2014/main" id="{AA824C57-31BF-2469-3D51-D56DF6EFD04A}"/>
               </a:ext>
             </a:extLst>
           </p:cNvPr>
@@ -5928,24 +5985,15 @@
         </p:nvSpPr>
         <p:spPr>
           <a:xfrm>
-            <a:off x="25919946" y="11947076"/>
-            <a:ext cx="2860433" cy="2156942"/>
+            <a:off x="3640019" y="14784794"/>
+            <a:ext cx="4994033" cy="2133496"/>
           </a:xfrm>
           <a:prstGeom prst="roundRect">
             <a:avLst/>
           </a:prstGeom>
-          <a:blipFill>
-            <a:blip r:embed="rId11">
-              <a:extLst>
-                <a:ext uri="{28A0092B-C50C-407E-A947-70E740481C1C}">
-                  <a14:useLocalDpi xmlns:a14="http://schemas.microsoft.com/office/drawing/2010/main" val="0"/>
-                </a:ext>
-              </a:extLst>
-            </a:blip>
-            <a:stretch>
-              <a:fillRect/>
-            </a:stretch>
-          </a:blipFill>
+          <a:solidFill>
+            <a:schemeClr val="bg1"/>
+          </a:solidFill>
           <a:ln>
             <a:noFill/>
           </a:ln>
@@ -5977,10 +6025,10 @@
       </p:sp>
       <p:sp>
         <p:nvSpPr>
-          <p:cNvPr id="154" name="TextBox 153">
+          <p:cNvPr id="174" name="TextBox 173">
             <a:extLst>
               <a:ext uri="{FF2B5EF4-FFF2-40B4-BE49-F238E27FC236}">
-                <a16:creationId xmlns:a16="http://schemas.microsoft.com/office/drawing/2014/main" id="{8433D851-733D-E2D4-9301-01215201BDF0}"/>
+                <a16:creationId xmlns:a16="http://schemas.microsoft.com/office/drawing/2014/main" id="{54E5CDA4-FA80-F7B1-68E9-6374B63C44A5}"/>
               </a:ext>
             </a:extLst>
           </p:cNvPr>
@@ -5989,8 +6037,8 @@
         </p:nvSpPr>
         <p:spPr>
           <a:xfrm>
-            <a:off x="21570830" y="12132663"/>
-            <a:ext cx="4384283" cy="523220"/>
+            <a:off x="4319957" y="15027407"/>
+            <a:ext cx="4360835" cy="523220"/>
           </a:xfrm>
           <a:prstGeom prst="rect">
             <a:avLst/>
@@ -6009,7 +6057,7 @@
                 <a:latin typeface="Verdana" panose="020B0604030504040204" pitchFamily="34" charset="0"/>
                 <a:ea typeface="Verdana" panose="020B0604030504040204" pitchFamily="34" charset="0"/>
               </a:rPr>
-              <a:t>SARAWAK</a:t>
+              <a:t>JOHOR</a:t>
             </a:r>
             <a:endParaRPr lang="en-MY" sz="2800" b="1" dirty="0">
               <a:latin typeface="Verdana" panose="020B0604030504040204" pitchFamily="34" charset="0"/>
@@ -6020,10 +6068,10 @@
       </p:sp>
       <p:sp>
         <p:nvSpPr>
-          <p:cNvPr id="155" name="TextBox 154">
+          <p:cNvPr id="175" name="TextBox 174">
             <a:extLst>
               <a:ext uri="{FF2B5EF4-FFF2-40B4-BE49-F238E27FC236}">
-                <a16:creationId xmlns:a16="http://schemas.microsoft.com/office/drawing/2014/main" id="{630A4649-97AC-0A40-6715-9DADC7D0A011}"/>
+                <a16:creationId xmlns:a16="http://schemas.microsoft.com/office/drawing/2014/main" id="{7ED0243D-AF72-862D-4CC8-CD8360A9FBD6}"/>
               </a:ext>
             </a:extLst>
           </p:cNvPr>
@@ -6032,8 +6080,8 @@
         </p:nvSpPr>
         <p:spPr>
           <a:xfrm>
-            <a:off x="21570832" y="12626025"/>
-            <a:ext cx="4372559" cy="830997"/>
+            <a:off x="4296366" y="15422805"/>
+            <a:ext cx="4325665" cy="830997"/>
           </a:xfrm>
           <a:prstGeom prst="rect">
             <a:avLst/>
@@ -6052,7 +6100,7 @@
                 <a:latin typeface="Verdana" panose="020B0604030504040204" pitchFamily="34" charset="0"/>
                 <a:ea typeface="Verdana" panose="020B0604030504040204" pitchFamily="34" charset="0"/>
               </a:rPr>
-              <a:t>sarawak</a:t>
+              <a:t>johor</a:t>
             </a:r>
             <a:endParaRPr lang="en-MY" sz="4800" b="1" dirty="0">
               <a:latin typeface="Verdana" panose="020B0604030504040204" pitchFamily="34" charset="0"/>
@@ -6061,12 +6109,156 @@
           </a:p>
         </p:txBody>
       </p:sp>
-      <p:sp>
-        <p:nvSpPr>
-          <p:cNvPr id="156" name="Rectangle: Rounded Corners 155">
+      <p:pic>
+        <p:nvPicPr>
+          <p:cNvPr id="11" name="Picture 10">
             <a:extLst>
               <a:ext uri="{FF2B5EF4-FFF2-40B4-BE49-F238E27FC236}">
-                <a16:creationId xmlns:a16="http://schemas.microsoft.com/office/drawing/2014/main" id="{AE48A34B-5414-C535-FE8C-0041D7224828}"/>
+                <a16:creationId xmlns:a16="http://schemas.microsoft.com/office/drawing/2014/main" id="{F028DCB5-A1A2-9B57-41AA-08AAEE8EA3CD}"/>
+              </a:ext>
+            </a:extLst>
+          </p:cNvPr>
+          <p:cNvPicPr>
+            <a:picLocks noChangeAspect="1"/>
+          </p:cNvPicPr>
+          <p:nvPr/>
+        </p:nvPicPr>
+        <p:blipFill>
+          <a:blip r:embed="rId12">
+            <a:extLst>
+              <a:ext uri="{28A0092B-C50C-407E-A947-70E740481C1C}">
+                <a14:useLocalDpi xmlns:a14="http://schemas.microsoft.com/office/drawing/2010/main" val="0"/>
+              </a:ext>
+            </a:extLst>
+          </a:blip>
+          <a:stretch>
+            <a:fillRect/>
+          </a:stretch>
+        </p:blipFill>
+        <p:spPr>
+          <a:xfrm>
+            <a:off x="1465324" y="6125359"/>
+            <a:ext cx="2901229" cy="2133496"/>
+          </a:xfrm>
+          <a:prstGeom prst="roundRect">
+            <a:avLst/>
+          </a:prstGeom>
+        </p:spPr>
+      </p:pic>
+      <p:pic>
+        <p:nvPicPr>
+          <p:cNvPr id="14" name="Picture 13">
+            <a:extLst>
+              <a:ext uri="{FF2B5EF4-FFF2-40B4-BE49-F238E27FC236}">
+                <a16:creationId xmlns:a16="http://schemas.microsoft.com/office/drawing/2014/main" id="{00E51CFC-77BE-624B-F627-0BD101FA4F79}"/>
+              </a:ext>
+            </a:extLst>
+          </p:cNvPr>
+          <p:cNvPicPr>
+            <a:picLocks noChangeAspect="1"/>
+          </p:cNvPicPr>
+          <p:nvPr/>
+        </p:nvPicPr>
+        <p:blipFill>
+          <a:blip r:embed="rId13">
+            <a:extLst>
+              <a:ext uri="{28A0092B-C50C-407E-A947-70E740481C1C}">
+                <a14:useLocalDpi xmlns:a14="http://schemas.microsoft.com/office/drawing/2010/main" val="0"/>
+              </a:ext>
+            </a:extLst>
+          </a:blip>
+          <a:stretch>
+            <a:fillRect/>
+          </a:stretch>
+        </p:blipFill>
+        <p:spPr>
+          <a:xfrm>
+            <a:off x="1465455" y="14755459"/>
+            <a:ext cx="2866224" cy="2162832"/>
+          </a:xfrm>
+          <a:prstGeom prst="roundRect">
+            <a:avLst/>
+          </a:prstGeom>
+        </p:spPr>
+      </p:pic>
+      <p:pic>
+        <p:nvPicPr>
+          <p:cNvPr id="17" name="Picture 16">
+            <a:extLst>
+              <a:ext uri="{FF2B5EF4-FFF2-40B4-BE49-F238E27FC236}">
+                <a16:creationId xmlns:a16="http://schemas.microsoft.com/office/drawing/2014/main" id="{DE58058B-8821-93E4-76C0-BE9859385B87}"/>
+              </a:ext>
+            </a:extLst>
+          </p:cNvPr>
+          <p:cNvPicPr>
+            <a:picLocks noChangeAspect="1"/>
+          </p:cNvPicPr>
+          <p:nvPr/>
+        </p:nvPicPr>
+        <p:blipFill>
+          <a:blip r:embed="rId14">
+            <a:extLst>
+              <a:ext uri="{28A0092B-C50C-407E-A947-70E740481C1C}">
+                <a14:useLocalDpi xmlns:a14="http://schemas.microsoft.com/office/drawing/2010/main" val="0"/>
+              </a:ext>
+            </a:extLst>
+          </a:blip>
+          <a:stretch>
+            <a:fillRect/>
+          </a:stretch>
+        </p:blipFill>
+        <p:spPr>
+          <a:xfrm>
+            <a:off x="1482975" y="26280961"/>
+            <a:ext cx="2895608" cy="2165342"/>
+          </a:xfrm>
+          <a:prstGeom prst="roundRect">
+            <a:avLst/>
+          </a:prstGeom>
+        </p:spPr>
+      </p:pic>
+      <p:pic>
+        <p:nvPicPr>
+          <p:cNvPr id="21" name="Picture 20">
+            <a:extLst>
+              <a:ext uri="{FF2B5EF4-FFF2-40B4-BE49-F238E27FC236}">
+                <a16:creationId xmlns:a16="http://schemas.microsoft.com/office/drawing/2014/main" id="{71F5E2D7-536B-E85E-D98C-E7B4EB01E502}"/>
+              </a:ext>
+            </a:extLst>
+          </p:cNvPr>
+          <p:cNvPicPr>
+            <a:picLocks noChangeAspect="1"/>
+          </p:cNvPicPr>
+          <p:nvPr/>
+        </p:nvPicPr>
+        <p:blipFill>
+          <a:blip r:embed="rId15">
+            <a:extLst>
+              <a:ext uri="{28A0092B-C50C-407E-A947-70E740481C1C}">
+                <a14:useLocalDpi xmlns:a14="http://schemas.microsoft.com/office/drawing/2010/main" val="0"/>
+              </a:ext>
+            </a:extLst>
+          </a:blip>
+          <a:stretch>
+            <a:fillRect/>
+          </a:stretch>
+        </p:blipFill>
+        <p:spPr>
+          <a:xfrm>
+            <a:off x="25966834" y="8992909"/>
+            <a:ext cx="2825269" cy="2158233"/>
+          </a:xfrm>
+          <a:prstGeom prst="roundRect">
+            <a:avLst/>
+          </a:prstGeom>
+        </p:spPr>
+      </p:pic>
+      <p:sp>
+        <p:nvSpPr>
+          <p:cNvPr id="22" name="Rectangle: Rounded Corners 21">
+            <a:extLst>
+              <a:ext uri="{FF2B5EF4-FFF2-40B4-BE49-F238E27FC236}">
+                <a16:creationId xmlns:a16="http://schemas.microsoft.com/office/drawing/2014/main" id="{FA809257-DBDB-F234-A403-85A47400E7BD}"/>
               </a:ext>
             </a:extLst>
           </p:cNvPr>
@@ -6075,8 +6267,8 @@
         </p:nvSpPr>
         <p:spPr>
           <a:xfrm>
-            <a:off x="21582555" y="14815403"/>
-            <a:ext cx="4994033" cy="2133496"/>
+            <a:off x="21617868" y="20530263"/>
+            <a:ext cx="4994033" cy="2158233"/>
           </a:xfrm>
           <a:prstGeom prst="roundRect">
             <a:avLst/>
@@ -6115,10 +6307,96 @@
       </p:sp>
       <p:sp>
         <p:nvSpPr>
-          <p:cNvPr id="157" name="Rectangle: Rounded Corners 156">
+          <p:cNvPr id="24" name="TextBox 23">
             <a:extLst>
               <a:ext uri="{FF2B5EF4-FFF2-40B4-BE49-F238E27FC236}">
-                <a16:creationId xmlns:a16="http://schemas.microsoft.com/office/drawing/2014/main" id="{1890269D-74E3-5667-04EF-3538FA740E97}"/>
+                <a16:creationId xmlns:a16="http://schemas.microsoft.com/office/drawing/2014/main" id="{CE026912-194C-185E-13FA-996A0C7579B6}"/>
+              </a:ext>
+            </a:extLst>
+          </p:cNvPr>
+          <p:cNvSpPr txBox="1"/>
+          <p:nvPr/>
+        </p:nvSpPr>
+        <p:spPr>
+          <a:xfrm>
+            <a:off x="21617863" y="20720598"/>
+            <a:ext cx="4312738" cy="523220"/>
+          </a:xfrm>
+          <a:prstGeom prst="rect">
+            <a:avLst/>
+          </a:prstGeom>
+          <a:noFill/>
+        </p:spPr>
+        <p:txBody>
+          <a:bodyPr wrap="square" rtlCol="0">
+            <a:spAutoFit/>
+          </a:bodyPr>
+          <a:lstStyle/>
+          <a:p>
+            <a:pPr algn="ctr"/>
+            <a:r>
+              <a:rPr lang="en-US" sz="2800" b="1" dirty="0">
+                <a:latin typeface="Verdana" panose="020B0604030504040204" pitchFamily="34" charset="0"/>
+                <a:ea typeface="Verdana" panose="020B0604030504040204" pitchFamily="34" charset="0"/>
+              </a:rPr>
+              <a:t>PERLIS</a:t>
+            </a:r>
+            <a:endParaRPr lang="en-MY" sz="2800" b="1" dirty="0">
+              <a:latin typeface="Verdana" panose="020B0604030504040204" pitchFamily="34" charset="0"/>
+              <a:ea typeface="Verdana" panose="020B0604030504040204" pitchFamily="34" charset="0"/>
+            </a:endParaRPr>
+          </a:p>
+        </p:txBody>
+      </p:sp>
+      <p:sp>
+        <p:nvSpPr>
+          <p:cNvPr id="26" name="TextBox 25">
+            <a:extLst>
+              <a:ext uri="{FF2B5EF4-FFF2-40B4-BE49-F238E27FC236}">
+                <a16:creationId xmlns:a16="http://schemas.microsoft.com/office/drawing/2014/main" id="{9B4B2B4E-5F55-35A5-3A0A-C1A803839D29}"/>
+              </a:ext>
+            </a:extLst>
+          </p:cNvPr>
+          <p:cNvSpPr txBox="1"/>
+          <p:nvPr/>
+        </p:nvSpPr>
+        <p:spPr>
+          <a:xfrm>
+            <a:off x="21617865" y="21213961"/>
+            <a:ext cx="4337388" cy="830997"/>
+          </a:xfrm>
+          <a:prstGeom prst="rect">
+            <a:avLst/>
+          </a:prstGeom>
+          <a:noFill/>
+        </p:spPr>
+        <p:txBody>
+          <a:bodyPr wrap="square" rtlCol="0">
+            <a:spAutoFit/>
+          </a:bodyPr>
+          <a:lstStyle/>
+          <a:p>
+            <a:pPr algn="ctr"/>
+            <a:r>
+              <a:rPr lang="en-US" sz="4800" b="1" dirty="0" err="1">
+                <a:latin typeface="Verdana" panose="020B0604030504040204" pitchFamily="34" charset="0"/>
+                <a:ea typeface="Verdana" panose="020B0604030504040204" pitchFamily="34" charset="0"/>
+              </a:rPr>
+              <a:t>perlis</a:t>
+            </a:r>
+            <a:endParaRPr lang="en-MY" sz="4800" b="1" dirty="0">
+              <a:latin typeface="Verdana" panose="020B0604030504040204" pitchFamily="34" charset="0"/>
+              <a:ea typeface="Verdana" panose="020B0604030504040204" pitchFamily="34" charset="0"/>
+            </a:endParaRPr>
+          </a:p>
+        </p:txBody>
+      </p:sp>
+      <p:sp>
+        <p:nvSpPr>
+          <p:cNvPr id="28" name="Rectangle: Rounded Corners 27">
+            <a:extLst>
+              <a:ext uri="{FF2B5EF4-FFF2-40B4-BE49-F238E27FC236}">
+                <a16:creationId xmlns:a16="http://schemas.microsoft.com/office/drawing/2014/main" id="{FD0EA569-0CD7-C710-AE1C-50FF07AE3605}"/>
               </a:ext>
             </a:extLst>
           </p:cNvPr>
@@ -6127,24 +6405,15 @@
         </p:nvSpPr>
         <p:spPr>
           <a:xfrm>
-            <a:off x="25931670" y="14820151"/>
-            <a:ext cx="2860433" cy="2156942"/>
+            <a:off x="21604936" y="23428080"/>
+            <a:ext cx="4994033" cy="2133496"/>
           </a:xfrm>
           <a:prstGeom prst="roundRect">
             <a:avLst/>
           </a:prstGeom>
-          <a:blipFill>
-            <a:blip r:embed="rId12">
-              <a:extLst>
-                <a:ext uri="{28A0092B-C50C-407E-A947-70E740481C1C}">
-                  <a14:useLocalDpi xmlns:a14="http://schemas.microsoft.com/office/drawing/2010/main" val="0"/>
-                </a:ext>
-              </a:extLst>
-            </a:blip>
-            <a:stretch>
-              <a:fillRect/>
-            </a:stretch>
-          </a:blipFill>
+          <a:solidFill>
+            <a:schemeClr val="bg1"/>
+          </a:solidFill>
           <a:ln>
             <a:noFill/>
           </a:ln>
@@ -6176,10 +6445,10 @@
       </p:sp>
       <p:sp>
         <p:nvSpPr>
-          <p:cNvPr id="158" name="TextBox 157">
+          <p:cNvPr id="30" name="TextBox 29">
             <a:extLst>
               <a:ext uri="{FF2B5EF4-FFF2-40B4-BE49-F238E27FC236}">
-                <a16:creationId xmlns:a16="http://schemas.microsoft.com/office/drawing/2014/main" id="{469B75E7-5B34-0670-264E-9D37CCD2C595}"/>
+                <a16:creationId xmlns:a16="http://schemas.microsoft.com/office/drawing/2014/main" id="{C2667D00-F8FD-76FA-C2BC-8253EE1AA980}"/>
               </a:ext>
             </a:extLst>
           </p:cNvPr>
@@ -6188,8 +6457,8 @@
         </p:nvSpPr>
         <p:spPr>
           <a:xfrm>
-            <a:off x="21582550" y="15005737"/>
-            <a:ext cx="4372560" cy="523220"/>
+            <a:off x="21604930" y="23618412"/>
+            <a:ext cx="4325665" cy="523220"/>
           </a:xfrm>
           <a:prstGeom prst="rect">
             <a:avLst/>
@@ -6208,7 +6477,7 @@
                 <a:latin typeface="Verdana" panose="020B0604030504040204" pitchFamily="34" charset="0"/>
                 <a:ea typeface="Verdana" panose="020B0604030504040204" pitchFamily="34" charset="0"/>
               </a:rPr>
-              <a:t>KELANTAN</a:t>
+              <a:t>PUTRAJAYA</a:t>
             </a:r>
             <a:endParaRPr lang="en-MY" sz="2800" b="1" dirty="0">
               <a:latin typeface="Verdana" panose="020B0604030504040204" pitchFamily="34" charset="0"/>
@@ -6219,10 +6488,10 @@
       </p:sp>
       <p:sp>
         <p:nvSpPr>
-          <p:cNvPr id="159" name="TextBox 158">
+          <p:cNvPr id="31" name="TextBox 30">
             <a:extLst>
               <a:ext uri="{FF2B5EF4-FFF2-40B4-BE49-F238E27FC236}">
-                <a16:creationId xmlns:a16="http://schemas.microsoft.com/office/drawing/2014/main" id="{FAE92EEA-0EC0-BC7D-7A93-218FF7E5B05E}"/>
+                <a16:creationId xmlns:a16="http://schemas.microsoft.com/office/drawing/2014/main" id="{2A170520-D23F-363B-220D-FF81AC13C74B}"/>
               </a:ext>
             </a:extLst>
           </p:cNvPr>
@@ -6231,8 +6500,8 @@
         </p:nvSpPr>
         <p:spPr>
           <a:xfrm>
-            <a:off x="21582552" y="15499100"/>
-            <a:ext cx="4337388" cy="830997"/>
+            <a:off x="21604936" y="24111777"/>
+            <a:ext cx="4325665" cy="830997"/>
           </a:xfrm>
           <a:prstGeom prst="rect">
             <a:avLst/>
@@ -6251,7 +6520,7 @@
                 <a:latin typeface="Verdana" panose="020B0604030504040204" pitchFamily="34" charset="0"/>
                 <a:ea typeface="Verdana" panose="020B0604030504040204" pitchFamily="34" charset="0"/>
               </a:rPr>
-              <a:t>kelantan</a:t>
+              <a:t>putrajaya</a:t>
             </a:r>
             <a:endParaRPr lang="en-MY" sz="4800" b="1" dirty="0">
               <a:latin typeface="Verdana" panose="020B0604030504040204" pitchFamily="34" charset="0"/>
@@ -6262,10 +6531,10 @@
       </p:sp>
       <p:sp>
         <p:nvSpPr>
-          <p:cNvPr id="160" name="Rectangle: Rounded Corners 159">
+          <p:cNvPr id="32" name="Rectangle: Rounded Corners 31">
             <a:extLst>
               <a:ext uri="{FF2B5EF4-FFF2-40B4-BE49-F238E27FC236}">
-                <a16:creationId xmlns:a16="http://schemas.microsoft.com/office/drawing/2014/main" id="{22C4D5FC-EABE-7C34-871D-D7DCE4B75DDD}"/>
+                <a16:creationId xmlns:a16="http://schemas.microsoft.com/office/drawing/2014/main" id="{A3B343DA-00D6-F62E-7E2B-763A3BCD6941}"/>
               </a:ext>
             </a:extLst>
           </p:cNvPr>
@@ -6274,8 +6543,8 @@
         </p:nvSpPr>
         <p:spPr>
           <a:xfrm>
-            <a:off x="21594279" y="17714350"/>
-            <a:ext cx="4994033" cy="2133496"/>
+            <a:off x="21635506" y="26295857"/>
+            <a:ext cx="4994033" cy="2150446"/>
           </a:xfrm>
           <a:prstGeom prst="roundRect">
             <a:avLst/>
@@ -6314,71 +6583,10 @@
       </p:sp>
       <p:sp>
         <p:nvSpPr>
-          <p:cNvPr id="161" name="Rectangle: Rounded Corners 160">
+          <p:cNvPr id="34" name="TextBox 33">
             <a:extLst>
               <a:ext uri="{FF2B5EF4-FFF2-40B4-BE49-F238E27FC236}">
-                <a16:creationId xmlns:a16="http://schemas.microsoft.com/office/drawing/2014/main" id="{2B7CCDA5-7BB8-8132-561E-D5662773A509}"/>
-              </a:ext>
-            </a:extLst>
-          </p:cNvPr>
-          <p:cNvSpPr/>
-          <p:nvPr/>
-        </p:nvSpPr>
-        <p:spPr>
-          <a:xfrm>
-            <a:off x="25943392" y="17719096"/>
-            <a:ext cx="2860433" cy="2156942"/>
-          </a:xfrm>
-          <a:prstGeom prst="roundRect">
-            <a:avLst/>
-          </a:prstGeom>
-          <a:blipFill>
-            <a:blip r:embed="rId13">
-              <a:extLst>
-                <a:ext uri="{28A0092B-C50C-407E-A947-70E740481C1C}">
-                  <a14:useLocalDpi xmlns:a14="http://schemas.microsoft.com/office/drawing/2010/main" val="0"/>
-                </a:ext>
-              </a:extLst>
-            </a:blip>
-            <a:stretch>
-              <a:fillRect/>
-            </a:stretch>
-          </a:blipFill>
-          <a:ln>
-            <a:noFill/>
-          </a:ln>
-        </p:spPr>
-        <p:style>
-          <a:lnRef idx="2">
-            <a:schemeClr val="accent1">
-              <a:shade val="15000"/>
-            </a:schemeClr>
-          </a:lnRef>
-          <a:fillRef idx="1">
-            <a:schemeClr val="accent1"/>
-          </a:fillRef>
-          <a:effectRef idx="0">
-            <a:schemeClr val="accent1"/>
-          </a:effectRef>
-          <a:fontRef idx="minor">
-            <a:schemeClr val="lt1"/>
-          </a:fontRef>
-        </p:style>
-        <p:txBody>
-          <a:bodyPr rtlCol="0" anchor="ctr"/>
-          <a:lstStyle/>
-          <a:p>
-            <a:pPr algn="ctr"/>
-            <a:endParaRPr lang="en-MY"/>
-          </a:p>
-        </p:txBody>
-      </p:sp>
-      <p:sp>
-        <p:nvSpPr>
-          <p:cNvPr id="162" name="TextBox 161">
-            <a:extLst>
-              <a:ext uri="{FF2B5EF4-FFF2-40B4-BE49-F238E27FC236}">
-                <a16:creationId xmlns:a16="http://schemas.microsoft.com/office/drawing/2014/main" id="{832EEE31-8BE3-D114-95A1-D49B558AC992}"/>
+                <a16:creationId xmlns:a16="http://schemas.microsoft.com/office/drawing/2014/main" id="{6659B076-4322-02ED-FEA5-3032C0C61074}"/>
               </a:ext>
             </a:extLst>
           </p:cNvPr>
@@ -6387,8 +6595,8 @@
         </p:nvSpPr>
         <p:spPr>
           <a:xfrm>
-            <a:off x="21594273" y="17904682"/>
-            <a:ext cx="4360836" cy="523220"/>
+            <a:off x="21635504" y="26478352"/>
+            <a:ext cx="4272980" cy="523220"/>
           </a:xfrm>
           <a:prstGeom prst="rect">
             <a:avLst/>
@@ -6403,11 +6611,11 @@
           <a:p>
             <a:pPr algn="ctr"/>
             <a:r>
-              <a:rPr lang="en-US" sz="2800" b="1" dirty="0">
+              <a:rPr lang="en-US" sz="2800" b="1" dirty="0" err="1">
                 <a:latin typeface="Verdana" panose="020B0604030504040204" pitchFamily="34" charset="0"/>
                 <a:ea typeface="Verdana" panose="020B0604030504040204" pitchFamily="34" charset="0"/>
               </a:rPr>
-              <a:t>TERENGGANU</a:t>
+              <a:t>labuan</a:t>
             </a:r>
             <a:endParaRPr lang="en-MY" sz="2800" b="1" dirty="0">
               <a:latin typeface="Verdana" panose="020B0604030504040204" pitchFamily="34" charset="0"/>
@@ -6418,10 +6626,10 @@
       </p:sp>
       <p:sp>
         <p:nvSpPr>
-          <p:cNvPr id="163" name="TextBox 162">
+          <p:cNvPr id="35" name="TextBox 34">
             <a:extLst>
               <a:ext uri="{FF2B5EF4-FFF2-40B4-BE49-F238E27FC236}">
-                <a16:creationId xmlns:a16="http://schemas.microsoft.com/office/drawing/2014/main" id="{8B734220-F4E8-573E-27BA-CDC4236A411F}"/>
+                <a16:creationId xmlns:a16="http://schemas.microsoft.com/office/drawing/2014/main" id="{7447A70D-AF32-C602-1CDF-866BC220BBB6}"/>
               </a:ext>
             </a:extLst>
           </p:cNvPr>
@@ -6430,8 +6638,8 @@
         </p:nvSpPr>
         <p:spPr>
           <a:xfrm>
-            <a:off x="21594279" y="18398047"/>
-            <a:ext cx="4325665" cy="830997"/>
+            <a:off x="21635503" y="26971717"/>
+            <a:ext cx="4254119" cy="830997"/>
           </a:xfrm>
           <a:prstGeom prst="rect">
             <a:avLst/>
@@ -6450,7 +6658,7 @@
                 <a:latin typeface="Verdana" panose="020B0604030504040204" pitchFamily="34" charset="0"/>
                 <a:ea typeface="Verdana" panose="020B0604030504040204" pitchFamily="34" charset="0"/>
               </a:rPr>
-              <a:t>terengganu</a:t>
+              <a:t>labuan</a:t>
             </a:r>
             <a:endParaRPr lang="en-MY" sz="4800" b="1" dirty="0">
               <a:latin typeface="Verdana" panose="020B0604030504040204" pitchFamily="34" charset="0"/>
@@ -6459,125 +6667,192 @@
           </a:p>
         </p:txBody>
       </p:sp>
-      <p:sp>
-        <p:nvSpPr>
-          <p:cNvPr id="164" name="Rectangle: Rounded Corners 163">
+      <p:pic>
+        <p:nvPicPr>
+          <p:cNvPr id="37" name="Picture 36">
             <a:extLst>
               <a:ext uri="{FF2B5EF4-FFF2-40B4-BE49-F238E27FC236}">
-                <a16:creationId xmlns:a16="http://schemas.microsoft.com/office/drawing/2014/main" id="{B4AB75AE-3437-F4F2-2F87-9A6D5C2DC6B6}"/>
+                <a16:creationId xmlns:a16="http://schemas.microsoft.com/office/drawing/2014/main" id="{19035BA5-6DCD-17B2-E884-8D0ADCC5E8EC}"/>
               </a:ext>
             </a:extLst>
           </p:cNvPr>
-          <p:cNvSpPr/>
+          <p:cNvPicPr>
+            <a:picLocks noChangeAspect="1"/>
+          </p:cNvPicPr>
           <p:nvPr/>
-        </p:nvSpPr>
-        <p:spPr>
-          <a:xfrm>
-            <a:off x="21606001" y="20587425"/>
-            <a:ext cx="4994033" cy="2133496"/>
+        </p:nvPicPr>
+        <p:blipFill>
+          <a:blip r:embed="rId16">
+            <a:extLst>
+              <a:ext uri="{28A0092B-C50C-407E-A947-70E740481C1C}">
+                <a14:useLocalDpi xmlns:a14="http://schemas.microsoft.com/office/drawing/2010/main" val="0"/>
+              </a:ext>
+            </a:extLst>
+          </a:blip>
+          <a:stretch>
+            <a:fillRect/>
+          </a:stretch>
+        </p:blipFill>
+        <p:spPr>
+          <a:xfrm>
+            <a:off x="25931668" y="20518540"/>
+            <a:ext cx="2853819" cy="2180492"/>
           </a:xfrm>
           <a:prstGeom prst="roundRect">
             <a:avLst/>
           </a:prstGeom>
-          <a:solidFill>
-            <a:schemeClr val="bg1"/>
-          </a:solidFill>
-          <a:ln>
-            <a:noFill/>
-          </a:ln>
-        </p:spPr>
-        <p:style>
-          <a:lnRef idx="2">
-            <a:schemeClr val="accent1">
-              <a:shade val="15000"/>
-            </a:schemeClr>
-          </a:lnRef>
-          <a:fillRef idx="1">
-            <a:schemeClr val="accent1"/>
-          </a:fillRef>
-          <a:effectRef idx="0">
-            <a:schemeClr val="accent1"/>
-          </a:effectRef>
-          <a:fontRef idx="minor">
-            <a:schemeClr val="lt1"/>
-          </a:fontRef>
-        </p:style>
-        <p:txBody>
-          <a:bodyPr rtlCol="0" anchor="ctr"/>
-          <a:lstStyle/>
-          <a:p>
-            <a:pPr algn="ctr"/>
-            <a:endParaRPr lang="en-MY"/>
-          </a:p>
-        </p:txBody>
-      </p:sp>
-      <p:sp>
-        <p:nvSpPr>
-          <p:cNvPr id="165" name="Rectangle: Rounded Corners 164">
+        </p:spPr>
+      </p:pic>
+      <p:pic>
+        <p:nvPicPr>
+          <p:cNvPr id="39" name="Picture 38">
             <a:extLst>
               <a:ext uri="{FF2B5EF4-FFF2-40B4-BE49-F238E27FC236}">
-                <a16:creationId xmlns:a16="http://schemas.microsoft.com/office/drawing/2014/main" id="{FEFA7EFD-FA47-611F-9632-3E4E9D0D03DF}"/>
+                <a16:creationId xmlns:a16="http://schemas.microsoft.com/office/drawing/2014/main" id="{FFEA9BC8-E373-E460-7FA5-16BC941F47B9}"/>
               </a:ext>
             </a:extLst>
           </p:cNvPr>
-          <p:cNvSpPr/>
+          <p:cNvPicPr>
+            <a:picLocks noChangeAspect="1"/>
+          </p:cNvPicPr>
           <p:nvPr/>
-        </p:nvSpPr>
-        <p:spPr>
-          <a:xfrm>
-            <a:off x="25955115" y="20592171"/>
-            <a:ext cx="2860433" cy="2156942"/>
+        </p:nvPicPr>
+        <p:blipFill>
+          <a:blip r:embed="rId17">
+            <a:extLst>
+              <a:ext uri="{28A0092B-C50C-407E-A947-70E740481C1C}">
+                <a14:useLocalDpi xmlns:a14="http://schemas.microsoft.com/office/drawing/2010/main" val="0"/>
+              </a:ext>
+            </a:extLst>
+          </a:blip>
+          <a:stretch>
+            <a:fillRect/>
+          </a:stretch>
+        </p:blipFill>
+        <p:spPr>
+          <a:xfrm>
+            <a:off x="25946430" y="23424162"/>
+            <a:ext cx="2880986" cy="2124578"/>
           </a:xfrm>
           <a:prstGeom prst="roundRect">
             <a:avLst/>
           </a:prstGeom>
-          <a:blipFill>
-            <a:blip r:embed="rId14">
-              <a:extLst>
-                <a:ext uri="{28A0092B-C50C-407E-A947-70E740481C1C}">
-                  <a14:useLocalDpi xmlns:a14="http://schemas.microsoft.com/office/drawing/2010/main" val="0"/>
-                </a:ext>
-              </a:extLst>
-            </a:blip>
-            <a:stretch>
-              <a:fillRect/>
-            </a:stretch>
-          </a:blipFill>
-          <a:ln>
-            <a:noFill/>
-          </a:ln>
-        </p:spPr>
-        <p:style>
-          <a:lnRef idx="2">
-            <a:schemeClr val="accent1">
-              <a:shade val="15000"/>
-            </a:schemeClr>
-          </a:lnRef>
-          <a:fillRef idx="1">
-            <a:schemeClr val="accent1"/>
-          </a:fillRef>
-          <a:effectRef idx="0">
-            <a:schemeClr val="accent1"/>
-          </a:effectRef>
-          <a:fontRef idx="minor">
-            <a:schemeClr val="lt1"/>
-          </a:fontRef>
-        </p:style>
-        <p:txBody>
-          <a:bodyPr rtlCol="0" anchor="ctr"/>
-          <a:lstStyle/>
-          <a:p>
-            <a:pPr algn="ctr"/>
-            <a:endParaRPr lang="en-MY"/>
-          </a:p>
-        </p:txBody>
-      </p:sp>
-      <p:sp>
-        <p:nvSpPr>
-          <p:cNvPr id="166" name="TextBox 165">
+        </p:spPr>
+      </p:pic>
+      <p:pic>
+        <p:nvPicPr>
+          <p:cNvPr id="41" name="Picture 40">
             <a:extLst>
               <a:ext uri="{FF2B5EF4-FFF2-40B4-BE49-F238E27FC236}">
-                <a16:creationId xmlns:a16="http://schemas.microsoft.com/office/drawing/2014/main" id="{9DB13EF1-8CD1-9E73-8188-4AEEC16C7AC8}"/>
+                <a16:creationId xmlns:a16="http://schemas.microsoft.com/office/drawing/2014/main" id="{FDDE9DFB-88A9-B0BB-AA9B-147862759915}"/>
+              </a:ext>
+            </a:extLst>
+          </p:cNvPr>
+          <p:cNvPicPr>
+            <a:picLocks noChangeAspect="1"/>
+          </p:cNvPicPr>
+          <p:nvPr/>
+        </p:nvPicPr>
+        <p:blipFill>
+          <a:blip r:embed="rId18">
+            <a:extLst>
+              <a:ext uri="{28A0092B-C50C-407E-A947-70E740481C1C}">
+                <a14:useLocalDpi xmlns:a14="http://schemas.microsoft.com/office/drawing/2010/main" val="0"/>
+              </a:ext>
+            </a:extLst>
+          </a:blip>
+          <a:stretch>
+            <a:fillRect/>
+          </a:stretch>
+        </p:blipFill>
+        <p:spPr>
+          <a:xfrm>
+            <a:off x="25930595" y="26304940"/>
+            <a:ext cx="2896821" cy="2150447"/>
+          </a:xfrm>
+          <a:prstGeom prst="roundRect">
+            <a:avLst/>
+          </a:prstGeom>
+        </p:spPr>
+      </p:pic>
+      <p:pic>
+        <p:nvPicPr>
+          <p:cNvPr id="45" name="Picture 44">
+            <a:extLst>
+              <a:ext uri="{FF2B5EF4-FFF2-40B4-BE49-F238E27FC236}">
+                <a16:creationId xmlns:a16="http://schemas.microsoft.com/office/drawing/2014/main" id="{17A66060-1F41-9167-4C9E-65CE65F7313D}"/>
+              </a:ext>
+            </a:extLst>
+          </p:cNvPr>
+          <p:cNvPicPr>
+            <a:picLocks noChangeAspect="1"/>
+          </p:cNvPicPr>
+          <p:nvPr/>
+        </p:nvPicPr>
+        <p:blipFill>
+          <a:blip r:embed="rId19">
+            <a:extLst>
+              <a:ext uri="{28A0092B-C50C-407E-A947-70E740481C1C}">
+                <a14:useLocalDpi xmlns:a14="http://schemas.microsoft.com/office/drawing/2010/main" val="0"/>
+              </a:ext>
+            </a:extLst>
+          </a:blip>
+          <a:stretch>
+            <a:fillRect/>
+          </a:stretch>
+        </p:blipFill>
+        <p:spPr>
+          <a:xfrm>
+            <a:off x="12270840" y="23424162"/>
+            <a:ext cx="5715000" cy="5715000"/>
+          </a:xfrm>
+          <a:prstGeom prst="rect">
+            <a:avLst/>
+          </a:prstGeom>
+        </p:spPr>
+      </p:pic>
+      <p:pic>
+        <p:nvPicPr>
+          <p:cNvPr id="47" name="Picture 46">
+            <a:extLst>
+              <a:ext uri="{FF2B5EF4-FFF2-40B4-BE49-F238E27FC236}">
+                <a16:creationId xmlns:a16="http://schemas.microsoft.com/office/drawing/2014/main" id="{AA5E1D8F-A5F0-554A-C7CA-4A154B07AD37}"/>
+              </a:ext>
+            </a:extLst>
+          </p:cNvPr>
+          <p:cNvPicPr>
+            <a:picLocks noChangeAspect="1"/>
+          </p:cNvPicPr>
+          <p:nvPr/>
+        </p:nvPicPr>
+        <p:blipFill>
+          <a:blip r:embed="rId20">
+            <a:extLst>
+              <a:ext uri="{28A0092B-C50C-407E-A947-70E740481C1C}">
+                <a14:useLocalDpi xmlns:a14="http://schemas.microsoft.com/office/drawing/2010/main" val="0"/>
+              </a:ext>
+            </a:extLst>
+          </a:blip>
+          <a:stretch>
+            <a:fillRect/>
+          </a:stretch>
+        </p:blipFill>
+        <p:spPr>
+          <a:xfrm>
+            <a:off x="12313263" y="4661462"/>
+            <a:ext cx="5715000" cy="2929742"/>
+          </a:xfrm>
+          <a:prstGeom prst="rect">
+            <a:avLst/>
+          </a:prstGeom>
+        </p:spPr>
+      </p:pic>
+      <p:sp>
+        <p:nvSpPr>
+          <p:cNvPr id="48" name="TextBox 47">
+            <a:extLst>
+              <a:ext uri="{FF2B5EF4-FFF2-40B4-BE49-F238E27FC236}">
+                <a16:creationId xmlns:a16="http://schemas.microsoft.com/office/drawing/2014/main" id="{F1F81BCD-1F6F-DFB4-93F3-9DA62D1CA602}"/>
               </a:ext>
             </a:extLst>
           </p:cNvPr>
@@ -6586,8 +6861,8 @@
         </p:nvSpPr>
         <p:spPr>
           <a:xfrm>
-            <a:off x="21605998" y="20777757"/>
-            <a:ext cx="4349113" cy="523220"/>
+            <a:off x="12252154" y="22780624"/>
+            <a:ext cx="5710015" cy="399981"/>
           </a:xfrm>
           <a:prstGeom prst="rect">
             <a:avLst/>
@@ -6600,27 +6875,84 @@
           </a:bodyPr>
           <a:lstStyle/>
           <a:p>
-            <a:pPr algn="ctr"/>
-            <a:r>
-              <a:rPr lang="en-US" sz="2800" b="1" dirty="0">
+            <a:r>
+              <a:rPr lang="en-US" sz="1999" dirty="0">
+                <a:solidFill>
+                  <a:schemeClr val="tx1">
+                    <a:lumMod val="50000"/>
+                    <a:lumOff val="50000"/>
+                  </a:schemeClr>
+                </a:solidFill>
                 <a:latin typeface="Verdana" panose="020B0604030504040204" pitchFamily="34" charset="0"/>
                 <a:ea typeface="Verdana" panose="020B0604030504040204" pitchFamily="34" charset="0"/>
               </a:rPr>
-              <a:t>PAHANG</a:t>
-            </a:r>
-            <a:endParaRPr lang="en-MY" sz="2800" b="1" dirty="0">
+              <a:t>For more update, scan the QR code below:</a:t>
+            </a:r>
+            <a:endParaRPr lang="en-MY" sz="1999" dirty="0">
+              <a:solidFill>
+                <a:schemeClr val="tx1">
+                  <a:lumMod val="50000"/>
+                  <a:lumOff val="50000"/>
+                </a:schemeClr>
+              </a:solidFill>
               <a:latin typeface="Verdana" panose="020B0604030504040204" pitchFamily="34" charset="0"/>
               <a:ea typeface="Verdana" panose="020B0604030504040204" pitchFamily="34" charset="0"/>
             </a:endParaRPr>
           </a:p>
         </p:txBody>
       </p:sp>
-      <p:sp>
-        <p:nvSpPr>
-          <p:cNvPr id="167" name="TextBox 166">
+      <p:pic>
+        <p:nvPicPr>
+          <p:cNvPr id="50" name="Picture 49">
             <a:extLst>
               <a:ext uri="{FF2B5EF4-FFF2-40B4-BE49-F238E27FC236}">
-                <a16:creationId xmlns:a16="http://schemas.microsoft.com/office/drawing/2014/main" id="{62ECF226-8E6B-5658-2156-A9572A4E86E0}"/>
+                <a16:creationId xmlns:a16="http://schemas.microsoft.com/office/drawing/2014/main" id="{7D39F7BD-CBE9-9D05-B8BC-9A644A533803}"/>
+              </a:ext>
+            </a:extLst>
+          </p:cNvPr>
+          <p:cNvPicPr>
+            <a:picLocks noChangeAspect="1"/>
+          </p:cNvPicPr>
+          <p:nvPr/>
+        </p:nvPicPr>
+        <p:blipFill>
+          <a:blip r:embed="rId21">
+            <a:clrChange>
+              <a:clrFrom>
+                <a:srgbClr val="FFFFFF"/>
+              </a:clrFrom>
+              <a:clrTo>
+                <a:srgbClr val="FFFFFF">
+                  <a:alpha val="0"/>
+                </a:srgbClr>
+              </a:clrTo>
+            </a:clrChange>
+            <a:extLst>
+              <a:ext uri="{28A0092B-C50C-407E-A947-70E740481C1C}">
+                <a14:useLocalDpi xmlns:a14="http://schemas.microsoft.com/office/drawing/2010/main" val="0"/>
+              </a:ext>
+            </a:extLst>
+          </a:blip>
+          <a:stretch>
+            <a:fillRect/>
+          </a:stretch>
+        </p:blipFill>
+        <p:spPr>
+          <a:xfrm>
+            <a:off x="25805921" y="538032"/>
+            <a:ext cx="3142244" cy="3142244"/>
+          </a:xfrm>
+          <a:prstGeom prst="rect">
+            <a:avLst/>
+          </a:prstGeom>
+        </p:spPr>
+      </p:pic>
+      <p:sp>
+        <p:nvSpPr>
+          <p:cNvPr id="51" name="TextBox 50">
+            <a:extLst>
+              <a:ext uri="{FF2B5EF4-FFF2-40B4-BE49-F238E27FC236}">
+                <a16:creationId xmlns:a16="http://schemas.microsoft.com/office/drawing/2014/main" id="{068F1E94-142B-76BE-F18F-C9DA3135B4F9}"/>
               </a:ext>
             </a:extLst>
           </p:cNvPr>
@@ -6629,8 +6961,8 @@
         </p:nvSpPr>
         <p:spPr>
           <a:xfrm>
-            <a:off x="21605998" y="21271122"/>
-            <a:ext cx="4313942" cy="830997"/>
+            <a:off x="6605423" y="2692197"/>
+            <a:ext cx="662040" cy="369332"/>
           </a:xfrm>
           <a:prstGeom prst="rect">
             <a:avLst/>
@@ -6643,421 +6975,49 @@
           </a:bodyPr>
           <a:lstStyle/>
           <a:p>
-            <a:pPr algn="ctr"/>
-            <a:r>
-              <a:rPr lang="en-US" sz="4800" b="1" dirty="0" err="1">
-                <a:latin typeface="Verdana" panose="020B0604030504040204" pitchFamily="34" charset="0"/>
-                <a:ea typeface="Verdana" panose="020B0604030504040204" pitchFamily="34" charset="0"/>
-              </a:rPr>
-              <a:t>pahang</a:t>
-            </a:r>
-            <a:endParaRPr lang="en-MY" sz="4800" b="1" dirty="0">
-              <a:latin typeface="Verdana" panose="020B0604030504040204" pitchFamily="34" charset="0"/>
-              <a:ea typeface="Verdana" panose="020B0604030504040204" pitchFamily="34" charset="0"/>
-            </a:endParaRPr>
-          </a:p>
-        </p:txBody>
-      </p:sp>
-      <p:sp>
-        <p:nvSpPr>
-          <p:cNvPr id="168" name="Rectangle: Rounded Corners 167">
+            <a:r>
+              <a:rPr lang="en-US" dirty="0"/>
+              <a:t>date</a:t>
+            </a:r>
+            <a:endParaRPr lang="en-MY" dirty="0"/>
+          </a:p>
+        </p:txBody>
+      </p:sp>
+      <p:pic>
+        <p:nvPicPr>
+          <p:cNvPr id="68" name="Picture 67">
             <a:extLst>
               <a:ext uri="{FF2B5EF4-FFF2-40B4-BE49-F238E27FC236}">
-                <a16:creationId xmlns:a16="http://schemas.microsoft.com/office/drawing/2014/main" id="{40BBD63F-9F0F-8700-5AEC-2A30B9CC6F89}"/>
+                <a16:creationId xmlns:a16="http://schemas.microsoft.com/office/drawing/2014/main" id="{C830AF6C-E832-E2D8-B830-52C72CD57E1A}"/>
               </a:ext>
             </a:extLst>
           </p:cNvPr>
-          <p:cNvSpPr/>
+          <p:cNvPicPr>
+            <a:picLocks noChangeAspect="1"/>
+          </p:cNvPicPr>
           <p:nvPr/>
-        </p:nvSpPr>
-        <p:spPr>
-          <a:xfrm>
-            <a:off x="21582555" y="23447556"/>
-            <a:ext cx="4994033" cy="2133496"/>
+        </p:nvPicPr>
+        <p:blipFill rotWithShape="1">
+          <a:blip r:embed="rId22">
+            <a:extLst>
+              <a:ext uri="{28A0092B-C50C-407E-A947-70E740481C1C}">
+                <a14:useLocalDpi xmlns:a14="http://schemas.microsoft.com/office/drawing/2010/main" val="0"/>
+              </a:ext>
+            </a:extLst>
+          </a:blip>
+          <a:srcRect b="10507"/>
+          <a:stretch/>
+        </p:blipFill>
+        <p:spPr>
+          <a:xfrm>
+            <a:off x="10827081" y="11201824"/>
+            <a:ext cx="8633882" cy="10731589"/>
           </a:xfrm>
           <a:prstGeom prst="roundRect">
             <a:avLst/>
           </a:prstGeom>
-          <a:solidFill>
-            <a:schemeClr val="bg1"/>
-          </a:solidFill>
-          <a:ln>
-            <a:noFill/>
-          </a:ln>
-        </p:spPr>
-        <p:style>
-          <a:lnRef idx="2">
-            <a:schemeClr val="accent1">
-              <a:shade val="15000"/>
-            </a:schemeClr>
-          </a:lnRef>
-          <a:fillRef idx="1">
-            <a:schemeClr val="accent1"/>
-          </a:fillRef>
-          <a:effectRef idx="0">
-            <a:schemeClr val="accent1"/>
-          </a:effectRef>
-          <a:fontRef idx="minor">
-            <a:schemeClr val="lt1"/>
-          </a:fontRef>
-        </p:style>
-        <p:txBody>
-          <a:bodyPr rtlCol="0" anchor="ctr"/>
-          <a:lstStyle/>
-          <a:p>
-            <a:pPr algn="ctr"/>
-            <a:endParaRPr lang="en-MY"/>
-          </a:p>
-        </p:txBody>
-      </p:sp>
-      <p:sp>
-        <p:nvSpPr>
-          <p:cNvPr id="169" name="Rectangle: Rounded Corners 168">
-            <a:extLst>
-              <a:ext uri="{FF2B5EF4-FFF2-40B4-BE49-F238E27FC236}">
-                <a16:creationId xmlns:a16="http://schemas.microsoft.com/office/drawing/2014/main" id="{1CA37E82-9613-4B5F-8BB4-492F1DE9F3BA}"/>
-              </a:ext>
-            </a:extLst>
-          </p:cNvPr>
-          <p:cNvSpPr/>
-          <p:nvPr/>
-        </p:nvSpPr>
-        <p:spPr>
-          <a:xfrm>
-            <a:off x="25931670" y="23452302"/>
-            <a:ext cx="2860433" cy="2156942"/>
-          </a:xfrm>
-          <a:prstGeom prst="roundRect">
-            <a:avLst/>
-          </a:prstGeom>
-          <a:blipFill dpi="0" rotWithShape="1">
-            <a:blip r:embed="rId6">
-              <a:extLst>
-                <a:ext uri="{28A0092B-C50C-407E-A947-70E740481C1C}">
-                  <a14:useLocalDpi xmlns:a14="http://schemas.microsoft.com/office/drawing/2010/main" val="0"/>
-                </a:ext>
-              </a:extLst>
-            </a:blip>
-            <a:srcRect/>
-            <a:stretch>
-              <a:fillRect/>
-            </a:stretch>
-          </a:blipFill>
-          <a:ln>
-            <a:noFill/>
-          </a:ln>
-        </p:spPr>
-        <p:style>
-          <a:lnRef idx="2">
-            <a:schemeClr val="accent1">
-              <a:shade val="15000"/>
-            </a:schemeClr>
-          </a:lnRef>
-          <a:fillRef idx="1">
-            <a:schemeClr val="accent1"/>
-          </a:fillRef>
-          <a:effectRef idx="0">
-            <a:schemeClr val="accent1"/>
-          </a:effectRef>
-          <a:fontRef idx="minor">
-            <a:schemeClr val="lt1"/>
-          </a:fontRef>
-        </p:style>
-        <p:txBody>
-          <a:bodyPr rtlCol="0" anchor="ctr"/>
-          <a:lstStyle/>
-          <a:p>
-            <a:pPr algn="ctr"/>
-            <a:endParaRPr lang="en-MY"/>
-          </a:p>
-        </p:txBody>
-      </p:sp>
-      <p:sp>
-        <p:nvSpPr>
-          <p:cNvPr id="170" name="TextBox 169">
-            <a:extLst>
-              <a:ext uri="{FF2B5EF4-FFF2-40B4-BE49-F238E27FC236}">
-                <a16:creationId xmlns:a16="http://schemas.microsoft.com/office/drawing/2014/main" id="{DF31A802-D002-C92B-121A-7E216B57D882}"/>
-              </a:ext>
-            </a:extLst>
-          </p:cNvPr>
-          <p:cNvSpPr txBox="1"/>
-          <p:nvPr/>
-        </p:nvSpPr>
-        <p:spPr>
-          <a:xfrm>
-            <a:off x="21582553" y="23637889"/>
-            <a:ext cx="4314095" cy="523220"/>
-          </a:xfrm>
-          <a:prstGeom prst="rect">
-            <a:avLst/>
-          </a:prstGeom>
-          <a:noFill/>
-        </p:spPr>
-        <p:txBody>
-          <a:bodyPr wrap="square" rtlCol="0">
-            <a:spAutoFit/>
-          </a:bodyPr>
-          <a:lstStyle/>
-          <a:p>
-            <a:pPr algn="ctr"/>
-            <a:r>
-              <a:rPr lang="en-US" sz="2800" b="1" dirty="0">
-                <a:latin typeface="Verdana" panose="020B0604030504040204" pitchFamily="34" charset="0"/>
-                <a:ea typeface="Verdana" panose="020B0604030504040204" pitchFamily="34" charset="0"/>
-              </a:rPr>
-              <a:t>MELAKA</a:t>
-            </a:r>
-            <a:endParaRPr lang="en-MY" sz="2800" b="1" dirty="0">
-              <a:latin typeface="Verdana" panose="020B0604030504040204" pitchFamily="34" charset="0"/>
-              <a:ea typeface="Verdana" panose="020B0604030504040204" pitchFamily="34" charset="0"/>
-            </a:endParaRPr>
-          </a:p>
-        </p:txBody>
-      </p:sp>
-      <p:sp>
-        <p:nvSpPr>
-          <p:cNvPr id="171" name="TextBox 170">
-            <a:extLst>
-              <a:ext uri="{FF2B5EF4-FFF2-40B4-BE49-F238E27FC236}">
-                <a16:creationId xmlns:a16="http://schemas.microsoft.com/office/drawing/2014/main" id="{6B0B2133-EE6C-8F12-7C73-49CDE03EAA11}"/>
-              </a:ext>
-            </a:extLst>
-          </p:cNvPr>
-          <p:cNvSpPr txBox="1"/>
-          <p:nvPr/>
-        </p:nvSpPr>
-        <p:spPr>
-          <a:xfrm>
-            <a:off x="21582552" y="24131253"/>
-            <a:ext cx="4337388" cy="830997"/>
-          </a:xfrm>
-          <a:prstGeom prst="rect">
-            <a:avLst/>
-          </a:prstGeom>
-          <a:noFill/>
-        </p:spPr>
-        <p:txBody>
-          <a:bodyPr wrap="square" rtlCol="0">
-            <a:spAutoFit/>
-          </a:bodyPr>
-          <a:lstStyle/>
-          <a:p>
-            <a:pPr algn="ctr"/>
-            <a:r>
-              <a:rPr lang="en-US" sz="4800" b="1" dirty="0" err="1">
-                <a:latin typeface="Verdana" panose="020B0604030504040204" pitchFamily="34" charset="0"/>
-                <a:ea typeface="Verdana" panose="020B0604030504040204" pitchFamily="34" charset="0"/>
-              </a:rPr>
-              <a:t>melaka</a:t>
-            </a:r>
-            <a:endParaRPr lang="en-MY" sz="4800" b="1" dirty="0">
-              <a:latin typeface="Verdana" panose="020B0604030504040204" pitchFamily="34" charset="0"/>
-              <a:ea typeface="Verdana" panose="020B0604030504040204" pitchFamily="34" charset="0"/>
-            </a:endParaRPr>
-          </a:p>
-        </p:txBody>
-      </p:sp>
-      <p:sp>
-        <p:nvSpPr>
-          <p:cNvPr id="172" name="Rectangle: Rounded Corners 171">
-            <a:extLst>
-              <a:ext uri="{FF2B5EF4-FFF2-40B4-BE49-F238E27FC236}">
-                <a16:creationId xmlns:a16="http://schemas.microsoft.com/office/drawing/2014/main" id="{AA824C57-31BF-2469-3D51-D56DF6EFD04A}"/>
-              </a:ext>
-            </a:extLst>
-          </p:cNvPr>
-          <p:cNvSpPr/>
-          <p:nvPr/>
-        </p:nvSpPr>
-        <p:spPr>
-          <a:xfrm>
-            <a:off x="21594279" y="26320631"/>
-            <a:ext cx="4994033" cy="2133496"/>
-          </a:xfrm>
-          <a:prstGeom prst="roundRect">
-            <a:avLst/>
-          </a:prstGeom>
-          <a:solidFill>
-            <a:schemeClr val="bg1"/>
-          </a:solidFill>
-          <a:ln>
-            <a:noFill/>
-          </a:ln>
-        </p:spPr>
-        <p:style>
-          <a:lnRef idx="2">
-            <a:schemeClr val="accent1">
-              <a:shade val="15000"/>
-            </a:schemeClr>
-          </a:lnRef>
-          <a:fillRef idx="1">
-            <a:schemeClr val="accent1"/>
-          </a:fillRef>
-          <a:effectRef idx="0">
-            <a:schemeClr val="accent1"/>
-          </a:effectRef>
-          <a:fontRef idx="minor">
-            <a:schemeClr val="lt1"/>
-          </a:fontRef>
-        </p:style>
-        <p:txBody>
-          <a:bodyPr rtlCol="0" anchor="ctr"/>
-          <a:lstStyle/>
-          <a:p>
-            <a:pPr algn="ctr"/>
-            <a:endParaRPr lang="en-MY"/>
-          </a:p>
-        </p:txBody>
-      </p:sp>
-      <p:sp>
-        <p:nvSpPr>
-          <p:cNvPr id="173" name="Rectangle: Rounded Corners 172">
-            <a:extLst>
-              <a:ext uri="{FF2B5EF4-FFF2-40B4-BE49-F238E27FC236}">
-                <a16:creationId xmlns:a16="http://schemas.microsoft.com/office/drawing/2014/main" id="{DD6A90A8-E896-6F1B-A0E4-A983DE7CF60F}"/>
-              </a:ext>
-            </a:extLst>
-          </p:cNvPr>
-          <p:cNvSpPr/>
-          <p:nvPr/>
-        </p:nvSpPr>
-        <p:spPr>
-          <a:xfrm>
-            <a:off x="25943392" y="26325377"/>
-            <a:ext cx="2860433" cy="2156942"/>
-          </a:xfrm>
-          <a:prstGeom prst="roundRect">
-            <a:avLst/>
-          </a:prstGeom>
-          <a:blipFill dpi="0" rotWithShape="1">
-            <a:blip r:embed="rId6">
-              <a:extLst>
-                <a:ext uri="{28A0092B-C50C-407E-A947-70E740481C1C}">
-                  <a14:useLocalDpi xmlns:a14="http://schemas.microsoft.com/office/drawing/2010/main" val="0"/>
-                </a:ext>
-              </a:extLst>
-            </a:blip>
-            <a:srcRect/>
-            <a:stretch>
-              <a:fillRect/>
-            </a:stretch>
-          </a:blipFill>
-          <a:ln>
-            <a:noFill/>
-          </a:ln>
-        </p:spPr>
-        <p:style>
-          <a:lnRef idx="2">
-            <a:schemeClr val="accent1">
-              <a:shade val="15000"/>
-            </a:schemeClr>
-          </a:lnRef>
-          <a:fillRef idx="1">
-            <a:schemeClr val="accent1"/>
-          </a:fillRef>
-          <a:effectRef idx="0">
-            <a:schemeClr val="accent1"/>
-          </a:effectRef>
-          <a:fontRef idx="minor">
-            <a:schemeClr val="lt1"/>
-          </a:fontRef>
-        </p:style>
-        <p:txBody>
-          <a:bodyPr rtlCol="0" anchor="ctr"/>
-          <a:lstStyle/>
-          <a:p>
-            <a:pPr algn="ctr"/>
-            <a:endParaRPr lang="en-MY"/>
-          </a:p>
-        </p:txBody>
-      </p:sp>
-      <p:sp>
-        <p:nvSpPr>
-          <p:cNvPr id="174" name="TextBox 173">
-            <a:extLst>
-              <a:ext uri="{FF2B5EF4-FFF2-40B4-BE49-F238E27FC236}">
-                <a16:creationId xmlns:a16="http://schemas.microsoft.com/office/drawing/2014/main" id="{54E5CDA4-FA80-F7B1-68E9-6374B63C44A5}"/>
-              </a:ext>
-            </a:extLst>
-          </p:cNvPr>
-          <p:cNvSpPr txBox="1"/>
-          <p:nvPr/>
-        </p:nvSpPr>
-        <p:spPr>
-          <a:xfrm>
-            <a:off x="21594277" y="26510964"/>
-            <a:ext cx="4360835" cy="523220"/>
-          </a:xfrm>
-          <a:prstGeom prst="rect">
-            <a:avLst/>
-          </a:prstGeom>
-          <a:noFill/>
-        </p:spPr>
-        <p:txBody>
-          <a:bodyPr wrap="square" rtlCol="0">
-            <a:spAutoFit/>
-          </a:bodyPr>
-          <a:lstStyle/>
-          <a:p>
-            <a:pPr algn="ctr"/>
-            <a:r>
-              <a:rPr lang="en-US" sz="2800" b="1" dirty="0">
-                <a:latin typeface="Verdana" panose="020B0604030504040204" pitchFamily="34" charset="0"/>
-                <a:ea typeface="Verdana" panose="020B0604030504040204" pitchFamily="34" charset="0"/>
-              </a:rPr>
-              <a:t>JOHOR</a:t>
-            </a:r>
-            <a:endParaRPr lang="en-MY" sz="2800" b="1" dirty="0">
-              <a:latin typeface="Verdana" panose="020B0604030504040204" pitchFamily="34" charset="0"/>
-              <a:ea typeface="Verdana" panose="020B0604030504040204" pitchFamily="34" charset="0"/>
-            </a:endParaRPr>
-          </a:p>
-        </p:txBody>
-      </p:sp>
-      <p:sp>
-        <p:nvSpPr>
-          <p:cNvPr id="175" name="TextBox 174">
-            <a:extLst>
-              <a:ext uri="{FF2B5EF4-FFF2-40B4-BE49-F238E27FC236}">
-                <a16:creationId xmlns:a16="http://schemas.microsoft.com/office/drawing/2014/main" id="{7ED0243D-AF72-862D-4CC8-CD8360A9FBD6}"/>
-              </a:ext>
-            </a:extLst>
-          </p:cNvPr>
-          <p:cNvSpPr txBox="1"/>
-          <p:nvPr/>
-        </p:nvSpPr>
-        <p:spPr>
-          <a:xfrm>
-            <a:off x="21594279" y="27004328"/>
-            <a:ext cx="4325665" cy="830997"/>
-          </a:xfrm>
-          <a:prstGeom prst="rect">
-            <a:avLst/>
-          </a:prstGeom>
-          <a:noFill/>
-        </p:spPr>
-        <p:txBody>
-          <a:bodyPr wrap="square" rtlCol="0">
-            <a:spAutoFit/>
-          </a:bodyPr>
-          <a:lstStyle/>
-          <a:p>
-            <a:pPr algn="ctr"/>
-            <a:r>
-              <a:rPr lang="en-US" sz="4800" b="1">
-                <a:latin typeface="Verdana" panose="020B0604030504040204" pitchFamily="34" charset="0"/>
-                <a:ea typeface="Verdana" panose="020B0604030504040204" pitchFamily="34" charset="0"/>
-              </a:rPr>
-              <a:t>johor</a:t>
-            </a:r>
-            <a:endParaRPr lang="en-MY" sz="4800" b="1" dirty="0">
-              <a:latin typeface="Verdana" panose="020B0604030504040204" pitchFamily="34" charset="0"/>
-              <a:ea typeface="Verdana" panose="020B0604030504040204" pitchFamily="34" charset="0"/>
-            </a:endParaRPr>
-          </a:p>
-        </p:txBody>
-      </p:sp>
+        </p:spPr>
+      </p:pic>
     </p:spTree>
     <p:extLst>
       <p:ext uri="{BB962C8B-B14F-4D97-AF65-F5344CB8AC3E}">

--- a/blood_donation.pptx
+++ b/blood_donation.pptx
@@ -110,7 +110,7 @@
   <p:extLst>
     <p:ext uri="{EFAFB233-063F-42B5-8137-9DF3F51BA10A}">
       <p15:sldGuideLst xmlns:p15="http://schemas.microsoft.com/office/powerpoint/2012/main">
-        <p15:guide id="1" orient="horz" pos="10227" userDrawn="1">
+        <p15:guide id="1" orient="horz" pos="10205" userDrawn="1">
           <p15:clr>
             <a:srgbClr val="A4A3A4"/>
           </p15:clr>
@@ -211,7 +211,7 @@
           <a:p>
             <a:fld id="{1DE40755-8679-4EBC-9EFA-4F99D54FDAB0}" type="datetimeFigureOut">
               <a:rPr lang="en-MY" smtClean="0"/>
-              <a:t>25/1/2024</a:t>
+              <a:t>26/1/2024</a:t>
             </a:fld>
             <a:endParaRPr lang="en-MY"/>
           </a:p>
@@ -715,7 +715,7 @@
           <a:p>
             <a:fld id="{FDA1C1AF-7B8C-40AE-9551-7C06C9AE4EEC}" type="datetimeFigureOut">
               <a:rPr lang="en-MY" smtClean="0"/>
-              <a:t>25/1/2024</a:t>
+              <a:t>26/1/2024</a:t>
             </a:fld>
             <a:endParaRPr lang="en-MY"/>
           </a:p>
@@ -901,7 +901,7 @@
           <a:p>
             <a:fld id="{FDA1C1AF-7B8C-40AE-9551-7C06C9AE4EEC}" type="datetimeFigureOut">
               <a:rPr lang="en-MY" smtClean="0"/>
-              <a:t>25/1/2024</a:t>
+              <a:t>26/1/2024</a:t>
             </a:fld>
             <a:endParaRPr lang="en-MY"/>
           </a:p>
@@ -1081,7 +1081,7 @@
           <a:p>
             <a:fld id="{FDA1C1AF-7B8C-40AE-9551-7C06C9AE4EEC}" type="datetimeFigureOut">
               <a:rPr lang="en-MY" smtClean="0"/>
-              <a:t>25/1/2024</a:t>
+              <a:t>26/1/2024</a:t>
             </a:fld>
             <a:endParaRPr lang="en-MY"/>
           </a:p>
@@ -1251,7 +1251,7 @@
           <a:p>
             <a:fld id="{FDA1C1AF-7B8C-40AE-9551-7C06C9AE4EEC}" type="datetimeFigureOut">
               <a:rPr lang="en-MY" smtClean="0"/>
-              <a:t>25/1/2024</a:t>
+              <a:t>26/1/2024</a:t>
             </a:fld>
             <a:endParaRPr lang="en-MY"/>
           </a:p>
@@ -1495,7 +1495,7 @@
           <a:p>
             <a:fld id="{FDA1C1AF-7B8C-40AE-9551-7C06C9AE4EEC}" type="datetimeFigureOut">
               <a:rPr lang="en-MY" smtClean="0"/>
-              <a:t>25/1/2024</a:t>
+              <a:t>26/1/2024</a:t>
             </a:fld>
             <a:endParaRPr lang="en-MY"/>
           </a:p>
@@ -1727,7 +1727,7 @@
           <a:p>
             <a:fld id="{FDA1C1AF-7B8C-40AE-9551-7C06C9AE4EEC}" type="datetimeFigureOut">
               <a:rPr lang="en-MY" smtClean="0"/>
-              <a:t>25/1/2024</a:t>
+              <a:t>26/1/2024</a:t>
             </a:fld>
             <a:endParaRPr lang="en-MY"/>
           </a:p>
@@ -2094,7 +2094,7 @@
           <a:p>
             <a:fld id="{FDA1C1AF-7B8C-40AE-9551-7C06C9AE4EEC}" type="datetimeFigureOut">
               <a:rPr lang="en-MY" smtClean="0"/>
-              <a:t>25/1/2024</a:t>
+              <a:t>26/1/2024</a:t>
             </a:fld>
             <a:endParaRPr lang="en-MY"/>
           </a:p>
@@ -2212,7 +2212,7 @@
           <a:p>
             <a:fld id="{FDA1C1AF-7B8C-40AE-9551-7C06C9AE4EEC}" type="datetimeFigureOut">
               <a:rPr lang="en-MY" smtClean="0"/>
-              <a:t>25/1/2024</a:t>
+              <a:t>26/1/2024</a:t>
             </a:fld>
             <a:endParaRPr lang="en-MY"/>
           </a:p>
@@ -2307,7 +2307,7 @@
           <a:p>
             <a:fld id="{FDA1C1AF-7B8C-40AE-9551-7C06C9AE4EEC}" type="datetimeFigureOut">
               <a:rPr lang="en-MY" smtClean="0"/>
-              <a:t>25/1/2024</a:t>
+              <a:t>26/1/2024</a:t>
             </a:fld>
             <a:endParaRPr lang="en-MY"/>
           </a:p>
@@ -2584,7 +2584,7 @@
           <a:p>
             <a:fld id="{FDA1C1AF-7B8C-40AE-9551-7C06C9AE4EEC}" type="datetimeFigureOut">
               <a:rPr lang="en-MY" smtClean="0"/>
-              <a:t>25/1/2024</a:t>
+              <a:t>26/1/2024</a:t>
             </a:fld>
             <a:endParaRPr lang="en-MY"/>
           </a:p>
@@ -2841,7 +2841,7 @@
           <a:p>
             <a:fld id="{FDA1C1AF-7B8C-40AE-9551-7C06C9AE4EEC}" type="datetimeFigureOut">
               <a:rPr lang="en-MY" smtClean="0"/>
-              <a:t>25/1/2024</a:t>
+              <a:t>26/1/2024</a:t>
             </a:fld>
             <a:endParaRPr lang="en-MY"/>
           </a:p>
@@ -3054,7 +3054,7 @@
           <a:p>
             <a:fld id="{FDA1C1AF-7B8C-40AE-9551-7C06C9AE4EEC}" type="datetimeFigureOut">
               <a:rPr lang="en-MY" smtClean="0"/>
-              <a:t>25/1/2024</a:t>
+              <a:t>26/1/2024</a:t>
             </a:fld>
             <a:endParaRPr lang="en-MY"/>
           </a:p>
@@ -3497,7 +3497,7 @@
         </p:nvSpPr>
         <p:spPr>
           <a:xfrm>
-            <a:off x="10818677" y="6905001"/>
+            <a:off x="10921986" y="8397011"/>
             <a:ext cx="8698524" cy="3560875"/>
           </a:xfrm>
           <a:prstGeom prst="roundRect">
@@ -3557,7 +3557,7 @@
         </p:nvSpPr>
         <p:spPr>
           <a:xfrm>
-            <a:off x="10877292" y="8139086"/>
+            <a:off x="10980601" y="9631096"/>
             <a:ext cx="8639909" cy="584775"/>
           </a:xfrm>
           <a:prstGeom prst="rect">
@@ -3606,7 +3606,7 @@
         </p:nvSpPr>
         <p:spPr>
           <a:xfrm>
-            <a:off x="10842130" y="8828811"/>
+            <a:off x="10945439" y="10320821"/>
             <a:ext cx="8618834" cy="830997"/>
           </a:xfrm>
           <a:prstGeom prst="rect">
@@ -3655,7 +3655,7 @@
         </p:nvSpPr>
         <p:spPr>
           <a:xfrm>
-            <a:off x="1506120" y="1601387"/>
+            <a:off x="1568633" y="1414619"/>
             <a:ext cx="23456484" cy="1015534"/>
           </a:xfrm>
           <a:prstGeom prst="rect">
@@ -3674,7 +3674,7 @@
                 <a:latin typeface="Verdana" panose="020B0604030504040204" pitchFamily="34" charset="0"/>
                 <a:ea typeface="Verdana" panose="020B0604030504040204" pitchFamily="34" charset="0"/>
               </a:rPr>
-              <a:t>Malaysia's Blood Donation Count Daily Update</a:t>
+              <a:t>Malaysia's Blood Donation Daily Updates (2024)</a:t>
             </a:r>
             <a:endParaRPr lang="en-MY" sz="5999" b="1" dirty="0">
               <a:latin typeface="Verdana" panose="020B0604030504040204" pitchFamily="34" charset="0"/>
@@ -3697,8 +3697,8 @@
         </p:nvSpPr>
         <p:spPr>
           <a:xfrm>
-            <a:off x="1568633" y="2694713"/>
-            <a:ext cx="5280934" cy="399981"/>
+            <a:off x="1568633" y="2694714"/>
+            <a:ext cx="1784167" cy="399981"/>
           </a:xfrm>
           <a:prstGeom prst="rect">
             <a:avLst/>
@@ -3722,7 +3722,7 @@
                 <a:latin typeface="Verdana" panose="020B0604030504040204" pitchFamily="34" charset="0"/>
                 <a:ea typeface="Verdana" panose="020B0604030504040204" pitchFamily="34" charset="0"/>
               </a:rPr>
-              <a:t>Data shown is for the daily update of: </a:t>
+              <a:t>Data as of</a:t>
             </a:r>
             <a:endParaRPr lang="en-MY" sz="1999" dirty="0">
               <a:solidFill>
@@ -3751,7 +3751,7 @@
         </p:nvSpPr>
         <p:spPr>
           <a:xfrm>
-            <a:off x="3640017" y="9004633"/>
+            <a:off x="3743326" y="10496643"/>
             <a:ext cx="4994033" cy="2133496"/>
           </a:xfrm>
           <a:prstGeom prst="roundRect">
@@ -3803,7 +3803,7 @@
         </p:nvSpPr>
         <p:spPr>
           <a:xfrm>
-            <a:off x="1471246" y="8992910"/>
+            <a:off x="1574555" y="10484920"/>
             <a:ext cx="2860433" cy="2156942"/>
           </a:xfrm>
           <a:prstGeom prst="roundRect">
@@ -3864,7 +3864,7 @@
         </p:nvSpPr>
         <p:spPr>
           <a:xfrm>
-            <a:off x="4261344" y="9123728"/>
+            <a:off x="4364653" y="10615738"/>
             <a:ext cx="4337685" cy="523220"/>
           </a:xfrm>
           <a:prstGeom prst="rect">
@@ -3907,7 +3907,7 @@
         </p:nvSpPr>
         <p:spPr>
           <a:xfrm>
-            <a:off x="4296366" y="9662923"/>
+            <a:off x="4399675" y="11154933"/>
             <a:ext cx="4337685" cy="830997"/>
           </a:xfrm>
           <a:prstGeom prst="rect">
@@ -3950,7 +3950,7 @@
         </p:nvSpPr>
         <p:spPr>
           <a:xfrm>
-            <a:off x="3663465" y="20530263"/>
+            <a:off x="3766774" y="22022273"/>
             <a:ext cx="4994033" cy="2133496"/>
           </a:xfrm>
           <a:prstGeom prst="roundRect">
@@ -4002,7 +4002,7 @@
         </p:nvSpPr>
         <p:spPr>
           <a:xfrm>
-            <a:off x="1459375" y="20512523"/>
+            <a:off x="1562684" y="22004533"/>
             <a:ext cx="2860433" cy="2156942"/>
           </a:xfrm>
           <a:prstGeom prst="roundRect">
@@ -4064,7 +4064,7 @@
         </p:nvSpPr>
         <p:spPr>
           <a:xfrm>
-            <a:off x="4343408" y="20649361"/>
+            <a:off x="4446717" y="22141371"/>
             <a:ext cx="4267345" cy="523220"/>
           </a:xfrm>
           <a:prstGeom prst="rect">
@@ -4107,7 +4107,7 @@
         </p:nvSpPr>
         <p:spPr>
           <a:xfrm>
-            <a:off x="4284787" y="21188556"/>
+            <a:off x="4388096" y="22680566"/>
             <a:ext cx="4360984" cy="1569660"/>
           </a:xfrm>
           <a:prstGeom prst="rect">
@@ -4157,7 +4157,7 @@
         </p:nvSpPr>
         <p:spPr>
           <a:xfrm>
-            <a:off x="3640017" y="11874553"/>
+            <a:off x="3743326" y="13366563"/>
             <a:ext cx="4994033" cy="2133496"/>
           </a:xfrm>
           <a:prstGeom prst="roundRect">
@@ -4209,7 +4209,7 @@
         </p:nvSpPr>
         <p:spPr>
           <a:xfrm>
-            <a:off x="1485082" y="11874553"/>
+            <a:off x="1588391" y="13366563"/>
             <a:ext cx="2860433" cy="2156942"/>
           </a:xfrm>
           <a:prstGeom prst="roundRect">
@@ -4270,7 +4270,7 @@
         </p:nvSpPr>
         <p:spPr>
           <a:xfrm>
-            <a:off x="4261342" y="11993651"/>
+            <a:off x="4364651" y="13485661"/>
             <a:ext cx="4325961" cy="523220"/>
           </a:xfrm>
           <a:prstGeom prst="rect">
@@ -4313,7 +4313,7 @@
         </p:nvSpPr>
         <p:spPr>
           <a:xfrm>
-            <a:off x="4331679" y="12532844"/>
+            <a:off x="4434988" y="14024854"/>
             <a:ext cx="4314092" cy="830997"/>
           </a:xfrm>
           <a:prstGeom prst="rect">
@@ -4356,7 +4356,7 @@
         </p:nvSpPr>
         <p:spPr>
           <a:xfrm>
-            <a:off x="21635506" y="6103431"/>
+            <a:off x="21738815" y="7595441"/>
             <a:ext cx="4994033" cy="2133496"/>
           </a:xfrm>
           <a:prstGeom prst="roundRect">
@@ -4408,7 +4408,7 @@
         </p:nvSpPr>
         <p:spPr>
           <a:xfrm>
-            <a:off x="25949456" y="6111268"/>
+            <a:off x="26052765" y="7603278"/>
             <a:ext cx="2860433" cy="2156942"/>
           </a:xfrm>
           <a:prstGeom prst="roundRect">
@@ -4469,7 +4469,7 @@
         </p:nvSpPr>
         <p:spPr>
           <a:xfrm>
-            <a:off x="21635504" y="6222528"/>
+            <a:off x="21738813" y="7714538"/>
             <a:ext cx="4278777" cy="523220"/>
           </a:xfrm>
           <a:prstGeom prst="rect">
@@ -4512,7 +4512,7 @@
         </p:nvSpPr>
         <p:spPr>
           <a:xfrm>
-            <a:off x="21635504" y="6761721"/>
+            <a:off x="21738813" y="8253731"/>
             <a:ext cx="4337388" cy="830997"/>
           </a:xfrm>
           <a:prstGeom prst="rect">
@@ -4555,7 +4555,7 @@
         </p:nvSpPr>
         <p:spPr>
           <a:xfrm>
-            <a:off x="3593267" y="6134714"/>
+            <a:off x="3696576" y="7626724"/>
             <a:ext cx="4994033" cy="2133496"/>
           </a:xfrm>
           <a:prstGeom prst="roundRect">
@@ -4607,7 +4607,7 @@
         </p:nvSpPr>
         <p:spPr>
           <a:xfrm>
-            <a:off x="4214592" y="6253812"/>
+            <a:off x="4317901" y="7745822"/>
             <a:ext cx="4360982" cy="523220"/>
           </a:xfrm>
           <a:prstGeom prst="rect">
@@ -4650,7 +4650,7 @@
         </p:nvSpPr>
         <p:spPr>
           <a:xfrm>
-            <a:off x="4319808" y="6793006"/>
+            <a:off x="4423117" y="8285016"/>
             <a:ext cx="4255769" cy="1569660"/>
           </a:xfrm>
           <a:prstGeom prst="rect">
@@ -4707,7 +4707,7 @@
         </p:nvSpPr>
         <p:spPr>
           <a:xfrm>
-            <a:off x="21635504" y="8976586"/>
+            <a:off x="21738813" y="10468596"/>
             <a:ext cx="5038297" cy="2156942"/>
           </a:xfrm>
           <a:prstGeom prst="roundRect">
@@ -4759,7 +4759,7 @@
         </p:nvSpPr>
         <p:spPr>
           <a:xfrm>
-            <a:off x="21635503" y="9095684"/>
+            <a:off x="21738812" y="10587694"/>
             <a:ext cx="4296167" cy="523220"/>
           </a:xfrm>
           <a:prstGeom prst="rect">
@@ -4802,7 +4802,7 @@
         </p:nvSpPr>
         <p:spPr>
           <a:xfrm>
-            <a:off x="21635503" y="9634879"/>
+            <a:off x="21738812" y="11126889"/>
             <a:ext cx="4296166" cy="830997"/>
           </a:xfrm>
           <a:prstGeom prst="rect">
@@ -4852,7 +4852,7 @@
         </p:nvSpPr>
         <p:spPr>
           <a:xfrm>
-            <a:off x="3663468" y="23393399"/>
+            <a:off x="3766777" y="24885409"/>
             <a:ext cx="4994033" cy="2182187"/>
           </a:xfrm>
           <a:prstGeom prst="roundRect">
@@ -4904,7 +4904,7 @@
         </p:nvSpPr>
         <p:spPr>
           <a:xfrm>
-            <a:off x="1506120" y="23391797"/>
+            <a:off x="1609429" y="24883807"/>
             <a:ext cx="2860433" cy="2156942"/>
           </a:xfrm>
           <a:prstGeom prst="roundRect">
@@ -4965,7 +4965,7 @@
         </p:nvSpPr>
         <p:spPr>
           <a:xfrm>
-            <a:off x="4319808" y="23632425"/>
+            <a:off x="4423117" y="25124435"/>
             <a:ext cx="4337541" cy="523220"/>
           </a:xfrm>
           <a:prstGeom prst="rect">
@@ -5008,7 +5008,7 @@
         </p:nvSpPr>
         <p:spPr>
           <a:xfrm>
-            <a:off x="4328783" y="24125789"/>
+            <a:off x="4432092" y="25617799"/>
             <a:ext cx="4328566" cy="830997"/>
           </a:xfrm>
           <a:prstGeom prst="rect">
@@ -5051,7 +5051,7 @@
         </p:nvSpPr>
         <p:spPr>
           <a:xfrm>
-            <a:off x="3640016" y="17642255"/>
+            <a:off x="3743325" y="19134265"/>
             <a:ext cx="4994033" cy="2133496"/>
           </a:xfrm>
           <a:prstGeom prst="roundRect">
@@ -5103,7 +5103,7 @@
         </p:nvSpPr>
         <p:spPr>
           <a:xfrm>
-            <a:off x="1468350" y="17655063"/>
+            <a:off x="1571659" y="19147073"/>
             <a:ext cx="2860433" cy="2156942"/>
           </a:xfrm>
           <a:prstGeom prst="roundRect">
@@ -5164,7 +5164,7 @@
         </p:nvSpPr>
         <p:spPr>
           <a:xfrm>
-            <a:off x="4366553" y="17807507"/>
+            <a:off x="4469862" y="19299517"/>
             <a:ext cx="4290796" cy="531736"/>
           </a:xfrm>
           <a:prstGeom prst="rect">
@@ -5207,7 +5207,7 @@
         </p:nvSpPr>
         <p:spPr>
           <a:xfrm>
-            <a:off x="4345515" y="18320800"/>
+            <a:off x="4448824" y="19812810"/>
             <a:ext cx="4372559" cy="830997"/>
           </a:xfrm>
           <a:prstGeom prst="rect">
@@ -5250,7 +5250,7 @@
         </p:nvSpPr>
         <p:spPr>
           <a:xfrm>
-            <a:off x="21617868" y="11904401"/>
+            <a:off x="21721177" y="13396411"/>
             <a:ext cx="4994033" cy="2158233"/>
           </a:xfrm>
           <a:prstGeom prst="roundRect">
@@ -5302,7 +5302,7 @@
         </p:nvSpPr>
         <p:spPr>
           <a:xfrm>
-            <a:off x="25966983" y="11909150"/>
+            <a:off x="26070292" y="13401160"/>
             <a:ext cx="2860433" cy="2151358"/>
           </a:xfrm>
           <a:prstGeom prst="roundRect">
@@ -5363,7 +5363,7 @@
         </p:nvSpPr>
         <p:spPr>
           <a:xfrm>
-            <a:off x="21617863" y="12094736"/>
+            <a:off x="21721172" y="13586746"/>
             <a:ext cx="4372560" cy="523220"/>
           </a:xfrm>
           <a:prstGeom prst="rect">
@@ -5406,7 +5406,7 @@
         </p:nvSpPr>
         <p:spPr>
           <a:xfrm>
-            <a:off x="21617865" y="12588099"/>
+            <a:off x="21721174" y="14080109"/>
             <a:ext cx="4337388" cy="830997"/>
           </a:xfrm>
           <a:prstGeom prst="rect">
@@ -5449,7 +5449,7 @@
         </p:nvSpPr>
         <p:spPr>
           <a:xfrm>
-            <a:off x="21604936" y="14764490"/>
+            <a:off x="21708245" y="16256500"/>
             <a:ext cx="4994033" cy="2149329"/>
           </a:xfrm>
           <a:prstGeom prst="roundRect">
@@ -5501,7 +5501,7 @@
         </p:nvSpPr>
         <p:spPr>
           <a:xfrm>
-            <a:off x="25954049" y="14769237"/>
+            <a:off x="26057358" y="16261247"/>
             <a:ext cx="2860433" cy="2156942"/>
           </a:xfrm>
           <a:prstGeom prst="roundRect">
@@ -5562,7 +5562,7 @@
         </p:nvSpPr>
         <p:spPr>
           <a:xfrm>
-            <a:off x="21604930" y="14954823"/>
+            <a:off x="21708239" y="16446833"/>
             <a:ext cx="4360836" cy="523220"/>
           </a:xfrm>
           <a:prstGeom prst="rect">
@@ -5605,7 +5605,7 @@
         </p:nvSpPr>
         <p:spPr>
           <a:xfrm>
-            <a:off x="21604936" y="15448188"/>
+            <a:off x="21708245" y="16940198"/>
             <a:ext cx="4325665" cy="830997"/>
           </a:xfrm>
           <a:prstGeom prst="rect">
@@ -5648,7 +5648,7 @@
         </p:nvSpPr>
         <p:spPr>
           <a:xfrm>
-            <a:off x="21676479" y="17613245"/>
+            <a:off x="21779788" y="19105255"/>
             <a:ext cx="4994033" cy="2133496"/>
           </a:xfrm>
           <a:prstGeom prst="roundRect">
@@ -5700,7 +5700,7 @@
         </p:nvSpPr>
         <p:spPr>
           <a:xfrm>
-            <a:off x="25954049" y="17617991"/>
+            <a:off x="26057358" y="19110001"/>
             <a:ext cx="2860433" cy="2140473"/>
           </a:xfrm>
           <a:prstGeom prst="roundRect">
@@ -5761,7 +5761,7 @@
         </p:nvSpPr>
         <p:spPr>
           <a:xfrm>
-            <a:off x="21676476" y="17803577"/>
+            <a:off x="21779785" y="19295587"/>
             <a:ext cx="4349113" cy="523220"/>
           </a:xfrm>
           <a:prstGeom prst="rect">
@@ -5804,7 +5804,7 @@
         </p:nvSpPr>
         <p:spPr>
           <a:xfrm>
-            <a:off x="21676476" y="18296942"/>
+            <a:off x="21779785" y="19788952"/>
             <a:ext cx="4313942" cy="830997"/>
           </a:xfrm>
           <a:prstGeom prst="rect">
@@ -5847,7 +5847,7 @@
         </p:nvSpPr>
         <p:spPr>
           <a:xfrm>
-            <a:off x="3663468" y="26283094"/>
+            <a:off x="3766777" y="27775104"/>
             <a:ext cx="4994033" cy="2173310"/>
           </a:xfrm>
           <a:prstGeom prst="roundRect">
@@ -5899,7 +5899,7 @@
         </p:nvSpPr>
         <p:spPr>
           <a:xfrm>
-            <a:off x="4378583" y="26513241"/>
+            <a:off x="4481892" y="28005251"/>
             <a:ext cx="4278766" cy="523220"/>
           </a:xfrm>
           <a:prstGeom prst="rect">
@@ -5942,7 +5942,7 @@
         </p:nvSpPr>
         <p:spPr>
           <a:xfrm>
-            <a:off x="4378431" y="27006605"/>
+            <a:off x="4481740" y="28498615"/>
             <a:ext cx="4278918" cy="830997"/>
           </a:xfrm>
           <a:prstGeom prst="rect">
@@ -5985,7 +5985,7 @@
         </p:nvSpPr>
         <p:spPr>
           <a:xfrm>
-            <a:off x="3640019" y="14784794"/>
+            <a:off x="3743328" y="16276804"/>
             <a:ext cx="4994033" cy="2133496"/>
           </a:xfrm>
           <a:prstGeom prst="roundRect">
@@ -6037,7 +6037,7 @@
         </p:nvSpPr>
         <p:spPr>
           <a:xfrm>
-            <a:off x="4319957" y="15027407"/>
+            <a:off x="4423266" y="16519417"/>
             <a:ext cx="4360835" cy="523220"/>
           </a:xfrm>
           <a:prstGeom prst="rect">
@@ -6080,7 +6080,7 @@
         </p:nvSpPr>
         <p:spPr>
           <a:xfrm>
-            <a:off x="4296366" y="15422805"/>
+            <a:off x="4399675" y="16914815"/>
             <a:ext cx="4325665" cy="830997"/>
           </a:xfrm>
           <a:prstGeom prst="rect">
@@ -6137,7 +6137,7 @@
         </p:blipFill>
         <p:spPr>
           <a:xfrm>
-            <a:off x="1465324" y="6125359"/>
+            <a:off x="1568633" y="7617369"/>
             <a:ext cx="2901229" cy="2133496"/>
           </a:xfrm>
           <a:prstGeom prst="roundRect">
@@ -6173,7 +6173,7 @@
         </p:blipFill>
         <p:spPr>
           <a:xfrm>
-            <a:off x="1465455" y="14755459"/>
+            <a:off x="1568764" y="16247469"/>
             <a:ext cx="2866224" cy="2162832"/>
           </a:xfrm>
           <a:prstGeom prst="roundRect">
@@ -6209,7 +6209,7 @@
         </p:blipFill>
         <p:spPr>
           <a:xfrm>
-            <a:off x="1482975" y="26280961"/>
+            <a:off x="1586284" y="27772971"/>
             <a:ext cx="2895608" cy="2165342"/>
           </a:xfrm>
           <a:prstGeom prst="roundRect">
@@ -6245,7 +6245,7 @@
         </p:blipFill>
         <p:spPr>
           <a:xfrm>
-            <a:off x="25966834" y="8992909"/>
+            <a:off x="26070143" y="10484919"/>
             <a:ext cx="2825269" cy="2158233"/>
           </a:xfrm>
           <a:prstGeom prst="roundRect">
@@ -6267,7 +6267,7 @@
         </p:nvSpPr>
         <p:spPr>
           <a:xfrm>
-            <a:off x="21617868" y="20530263"/>
+            <a:off x="21721177" y="22022273"/>
             <a:ext cx="4994033" cy="2158233"/>
           </a:xfrm>
           <a:prstGeom prst="roundRect">
@@ -6319,7 +6319,7 @@
         </p:nvSpPr>
         <p:spPr>
           <a:xfrm>
-            <a:off x="21617863" y="20720598"/>
+            <a:off x="21721172" y="22212608"/>
             <a:ext cx="4312738" cy="523220"/>
           </a:xfrm>
           <a:prstGeom prst="rect">
@@ -6362,7 +6362,7 @@
         </p:nvSpPr>
         <p:spPr>
           <a:xfrm>
-            <a:off x="21617865" y="21213961"/>
+            <a:off x="21721174" y="22705971"/>
             <a:ext cx="4337388" cy="830997"/>
           </a:xfrm>
           <a:prstGeom prst="rect">
@@ -6405,7 +6405,7 @@
         </p:nvSpPr>
         <p:spPr>
           <a:xfrm>
-            <a:off x="21604936" y="23428080"/>
+            <a:off x="21708245" y="24920090"/>
             <a:ext cx="4994033" cy="2133496"/>
           </a:xfrm>
           <a:prstGeom prst="roundRect">
@@ -6457,7 +6457,7 @@
         </p:nvSpPr>
         <p:spPr>
           <a:xfrm>
-            <a:off x="21604930" y="23618412"/>
+            <a:off x="21708239" y="25110422"/>
             <a:ext cx="4325665" cy="523220"/>
           </a:xfrm>
           <a:prstGeom prst="rect">
@@ -6500,7 +6500,7 @@
         </p:nvSpPr>
         <p:spPr>
           <a:xfrm>
-            <a:off x="21604936" y="24111777"/>
+            <a:off x="21708245" y="25603787"/>
             <a:ext cx="4325665" cy="830997"/>
           </a:xfrm>
           <a:prstGeom prst="rect">
@@ -6543,7 +6543,7 @@
         </p:nvSpPr>
         <p:spPr>
           <a:xfrm>
-            <a:off x="21635506" y="26295857"/>
+            <a:off x="21738815" y="27787867"/>
             <a:ext cx="4994033" cy="2150446"/>
           </a:xfrm>
           <a:prstGeom prst="roundRect">
@@ -6595,7 +6595,7 @@
         </p:nvSpPr>
         <p:spPr>
           <a:xfrm>
-            <a:off x="21635504" y="26478352"/>
+            <a:off x="21738813" y="27970362"/>
             <a:ext cx="4272980" cy="523220"/>
           </a:xfrm>
           <a:prstGeom prst="rect">
@@ -6638,7 +6638,7 @@
         </p:nvSpPr>
         <p:spPr>
           <a:xfrm>
-            <a:off x="21635503" y="26971717"/>
+            <a:off x="21738812" y="28463727"/>
             <a:ext cx="4254119" cy="830997"/>
           </a:xfrm>
           <a:prstGeom prst="rect">
@@ -6695,7 +6695,7 @@
         </p:blipFill>
         <p:spPr>
           <a:xfrm>
-            <a:off x="25931668" y="20518540"/>
+            <a:off x="26034977" y="22010550"/>
             <a:ext cx="2853819" cy="2180492"/>
           </a:xfrm>
           <a:prstGeom prst="roundRect">
@@ -6731,7 +6731,7 @@
         </p:blipFill>
         <p:spPr>
           <a:xfrm>
-            <a:off x="25946430" y="23424162"/>
+            <a:off x="26049739" y="24916172"/>
             <a:ext cx="2880986" cy="2124578"/>
           </a:xfrm>
           <a:prstGeom prst="roundRect">
@@ -6767,7 +6767,7 @@
         </p:blipFill>
         <p:spPr>
           <a:xfrm>
-            <a:off x="25930595" y="26304940"/>
+            <a:off x="26033904" y="27796950"/>
             <a:ext cx="2896821" cy="2150447"/>
           </a:xfrm>
           <a:prstGeom prst="roundRect">
@@ -6803,7 +6803,7 @@
         </p:blipFill>
         <p:spPr>
           <a:xfrm>
-            <a:off x="12270840" y="23424162"/>
+            <a:off x="12280900" y="16955310"/>
             <a:ext cx="5715000" cy="5715000"/>
           </a:xfrm>
           <a:prstGeom prst="rect">
@@ -6839,7 +6839,7 @@
         </p:blipFill>
         <p:spPr>
           <a:xfrm>
-            <a:off x="12313263" y="4661462"/>
+            <a:off x="12416572" y="6153472"/>
             <a:ext cx="5715000" cy="2929742"/>
           </a:xfrm>
           <a:prstGeom prst="rect">
@@ -6861,8 +6861,8 @@
         </p:nvSpPr>
         <p:spPr>
           <a:xfrm>
-            <a:off x="12252154" y="22780624"/>
-            <a:ext cx="5710015" cy="399981"/>
+            <a:off x="12262214" y="16311772"/>
+            <a:ext cx="5733686" cy="399981"/>
           </a:xfrm>
           <a:prstGeom prst="rect">
             <a:avLst/>
@@ -6875,6 +6875,7 @@
           </a:bodyPr>
           <a:lstStyle/>
           <a:p>
+            <a:pPr algn="ctr"/>
             <a:r>
               <a:rPr lang="en-US" sz="1999" dirty="0">
                 <a:solidFill>
@@ -6886,7 +6887,7 @@
                 <a:latin typeface="Verdana" panose="020B0604030504040204" pitchFamily="34" charset="0"/>
                 <a:ea typeface="Verdana" panose="020B0604030504040204" pitchFamily="34" charset="0"/>
               </a:rPr>
-              <a:t>For more update, scan the QR code below:</a:t>
+              <a:t>Scan QR code below for more updates</a:t>
             </a:r>
             <a:endParaRPr lang="en-MY" sz="1999" dirty="0">
               <a:solidFill>
@@ -6961,7 +6962,7 @@
         </p:nvSpPr>
         <p:spPr>
           <a:xfrm>
-            <a:off x="6605423" y="2692197"/>
+            <a:off x="3021780" y="2737974"/>
             <a:ext cx="662040" cy="369332"/>
           </a:xfrm>
           <a:prstGeom prst="rect">
@@ -6983,41 +6984,90 @@
           </a:p>
         </p:txBody>
       </p:sp>
-      <p:pic>
-        <p:nvPicPr>
-          <p:cNvPr id="68" name="Picture 67">
+      <p:sp>
+        <p:nvSpPr>
+          <p:cNvPr id="2" name="TextBox 1">
             <a:extLst>
               <a:ext uri="{FF2B5EF4-FFF2-40B4-BE49-F238E27FC236}">
-                <a16:creationId xmlns:a16="http://schemas.microsoft.com/office/drawing/2014/main" id="{C830AF6C-E832-E2D8-B830-52C72CD57E1A}"/>
+                <a16:creationId xmlns:a16="http://schemas.microsoft.com/office/drawing/2014/main" id="{CA54A63A-67DE-EE7E-A5B8-3074091865DC}"/>
               </a:ext>
             </a:extLst>
           </p:cNvPr>
-          <p:cNvPicPr>
-            <a:picLocks noChangeAspect="1"/>
-          </p:cNvPicPr>
+          <p:cNvSpPr txBox="1"/>
           <p:nvPr/>
-        </p:nvPicPr>
-        <p:blipFill rotWithShape="1">
-          <a:blip r:embed="rId22">
-            <a:extLst>
-              <a:ext uri="{28A0092B-C50C-407E-A947-70E740481C1C}">
-                <a14:useLocalDpi xmlns:a14="http://schemas.microsoft.com/office/drawing/2010/main" val="0"/>
-              </a:ext>
-            </a:extLst>
-          </a:blip>
-          <a:srcRect b="10507"/>
-          <a:stretch/>
-        </p:blipFill>
-        <p:spPr>
-          <a:xfrm>
-            <a:off x="10827081" y="11201824"/>
-            <a:ext cx="8633882" cy="10731589"/>
-          </a:xfrm>
-          <a:prstGeom prst="roundRect">
-            <a:avLst/>
-          </a:prstGeom>
-        </p:spPr>
-      </p:pic>
+        </p:nvSpPr>
+        <p:spPr>
+          <a:xfrm>
+            <a:off x="1562684" y="4076199"/>
+            <a:ext cx="16568888" cy="707886"/>
+          </a:xfrm>
+          <a:prstGeom prst="rect">
+            <a:avLst/>
+          </a:prstGeom>
+          <a:noFill/>
+        </p:spPr>
+        <p:txBody>
+          <a:bodyPr wrap="square" rtlCol="0">
+            <a:spAutoFit/>
+          </a:bodyPr>
+          <a:lstStyle/>
+          <a:p>
+            <a:r>
+              <a:rPr lang="en-US" sz="4000" b="1" dirty="0">
+                <a:latin typeface="Verdana" panose="020B0604030504040204" pitchFamily="34" charset="0"/>
+                <a:ea typeface="Verdana" panose="020B0604030504040204" pitchFamily="34" charset="0"/>
+              </a:rPr>
+              <a:t>Cumulative count of blood donation from 2024-01-01 to</a:t>
+            </a:r>
+            <a:endParaRPr lang="en-MY" sz="4000" b="1" dirty="0">
+              <a:latin typeface="Verdana" panose="020B0604030504040204" pitchFamily="34" charset="0"/>
+              <a:ea typeface="Verdana" panose="020B0604030504040204" pitchFamily="34" charset="0"/>
+            </a:endParaRPr>
+          </a:p>
+        </p:txBody>
+      </p:sp>
+      <p:sp>
+        <p:nvSpPr>
+          <p:cNvPr id="3" name="TextBox 2">
+            <a:extLst>
+              <a:ext uri="{FF2B5EF4-FFF2-40B4-BE49-F238E27FC236}">
+                <a16:creationId xmlns:a16="http://schemas.microsoft.com/office/drawing/2014/main" id="{9D4028FC-2B56-83C5-010C-0510C1055C7D}"/>
+              </a:ext>
+            </a:extLst>
+          </p:cNvPr>
+          <p:cNvSpPr txBox="1"/>
+          <p:nvPr/>
+        </p:nvSpPr>
+        <p:spPr>
+          <a:xfrm>
+            <a:off x="17822908" y="4076199"/>
+            <a:ext cx="2495017" cy="707886"/>
+          </a:xfrm>
+          <a:prstGeom prst="rect">
+            <a:avLst/>
+          </a:prstGeom>
+          <a:noFill/>
+        </p:spPr>
+        <p:txBody>
+          <a:bodyPr wrap="square" rtlCol="0">
+            <a:spAutoFit/>
+          </a:bodyPr>
+          <a:lstStyle/>
+          <a:p>
+            <a:r>
+              <a:rPr lang="en-US" sz="4000" b="1" dirty="0">
+                <a:latin typeface="Verdana" panose="020B0604030504040204" pitchFamily="34" charset="0"/>
+                <a:ea typeface="Verdana" panose="020B0604030504040204" pitchFamily="34" charset="0"/>
+              </a:rPr>
+              <a:t>count</a:t>
+            </a:r>
+            <a:endParaRPr lang="en-MY" sz="4000" b="1" dirty="0">
+              <a:latin typeface="Verdana" panose="020B0604030504040204" pitchFamily="34" charset="0"/>
+              <a:ea typeface="Verdana" panose="020B0604030504040204" pitchFamily="34" charset="0"/>
+            </a:endParaRPr>
+          </a:p>
+        </p:txBody>
+      </p:sp>
     </p:spTree>
     <p:extLst>
       <p:ext uri="{BB962C8B-B14F-4D97-AF65-F5344CB8AC3E}">

--- a/blood_donation.pptx
+++ b/blood_donation.pptx
@@ -3497,7 +3497,7 @@
         </p:nvSpPr>
         <p:spPr>
           <a:xfrm>
-            <a:off x="10921986" y="8397011"/>
+            <a:off x="10845786" y="8351291"/>
             <a:ext cx="8698524" cy="3560875"/>
           </a:xfrm>
           <a:prstGeom prst="roundRect">
@@ -3557,7 +3557,7 @@
         </p:nvSpPr>
         <p:spPr>
           <a:xfrm>
-            <a:off x="10980601" y="9631096"/>
+            <a:off x="10904401" y="9585376"/>
             <a:ext cx="8639909" cy="584775"/>
           </a:xfrm>
           <a:prstGeom prst="rect">
@@ -3606,7 +3606,7 @@
         </p:nvSpPr>
         <p:spPr>
           <a:xfrm>
-            <a:off x="10945439" y="10320821"/>
+            <a:off x="10869239" y="10275101"/>
             <a:ext cx="8618834" cy="830997"/>
           </a:xfrm>
           <a:prstGeom prst="rect">
@@ -3751,7 +3751,7 @@
         </p:nvSpPr>
         <p:spPr>
           <a:xfrm>
-            <a:off x="3743326" y="10496643"/>
+            <a:off x="3667126" y="10450923"/>
             <a:ext cx="4994033" cy="2133496"/>
           </a:xfrm>
           <a:prstGeom prst="roundRect">
@@ -3803,7 +3803,7 @@
         </p:nvSpPr>
         <p:spPr>
           <a:xfrm>
-            <a:off x="1574555" y="10484920"/>
+            <a:off x="1498355" y="10439200"/>
             <a:ext cx="2860433" cy="2156942"/>
           </a:xfrm>
           <a:prstGeom prst="roundRect">
@@ -3864,7 +3864,7 @@
         </p:nvSpPr>
         <p:spPr>
           <a:xfrm>
-            <a:off x="4364653" y="10615738"/>
+            <a:off x="4288453" y="10570018"/>
             <a:ext cx="4337685" cy="523220"/>
           </a:xfrm>
           <a:prstGeom prst="rect">
@@ -3907,7 +3907,7 @@
         </p:nvSpPr>
         <p:spPr>
           <a:xfrm>
-            <a:off x="4399675" y="11154933"/>
+            <a:off x="4323475" y="11109213"/>
             <a:ext cx="4337685" cy="830997"/>
           </a:xfrm>
           <a:prstGeom prst="rect">
@@ -3950,7 +3950,7 @@
         </p:nvSpPr>
         <p:spPr>
           <a:xfrm>
-            <a:off x="3766774" y="22022273"/>
+            <a:off x="3690574" y="21976553"/>
             <a:ext cx="4994033" cy="2133496"/>
           </a:xfrm>
           <a:prstGeom prst="roundRect">
@@ -4002,7 +4002,7 @@
         </p:nvSpPr>
         <p:spPr>
           <a:xfrm>
-            <a:off x="1562684" y="22004533"/>
+            <a:off x="1486484" y="21958813"/>
             <a:ext cx="2860433" cy="2156942"/>
           </a:xfrm>
           <a:prstGeom prst="roundRect">
@@ -4064,7 +4064,7 @@
         </p:nvSpPr>
         <p:spPr>
           <a:xfrm>
-            <a:off x="4446717" y="22141371"/>
+            <a:off x="4370517" y="22095651"/>
             <a:ext cx="4267345" cy="523220"/>
           </a:xfrm>
           <a:prstGeom prst="rect">
@@ -4107,7 +4107,7 @@
         </p:nvSpPr>
         <p:spPr>
           <a:xfrm>
-            <a:off x="4388096" y="22680566"/>
+            <a:off x="4311896" y="22634846"/>
             <a:ext cx="4360984" cy="1569660"/>
           </a:xfrm>
           <a:prstGeom prst="rect">
@@ -4157,7 +4157,7 @@
         </p:nvSpPr>
         <p:spPr>
           <a:xfrm>
-            <a:off x="3743326" y="13366563"/>
+            <a:off x="3667126" y="13320843"/>
             <a:ext cx="4994033" cy="2133496"/>
           </a:xfrm>
           <a:prstGeom prst="roundRect">
@@ -4209,7 +4209,7 @@
         </p:nvSpPr>
         <p:spPr>
           <a:xfrm>
-            <a:off x="1588391" y="13366563"/>
+            <a:off x="1512191" y="13320843"/>
             <a:ext cx="2860433" cy="2156942"/>
           </a:xfrm>
           <a:prstGeom prst="roundRect">
@@ -4270,7 +4270,7 @@
         </p:nvSpPr>
         <p:spPr>
           <a:xfrm>
-            <a:off x="4364651" y="13485661"/>
+            <a:off x="4288451" y="13439941"/>
             <a:ext cx="4325961" cy="523220"/>
           </a:xfrm>
           <a:prstGeom prst="rect">
@@ -4313,7 +4313,7 @@
         </p:nvSpPr>
         <p:spPr>
           <a:xfrm>
-            <a:off x="4434988" y="14024854"/>
+            <a:off x="4358788" y="13979134"/>
             <a:ext cx="4314092" cy="830997"/>
           </a:xfrm>
           <a:prstGeom prst="rect">
@@ -4356,7 +4356,7 @@
         </p:nvSpPr>
         <p:spPr>
           <a:xfrm>
-            <a:off x="21738815" y="7595441"/>
+            <a:off x="21662615" y="7549721"/>
             <a:ext cx="4994033" cy="2133496"/>
           </a:xfrm>
           <a:prstGeom prst="roundRect">
@@ -4408,7 +4408,7 @@
         </p:nvSpPr>
         <p:spPr>
           <a:xfrm>
-            <a:off x="26052765" y="7603278"/>
+            <a:off x="25976565" y="7557558"/>
             <a:ext cx="2860433" cy="2156942"/>
           </a:xfrm>
           <a:prstGeom prst="roundRect">
@@ -4469,7 +4469,7 @@
         </p:nvSpPr>
         <p:spPr>
           <a:xfrm>
-            <a:off x="21738813" y="7714538"/>
+            <a:off x="21662613" y="7668818"/>
             <a:ext cx="4278777" cy="523220"/>
           </a:xfrm>
           <a:prstGeom prst="rect">
@@ -4512,7 +4512,7 @@
         </p:nvSpPr>
         <p:spPr>
           <a:xfrm>
-            <a:off x="21738813" y="8253731"/>
+            <a:off x="21662613" y="8208011"/>
             <a:ext cx="4337388" cy="830997"/>
           </a:xfrm>
           <a:prstGeom prst="rect">
@@ -4555,7 +4555,7 @@
         </p:nvSpPr>
         <p:spPr>
           <a:xfrm>
-            <a:off x="3696576" y="7626724"/>
+            <a:off x="3620376" y="7581004"/>
             <a:ext cx="4994033" cy="2133496"/>
           </a:xfrm>
           <a:prstGeom prst="roundRect">
@@ -4607,7 +4607,7 @@
         </p:nvSpPr>
         <p:spPr>
           <a:xfrm>
-            <a:off x="4317901" y="7745822"/>
+            <a:off x="4241701" y="7700102"/>
             <a:ext cx="4360982" cy="523220"/>
           </a:xfrm>
           <a:prstGeom prst="rect">
@@ -4650,7 +4650,7 @@
         </p:nvSpPr>
         <p:spPr>
           <a:xfrm>
-            <a:off x="4423117" y="8285016"/>
+            <a:off x="4346917" y="8239296"/>
             <a:ext cx="4255769" cy="1569660"/>
           </a:xfrm>
           <a:prstGeom prst="rect">
@@ -4707,7 +4707,7 @@
         </p:nvSpPr>
         <p:spPr>
           <a:xfrm>
-            <a:off x="21738813" y="10468596"/>
+            <a:off x="21662613" y="10422876"/>
             <a:ext cx="5038297" cy="2156942"/>
           </a:xfrm>
           <a:prstGeom prst="roundRect">
@@ -4759,7 +4759,7 @@
         </p:nvSpPr>
         <p:spPr>
           <a:xfrm>
-            <a:off x="21738812" y="10587694"/>
+            <a:off x="21662612" y="10541974"/>
             <a:ext cx="4296167" cy="523220"/>
           </a:xfrm>
           <a:prstGeom prst="rect">
@@ -4802,7 +4802,7 @@
         </p:nvSpPr>
         <p:spPr>
           <a:xfrm>
-            <a:off x="21738812" y="11126889"/>
+            <a:off x="21662612" y="11081169"/>
             <a:ext cx="4296166" cy="830997"/>
           </a:xfrm>
           <a:prstGeom prst="rect">
@@ -4852,7 +4852,7 @@
         </p:nvSpPr>
         <p:spPr>
           <a:xfrm>
-            <a:off x="3766777" y="24885409"/>
+            <a:off x="3690577" y="24839689"/>
             <a:ext cx="4994033" cy="2182187"/>
           </a:xfrm>
           <a:prstGeom prst="roundRect">
@@ -4904,7 +4904,7 @@
         </p:nvSpPr>
         <p:spPr>
           <a:xfrm>
-            <a:off x="1609429" y="24883807"/>
+            <a:off x="1533229" y="24838087"/>
             <a:ext cx="2860433" cy="2156942"/>
           </a:xfrm>
           <a:prstGeom prst="roundRect">
@@ -4965,7 +4965,7 @@
         </p:nvSpPr>
         <p:spPr>
           <a:xfrm>
-            <a:off x="4423117" y="25124435"/>
+            <a:off x="4346917" y="25078715"/>
             <a:ext cx="4337541" cy="523220"/>
           </a:xfrm>
           <a:prstGeom prst="rect">
@@ -5008,7 +5008,7 @@
         </p:nvSpPr>
         <p:spPr>
           <a:xfrm>
-            <a:off x="4432092" y="25617799"/>
+            <a:off x="4355892" y="25572079"/>
             <a:ext cx="4328566" cy="830997"/>
           </a:xfrm>
           <a:prstGeom prst="rect">
@@ -5051,7 +5051,7 @@
         </p:nvSpPr>
         <p:spPr>
           <a:xfrm>
-            <a:off x="3743325" y="19134265"/>
+            <a:off x="3667125" y="19088545"/>
             <a:ext cx="4994033" cy="2133496"/>
           </a:xfrm>
           <a:prstGeom prst="roundRect">
@@ -5103,7 +5103,7 @@
         </p:nvSpPr>
         <p:spPr>
           <a:xfrm>
-            <a:off x="1571659" y="19147073"/>
+            <a:off x="1495459" y="19101353"/>
             <a:ext cx="2860433" cy="2156942"/>
           </a:xfrm>
           <a:prstGeom prst="roundRect">
@@ -5164,7 +5164,7 @@
         </p:nvSpPr>
         <p:spPr>
           <a:xfrm>
-            <a:off x="4469862" y="19299517"/>
+            <a:off x="4393662" y="19253797"/>
             <a:ext cx="4290796" cy="531736"/>
           </a:xfrm>
           <a:prstGeom prst="rect">
@@ -5207,7 +5207,7 @@
         </p:nvSpPr>
         <p:spPr>
           <a:xfrm>
-            <a:off x="4448824" y="19812810"/>
+            <a:off x="4372624" y="19767090"/>
             <a:ext cx="4372559" cy="830997"/>
           </a:xfrm>
           <a:prstGeom prst="rect">
@@ -5250,7 +5250,7 @@
         </p:nvSpPr>
         <p:spPr>
           <a:xfrm>
-            <a:off x="21721177" y="13396411"/>
+            <a:off x="21644977" y="13350691"/>
             <a:ext cx="4994033" cy="2158233"/>
           </a:xfrm>
           <a:prstGeom prst="roundRect">
@@ -5302,7 +5302,7 @@
         </p:nvSpPr>
         <p:spPr>
           <a:xfrm>
-            <a:off x="26070292" y="13401160"/>
+            <a:off x="25994092" y="13355440"/>
             <a:ext cx="2860433" cy="2151358"/>
           </a:xfrm>
           <a:prstGeom prst="roundRect">
@@ -5363,7 +5363,7 @@
         </p:nvSpPr>
         <p:spPr>
           <a:xfrm>
-            <a:off x="21721172" y="13586746"/>
+            <a:off x="21644972" y="13541026"/>
             <a:ext cx="4372560" cy="523220"/>
           </a:xfrm>
           <a:prstGeom prst="rect">
@@ -5406,7 +5406,7 @@
         </p:nvSpPr>
         <p:spPr>
           <a:xfrm>
-            <a:off x="21721174" y="14080109"/>
+            <a:off x="21644974" y="14034389"/>
             <a:ext cx="4337388" cy="830997"/>
           </a:xfrm>
           <a:prstGeom prst="rect">
@@ -5449,7 +5449,7 @@
         </p:nvSpPr>
         <p:spPr>
           <a:xfrm>
-            <a:off x="21708245" y="16256500"/>
+            <a:off x="21632045" y="16210780"/>
             <a:ext cx="4994033" cy="2149329"/>
           </a:xfrm>
           <a:prstGeom prst="roundRect">
@@ -5501,7 +5501,7 @@
         </p:nvSpPr>
         <p:spPr>
           <a:xfrm>
-            <a:off x="26057358" y="16261247"/>
+            <a:off x="25981158" y="16215527"/>
             <a:ext cx="2860433" cy="2156942"/>
           </a:xfrm>
           <a:prstGeom prst="roundRect">
@@ -5562,7 +5562,7 @@
         </p:nvSpPr>
         <p:spPr>
           <a:xfrm>
-            <a:off x="21708239" y="16446833"/>
+            <a:off x="21632039" y="16401113"/>
             <a:ext cx="4360836" cy="523220"/>
           </a:xfrm>
           <a:prstGeom prst="rect">
@@ -5605,7 +5605,7 @@
         </p:nvSpPr>
         <p:spPr>
           <a:xfrm>
-            <a:off x="21708245" y="16940198"/>
+            <a:off x="21632045" y="16894478"/>
             <a:ext cx="4325665" cy="830997"/>
           </a:xfrm>
           <a:prstGeom prst="rect">
@@ -5648,7 +5648,7 @@
         </p:nvSpPr>
         <p:spPr>
           <a:xfrm>
-            <a:off x="21779788" y="19105255"/>
+            <a:off x="21703588" y="19059535"/>
             <a:ext cx="4994033" cy="2133496"/>
           </a:xfrm>
           <a:prstGeom prst="roundRect">
@@ -5700,7 +5700,7 @@
         </p:nvSpPr>
         <p:spPr>
           <a:xfrm>
-            <a:off x="26057358" y="19110001"/>
+            <a:off x="25981158" y="19064281"/>
             <a:ext cx="2860433" cy="2140473"/>
           </a:xfrm>
           <a:prstGeom prst="roundRect">
@@ -5761,7 +5761,7 @@
         </p:nvSpPr>
         <p:spPr>
           <a:xfrm>
-            <a:off x="21779785" y="19295587"/>
+            <a:off x="21703585" y="19249867"/>
             <a:ext cx="4349113" cy="523220"/>
           </a:xfrm>
           <a:prstGeom prst="rect">
@@ -5804,7 +5804,7 @@
         </p:nvSpPr>
         <p:spPr>
           <a:xfrm>
-            <a:off x="21779785" y="19788952"/>
+            <a:off x="21703585" y="19743232"/>
             <a:ext cx="4313942" cy="830997"/>
           </a:xfrm>
           <a:prstGeom prst="rect">
@@ -5847,7 +5847,7 @@
         </p:nvSpPr>
         <p:spPr>
           <a:xfrm>
-            <a:off x="3766777" y="27775104"/>
+            <a:off x="3690577" y="27729384"/>
             <a:ext cx="4994033" cy="2173310"/>
           </a:xfrm>
           <a:prstGeom prst="roundRect">
@@ -5899,7 +5899,7 @@
         </p:nvSpPr>
         <p:spPr>
           <a:xfrm>
-            <a:off x="4481892" y="28005251"/>
+            <a:off x="4405692" y="27959531"/>
             <a:ext cx="4278766" cy="523220"/>
           </a:xfrm>
           <a:prstGeom prst="rect">
@@ -5942,7 +5942,7 @@
         </p:nvSpPr>
         <p:spPr>
           <a:xfrm>
-            <a:off x="4481740" y="28498615"/>
+            <a:off x="4405540" y="28452895"/>
             <a:ext cx="4278918" cy="830997"/>
           </a:xfrm>
           <a:prstGeom prst="rect">
@@ -5985,7 +5985,7 @@
         </p:nvSpPr>
         <p:spPr>
           <a:xfrm>
-            <a:off x="3743328" y="16276804"/>
+            <a:off x="3667128" y="16231084"/>
             <a:ext cx="4994033" cy="2133496"/>
           </a:xfrm>
           <a:prstGeom prst="roundRect">
@@ -6037,7 +6037,7 @@
         </p:nvSpPr>
         <p:spPr>
           <a:xfrm>
-            <a:off x="4423266" y="16519417"/>
+            <a:off x="4347066" y="16473697"/>
             <a:ext cx="4360835" cy="523220"/>
           </a:xfrm>
           <a:prstGeom prst="rect">
@@ -6080,7 +6080,7 @@
         </p:nvSpPr>
         <p:spPr>
           <a:xfrm>
-            <a:off x="4399675" y="16914815"/>
+            <a:off x="4323475" y="16869095"/>
             <a:ext cx="4325665" cy="830997"/>
           </a:xfrm>
           <a:prstGeom prst="rect">
@@ -6137,7 +6137,7 @@
         </p:blipFill>
         <p:spPr>
           <a:xfrm>
-            <a:off x="1568633" y="7617369"/>
+            <a:off x="1492433" y="7571649"/>
             <a:ext cx="2901229" cy="2133496"/>
           </a:xfrm>
           <a:prstGeom prst="roundRect">
@@ -6173,7 +6173,7 @@
         </p:blipFill>
         <p:spPr>
           <a:xfrm>
-            <a:off x="1568764" y="16247469"/>
+            <a:off x="1492564" y="16201749"/>
             <a:ext cx="2866224" cy="2162832"/>
           </a:xfrm>
           <a:prstGeom prst="roundRect">
@@ -6209,7 +6209,7 @@
         </p:blipFill>
         <p:spPr>
           <a:xfrm>
-            <a:off x="1586284" y="27772971"/>
+            <a:off x="1510084" y="27727251"/>
             <a:ext cx="2895608" cy="2165342"/>
           </a:xfrm>
           <a:prstGeom prst="roundRect">
@@ -6245,7 +6245,7 @@
         </p:blipFill>
         <p:spPr>
           <a:xfrm>
-            <a:off x="26070143" y="10484919"/>
+            <a:off x="25993943" y="10439199"/>
             <a:ext cx="2825269" cy="2158233"/>
           </a:xfrm>
           <a:prstGeom prst="roundRect">
@@ -6267,7 +6267,7 @@
         </p:nvSpPr>
         <p:spPr>
           <a:xfrm>
-            <a:off x="21721177" y="22022273"/>
+            <a:off x="21644977" y="21976553"/>
             <a:ext cx="4994033" cy="2158233"/>
           </a:xfrm>
           <a:prstGeom prst="roundRect">
@@ -6319,7 +6319,7 @@
         </p:nvSpPr>
         <p:spPr>
           <a:xfrm>
-            <a:off x="21721172" y="22212608"/>
+            <a:off x="21644972" y="22166888"/>
             <a:ext cx="4312738" cy="523220"/>
           </a:xfrm>
           <a:prstGeom prst="rect">
@@ -6362,7 +6362,7 @@
         </p:nvSpPr>
         <p:spPr>
           <a:xfrm>
-            <a:off x="21721174" y="22705971"/>
+            <a:off x="21644974" y="22660251"/>
             <a:ext cx="4337388" cy="830997"/>
           </a:xfrm>
           <a:prstGeom prst="rect">
@@ -6405,7 +6405,7 @@
         </p:nvSpPr>
         <p:spPr>
           <a:xfrm>
-            <a:off x="21708245" y="24920090"/>
+            <a:off x="21632045" y="24874370"/>
             <a:ext cx="4994033" cy="2133496"/>
           </a:xfrm>
           <a:prstGeom prst="roundRect">
@@ -6457,7 +6457,7 @@
         </p:nvSpPr>
         <p:spPr>
           <a:xfrm>
-            <a:off x="21708239" y="25110422"/>
+            <a:off x="21632039" y="25064702"/>
             <a:ext cx="4325665" cy="523220"/>
           </a:xfrm>
           <a:prstGeom prst="rect">
@@ -6500,7 +6500,7 @@
         </p:nvSpPr>
         <p:spPr>
           <a:xfrm>
-            <a:off x="21708245" y="25603787"/>
+            <a:off x="21632045" y="25558067"/>
             <a:ext cx="4325665" cy="830997"/>
           </a:xfrm>
           <a:prstGeom prst="rect">
@@ -6543,7 +6543,7 @@
         </p:nvSpPr>
         <p:spPr>
           <a:xfrm>
-            <a:off x="21738815" y="27787867"/>
+            <a:off x="21662615" y="27742147"/>
             <a:ext cx="4994033" cy="2150446"/>
           </a:xfrm>
           <a:prstGeom prst="roundRect">
@@ -6583,10 +6583,10 @@
       </p:sp>
       <p:sp>
         <p:nvSpPr>
-          <p:cNvPr id="34" name="TextBox 33">
+          <p:cNvPr id="35" name="TextBox 34">
             <a:extLst>
               <a:ext uri="{FF2B5EF4-FFF2-40B4-BE49-F238E27FC236}">
-                <a16:creationId xmlns:a16="http://schemas.microsoft.com/office/drawing/2014/main" id="{6659B076-4322-02ED-FEA5-3032C0C61074}"/>
+                <a16:creationId xmlns:a16="http://schemas.microsoft.com/office/drawing/2014/main" id="{7447A70D-AF32-C602-1CDF-866BC220BBB6}"/>
               </a:ext>
             </a:extLst>
           </p:cNvPr>
@@ -6595,50 +6595,7 @@
         </p:nvSpPr>
         <p:spPr>
           <a:xfrm>
-            <a:off x="21738813" y="27970362"/>
-            <a:ext cx="4272980" cy="523220"/>
-          </a:xfrm>
-          <a:prstGeom prst="rect">
-            <a:avLst/>
-          </a:prstGeom>
-          <a:noFill/>
-        </p:spPr>
-        <p:txBody>
-          <a:bodyPr wrap="square" rtlCol="0">
-            <a:spAutoFit/>
-          </a:bodyPr>
-          <a:lstStyle/>
-          <a:p>
-            <a:pPr algn="ctr"/>
-            <a:r>
-              <a:rPr lang="en-US" sz="2800" b="1" dirty="0" err="1">
-                <a:latin typeface="Verdana" panose="020B0604030504040204" pitchFamily="34" charset="0"/>
-                <a:ea typeface="Verdana" panose="020B0604030504040204" pitchFamily="34" charset="0"/>
-              </a:rPr>
-              <a:t>labuan</a:t>
-            </a:r>
-            <a:endParaRPr lang="en-MY" sz="2800" b="1" dirty="0">
-              <a:latin typeface="Verdana" panose="020B0604030504040204" pitchFamily="34" charset="0"/>
-              <a:ea typeface="Verdana" panose="020B0604030504040204" pitchFamily="34" charset="0"/>
-            </a:endParaRPr>
-          </a:p>
-        </p:txBody>
-      </p:sp>
-      <p:sp>
-        <p:nvSpPr>
-          <p:cNvPr id="35" name="TextBox 34">
-            <a:extLst>
-              <a:ext uri="{FF2B5EF4-FFF2-40B4-BE49-F238E27FC236}">
-                <a16:creationId xmlns:a16="http://schemas.microsoft.com/office/drawing/2014/main" id="{7447A70D-AF32-C602-1CDF-866BC220BBB6}"/>
-              </a:ext>
-            </a:extLst>
-          </p:cNvPr>
-          <p:cNvSpPr txBox="1"/>
-          <p:nvPr/>
-        </p:nvSpPr>
-        <p:spPr>
-          <a:xfrm>
-            <a:off x="21738812" y="28463727"/>
+            <a:off x="21662612" y="28418007"/>
             <a:ext cx="4254119" cy="830997"/>
           </a:xfrm>
           <a:prstGeom prst="rect">
@@ -6695,7 +6652,7 @@
         </p:blipFill>
         <p:spPr>
           <a:xfrm>
-            <a:off x="26034977" y="22010550"/>
+            <a:off x="25958777" y="21964830"/>
             <a:ext cx="2853819" cy="2180492"/>
           </a:xfrm>
           <a:prstGeom prst="roundRect">
@@ -6731,7 +6688,7 @@
         </p:blipFill>
         <p:spPr>
           <a:xfrm>
-            <a:off x="26049739" y="24916172"/>
+            <a:off x="25973539" y="24870452"/>
             <a:ext cx="2880986" cy="2124578"/>
           </a:xfrm>
           <a:prstGeom prst="roundRect">
@@ -6767,7 +6724,7 @@
         </p:blipFill>
         <p:spPr>
           <a:xfrm>
-            <a:off x="26033904" y="27796950"/>
+            <a:off x="25957704" y="27751230"/>
             <a:ext cx="2896821" cy="2150447"/>
           </a:xfrm>
           <a:prstGeom prst="roundRect">
@@ -6803,7 +6760,7 @@
         </p:blipFill>
         <p:spPr>
           <a:xfrm>
-            <a:off x="12280900" y="16955310"/>
+            <a:off x="12274497" y="16945251"/>
             <a:ext cx="5715000" cy="5715000"/>
           </a:xfrm>
           <a:prstGeom prst="rect">
@@ -6839,7 +6796,7 @@
         </p:blipFill>
         <p:spPr>
           <a:xfrm>
-            <a:off x="12416572" y="6153472"/>
+            <a:off x="12340372" y="6107752"/>
             <a:ext cx="5715000" cy="2929742"/>
           </a:xfrm>
           <a:prstGeom prst="rect">
@@ -6861,7 +6818,7 @@
         </p:nvSpPr>
         <p:spPr>
           <a:xfrm>
-            <a:off x="12262214" y="16311772"/>
+            <a:off x="12255811" y="16301713"/>
             <a:ext cx="5733686" cy="399981"/>
           </a:xfrm>
           <a:prstGeom prst="rect">
@@ -7062,6 +7019,49 @@
               <a:t>count</a:t>
             </a:r>
             <a:endParaRPr lang="en-MY" sz="4000" b="1" dirty="0">
+              <a:latin typeface="Verdana" panose="020B0604030504040204" pitchFamily="34" charset="0"/>
+              <a:ea typeface="Verdana" panose="020B0604030504040204" pitchFamily="34" charset="0"/>
+            </a:endParaRPr>
+          </a:p>
+        </p:txBody>
+      </p:sp>
+      <p:sp>
+        <p:nvSpPr>
+          <p:cNvPr id="5" name="TextBox 4">
+            <a:extLst>
+              <a:ext uri="{FF2B5EF4-FFF2-40B4-BE49-F238E27FC236}">
+                <a16:creationId xmlns:a16="http://schemas.microsoft.com/office/drawing/2014/main" id="{E382181B-72A6-DCFD-CFDA-6A7E5E160378}"/>
+              </a:ext>
+            </a:extLst>
+          </p:cNvPr>
+          <p:cNvSpPr txBox="1"/>
+          <p:nvPr/>
+        </p:nvSpPr>
+        <p:spPr>
+          <a:xfrm>
+            <a:off x="21644972" y="27937812"/>
+            <a:ext cx="4325665" cy="523220"/>
+          </a:xfrm>
+          <a:prstGeom prst="rect">
+            <a:avLst/>
+          </a:prstGeom>
+          <a:noFill/>
+        </p:spPr>
+        <p:txBody>
+          <a:bodyPr wrap="square" rtlCol="0">
+            <a:spAutoFit/>
+          </a:bodyPr>
+          <a:lstStyle/>
+          <a:p>
+            <a:pPr algn="ctr"/>
+            <a:r>
+              <a:rPr lang="en-US" sz="2800" b="1" dirty="0">
+                <a:latin typeface="Verdana" panose="020B0604030504040204" pitchFamily="34" charset="0"/>
+                <a:ea typeface="Verdana" panose="020B0604030504040204" pitchFamily="34" charset="0"/>
+              </a:rPr>
+              <a:t>LABUAN</a:t>
+            </a:r>
+            <a:endParaRPr lang="en-MY" sz="2800" b="1" dirty="0">
               <a:latin typeface="Verdana" panose="020B0604030504040204" pitchFamily="34" charset="0"/>
               <a:ea typeface="Verdana" panose="020B0604030504040204" pitchFamily="34" charset="0"/>
             </a:endParaRPr>

--- a/blood_donation.pptx
+++ b/blood_donation.pptx
@@ -3622,14 +3622,14 @@
           <a:p>
             <a:pPr algn="ctr"/>
             <a:r>
-              <a:rPr lang="en-US" sz="4800" b="1" dirty="0">
+              <a:rPr lang="en-US" sz="4800" b="1" dirty="0" err="1">
                 <a:solidFill>
                   <a:schemeClr val="bg1"/>
                 </a:solidFill>
                 <a:latin typeface="Verdana" panose="020B0604030504040204" pitchFamily="34" charset="0"/>
                 <a:ea typeface="Verdana" panose="020B0604030504040204" pitchFamily="34" charset="0"/>
               </a:rPr>
-              <a:t>2,934</a:t>
+              <a:t>malaysia</a:t>
             </a:r>
             <a:endParaRPr lang="en-MY" sz="4800" b="1" dirty="0">
               <a:solidFill>

--- a/blood_donation.pptx
+++ b/blood_donation.pptx
@@ -3655,8 +3655,8 @@
         </p:nvSpPr>
         <p:spPr>
           <a:xfrm>
-            <a:off x="1568633" y="1414619"/>
-            <a:ext cx="23456484" cy="1015534"/>
+            <a:off x="1486484" y="1294218"/>
+            <a:ext cx="23456484" cy="1107996"/>
           </a:xfrm>
           <a:prstGeom prst="rect">
             <a:avLst/>
@@ -3670,13 +3670,13 @@
           <a:lstStyle/>
           <a:p>
             <a:r>
-              <a:rPr lang="en-US" sz="5999" b="1" dirty="0">
+              <a:rPr lang="en-US" sz="6600" b="1" dirty="0">
                 <a:latin typeface="Verdana" panose="020B0604030504040204" pitchFamily="34" charset="0"/>
                 <a:ea typeface="Verdana" panose="020B0604030504040204" pitchFamily="34" charset="0"/>
               </a:rPr>
               <a:t>Malaysia's Blood Donation Daily Updates (2024)</a:t>
             </a:r>
-            <a:endParaRPr lang="en-MY" sz="5999" b="1" dirty="0">
+            <a:endParaRPr lang="en-MY" sz="6600" b="1" dirty="0">
               <a:latin typeface="Verdana" panose="020B0604030504040204" pitchFamily="34" charset="0"/>
               <a:ea typeface="Verdana" panose="020B0604030504040204" pitchFamily="34" charset="0"/>
             </a:endParaRPr>

--- a/blood_donation.pptx
+++ b/blood_donation.pptx
@@ -3670,11 +3670,18 @@
           <a:lstStyle/>
           <a:p>
             <a:r>
+              <a:rPr lang="en-US" sz="6600" b="1">
+                <a:latin typeface="Verdana" panose="020B0604030504040204" pitchFamily="34" charset="0"/>
+                <a:ea typeface="Verdana" panose="020B0604030504040204" pitchFamily="34" charset="0"/>
+              </a:rPr>
+              <a:t>Malaysia </a:t>
+            </a:r>
+            <a:r>
               <a:rPr lang="en-US" sz="6600" b="1" dirty="0">
                 <a:latin typeface="Verdana" panose="020B0604030504040204" pitchFamily="34" charset="0"/>
                 <a:ea typeface="Verdana" panose="020B0604030504040204" pitchFamily="34" charset="0"/>
               </a:rPr>
-              <a:t>Malaysia's Blood Donation Daily Updates (2024)</a:t>
+              <a:t>Blood Donation Daily Updates (2024)</a:t>
             </a:r>
             <a:endParaRPr lang="en-MY" sz="6600" b="1" dirty="0">
               <a:latin typeface="Verdana" panose="020B0604030504040204" pitchFamily="34" charset="0"/>
@@ -6919,7 +6926,7 @@
         </p:nvSpPr>
         <p:spPr>
           <a:xfrm>
-            <a:off x="3021780" y="2737974"/>
+            <a:off x="3143700" y="2752532"/>
             <a:ext cx="662040" cy="369332"/>
           </a:xfrm>
           <a:prstGeom prst="rect">
@@ -6997,7 +7004,7 @@
         </p:nvSpPr>
         <p:spPr>
           <a:xfrm>
-            <a:off x="17822908" y="4076199"/>
+            <a:off x="17989497" y="4076199"/>
             <a:ext cx="2495017" cy="707886"/>
           </a:xfrm>
           <a:prstGeom prst="rect">

--- a/blood_donation.pptx
+++ b/blood_donation.pptx
@@ -115,7 +115,7 @@
             <a:srgbClr val="A4A3A4"/>
           </p15:clr>
         </p15:guide>
-        <p15:guide id="2" pos="9536" userDrawn="1">
+        <p15:guide id="2" pos="9581" userDrawn="1">
           <p15:clr>
             <a:srgbClr val="A4A3A4"/>
           </p15:clr>
@@ -6927,7 +6927,7 @@
         <p:spPr>
           <a:xfrm>
             <a:off x="3143700" y="2752532"/>
-            <a:ext cx="662040" cy="369332"/>
+            <a:ext cx="12538260" cy="369332"/>
           </a:xfrm>
           <a:prstGeom prst="rect">
             <a:avLst/>
@@ -6941,8 +6941,8 @@
           <a:lstStyle/>
           <a:p>
             <a:r>
-              <a:rPr lang="en-US" dirty="0"/>
-              <a:t>date</a:t>
+              <a:rPr lang="en-US" dirty="0" err="1"/>
+              <a:t>max_date</a:t>
             </a:r>
             <a:endParaRPr lang="en-MY" dirty="0"/>
           </a:p>
@@ -7004,8 +7004,8 @@
         </p:nvSpPr>
         <p:spPr>
           <a:xfrm>
-            <a:off x="17989497" y="4076199"/>
-            <a:ext cx="2495017" cy="707886"/>
+            <a:off x="18131572" y="4076199"/>
+            <a:ext cx="7674349" cy="707886"/>
           </a:xfrm>
           <a:prstGeom prst="rect">
             <a:avLst/>
@@ -7019,11 +7019,11 @@
           <a:lstStyle/>
           <a:p>
             <a:r>
-              <a:rPr lang="en-US" sz="4000" b="1" dirty="0">
+              <a:rPr lang="en-US" sz="4000" b="1" dirty="0" err="1">
                 <a:latin typeface="Verdana" panose="020B0604030504040204" pitchFamily="34" charset="0"/>
                 <a:ea typeface="Verdana" panose="020B0604030504040204" pitchFamily="34" charset="0"/>
               </a:rPr>
-              <a:t>count</a:t>
+              <a:t>last_date</a:t>
             </a:r>
             <a:endParaRPr lang="en-MY" sz="4000" b="1" dirty="0">
               <a:latin typeface="Verdana" panose="020B0604030504040204" pitchFamily="34" charset="0"/>

--- a/blood_donation.pptx
+++ b/blood_donation.pptx
@@ -3705,7 +3705,7 @@
         <p:spPr>
           <a:xfrm>
             <a:off x="1568633" y="2694714"/>
-            <a:ext cx="1784167" cy="399981"/>
+            <a:ext cx="3142244" cy="399981"/>
           </a:xfrm>
           <a:prstGeom prst="rect">
             <a:avLst/>
@@ -3729,7 +3729,20 @@
                 <a:latin typeface="Verdana" panose="020B0604030504040204" pitchFamily="34" charset="0"/>
                 <a:ea typeface="Verdana" panose="020B0604030504040204" pitchFamily="34" charset="0"/>
               </a:rPr>
-              <a:t>Data as of</a:t>
+              <a:t>Data as of </a:t>
+            </a:r>
+            <a:r>
+              <a:rPr lang="en-US" sz="1999" dirty="0" err="1">
+                <a:solidFill>
+                  <a:schemeClr val="tx1">
+                    <a:lumMod val="50000"/>
+                    <a:lumOff val="50000"/>
+                  </a:schemeClr>
+                </a:solidFill>
+                <a:latin typeface="Verdana" panose="020B0604030504040204" pitchFamily="34" charset="0"/>
+                <a:ea typeface="Verdana" panose="020B0604030504040204" pitchFamily="34" charset="0"/>
+              </a:rPr>
+              <a:t>max_date</a:t>
             </a:r>
             <a:endParaRPr lang="en-MY" sz="1999" dirty="0">
               <a:solidFill>
@@ -6914,10 +6927,10 @@
       </p:pic>
       <p:sp>
         <p:nvSpPr>
-          <p:cNvPr id="51" name="TextBox 50">
+          <p:cNvPr id="2" name="TextBox 1">
             <a:extLst>
               <a:ext uri="{FF2B5EF4-FFF2-40B4-BE49-F238E27FC236}">
-                <a16:creationId xmlns:a16="http://schemas.microsoft.com/office/drawing/2014/main" id="{068F1E94-142B-76BE-F18F-C9DA3135B4F9}"/>
+                <a16:creationId xmlns:a16="http://schemas.microsoft.com/office/drawing/2014/main" id="{CA54A63A-67DE-EE7E-A5B8-3074091865DC}"/>
               </a:ext>
             </a:extLst>
           </p:cNvPr>
@@ -6926,44 +6939,8 @@
         </p:nvSpPr>
         <p:spPr>
           <a:xfrm>
-            <a:off x="3143700" y="2752532"/>
-            <a:ext cx="12538260" cy="369332"/>
-          </a:xfrm>
-          <a:prstGeom prst="rect">
-            <a:avLst/>
-          </a:prstGeom>
-          <a:noFill/>
-        </p:spPr>
-        <p:txBody>
-          <a:bodyPr wrap="square" rtlCol="0">
-            <a:spAutoFit/>
-          </a:bodyPr>
-          <a:lstStyle/>
-          <a:p>
-            <a:r>
-              <a:rPr lang="en-US" dirty="0" err="1"/>
-              <a:t>max_date</a:t>
-            </a:r>
-            <a:endParaRPr lang="en-MY" dirty="0"/>
-          </a:p>
-        </p:txBody>
-      </p:sp>
-      <p:sp>
-        <p:nvSpPr>
-          <p:cNvPr id="2" name="TextBox 1">
-            <a:extLst>
-              <a:ext uri="{FF2B5EF4-FFF2-40B4-BE49-F238E27FC236}">
-                <a16:creationId xmlns:a16="http://schemas.microsoft.com/office/drawing/2014/main" id="{CA54A63A-67DE-EE7E-A5B8-3074091865DC}"/>
-              </a:ext>
-            </a:extLst>
-          </p:cNvPr>
-          <p:cNvSpPr txBox="1"/>
-          <p:nvPr/>
-        </p:nvSpPr>
-        <p:spPr>
-          <a:xfrm>
-            <a:off x="1562684" y="4076199"/>
-            <a:ext cx="16568888" cy="707886"/>
+            <a:off x="1562683" y="4076199"/>
+            <a:ext cx="20885837" cy="707886"/>
           </a:xfrm>
           <a:prstGeom prst="rect">
             <a:avLst/>
@@ -6981,43 +6958,8 @@
                 <a:latin typeface="Verdana" panose="020B0604030504040204" pitchFamily="34" charset="0"/>
                 <a:ea typeface="Verdana" panose="020B0604030504040204" pitchFamily="34" charset="0"/>
               </a:rPr>
-              <a:t>Cumulative count of blood donation from 2024-01-01 to</a:t>
-            </a:r>
-            <a:endParaRPr lang="en-MY" sz="4000" b="1" dirty="0">
-              <a:latin typeface="Verdana" panose="020B0604030504040204" pitchFamily="34" charset="0"/>
-              <a:ea typeface="Verdana" panose="020B0604030504040204" pitchFamily="34" charset="0"/>
-            </a:endParaRPr>
-          </a:p>
-        </p:txBody>
-      </p:sp>
-      <p:sp>
-        <p:nvSpPr>
-          <p:cNvPr id="3" name="TextBox 2">
-            <a:extLst>
-              <a:ext uri="{FF2B5EF4-FFF2-40B4-BE49-F238E27FC236}">
-                <a16:creationId xmlns:a16="http://schemas.microsoft.com/office/drawing/2014/main" id="{9D4028FC-2B56-83C5-010C-0510C1055C7D}"/>
-              </a:ext>
-            </a:extLst>
-          </p:cNvPr>
-          <p:cNvSpPr txBox="1"/>
-          <p:nvPr/>
-        </p:nvSpPr>
-        <p:spPr>
-          <a:xfrm>
-            <a:off x="18131572" y="4076199"/>
-            <a:ext cx="7674349" cy="707886"/>
-          </a:xfrm>
-          <a:prstGeom prst="rect">
-            <a:avLst/>
-          </a:prstGeom>
-          <a:noFill/>
-        </p:spPr>
-        <p:txBody>
-          <a:bodyPr wrap="square" rtlCol="0">
-            <a:spAutoFit/>
-          </a:bodyPr>
-          <a:lstStyle/>
-          <a:p>
+              <a:t>Cumulative count of blood donation from 2024-01-01 to </a:t>
+            </a:r>
             <a:r>
               <a:rPr lang="en-US" sz="4000" b="1" dirty="0" err="1">
                 <a:latin typeface="Verdana" panose="020B0604030504040204" pitchFamily="34" charset="0"/>

--- a/blood_donation.pptx
+++ b/blood_donation.pptx
@@ -3670,22 +3670,25 @@
           <a:lstStyle/>
           <a:p>
             <a:r>
-              <a:rPr lang="en-US" sz="6600" b="1">
-                <a:latin typeface="Verdana" panose="020B0604030504040204" pitchFamily="34" charset="0"/>
+              <a:rPr lang="en-US" sz="6600" b="1" dirty="0">
+                <a:latin typeface="Aharoni" panose="02010803020104030203" pitchFamily="2" charset="-79"/>
                 <a:ea typeface="Verdana" panose="020B0604030504040204" pitchFamily="34" charset="0"/>
+                <a:cs typeface="Aharoni" panose="02010803020104030203" pitchFamily="2" charset="-79"/>
               </a:rPr>
-              <a:t>Malaysia </a:t>
+              <a:t>Malaysia Blood Donation Daily Updates </a:t>
             </a:r>
             <a:r>
               <a:rPr lang="en-US" sz="6600" b="1" dirty="0">
                 <a:latin typeface="Verdana" panose="020B0604030504040204" pitchFamily="34" charset="0"/>
                 <a:ea typeface="Verdana" panose="020B0604030504040204" pitchFamily="34" charset="0"/>
+                <a:cs typeface="Aharoni" panose="02010803020104030203" pitchFamily="2" charset="-79"/>
               </a:rPr>
-              <a:t>Blood Donation Daily Updates (2024)</a:t>
+              <a:t>(2024)</a:t>
             </a:r>
             <a:endParaRPr lang="en-MY" sz="6600" b="1" dirty="0">
               <a:latin typeface="Verdana" panose="020B0604030504040204" pitchFamily="34" charset="0"/>
               <a:ea typeface="Verdana" panose="020B0604030504040204" pitchFamily="34" charset="0"/>
+              <a:cs typeface="Aharoni" panose="02010803020104030203" pitchFamily="2" charset="-79"/>
             </a:endParaRPr>
           </a:p>
         </p:txBody>
@@ -3885,7 +3888,7 @@
         <p:spPr>
           <a:xfrm>
             <a:off x="4288453" y="10570018"/>
-            <a:ext cx="4337685" cy="523220"/>
+            <a:ext cx="4337685" cy="584775"/>
           </a:xfrm>
           <a:prstGeom prst="rect">
             <a:avLst/>
@@ -3900,15 +3903,17 @@
           <a:p>
             <a:pPr algn="ctr"/>
             <a:r>
-              <a:rPr lang="en-US" sz="2800" b="1" dirty="0">
-                <a:latin typeface="Verdana" panose="020B0604030504040204" pitchFamily="34" charset="0"/>
+              <a:rPr lang="en-US" sz="3200" b="1" dirty="0">
+                <a:latin typeface="Aharoni" panose="02010803020104030203" pitchFamily="2" charset="-79"/>
                 <a:ea typeface="Verdana" panose="020B0604030504040204" pitchFamily="34" charset="0"/>
+                <a:cs typeface="Aharoni" panose="02010803020104030203" pitchFamily="2" charset="-79"/>
               </a:rPr>
               <a:t>KEDAH</a:t>
             </a:r>
-            <a:endParaRPr lang="en-MY" sz="2800" b="1" dirty="0">
-              <a:latin typeface="Verdana" panose="020B0604030504040204" pitchFamily="34" charset="0"/>
+            <a:endParaRPr lang="en-MY" sz="3200" b="1" dirty="0">
+              <a:latin typeface="Aharoni" panose="02010803020104030203" pitchFamily="2" charset="-79"/>
               <a:ea typeface="Verdana" panose="020B0604030504040204" pitchFamily="34" charset="0"/>
+              <a:cs typeface="Aharoni" panose="02010803020104030203" pitchFamily="2" charset="-79"/>
             </a:endParaRPr>
           </a:p>
         </p:txBody>
@@ -4085,7 +4090,7 @@
         <p:spPr>
           <a:xfrm>
             <a:off x="4370517" y="22095651"/>
-            <a:ext cx="4267345" cy="523220"/>
+            <a:ext cx="4267345" cy="584775"/>
           </a:xfrm>
           <a:prstGeom prst="rect">
             <a:avLst/>
@@ -4100,15 +4105,17 @@
           <a:p>
             <a:pPr algn="ctr"/>
             <a:r>
-              <a:rPr lang="en-US" sz="2800" b="1" dirty="0">
-                <a:latin typeface="Verdana" panose="020B0604030504040204" pitchFamily="34" charset="0"/>
+              <a:rPr lang="en-US" sz="3200" b="1" dirty="0">
+                <a:latin typeface="Aharoni" panose="02010803020104030203" pitchFamily="2" charset="-79"/>
                 <a:ea typeface="Verdana" panose="020B0604030504040204" pitchFamily="34" charset="0"/>
+                <a:cs typeface="Aharoni" panose="02010803020104030203" pitchFamily="2" charset="-79"/>
               </a:rPr>
               <a:t>PULAU PINANG</a:t>
             </a:r>
-            <a:endParaRPr lang="en-MY" sz="2800" b="1" dirty="0">
-              <a:latin typeface="Verdana" panose="020B0604030504040204" pitchFamily="34" charset="0"/>
+            <a:endParaRPr lang="en-MY" sz="3200" b="1" dirty="0">
+              <a:latin typeface="Aharoni" panose="02010803020104030203" pitchFamily="2" charset="-79"/>
               <a:ea typeface="Verdana" panose="020B0604030504040204" pitchFamily="34" charset="0"/>
+              <a:cs typeface="Aharoni" panose="02010803020104030203" pitchFamily="2" charset="-79"/>
             </a:endParaRPr>
           </a:p>
         </p:txBody>
@@ -4291,7 +4298,7 @@
         <p:spPr>
           <a:xfrm>
             <a:off x="4288451" y="13439941"/>
-            <a:ext cx="4325961" cy="523220"/>
+            <a:ext cx="4325961" cy="584775"/>
           </a:xfrm>
           <a:prstGeom prst="rect">
             <a:avLst/>
@@ -4306,15 +4313,17 @@
           <a:p>
             <a:pPr algn="ctr"/>
             <a:r>
-              <a:rPr lang="en-US" sz="2800" b="1" dirty="0">
-                <a:latin typeface="Verdana" panose="020B0604030504040204" pitchFamily="34" charset="0"/>
+              <a:rPr lang="en-US" sz="3200" b="1" dirty="0">
+                <a:latin typeface="Aharoni" panose="02010803020104030203" pitchFamily="2" charset="-79"/>
                 <a:ea typeface="Verdana" panose="020B0604030504040204" pitchFamily="34" charset="0"/>
+                <a:cs typeface="Aharoni" panose="02010803020104030203" pitchFamily="2" charset="-79"/>
               </a:rPr>
               <a:t>PERAK</a:t>
             </a:r>
-            <a:endParaRPr lang="en-MY" sz="2800" b="1" dirty="0">
-              <a:latin typeface="Verdana" panose="020B0604030504040204" pitchFamily="34" charset="0"/>
+            <a:endParaRPr lang="en-MY" sz="3200" b="1" dirty="0">
+              <a:latin typeface="Aharoni" panose="02010803020104030203" pitchFamily="2" charset="-79"/>
               <a:ea typeface="Verdana" panose="020B0604030504040204" pitchFamily="34" charset="0"/>
+              <a:cs typeface="Aharoni" panose="02010803020104030203" pitchFamily="2" charset="-79"/>
             </a:endParaRPr>
           </a:p>
         </p:txBody>
@@ -4490,7 +4499,7 @@
         <p:spPr>
           <a:xfrm>
             <a:off x="21662613" y="7668818"/>
-            <a:ext cx="4278777" cy="523220"/>
+            <a:ext cx="4278777" cy="584775"/>
           </a:xfrm>
           <a:prstGeom prst="rect">
             <a:avLst/>
@@ -4505,15 +4514,17 @@
           <a:p>
             <a:pPr algn="ctr"/>
             <a:r>
-              <a:rPr lang="en-US" sz="2800" b="1" dirty="0">
-                <a:latin typeface="Verdana" panose="020B0604030504040204" pitchFamily="34" charset="0"/>
+              <a:rPr lang="en-US" sz="3200" b="1" dirty="0">
+                <a:latin typeface="Aharoni" panose="02010803020104030203" pitchFamily="2" charset="-79"/>
                 <a:ea typeface="Verdana" panose="020B0604030504040204" pitchFamily="34" charset="0"/>
+                <a:cs typeface="Aharoni" panose="02010803020104030203" pitchFamily="2" charset="-79"/>
               </a:rPr>
               <a:t>SELANGOR</a:t>
             </a:r>
-            <a:endParaRPr lang="en-MY" sz="2800" b="1" dirty="0">
-              <a:latin typeface="Verdana" panose="020B0604030504040204" pitchFamily="34" charset="0"/>
+            <a:endParaRPr lang="en-MY" sz="3200" b="1" dirty="0">
+              <a:latin typeface="Aharoni" panose="02010803020104030203" pitchFamily="2" charset="-79"/>
               <a:ea typeface="Verdana" panose="020B0604030504040204" pitchFamily="34" charset="0"/>
+              <a:cs typeface="Aharoni" panose="02010803020104030203" pitchFamily="2" charset="-79"/>
             </a:endParaRPr>
           </a:p>
         </p:txBody>
@@ -4628,7 +4639,7 @@
         <p:spPr>
           <a:xfrm>
             <a:off x="4241701" y="7700102"/>
-            <a:ext cx="4360982" cy="523220"/>
+            <a:ext cx="4360982" cy="584775"/>
           </a:xfrm>
           <a:prstGeom prst="rect">
             <a:avLst/>
@@ -4643,13 +4654,13 @@
           <a:p>
             <a:pPr algn="ctr"/>
             <a:r>
-              <a:rPr lang="en-US" sz="2800" b="1" dirty="0">
+              <a:rPr lang="en-US" sz="3200" b="1" dirty="0">
                 <a:latin typeface="Verdana" panose="020B0604030504040204" pitchFamily="34" charset="0"/>
                 <a:ea typeface="Verdana" panose="020B0604030504040204" pitchFamily="34" charset="0"/>
               </a:rPr>
               <a:t>KUALA LUMPUR</a:t>
             </a:r>
-            <a:endParaRPr lang="en-MY" sz="2800" b="1" dirty="0">
+            <a:endParaRPr lang="en-MY" sz="3200" b="1" dirty="0">
               <a:latin typeface="Verdana" panose="020B0604030504040204" pitchFamily="34" charset="0"/>
               <a:ea typeface="Verdana" panose="020B0604030504040204" pitchFamily="34" charset="0"/>
             </a:endParaRPr>
@@ -4780,7 +4791,7 @@
         <p:spPr>
           <a:xfrm>
             <a:off x="21662612" y="10541974"/>
-            <a:ext cx="4296167" cy="523220"/>
+            <a:ext cx="4296167" cy="584775"/>
           </a:xfrm>
           <a:prstGeom prst="rect">
             <a:avLst/>
@@ -4795,13 +4806,13 @@
           <a:p>
             <a:pPr algn="ctr"/>
             <a:r>
-              <a:rPr lang="en-US" sz="2800" b="1" dirty="0">
+              <a:rPr lang="en-US" sz="3200" b="1" dirty="0">
                 <a:latin typeface="Verdana" panose="020B0604030504040204" pitchFamily="34" charset="0"/>
                 <a:ea typeface="Verdana" panose="020B0604030504040204" pitchFamily="34" charset="0"/>
               </a:rPr>
               <a:t>N. SEMBILAN</a:t>
             </a:r>
-            <a:endParaRPr lang="en-MY" sz="2800" b="1" dirty="0">
+            <a:endParaRPr lang="en-MY" sz="3200" b="1" dirty="0">
               <a:latin typeface="Verdana" panose="020B0604030504040204" pitchFamily="34" charset="0"/>
               <a:ea typeface="Verdana" panose="020B0604030504040204" pitchFamily="34" charset="0"/>
             </a:endParaRPr>
@@ -4986,7 +4997,7 @@
         <p:spPr>
           <a:xfrm>
             <a:off x="4346917" y="25078715"/>
-            <a:ext cx="4337541" cy="523220"/>
+            <a:ext cx="4337541" cy="584775"/>
           </a:xfrm>
           <a:prstGeom prst="rect">
             <a:avLst/>
@@ -5001,15 +5012,17 @@
           <a:p>
             <a:pPr algn="ctr"/>
             <a:r>
-              <a:rPr lang="en-US" sz="2800" b="1" dirty="0">
-                <a:latin typeface="Verdana" panose="020B0604030504040204" pitchFamily="34" charset="0"/>
+              <a:rPr lang="en-US" sz="3200" b="1" dirty="0">
+                <a:latin typeface="Aharoni" panose="02010803020104030203" pitchFamily="2" charset="-79"/>
                 <a:ea typeface="Verdana" panose="020B0604030504040204" pitchFamily="34" charset="0"/>
+                <a:cs typeface="Aharoni" panose="02010803020104030203" pitchFamily="2" charset="-79"/>
               </a:rPr>
               <a:t>SABAH</a:t>
             </a:r>
-            <a:endParaRPr lang="en-MY" sz="2800" b="1" dirty="0">
-              <a:latin typeface="Verdana" panose="020B0604030504040204" pitchFamily="34" charset="0"/>
+            <a:endParaRPr lang="en-MY" sz="3200" b="1" dirty="0">
+              <a:latin typeface="Aharoni" panose="02010803020104030203" pitchFamily="2" charset="-79"/>
               <a:ea typeface="Verdana" panose="020B0604030504040204" pitchFamily="34" charset="0"/>
+              <a:cs typeface="Aharoni" panose="02010803020104030203" pitchFamily="2" charset="-79"/>
             </a:endParaRPr>
           </a:p>
         </p:txBody>
@@ -5185,7 +5198,7 @@
         <p:spPr>
           <a:xfrm>
             <a:off x="4393662" y="19253797"/>
-            <a:ext cx="4290796" cy="531736"/>
+            <a:ext cx="4290796" cy="584775"/>
           </a:xfrm>
           <a:prstGeom prst="rect">
             <a:avLst/>
@@ -5200,15 +5213,17 @@
           <a:p>
             <a:pPr algn="ctr"/>
             <a:r>
-              <a:rPr lang="en-US" sz="2800" b="1" dirty="0">
-                <a:latin typeface="Verdana" panose="020B0604030504040204" pitchFamily="34" charset="0"/>
+              <a:rPr lang="en-US" sz="3200" b="1" dirty="0">
+                <a:latin typeface="Aharoni" panose="02010803020104030203" pitchFamily="2" charset="-79"/>
                 <a:ea typeface="Verdana" panose="020B0604030504040204" pitchFamily="34" charset="0"/>
+                <a:cs typeface="Aharoni" panose="02010803020104030203" pitchFamily="2" charset="-79"/>
               </a:rPr>
               <a:t>SARAWAK</a:t>
             </a:r>
-            <a:endParaRPr lang="en-MY" sz="2800" b="1" dirty="0">
-              <a:latin typeface="Verdana" panose="020B0604030504040204" pitchFamily="34" charset="0"/>
+            <a:endParaRPr lang="en-MY" sz="3200" b="1" dirty="0">
+              <a:latin typeface="Aharoni" panose="02010803020104030203" pitchFamily="2" charset="-79"/>
               <a:ea typeface="Verdana" panose="020B0604030504040204" pitchFamily="34" charset="0"/>
+              <a:cs typeface="Aharoni" panose="02010803020104030203" pitchFamily="2" charset="-79"/>
             </a:endParaRPr>
           </a:p>
         </p:txBody>
@@ -5384,7 +5399,7 @@
         <p:spPr>
           <a:xfrm>
             <a:off x="21644972" y="13541026"/>
-            <a:ext cx="4372560" cy="523220"/>
+            <a:ext cx="4372560" cy="584775"/>
           </a:xfrm>
           <a:prstGeom prst="rect">
             <a:avLst/>
@@ -5399,15 +5414,17 @@
           <a:p>
             <a:pPr algn="ctr"/>
             <a:r>
-              <a:rPr lang="en-US" sz="2800" b="1" dirty="0">
-                <a:latin typeface="Verdana" panose="020B0604030504040204" pitchFamily="34" charset="0"/>
+              <a:rPr lang="en-US" sz="3200" b="1" dirty="0">
+                <a:latin typeface="Aharoni" panose="02010803020104030203" pitchFamily="2" charset="-79"/>
                 <a:ea typeface="Verdana" panose="020B0604030504040204" pitchFamily="34" charset="0"/>
+                <a:cs typeface="Aharoni" panose="02010803020104030203" pitchFamily="2" charset="-79"/>
               </a:rPr>
               <a:t>KELANTAN</a:t>
             </a:r>
-            <a:endParaRPr lang="en-MY" sz="2800" b="1" dirty="0">
-              <a:latin typeface="Verdana" panose="020B0604030504040204" pitchFamily="34" charset="0"/>
+            <a:endParaRPr lang="en-MY" sz="3200" b="1" dirty="0">
+              <a:latin typeface="Aharoni" panose="02010803020104030203" pitchFamily="2" charset="-79"/>
               <a:ea typeface="Verdana" panose="020B0604030504040204" pitchFamily="34" charset="0"/>
+              <a:cs typeface="Aharoni" panose="02010803020104030203" pitchFamily="2" charset="-79"/>
             </a:endParaRPr>
           </a:p>
         </p:txBody>
@@ -5583,7 +5600,7 @@
         <p:spPr>
           <a:xfrm>
             <a:off x="21632039" y="16401113"/>
-            <a:ext cx="4360836" cy="523220"/>
+            <a:ext cx="4360836" cy="584775"/>
           </a:xfrm>
           <a:prstGeom prst="rect">
             <a:avLst/>
@@ -5598,15 +5615,17 @@
           <a:p>
             <a:pPr algn="ctr"/>
             <a:r>
-              <a:rPr lang="en-US" sz="2800" b="1" dirty="0">
-                <a:latin typeface="Verdana" panose="020B0604030504040204" pitchFamily="34" charset="0"/>
+              <a:rPr lang="en-US" sz="3200" b="1" dirty="0">
+                <a:latin typeface="Aharoni" panose="02010803020104030203" pitchFamily="2" charset="-79"/>
                 <a:ea typeface="Verdana" panose="020B0604030504040204" pitchFamily="34" charset="0"/>
+                <a:cs typeface="Aharoni" panose="02010803020104030203" pitchFamily="2" charset="-79"/>
               </a:rPr>
               <a:t>TERENGGANU</a:t>
             </a:r>
-            <a:endParaRPr lang="en-MY" sz="2800" b="1" dirty="0">
-              <a:latin typeface="Verdana" panose="020B0604030504040204" pitchFamily="34" charset="0"/>
+            <a:endParaRPr lang="en-MY" sz="3200" b="1" dirty="0">
+              <a:latin typeface="Aharoni" panose="02010803020104030203" pitchFamily="2" charset="-79"/>
               <a:ea typeface="Verdana" panose="020B0604030504040204" pitchFamily="34" charset="0"/>
+              <a:cs typeface="Aharoni" panose="02010803020104030203" pitchFamily="2" charset="-79"/>
             </a:endParaRPr>
           </a:p>
         </p:txBody>
@@ -5782,7 +5801,7 @@
         <p:spPr>
           <a:xfrm>
             <a:off x="21703585" y="19249867"/>
-            <a:ext cx="4349113" cy="523220"/>
+            <a:ext cx="4349113" cy="584775"/>
           </a:xfrm>
           <a:prstGeom prst="rect">
             <a:avLst/>
@@ -5797,15 +5816,17 @@
           <a:p>
             <a:pPr algn="ctr"/>
             <a:r>
-              <a:rPr lang="en-US" sz="2800" b="1" dirty="0">
-                <a:latin typeface="Verdana" panose="020B0604030504040204" pitchFamily="34" charset="0"/>
+              <a:rPr lang="en-US" sz="3200" b="1" dirty="0">
+                <a:latin typeface="Aharoni" panose="02010803020104030203" pitchFamily="2" charset="-79"/>
                 <a:ea typeface="Verdana" panose="020B0604030504040204" pitchFamily="34" charset="0"/>
+                <a:cs typeface="Aharoni" panose="02010803020104030203" pitchFamily="2" charset="-79"/>
               </a:rPr>
               <a:t>PAHANG</a:t>
             </a:r>
-            <a:endParaRPr lang="en-MY" sz="2800" b="1" dirty="0">
-              <a:latin typeface="Verdana" panose="020B0604030504040204" pitchFamily="34" charset="0"/>
+            <a:endParaRPr lang="en-MY" sz="3200" b="1" dirty="0">
+              <a:latin typeface="Aharoni" panose="02010803020104030203" pitchFamily="2" charset="-79"/>
               <a:ea typeface="Verdana" panose="020B0604030504040204" pitchFamily="34" charset="0"/>
+              <a:cs typeface="Aharoni" panose="02010803020104030203" pitchFamily="2" charset="-79"/>
             </a:endParaRPr>
           </a:p>
         </p:txBody>
@@ -5920,7 +5941,7 @@
         <p:spPr>
           <a:xfrm>
             <a:off x="4405692" y="27959531"/>
-            <a:ext cx="4278766" cy="523220"/>
+            <a:ext cx="4278766" cy="584775"/>
           </a:xfrm>
           <a:prstGeom prst="rect">
             <a:avLst/>
@@ -5935,15 +5956,17 @@
           <a:p>
             <a:pPr algn="ctr"/>
             <a:r>
-              <a:rPr lang="en-US" sz="2800" b="1" dirty="0">
-                <a:latin typeface="Verdana" panose="020B0604030504040204" pitchFamily="34" charset="0"/>
+              <a:rPr lang="en-US" sz="3200" b="1" dirty="0">
+                <a:latin typeface="Aharoni" panose="02010803020104030203" pitchFamily="2" charset="-79"/>
                 <a:ea typeface="Verdana" panose="020B0604030504040204" pitchFamily="34" charset="0"/>
+                <a:cs typeface="Aharoni" panose="02010803020104030203" pitchFamily="2" charset="-79"/>
               </a:rPr>
               <a:t>MELAKA</a:t>
             </a:r>
-            <a:endParaRPr lang="en-MY" sz="2800" b="1" dirty="0">
-              <a:latin typeface="Verdana" panose="020B0604030504040204" pitchFamily="34" charset="0"/>
+            <a:endParaRPr lang="en-MY" sz="3200" b="1" dirty="0">
+              <a:latin typeface="Aharoni" panose="02010803020104030203" pitchFamily="2" charset="-79"/>
               <a:ea typeface="Verdana" panose="020B0604030504040204" pitchFamily="34" charset="0"/>
+              <a:cs typeface="Aharoni" panose="02010803020104030203" pitchFamily="2" charset="-79"/>
             </a:endParaRPr>
           </a:p>
         </p:txBody>
@@ -6058,7 +6081,7 @@
         <p:spPr>
           <a:xfrm>
             <a:off x="4347066" y="16473697"/>
-            <a:ext cx="4360835" cy="523220"/>
+            <a:ext cx="4360835" cy="584775"/>
           </a:xfrm>
           <a:prstGeom prst="rect">
             <a:avLst/>
@@ -6073,15 +6096,17 @@
           <a:p>
             <a:pPr algn="ctr"/>
             <a:r>
-              <a:rPr lang="en-US" sz="2800" b="1" dirty="0">
-                <a:latin typeface="Verdana" panose="020B0604030504040204" pitchFamily="34" charset="0"/>
+              <a:rPr lang="en-US" sz="3200" b="1" dirty="0">
+                <a:latin typeface="Aharoni" panose="02010803020104030203" pitchFamily="2" charset="-79"/>
                 <a:ea typeface="Verdana" panose="020B0604030504040204" pitchFamily="34" charset="0"/>
+                <a:cs typeface="Aharoni" panose="02010803020104030203" pitchFamily="2" charset="-79"/>
               </a:rPr>
               <a:t>JOHOR</a:t>
             </a:r>
-            <a:endParaRPr lang="en-MY" sz="2800" b="1" dirty="0">
-              <a:latin typeface="Verdana" panose="020B0604030504040204" pitchFamily="34" charset="0"/>
+            <a:endParaRPr lang="en-MY" sz="3200" b="1" dirty="0">
+              <a:latin typeface="Aharoni" panose="02010803020104030203" pitchFamily="2" charset="-79"/>
               <a:ea typeface="Verdana" panose="020B0604030504040204" pitchFamily="34" charset="0"/>
+              <a:cs typeface="Aharoni" panose="02010803020104030203" pitchFamily="2" charset="-79"/>
             </a:endParaRPr>
           </a:p>
         </p:txBody>
@@ -6340,7 +6365,7 @@
         <p:spPr>
           <a:xfrm>
             <a:off x="21644972" y="22166888"/>
-            <a:ext cx="4312738" cy="523220"/>
+            <a:ext cx="4312738" cy="584775"/>
           </a:xfrm>
           <a:prstGeom prst="rect">
             <a:avLst/>
@@ -6355,15 +6380,17 @@
           <a:p>
             <a:pPr algn="ctr"/>
             <a:r>
-              <a:rPr lang="en-US" sz="2800" b="1" dirty="0">
-                <a:latin typeface="Verdana" panose="020B0604030504040204" pitchFamily="34" charset="0"/>
+              <a:rPr lang="en-US" sz="3200" b="1" dirty="0">
+                <a:latin typeface="Aharoni" panose="02010803020104030203" pitchFamily="2" charset="-79"/>
                 <a:ea typeface="Verdana" panose="020B0604030504040204" pitchFamily="34" charset="0"/>
+                <a:cs typeface="Aharoni" panose="02010803020104030203" pitchFamily="2" charset="-79"/>
               </a:rPr>
               <a:t>PERLIS</a:t>
             </a:r>
-            <a:endParaRPr lang="en-MY" sz="2800" b="1" dirty="0">
-              <a:latin typeface="Verdana" panose="020B0604030504040204" pitchFamily="34" charset="0"/>
+            <a:endParaRPr lang="en-MY" sz="3200" b="1" dirty="0">
+              <a:latin typeface="Aharoni" panose="02010803020104030203" pitchFamily="2" charset="-79"/>
               <a:ea typeface="Verdana" panose="020B0604030504040204" pitchFamily="34" charset="0"/>
+              <a:cs typeface="Aharoni" panose="02010803020104030203" pitchFamily="2" charset="-79"/>
             </a:endParaRPr>
           </a:p>
         </p:txBody>
@@ -6478,7 +6505,7 @@
         <p:spPr>
           <a:xfrm>
             <a:off x="21632039" y="25064702"/>
-            <a:ext cx="4325665" cy="523220"/>
+            <a:ext cx="4325665" cy="584775"/>
           </a:xfrm>
           <a:prstGeom prst="rect">
             <a:avLst/>
@@ -6493,15 +6520,17 @@
           <a:p>
             <a:pPr algn="ctr"/>
             <a:r>
-              <a:rPr lang="en-US" sz="2800" b="1" dirty="0">
-                <a:latin typeface="Verdana" panose="020B0604030504040204" pitchFamily="34" charset="0"/>
+              <a:rPr lang="en-US" sz="3200" b="1" dirty="0">
+                <a:latin typeface="Aharoni" panose="02010803020104030203" pitchFamily="2" charset="-79"/>
                 <a:ea typeface="Verdana" panose="020B0604030504040204" pitchFamily="34" charset="0"/>
+                <a:cs typeface="Aharoni" panose="02010803020104030203" pitchFamily="2" charset="-79"/>
               </a:rPr>
               <a:t>PUTRAJAYA</a:t>
             </a:r>
-            <a:endParaRPr lang="en-MY" sz="2800" b="1" dirty="0">
-              <a:latin typeface="Verdana" panose="020B0604030504040204" pitchFamily="34" charset="0"/>
+            <a:endParaRPr lang="en-MY" sz="3200" b="1" dirty="0">
+              <a:latin typeface="Aharoni" panose="02010803020104030203" pitchFamily="2" charset="-79"/>
               <a:ea typeface="Verdana" panose="020B0604030504040204" pitchFamily="34" charset="0"/>
+              <a:cs typeface="Aharoni" panose="02010803020104030203" pitchFamily="2" charset="-79"/>
             </a:endParaRPr>
           </a:p>
         </p:txBody>
@@ -6940,7 +6969,7 @@
         <p:spPr>
           <a:xfrm>
             <a:off x="1562683" y="4076199"/>
-            <a:ext cx="20885837" cy="707886"/>
+            <a:ext cx="26737997" cy="830997"/>
           </a:xfrm>
           <a:prstGeom prst="rect">
             <a:avLst/>
@@ -6954,22 +6983,57 @@
           <a:lstStyle/>
           <a:p>
             <a:r>
+              <a:rPr lang="en-US" sz="4800" b="1" dirty="0">
+                <a:latin typeface="Aharoni" panose="02010803020104030203" pitchFamily="2" charset="-79"/>
+                <a:ea typeface="Verdana" panose="020B0604030504040204" pitchFamily="34" charset="0"/>
+                <a:cs typeface="Aharoni" panose="02010803020104030203" pitchFamily="2" charset="-79"/>
+              </a:rPr>
+              <a:t>Cumulative count of blood donation from </a:t>
+            </a:r>
+            <a:r>
               <a:rPr lang="en-US" sz="4000" b="1" dirty="0">
                 <a:latin typeface="Verdana" panose="020B0604030504040204" pitchFamily="34" charset="0"/>
                 <a:ea typeface="Verdana" panose="020B0604030504040204" pitchFamily="34" charset="0"/>
+                <a:cs typeface="Aharoni" panose="02010803020104030203" pitchFamily="2" charset="-79"/>
               </a:rPr>
-              <a:t>Cumulative count of blood donation from 2024-01-01 to </a:t>
+              <a:t>2024-01-01</a:t>
+            </a:r>
+            <a:r>
+              <a:rPr lang="en-US" sz="4000" b="1" dirty="0">
+                <a:latin typeface="Aharoni" panose="02010803020104030203" pitchFamily="2" charset="-79"/>
+                <a:ea typeface="Verdana" panose="020B0604030504040204" pitchFamily="34" charset="0"/>
+                <a:cs typeface="Aharoni" panose="02010803020104030203" pitchFamily="2" charset="-79"/>
+              </a:rPr>
+              <a:t> </a:t>
+            </a:r>
+            <a:r>
+              <a:rPr lang="en-US" sz="4800" b="1" dirty="0">
+                <a:latin typeface="Aharoni" panose="02010803020104030203" pitchFamily="2" charset="-79"/>
+                <a:ea typeface="Verdana" panose="020B0604030504040204" pitchFamily="34" charset="0"/>
+                <a:cs typeface="Aharoni" panose="02010803020104030203" pitchFamily="2" charset="-79"/>
+              </a:rPr>
+              <a:t>to</a:t>
+            </a:r>
+            <a:r>
+              <a:rPr lang="en-US" sz="4000" b="1" dirty="0">
+                <a:latin typeface="Aharoni" panose="02010803020104030203" pitchFamily="2" charset="-79"/>
+                <a:ea typeface="Verdana" panose="020B0604030504040204" pitchFamily="34" charset="0"/>
+                <a:cs typeface="Aharoni" panose="02010803020104030203" pitchFamily="2" charset="-79"/>
+              </a:rPr>
+              <a:t> </a:t>
             </a:r>
             <a:r>
               <a:rPr lang="en-US" sz="4000" b="1" dirty="0" err="1">
-                <a:latin typeface="Verdana" panose="020B0604030504040204" pitchFamily="34" charset="0"/>
+                <a:latin typeface="Aharoni" panose="02010803020104030203" pitchFamily="2" charset="-79"/>
                 <a:ea typeface="Verdana" panose="020B0604030504040204" pitchFamily="34" charset="0"/>
+                <a:cs typeface="Aharoni" panose="02010803020104030203" pitchFamily="2" charset="-79"/>
               </a:rPr>
               <a:t>last_date</a:t>
             </a:r>
             <a:endParaRPr lang="en-MY" sz="4000" b="1" dirty="0">
-              <a:latin typeface="Verdana" panose="020B0604030504040204" pitchFamily="34" charset="0"/>
+              <a:latin typeface="Aharoni" panose="02010803020104030203" pitchFamily="2" charset="-79"/>
               <a:ea typeface="Verdana" panose="020B0604030504040204" pitchFamily="34" charset="0"/>
+              <a:cs typeface="Aharoni" panose="02010803020104030203" pitchFamily="2" charset="-79"/>
             </a:endParaRPr>
           </a:p>
         </p:txBody>
@@ -6989,7 +7053,7 @@
         <p:spPr>
           <a:xfrm>
             <a:off x="21644972" y="27937812"/>
-            <a:ext cx="4325665" cy="523220"/>
+            <a:ext cx="4325665" cy="584775"/>
           </a:xfrm>
           <a:prstGeom prst="rect">
             <a:avLst/>
@@ -7004,15 +7068,17 @@
           <a:p>
             <a:pPr algn="ctr"/>
             <a:r>
-              <a:rPr lang="en-US" sz="2800" b="1" dirty="0">
-                <a:latin typeface="Verdana" panose="020B0604030504040204" pitchFamily="34" charset="0"/>
+              <a:rPr lang="en-US" sz="3200" b="1" dirty="0">
+                <a:latin typeface="Aharoni" panose="02010803020104030203" pitchFamily="2" charset="-79"/>
                 <a:ea typeface="Verdana" panose="020B0604030504040204" pitchFamily="34" charset="0"/>
+                <a:cs typeface="Aharoni" panose="02010803020104030203" pitchFamily="2" charset="-79"/>
               </a:rPr>
               <a:t>LABUAN</a:t>
             </a:r>
-            <a:endParaRPr lang="en-MY" sz="2800" b="1" dirty="0">
-              <a:latin typeface="Verdana" panose="020B0604030504040204" pitchFamily="34" charset="0"/>
+            <a:endParaRPr lang="en-MY" sz="3200" b="1" dirty="0">
+              <a:latin typeface="Aharoni" panose="02010803020104030203" pitchFamily="2" charset="-79"/>
               <a:ea typeface="Verdana" panose="020B0604030504040204" pitchFamily="34" charset="0"/>
+              <a:cs typeface="Aharoni" panose="02010803020104030203" pitchFamily="2" charset="-79"/>
             </a:endParaRPr>
           </a:p>
         </p:txBody>

--- a/blood_donation.pptx
+++ b/blood_donation.pptx
@@ -3463,9 +3463,16 @@
   <p:cSld>
     <p:bg>
       <p:bgPr>
-        <a:solidFill>
-          <a:srgbClr val="E2E2E2"/>
-        </a:solidFill>
+        <a:blipFill dpi="0" rotWithShape="1">
+          <a:blip r:embed="rId3">
+            <a:alphaModFix amt="41000"/>
+            <a:lum/>
+          </a:blip>
+          <a:srcRect/>
+          <a:stretch>
+            <a:fillRect l="-50000" r="-50000"/>
+          </a:stretch>
+        </a:blipFill>
         <a:effectLst/>
       </p:bgPr>
     </p:bg>
@@ -3725,8 +3732,8 @@
               <a:rPr lang="en-US" sz="1999" dirty="0">
                 <a:solidFill>
                   <a:schemeClr val="tx1">
-                    <a:lumMod val="50000"/>
-                    <a:lumOff val="50000"/>
+                    <a:lumMod val="75000"/>
+                    <a:lumOff val="25000"/>
                   </a:schemeClr>
                 </a:solidFill>
                 <a:latin typeface="Verdana" panose="020B0604030504040204" pitchFamily="34" charset="0"/>
@@ -3738,8 +3745,8 @@
               <a:rPr lang="en-US" sz="1999" dirty="0" err="1">
                 <a:solidFill>
                   <a:schemeClr val="tx1">
-                    <a:lumMod val="50000"/>
-                    <a:lumOff val="50000"/>
+                    <a:lumMod val="75000"/>
+                    <a:lumOff val="25000"/>
                   </a:schemeClr>
                 </a:solidFill>
                 <a:latin typeface="Verdana" panose="020B0604030504040204" pitchFamily="34" charset="0"/>
@@ -3750,8 +3757,8 @@
             <a:endParaRPr lang="en-MY" sz="1999" dirty="0">
               <a:solidFill>
                 <a:schemeClr val="tx1">
-                  <a:lumMod val="50000"/>
-                  <a:lumOff val="50000"/>
+                  <a:lumMod val="75000"/>
+                  <a:lumOff val="25000"/>
                 </a:schemeClr>
               </a:solidFill>
               <a:latin typeface="Verdana" panose="020B0604030504040204" pitchFamily="34" charset="0"/>
@@ -3833,7 +3840,7 @@
             <a:avLst/>
           </a:prstGeom>
           <a:blipFill>
-            <a:blip r:embed="rId3">
+            <a:blip r:embed="rId4">
               <a:extLst>
                 <a:ext uri="{28A0092B-C50C-407E-A947-70E740481C1C}">
                   <a14:useLocalDpi xmlns:a14="http://schemas.microsoft.com/office/drawing/2010/main" val="0"/>
@@ -4034,7 +4041,7 @@
             <a:avLst/>
           </a:prstGeom>
           <a:blipFill dpi="0" rotWithShape="1">
-            <a:blip r:embed="rId4">
+            <a:blip r:embed="rId5">
               <a:extLst>
                 <a:ext uri="{28A0092B-C50C-407E-A947-70E740481C1C}">
                   <a14:useLocalDpi xmlns:a14="http://schemas.microsoft.com/office/drawing/2010/main" val="0"/>
@@ -4243,7 +4250,7 @@
             <a:avLst/>
           </a:prstGeom>
           <a:blipFill>
-            <a:blip r:embed="rId5">
+            <a:blip r:embed="rId6">
               <a:extLst>
                 <a:ext uri="{28A0092B-C50C-407E-A947-70E740481C1C}">
                   <a14:useLocalDpi xmlns:a14="http://schemas.microsoft.com/office/drawing/2010/main" val="0"/>
@@ -4444,7 +4451,7 @@
             <a:avLst/>
           </a:prstGeom>
           <a:blipFill>
-            <a:blip r:embed="rId6">
+            <a:blip r:embed="rId7">
               <a:extLst>
                 <a:ext uri="{28A0092B-C50C-407E-A947-70E740481C1C}">
                   <a14:useLocalDpi xmlns:a14="http://schemas.microsoft.com/office/drawing/2010/main" val="0"/>
@@ -4942,7 +4949,7 @@
             <a:avLst/>
           </a:prstGeom>
           <a:blipFill>
-            <a:blip r:embed="rId7">
+            <a:blip r:embed="rId8">
               <a:extLst>
                 <a:ext uri="{28A0092B-C50C-407E-A947-70E740481C1C}">
                   <a14:useLocalDpi xmlns:a14="http://schemas.microsoft.com/office/drawing/2010/main" val="0"/>
@@ -5143,7 +5150,7 @@
             <a:avLst/>
           </a:prstGeom>
           <a:blipFill>
-            <a:blip r:embed="rId8">
+            <a:blip r:embed="rId9">
               <a:extLst>
                 <a:ext uri="{28A0092B-C50C-407E-A947-70E740481C1C}">
                   <a14:useLocalDpi xmlns:a14="http://schemas.microsoft.com/office/drawing/2010/main" val="0"/>
@@ -5344,7 +5351,7 @@
             <a:avLst/>
           </a:prstGeom>
           <a:blipFill>
-            <a:blip r:embed="rId9">
+            <a:blip r:embed="rId10">
               <a:extLst>
                 <a:ext uri="{28A0092B-C50C-407E-A947-70E740481C1C}">
                   <a14:useLocalDpi xmlns:a14="http://schemas.microsoft.com/office/drawing/2010/main" val="0"/>
@@ -5545,7 +5552,7 @@
             <a:avLst/>
           </a:prstGeom>
           <a:blipFill>
-            <a:blip r:embed="rId10">
+            <a:blip r:embed="rId11">
               <a:extLst>
                 <a:ext uri="{28A0092B-C50C-407E-A947-70E740481C1C}">
                   <a14:useLocalDpi xmlns:a14="http://schemas.microsoft.com/office/drawing/2010/main" val="0"/>
@@ -5746,7 +5753,7 @@
             <a:avLst/>
           </a:prstGeom>
           <a:blipFill>
-            <a:blip r:embed="rId11">
+            <a:blip r:embed="rId12">
               <a:extLst>
                 <a:ext uri="{28A0092B-C50C-407E-A947-70E740481C1C}">
                   <a14:useLocalDpi xmlns:a14="http://schemas.microsoft.com/office/drawing/2010/main" val="0"/>
@@ -6169,7 +6176,7 @@
           <p:nvPr/>
         </p:nvPicPr>
         <p:blipFill>
-          <a:blip r:embed="rId12">
+          <a:blip r:embed="rId13">
             <a:extLst>
               <a:ext uri="{28A0092B-C50C-407E-A947-70E740481C1C}">
                 <a14:useLocalDpi xmlns:a14="http://schemas.microsoft.com/office/drawing/2010/main" val="0"/>
@@ -6196,42 +6203,6 @@
             <a:extLst>
               <a:ext uri="{FF2B5EF4-FFF2-40B4-BE49-F238E27FC236}">
                 <a16:creationId xmlns:a16="http://schemas.microsoft.com/office/drawing/2014/main" id="{00E51CFC-77BE-624B-F627-0BD101FA4F79}"/>
-              </a:ext>
-            </a:extLst>
-          </p:cNvPr>
-          <p:cNvPicPr>
-            <a:picLocks noChangeAspect="1"/>
-          </p:cNvPicPr>
-          <p:nvPr/>
-        </p:nvPicPr>
-        <p:blipFill>
-          <a:blip r:embed="rId13">
-            <a:extLst>
-              <a:ext uri="{28A0092B-C50C-407E-A947-70E740481C1C}">
-                <a14:useLocalDpi xmlns:a14="http://schemas.microsoft.com/office/drawing/2010/main" val="0"/>
-              </a:ext>
-            </a:extLst>
-          </a:blip>
-          <a:stretch>
-            <a:fillRect/>
-          </a:stretch>
-        </p:blipFill>
-        <p:spPr>
-          <a:xfrm>
-            <a:off x="1492564" y="16201749"/>
-            <a:ext cx="2866224" cy="2162832"/>
-          </a:xfrm>
-          <a:prstGeom prst="roundRect">
-            <a:avLst/>
-          </a:prstGeom>
-        </p:spPr>
-      </p:pic>
-      <p:pic>
-        <p:nvPicPr>
-          <p:cNvPr id="17" name="Picture 16">
-            <a:extLst>
-              <a:ext uri="{FF2B5EF4-FFF2-40B4-BE49-F238E27FC236}">
-                <a16:creationId xmlns:a16="http://schemas.microsoft.com/office/drawing/2014/main" id="{DE58058B-8821-93E4-76C0-BE9859385B87}"/>
               </a:ext>
             </a:extLst>
           </p:cNvPr>
@@ -6254,8 +6225,8 @@
         </p:blipFill>
         <p:spPr>
           <a:xfrm>
-            <a:off x="1510084" y="27727251"/>
-            <a:ext cx="2895608" cy="2165342"/>
+            <a:off x="1492564" y="16201749"/>
+            <a:ext cx="2866224" cy="2162832"/>
           </a:xfrm>
           <a:prstGeom prst="roundRect">
             <a:avLst/>
@@ -6264,10 +6235,10 @@
       </p:pic>
       <p:pic>
         <p:nvPicPr>
-          <p:cNvPr id="21" name="Picture 20">
+          <p:cNvPr id="17" name="Picture 16">
             <a:extLst>
               <a:ext uri="{FF2B5EF4-FFF2-40B4-BE49-F238E27FC236}">
-                <a16:creationId xmlns:a16="http://schemas.microsoft.com/office/drawing/2014/main" id="{71F5E2D7-536B-E85E-D98C-E7B4EB01E502}"/>
+                <a16:creationId xmlns:a16="http://schemas.microsoft.com/office/drawing/2014/main" id="{DE58058B-8821-93E4-76C0-BE9859385B87}"/>
               </a:ext>
             </a:extLst>
           </p:cNvPr>
@@ -6278,6 +6249,42 @@
         </p:nvPicPr>
         <p:blipFill>
           <a:blip r:embed="rId15">
+            <a:extLst>
+              <a:ext uri="{28A0092B-C50C-407E-A947-70E740481C1C}">
+                <a14:useLocalDpi xmlns:a14="http://schemas.microsoft.com/office/drawing/2010/main" val="0"/>
+              </a:ext>
+            </a:extLst>
+          </a:blip>
+          <a:stretch>
+            <a:fillRect/>
+          </a:stretch>
+        </p:blipFill>
+        <p:spPr>
+          <a:xfrm>
+            <a:off x="1510084" y="27727251"/>
+            <a:ext cx="2895608" cy="2165342"/>
+          </a:xfrm>
+          <a:prstGeom prst="roundRect">
+            <a:avLst/>
+          </a:prstGeom>
+        </p:spPr>
+      </p:pic>
+      <p:pic>
+        <p:nvPicPr>
+          <p:cNvPr id="21" name="Picture 20">
+            <a:extLst>
+              <a:ext uri="{FF2B5EF4-FFF2-40B4-BE49-F238E27FC236}">
+                <a16:creationId xmlns:a16="http://schemas.microsoft.com/office/drawing/2014/main" id="{71F5E2D7-536B-E85E-D98C-E7B4EB01E502}"/>
+              </a:ext>
+            </a:extLst>
+          </p:cNvPr>
+          <p:cNvPicPr>
+            <a:picLocks noChangeAspect="1"/>
+          </p:cNvPicPr>
+          <p:nvPr/>
+        </p:nvPicPr>
+        <p:blipFill>
+          <a:blip r:embed="rId16">
             <a:extLst>
               <a:ext uri="{28A0092B-C50C-407E-A947-70E740481C1C}">
                 <a14:useLocalDpi xmlns:a14="http://schemas.microsoft.com/office/drawing/2010/main" val="0"/>
@@ -6688,7 +6695,7 @@
           <p:nvPr/>
         </p:nvPicPr>
         <p:blipFill>
-          <a:blip r:embed="rId16">
+          <a:blip r:embed="rId17">
             <a:extLst>
               <a:ext uri="{28A0092B-C50C-407E-A947-70E740481C1C}">
                 <a14:useLocalDpi xmlns:a14="http://schemas.microsoft.com/office/drawing/2010/main" val="0"/>
@@ -6715,42 +6722,6 @@
             <a:extLst>
               <a:ext uri="{FF2B5EF4-FFF2-40B4-BE49-F238E27FC236}">
                 <a16:creationId xmlns:a16="http://schemas.microsoft.com/office/drawing/2014/main" id="{FFEA9BC8-E373-E460-7FA5-16BC941F47B9}"/>
-              </a:ext>
-            </a:extLst>
-          </p:cNvPr>
-          <p:cNvPicPr>
-            <a:picLocks noChangeAspect="1"/>
-          </p:cNvPicPr>
-          <p:nvPr/>
-        </p:nvPicPr>
-        <p:blipFill>
-          <a:blip r:embed="rId17">
-            <a:extLst>
-              <a:ext uri="{28A0092B-C50C-407E-A947-70E740481C1C}">
-                <a14:useLocalDpi xmlns:a14="http://schemas.microsoft.com/office/drawing/2010/main" val="0"/>
-              </a:ext>
-            </a:extLst>
-          </a:blip>
-          <a:stretch>
-            <a:fillRect/>
-          </a:stretch>
-        </p:blipFill>
-        <p:spPr>
-          <a:xfrm>
-            <a:off x="25973539" y="24870452"/>
-            <a:ext cx="2880986" cy="2124578"/>
-          </a:xfrm>
-          <a:prstGeom prst="roundRect">
-            <a:avLst/>
-          </a:prstGeom>
-        </p:spPr>
-      </p:pic>
-      <p:pic>
-        <p:nvPicPr>
-          <p:cNvPr id="41" name="Picture 40">
-            <a:extLst>
-              <a:ext uri="{FF2B5EF4-FFF2-40B4-BE49-F238E27FC236}">
-                <a16:creationId xmlns:a16="http://schemas.microsoft.com/office/drawing/2014/main" id="{FDDE9DFB-88A9-B0BB-AA9B-147862759915}"/>
               </a:ext>
             </a:extLst>
           </p:cNvPr>
@@ -6773,8 +6744,8 @@
         </p:blipFill>
         <p:spPr>
           <a:xfrm>
-            <a:off x="25957704" y="27751230"/>
-            <a:ext cx="2896821" cy="2150447"/>
+            <a:off x="25973539" y="24870452"/>
+            <a:ext cx="2880986" cy="2124578"/>
           </a:xfrm>
           <a:prstGeom prst="roundRect">
             <a:avLst/>
@@ -6783,10 +6754,10 @@
       </p:pic>
       <p:pic>
         <p:nvPicPr>
-          <p:cNvPr id="45" name="Picture 44">
+          <p:cNvPr id="41" name="Picture 40">
             <a:extLst>
               <a:ext uri="{FF2B5EF4-FFF2-40B4-BE49-F238E27FC236}">
-                <a16:creationId xmlns:a16="http://schemas.microsoft.com/office/drawing/2014/main" id="{17A66060-1F41-9167-4C9E-65CE65F7313D}"/>
+                <a16:creationId xmlns:a16="http://schemas.microsoft.com/office/drawing/2014/main" id="{FDDE9DFB-88A9-B0BB-AA9B-147862759915}"/>
               </a:ext>
             </a:extLst>
           </p:cNvPr>
@@ -6809,20 +6780,20 @@
         </p:blipFill>
         <p:spPr>
           <a:xfrm>
-            <a:off x="12274497" y="16945251"/>
-            <a:ext cx="5715000" cy="5715000"/>
-          </a:xfrm>
-          <a:prstGeom prst="rect">
+            <a:off x="25957704" y="27751230"/>
+            <a:ext cx="2896821" cy="2150447"/>
+          </a:xfrm>
+          <a:prstGeom prst="roundRect">
             <a:avLst/>
           </a:prstGeom>
         </p:spPr>
       </p:pic>
       <p:pic>
         <p:nvPicPr>
-          <p:cNvPr id="47" name="Picture 46">
+          <p:cNvPr id="45" name="Picture 44">
             <a:extLst>
               <a:ext uri="{FF2B5EF4-FFF2-40B4-BE49-F238E27FC236}">
-                <a16:creationId xmlns:a16="http://schemas.microsoft.com/office/drawing/2014/main" id="{AA5E1D8F-A5F0-554A-C7CA-4A154B07AD37}"/>
+                <a16:creationId xmlns:a16="http://schemas.microsoft.com/office/drawing/2014/main" id="{17A66060-1F41-9167-4C9E-65CE65F7313D}"/>
               </a:ext>
             </a:extLst>
           </p:cNvPr>
@@ -6845,75 +6816,20 @@
         </p:blipFill>
         <p:spPr>
           <a:xfrm>
-            <a:off x="12340372" y="6107752"/>
-            <a:ext cx="5715000" cy="2929742"/>
+            <a:off x="12274497" y="16945251"/>
+            <a:ext cx="5715000" cy="5715000"/>
           </a:xfrm>
           <a:prstGeom prst="rect">
             <a:avLst/>
           </a:prstGeom>
         </p:spPr>
       </p:pic>
-      <p:sp>
-        <p:nvSpPr>
-          <p:cNvPr id="48" name="TextBox 47">
-            <a:extLst>
-              <a:ext uri="{FF2B5EF4-FFF2-40B4-BE49-F238E27FC236}">
-                <a16:creationId xmlns:a16="http://schemas.microsoft.com/office/drawing/2014/main" id="{F1F81BCD-1F6F-DFB4-93F3-9DA62D1CA602}"/>
-              </a:ext>
-            </a:extLst>
-          </p:cNvPr>
-          <p:cNvSpPr txBox="1"/>
-          <p:nvPr/>
-        </p:nvSpPr>
-        <p:spPr>
-          <a:xfrm>
-            <a:off x="12255811" y="16301713"/>
-            <a:ext cx="5733686" cy="399981"/>
-          </a:xfrm>
-          <a:prstGeom prst="rect">
-            <a:avLst/>
-          </a:prstGeom>
-          <a:noFill/>
-        </p:spPr>
-        <p:txBody>
-          <a:bodyPr wrap="square" rtlCol="0">
-            <a:spAutoFit/>
-          </a:bodyPr>
-          <a:lstStyle/>
-          <a:p>
-            <a:pPr algn="ctr"/>
-            <a:r>
-              <a:rPr lang="en-US" sz="1999" dirty="0">
-                <a:solidFill>
-                  <a:schemeClr val="tx1">
-                    <a:lumMod val="50000"/>
-                    <a:lumOff val="50000"/>
-                  </a:schemeClr>
-                </a:solidFill>
-                <a:latin typeface="Verdana" panose="020B0604030504040204" pitchFamily="34" charset="0"/>
-                <a:ea typeface="Verdana" panose="020B0604030504040204" pitchFamily="34" charset="0"/>
-              </a:rPr>
-              <a:t>Scan QR code below for more updates</a:t>
-            </a:r>
-            <a:endParaRPr lang="en-MY" sz="1999" dirty="0">
-              <a:solidFill>
-                <a:schemeClr val="tx1">
-                  <a:lumMod val="50000"/>
-                  <a:lumOff val="50000"/>
-                </a:schemeClr>
-              </a:solidFill>
-              <a:latin typeface="Verdana" panose="020B0604030504040204" pitchFamily="34" charset="0"/>
-              <a:ea typeface="Verdana" panose="020B0604030504040204" pitchFamily="34" charset="0"/>
-            </a:endParaRPr>
-          </a:p>
-        </p:txBody>
-      </p:sp>
       <p:pic>
         <p:nvPicPr>
-          <p:cNvPr id="50" name="Picture 49">
+          <p:cNvPr id="47" name="Picture 46">
             <a:extLst>
               <a:ext uri="{FF2B5EF4-FFF2-40B4-BE49-F238E27FC236}">
-                <a16:creationId xmlns:a16="http://schemas.microsoft.com/office/drawing/2014/main" id="{7D39F7BD-CBE9-9D05-B8BC-9A644A533803}"/>
+                <a16:creationId xmlns:a16="http://schemas.microsoft.com/office/drawing/2014/main" id="{AA5E1D8F-A5F0-554A-C7CA-4A154B07AD37}"/>
               </a:ext>
             </a:extLst>
           </p:cNvPr>
@@ -6924,6 +6840,97 @@
         </p:nvPicPr>
         <p:blipFill>
           <a:blip r:embed="rId21">
+            <a:extLst>
+              <a:ext uri="{28A0092B-C50C-407E-A947-70E740481C1C}">
+                <a14:useLocalDpi xmlns:a14="http://schemas.microsoft.com/office/drawing/2010/main" val="0"/>
+              </a:ext>
+            </a:extLst>
+          </a:blip>
+          <a:stretch>
+            <a:fillRect/>
+          </a:stretch>
+        </p:blipFill>
+        <p:spPr>
+          <a:xfrm>
+            <a:off x="12340372" y="6107752"/>
+            <a:ext cx="5715000" cy="2929742"/>
+          </a:xfrm>
+          <a:prstGeom prst="rect">
+            <a:avLst/>
+          </a:prstGeom>
+        </p:spPr>
+      </p:pic>
+      <p:sp>
+        <p:nvSpPr>
+          <p:cNvPr id="48" name="TextBox 47">
+            <a:extLst>
+              <a:ext uri="{FF2B5EF4-FFF2-40B4-BE49-F238E27FC236}">
+                <a16:creationId xmlns:a16="http://schemas.microsoft.com/office/drawing/2014/main" id="{F1F81BCD-1F6F-DFB4-93F3-9DA62D1CA602}"/>
+              </a:ext>
+            </a:extLst>
+          </p:cNvPr>
+          <p:cNvSpPr txBox="1"/>
+          <p:nvPr/>
+        </p:nvSpPr>
+        <p:spPr>
+          <a:xfrm>
+            <a:off x="12255811" y="16301713"/>
+            <a:ext cx="5733686" cy="399981"/>
+          </a:xfrm>
+          <a:prstGeom prst="rect">
+            <a:avLst/>
+          </a:prstGeom>
+          <a:noFill/>
+        </p:spPr>
+        <p:txBody>
+          <a:bodyPr wrap="square" rtlCol="0">
+            <a:spAutoFit/>
+          </a:bodyPr>
+          <a:lstStyle/>
+          <a:p>
+            <a:pPr algn="ctr"/>
+            <a:r>
+              <a:rPr lang="en-US" sz="1999" dirty="0">
+                <a:solidFill>
+                  <a:schemeClr val="tx1">
+                    <a:lumMod val="75000"/>
+                    <a:lumOff val="25000"/>
+                  </a:schemeClr>
+                </a:solidFill>
+                <a:latin typeface="Verdana" panose="020B0604030504040204" pitchFamily="34" charset="0"/>
+                <a:ea typeface="Verdana" panose="020B0604030504040204" pitchFamily="34" charset="0"/>
+              </a:rPr>
+              <a:t>Scan QR code below for more updates</a:t>
+            </a:r>
+            <a:endParaRPr lang="en-MY" sz="1999" dirty="0">
+              <a:solidFill>
+                <a:schemeClr val="tx1">
+                  <a:lumMod val="75000"/>
+                  <a:lumOff val="25000"/>
+                </a:schemeClr>
+              </a:solidFill>
+              <a:latin typeface="Verdana" panose="020B0604030504040204" pitchFamily="34" charset="0"/>
+              <a:ea typeface="Verdana" panose="020B0604030504040204" pitchFamily="34" charset="0"/>
+            </a:endParaRPr>
+          </a:p>
+        </p:txBody>
+      </p:sp>
+      <p:pic>
+        <p:nvPicPr>
+          <p:cNvPr id="50" name="Picture 49">
+            <a:extLst>
+              <a:ext uri="{FF2B5EF4-FFF2-40B4-BE49-F238E27FC236}">
+                <a16:creationId xmlns:a16="http://schemas.microsoft.com/office/drawing/2014/main" id="{7D39F7BD-CBE9-9D05-B8BC-9A644A533803}"/>
+              </a:ext>
+            </a:extLst>
+          </p:cNvPr>
+          <p:cNvPicPr>
+            <a:picLocks noChangeAspect="1"/>
+          </p:cNvPicPr>
+          <p:nvPr/>
+        </p:nvPicPr>
+        <p:blipFill>
+          <a:blip r:embed="rId22">
             <a:clrChange>
               <a:clrFrom>
                 <a:srgbClr val="FFFFFF"/>

--- a/blood_donation.pptx
+++ b/blood_donation.pptx
@@ -3465,7 +3465,7 @@
       <p:bgPr>
         <a:blipFill dpi="0" rotWithShape="1">
           <a:blip r:embed="rId3">
-            <a:alphaModFix amt="41000"/>
+            <a:alphaModFix amt="16000"/>
             <a:lum/>
           </a:blip>
           <a:srcRect/>

--- a/blood_donation.pptx
+++ b/blood_donation.pptx
@@ -3465,7 +3465,7 @@
       <p:bgPr>
         <a:blipFill dpi="0" rotWithShape="1">
           <a:blip r:embed="rId3">
-            <a:alphaModFix amt="16000"/>
+            <a:alphaModFix amt="38000"/>
             <a:lum/>
           </a:blip>
           <a:srcRect/>

--- a/blood_donation.pptx
+++ b/blood_donation.pptx
@@ -3459,13 +3459,13 @@
 </file>
 
 <file path=ppt/slides/slide1.xml><?xml version="1.0" encoding="utf-8"?>
-<p:sld xmlns:a="http://schemas.openxmlformats.org/drawingml/2006/main" xmlns:r="http://schemas.openxmlformats.org/officeDocument/2006/relationships" xmlns:p="http://schemas.openxmlformats.org/presentationml/2006/main">
+<p:sld xmlns:a="http://schemas.openxmlformats.org/drawingml/2006/main" xmlns:r="http://schemas.openxmlformats.org/officeDocument/2006/relationships" xmlns:p="http://schemas.openxmlformats.org/presentationml/2006/main" showMasterSp="0">
   <p:cSld>
     <p:bg>
       <p:bgPr>
         <a:blipFill dpi="0" rotWithShape="1">
           <a:blip r:embed="rId3">
-            <a:alphaModFix amt="38000"/>
+            <a:alphaModFix amt="27000"/>
             <a:lum/>
           </a:blip>
           <a:srcRect/>

--- a/blood_donation.pptx
+++ b/blood_donation.pptx
@@ -3465,7 +3465,7 @@
       <p:bgPr>
         <a:blipFill dpi="0" rotWithShape="1">
           <a:blip r:embed="rId3">
-            <a:alphaModFix amt="27000"/>
+            <a:alphaModFix amt="40000"/>
             <a:lum/>
           </a:blip>
           <a:srcRect/>

--- a/blood_donation.pptx
+++ b/blood_donation.pptx
@@ -115,7 +115,7 @@
             <a:srgbClr val="A4A3A4"/>
           </p15:clr>
         </p15:guide>
-        <p15:guide id="2" pos="9581" userDrawn="1">
+        <p15:guide id="2" pos="9536" userDrawn="1">
           <p15:clr>
             <a:srgbClr val="A4A3A4"/>
           </p15:clr>
@@ -211,7 +211,7 @@
           <a:p>
             <a:fld id="{1DE40755-8679-4EBC-9EFA-4F99D54FDAB0}" type="datetimeFigureOut">
               <a:rPr lang="en-MY" smtClean="0"/>
-              <a:t>26/1/2024</a:t>
+              <a:t>27/1/2024</a:t>
             </a:fld>
             <a:endParaRPr lang="en-MY"/>
           </a:p>
@@ -715,7 +715,7 @@
           <a:p>
             <a:fld id="{FDA1C1AF-7B8C-40AE-9551-7C06C9AE4EEC}" type="datetimeFigureOut">
               <a:rPr lang="en-MY" smtClean="0"/>
-              <a:t>26/1/2024</a:t>
+              <a:t>27/1/2024</a:t>
             </a:fld>
             <a:endParaRPr lang="en-MY"/>
           </a:p>
@@ -901,7 +901,7 @@
           <a:p>
             <a:fld id="{FDA1C1AF-7B8C-40AE-9551-7C06C9AE4EEC}" type="datetimeFigureOut">
               <a:rPr lang="en-MY" smtClean="0"/>
-              <a:t>26/1/2024</a:t>
+              <a:t>27/1/2024</a:t>
             </a:fld>
             <a:endParaRPr lang="en-MY"/>
           </a:p>
@@ -1081,7 +1081,7 @@
           <a:p>
             <a:fld id="{FDA1C1AF-7B8C-40AE-9551-7C06C9AE4EEC}" type="datetimeFigureOut">
               <a:rPr lang="en-MY" smtClean="0"/>
-              <a:t>26/1/2024</a:t>
+              <a:t>27/1/2024</a:t>
             </a:fld>
             <a:endParaRPr lang="en-MY"/>
           </a:p>
@@ -1251,7 +1251,7 @@
           <a:p>
             <a:fld id="{FDA1C1AF-7B8C-40AE-9551-7C06C9AE4EEC}" type="datetimeFigureOut">
               <a:rPr lang="en-MY" smtClean="0"/>
-              <a:t>26/1/2024</a:t>
+              <a:t>27/1/2024</a:t>
             </a:fld>
             <a:endParaRPr lang="en-MY"/>
           </a:p>
@@ -1495,7 +1495,7 @@
           <a:p>
             <a:fld id="{FDA1C1AF-7B8C-40AE-9551-7C06C9AE4EEC}" type="datetimeFigureOut">
               <a:rPr lang="en-MY" smtClean="0"/>
-              <a:t>26/1/2024</a:t>
+              <a:t>27/1/2024</a:t>
             </a:fld>
             <a:endParaRPr lang="en-MY"/>
           </a:p>
@@ -1727,7 +1727,7 @@
           <a:p>
             <a:fld id="{FDA1C1AF-7B8C-40AE-9551-7C06C9AE4EEC}" type="datetimeFigureOut">
               <a:rPr lang="en-MY" smtClean="0"/>
-              <a:t>26/1/2024</a:t>
+              <a:t>27/1/2024</a:t>
             </a:fld>
             <a:endParaRPr lang="en-MY"/>
           </a:p>
@@ -2094,7 +2094,7 @@
           <a:p>
             <a:fld id="{FDA1C1AF-7B8C-40AE-9551-7C06C9AE4EEC}" type="datetimeFigureOut">
               <a:rPr lang="en-MY" smtClean="0"/>
-              <a:t>26/1/2024</a:t>
+              <a:t>27/1/2024</a:t>
             </a:fld>
             <a:endParaRPr lang="en-MY"/>
           </a:p>
@@ -2212,7 +2212,7 @@
           <a:p>
             <a:fld id="{FDA1C1AF-7B8C-40AE-9551-7C06C9AE4EEC}" type="datetimeFigureOut">
               <a:rPr lang="en-MY" smtClean="0"/>
-              <a:t>26/1/2024</a:t>
+              <a:t>27/1/2024</a:t>
             </a:fld>
             <a:endParaRPr lang="en-MY"/>
           </a:p>
@@ -2307,7 +2307,7 @@
           <a:p>
             <a:fld id="{FDA1C1AF-7B8C-40AE-9551-7C06C9AE4EEC}" type="datetimeFigureOut">
               <a:rPr lang="en-MY" smtClean="0"/>
-              <a:t>26/1/2024</a:t>
+              <a:t>27/1/2024</a:t>
             </a:fld>
             <a:endParaRPr lang="en-MY"/>
           </a:p>
@@ -2584,7 +2584,7 @@
           <a:p>
             <a:fld id="{FDA1C1AF-7B8C-40AE-9551-7C06C9AE4EEC}" type="datetimeFigureOut">
               <a:rPr lang="en-MY" smtClean="0"/>
-              <a:t>26/1/2024</a:t>
+              <a:t>27/1/2024</a:t>
             </a:fld>
             <a:endParaRPr lang="en-MY"/>
           </a:p>
@@ -2841,7 +2841,7 @@
           <a:p>
             <a:fld id="{FDA1C1AF-7B8C-40AE-9551-7C06C9AE4EEC}" type="datetimeFigureOut">
               <a:rPr lang="en-MY" smtClean="0"/>
-              <a:t>26/1/2024</a:t>
+              <a:t>27/1/2024</a:t>
             </a:fld>
             <a:endParaRPr lang="en-MY"/>
           </a:p>
@@ -3054,7 +3054,7 @@
           <a:p>
             <a:fld id="{FDA1C1AF-7B8C-40AE-9551-7C06C9AE4EEC}" type="datetimeFigureOut">
               <a:rPr lang="en-MY" smtClean="0"/>
-              <a:t>26/1/2024</a:t>
+              <a:t>27/1/2024</a:t>
             </a:fld>
             <a:endParaRPr lang="en-MY"/>
           </a:p>
@@ -3732,8 +3732,8 @@
               <a:rPr lang="en-US" sz="1999" dirty="0">
                 <a:solidFill>
                   <a:schemeClr val="tx1">
-                    <a:lumMod val="75000"/>
-                    <a:lumOff val="25000"/>
+                    <a:lumMod val="85000"/>
+                    <a:lumOff val="15000"/>
                   </a:schemeClr>
                 </a:solidFill>
                 <a:latin typeface="Verdana" panose="020B0604030504040204" pitchFamily="34" charset="0"/>
@@ -3745,8 +3745,8 @@
               <a:rPr lang="en-US" sz="1999" dirty="0" err="1">
                 <a:solidFill>
                   <a:schemeClr val="tx1">
-                    <a:lumMod val="75000"/>
-                    <a:lumOff val="25000"/>
+                    <a:lumMod val="85000"/>
+                    <a:lumOff val="15000"/>
                   </a:schemeClr>
                 </a:solidFill>
                 <a:latin typeface="Verdana" panose="020B0604030504040204" pitchFamily="34" charset="0"/>
@@ -3757,8 +3757,8 @@
             <a:endParaRPr lang="en-MY" sz="1999" dirty="0">
               <a:solidFill>
                 <a:schemeClr val="tx1">
-                  <a:lumMod val="75000"/>
-                  <a:lumOff val="25000"/>
+                  <a:lumMod val="85000"/>
+                  <a:lumOff val="15000"/>
                 </a:schemeClr>
               </a:solidFill>
               <a:latin typeface="Verdana" panose="020B0604030504040204" pitchFamily="34" charset="0"/>
@@ -6816,7 +6816,7 @@
         </p:blipFill>
         <p:spPr>
           <a:xfrm>
-            <a:off x="12274497" y="16945251"/>
+            <a:off x="12286715" y="19822926"/>
             <a:ext cx="5715000" cy="5715000"/>
           </a:xfrm>
           <a:prstGeom prst="rect">
@@ -6874,8 +6874,8 @@
         </p:nvSpPr>
         <p:spPr>
           <a:xfrm>
-            <a:off x="12255811" y="16301713"/>
-            <a:ext cx="5733686" cy="399981"/>
+            <a:off x="12336239" y="18694564"/>
+            <a:ext cx="5733686" cy="707630"/>
           </a:xfrm>
           <a:prstGeom prst="rect">
             <a:avLst/>
@@ -6893,20 +6893,20 @@
               <a:rPr lang="en-US" sz="1999" dirty="0">
                 <a:solidFill>
                   <a:schemeClr val="tx1">
-                    <a:lumMod val="75000"/>
-                    <a:lumOff val="25000"/>
+                    <a:lumMod val="85000"/>
+                    <a:lumOff val="15000"/>
                   </a:schemeClr>
                 </a:solidFill>
                 <a:latin typeface="Verdana" panose="020B0604030504040204" pitchFamily="34" charset="0"/>
                 <a:ea typeface="Verdana" panose="020B0604030504040204" pitchFamily="34" charset="0"/>
               </a:rPr>
-              <a:t>Scan QR code below for more updates</a:t>
+              <a:t>Scan QR code below for more updates or visit the link below</a:t>
             </a:r>
             <a:endParaRPr lang="en-MY" sz="1999" dirty="0">
               <a:solidFill>
                 <a:schemeClr val="tx1">
-                  <a:lumMod val="75000"/>
-                  <a:lumOff val="25000"/>
+                  <a:lumMod val="85000"/>
+                  <a:lumOff val="15000"/>
                 </a:schemeClr>
               </a:solidFill>
               <a:latin typeface="Verdana" panose="020B0604030504040204" pitchFamily="34" charset="0"/>
@@ -7087,6 +7087,44 @@
               <a:ea typeface="Verdana" panose="020B0604030504040204" pitchFamily="34" charset="0"/>
               <a:cs typeface="Aharoni" panose="02010803020104030203" pitchFamily="2" charset="-79"/>
             </a:endParaRPr>
+          </a:p>
+        </p:txBody>
+      </p:sp>
+      <p:sp>
+        <p:nvSpPr>
+          <p:cNvPr id="9" name="TextBox 8">
+            <a:extLst>
+              <a:ext uri="{FF2B5EF4-FFF2-40B4-BE49-F238E27FC236}">
+                <a16:creationId xmlns:a16="http://schemas.microsoft.com/office/drawing/2014/main" id="{A8A65CD6-2BFD-CDB9-9F0C-C86FEECD4978}"/>
+              </a:ext>
+            </a:extLst>
+          </p:cNvPr>
+          <p:cNvSpPr txBox="1"/>
+          <p:nvPr/>
+        </p:nvSpPr>
+        <p:spPr>
+          <a:xfrm>
+            <a:off x="13323305" y="19397758"/>
+            <a:ext cx="3759555" cy="369332"/>
+          </a:xfrm>
+          <a:prstGeom prst="rect">
+            <a:avLst/>
+          </a:prstGeom>
+          <a:noFill/>
+        </p:spPr>
+        <p:txBody>
+          <a:bodyPr wrap="none" rtlCol="0">
+            <a:spAutoFit/>
+          </a:bodyPr>
+          <a:lstStyle/>
+          <a:p>
+            <a:r>
+              <a:rPr lang="en-MY" dirty="0">
+                <a:hlinkClick r:id="rId23"/>
+              </a:rPr>
+              <a:t>https://blood-donation.streamlit.app/</a:t>
+            </a:r>
+            <a:endParaRPr lang="en-MY" dirty="0"/>
           </a:p>
         </p:txBody>
       </p:sp>

--- a/blood_donation.pptx
+++ b/blood_donation.pptx
@@ -7104,8 +7104,8 @@
         </p:nvSpPr>
         <p:spPr>
           <a:xfrm>
-            <a:off x="13323305" y="19397758"/>
-            <a:ext cx="3759555" cy="369332"/>
+            <a:off x="14895850" y="19357588"/>
+            <a:ext cx="614464" cy="369332"/>
           </a:xfrm>
           <a:prstGeom prst="rect">
             <a:avLst/>
@@ -7122,7 +7122,7 @@
               <a:rPr lang="en-MY" dirty="0">
                 <a:hlinkClick r:id="rId23"/>
               </a:rPr>
-              <a:t>https://blood-donation.streamlit.app/</a:t>
+              <a:t>here</a:t>
             </a:r>
             <a:endParaRPr lang="en-MY" dirty="0"/>
           </a:p>

--- a/blood_donation.pptx
+++ b/blood_donation.pptx
@@ -6874,8 +6874,8 @@
         </p:nvSpPr>
         <p:spPr>
           <a:xfrm>
-            <a:off x="12336239" y="18694564"/>
-            <a:ext cx="5733686" cy="707630"/>
+            <a:off x="12268029" y="19458583"/>
+            <a:ext cx="5733686" cy="338554"/>
           </a:xfrm>
           <a:prstGeom prst="rect">
             <a:avLst/>
@@ -6890,7 +6890,7 @@
           <a:p>
             <a:pPr algn="ctr"/>
             <a:r>
-              <a:rPr lang="en-US" sz="1999" dirty="0">
+              <a:rPr lang="en-US" sz="1600" dirty="0">
                 <a:solidFill>
                   <a:schemeClr val="tx1">
                     <a:lumMod val="85000"/>
@@ -6900,9 +6900,23 @@
                 <a:latin typeface="Verdana" panose="020B0604030504040204" pitchFamily="34" charset="0"/>
                 <a:ea typeface="Verdana" panose="020B0604030504040204" pitchFamily="34" charset="0"/>
               </a:rPr>
-              <a:t>Scan QR code below for more updates or visit the link below</a:t>
-            </a:r>
-            <a:endParaRPr lang="en-MY" sz="1999" dirty="0">
+              <a:t>Scan QR code below for more updates or click </a:t>
+            </a:r>
+            <a:r>
+              <a:rPr lang="en-US" sz="1600" dirty="0">
+                <a:solidFill>
+                  <a:schemeClr val="tx1">
+                    <a:lumMod val="85000"/>
+                    <a:lumOff val="15000"/>
+                  </a:schemeClr>
+                </a:solidFill>
+                <a:latin typeface="Verdana" panose="020B0604030504040204" pitchFamily="34" charset="0"/>
+                <a:ea typeface="Verdana" panose="020B0604030504040204" pitchFamily="34" charset="0"/>
+                <a:hlinkClick r:id="rId22"/>
+              </a:rPr>
+              <a:t>here</a:t>
+            </a:r>
+            <a:endParaRPr lang="en-MY" sz="1600" dirty="0">
               <a:solidFill>
                 <a:schemeClr val="tx1">
                   <a:lumMod val="85000"/>
@@ -6930,7 +6944,7 @@
           <p:nvPr/>
         </p:nvPicPr>
         <p:blipFill>
-          <a:blip r:embed="rId22">
+          <a:blip r:embed="rId23">
             <a:clrChange>
               <a:clrFrom>
                 <a:srgbClr val="FFFFFF"/>
@@ -7087,44 +7101,6 @@
               <a:ea typeface="Verdana" panose="020B0604030504040204" pitchFamily="34" charset="0"/>
               <a:cs typeface="Aharoni" panose="02010803020104030203" pitchFamily="2" charset="-79"/>
             </a:endParaRPr>
-          </a:p>
-        </p:txBody>
-      </p:sp>
-      <p:sp>
-        <p:nvSpPr>
-          <p:cNvPr id="9" name="TextBox 8">
-            <a:extLst>
-              <a:ext uri="{FF2B5EF4-FFF2-40B4-BE49-F238E27FC236}">
-                <a16:creationId xmlns:a16="http://schemas.microsoft.com/office/drawing/2014/main" id="{A8A65CD6-2BFD-CDB9-9F0C-C86FEECD4978}"/>
-              </a:ext>
-            </a:extLst>
-          </p:cNvPr>
-          <p:cNvSpPr txBox="1"/>
-          <p:nvPr/>
-        </p:nvSpPr>
-        <p:spPr>
-          <a:xfrm>
-            <a:off x="14895850" y="19357588"/>
-            <a:ext cx="614464" cy="369332"/>
-          </a:xfrm>
-          <a:prstGeom prst="rect">
-            <a:avLst/>
-          </a:prstGeom>
-          <a:noFill/>
-        </p:spPr>
-        <p:txBody>
-          <a:bodyPr wrap="none" rtlCol="0">
-            <a:spAutoFit/>
-          </a:bodyPr>
-          <a:lstStyle/>
-          <a:p>
-            <a:r>
-              <a:rPr lang="en-MY" dirty="0">
-                <a:hlinkClick r:id="rId23"/>
-              </a:rPr>
-              <a:t>here</a:t>
-            </a:r>
-            <a:endParaRPr lang="en-MY" dirty="0"/>
           </a:p>
         </p:txBody>
       </p:sp>

--- a/blood_donation.pptx
+++ b/blood_donation.pptx
@@ -3492,10 +3492,10 @@
       </p:grpSpPr>
       <p:sp>
         <p:nvSpPr>
-          <p:cNvPr id="4" name="Rectangle: Rounded Corners 3">
+          <p:cNvPr id="3" name="Rectangle 2">
             <a:extLst>
               <a:ext uri="{FF2B5EF4-FFF2-40B4-BE49-F238E27FC236}">
-                <a16:creationId xmlns:a16="http://schemas.microsoft.com/office/drawing/2014/main" id="{CEB5A4C4-F97B-A9D4-0BB2-B16C92971F49}"/>
+                <a16:creationId xmlns:a16="http://schemas.microsoft.com/office/drawing/2014/main" id="{D37B9BFA-281A-0A01-81CC-B8ABF447B7D5}"/>
               </a:ext>
             </a:extLst>
           </p:cNvPr>
@@ -3504,23 +3504,19 @@
         </p:nvSpPr>
         <p:spPr>
           <a:xfrm>
-            <a:off x="10845786" y="8351291"/>
-            <a:ext cx="8698524" cy="3560875"/>
-          </a:xfrm>
-          <a:prstGeom prst="roundRect">
-            <a:avLst/>
-          </a:prstGeom>
-          <a:gradFill>
-            <a:gsLst>
-              <a:gs pos="0">
-                <a:srgbClr val="000428"/>
-              </a:gs>
-              <a:gs pos="100000">
-                <a:srgbClr val="004E92"/>
-              </a:gs>
-            </a:gsLst>
-            <a:lin ang="5400000" scaled="0"/>
-          </a:gradFill>
+            <a:off x="12256775" y="19039393"/>
+            <a:ext cx="5798598" cy="773752"/>
+          </a:xfrm>
+          <a:prstGeom prst="rect">
+            <a:avLst/>
+          </a:prstGeom>
+          <a:solidFill>
+            <a:schemeClr val="tx1">
+              <a:lumMod val="50000"/>
+              <a:lumOff val="50000"/>
+              <a:alpha val="50196"/>
+            </a:schemeClr>
+          </a:solidFill>
           <a:ln>
             <a:noFill/>
           </a:ln>
@@ -3546,233 +3542,16 @@
           <a:lstStyle/>
           <a:p>
             <a:pPr algn="ctr"/>
-            <a:endParaRPr lang="en-MY" dirty="0"/>
-          </a:p>
-        </p:txBody>
-      </p:sp>
-      <p:sp>
-        <p:nvSpPr>
-          <p:cNvPr id="7" name="TextBox 6">
+            <a:endParaRPr lang="en-MY"/>
+          </a:p>
+        </p:txBody>
+      </p:sp>
+      <p:sp>
+        <p:nvSpPr>
+          <p:cNvPr id="4" name="Rectangle: Rounded Corners 3">
             <a:extLst>
               <a:ext uri="{FF2B5EF4-FFF2-40B4-BE49-F238E27FC236}">
-                <a16:creationId xmlns:a16="http://schemas.microsoft.com/office/drawing/2014/main" id="{872879B8-3E4D-FA13-27F3-5E003EE812ED}"/>
-              </a:ext>
-            </a:extLst>
-          </p:cNvPr>
-          <p:cNvSpPr txBox="1"/>
-          <p:nvPr/>
-        </p:nvSpPr>
-        <p:spPr>
-          <a:xfrm>
-            <a:off x="10904401" y="9585376"/>
-            <a:ext cx="8639909" cy="584775"/>
-          </a:xfrm>
-          <a:prstGeom prst="rect">
-            <a:avLst/>
-          </a:prstGeom>
-          <a:noFill/>
-        </p:spPr>
-        <p:txBody>
-          <a:bodyPr wrap="square" rtlCol="0">
-            <a:spAutoFit/>
-          </a:bodyPr>
-          <a:lstStyle/>
-          <a:p>
-            <a:pPr algn="ctr"/>
-            <a:r>
-              <a:rPr lang="en-US" sz="3200" b="1" dirty="0">
-                <a:solidFill>
-                  <a:schemeClr val="bg1"/>
-                </a:solidFill>
-                <a:latin typeface="Verdana" panose="020B0604030504040204" pitchFamily="34" charset="0"/>
-                <a:ea typeface="Verdana" panose="020B0604030504040204" pitchFamily="34" charset="0"/>
-              </a:rPr>
-              <a:t>MALAYSIA</a:t>
-            </a:r>
-            <a:endParaRPr lang="en-MY" sz="3200" b="1" dirty="0">
-              <a:solidFill>
-                <a:schemeClr val="bg1"/>
-              </a:solidFill>
-              <a:latin typeface="Verdana" panose="020B0604030504040204" pitchFamily="34" charset="0"/>
-              <a:ea typeface="Verdana" panose="020B0604030504040204" pitchFamily="34" charset="0"/>
-            </a:endParaRPr>
-          </a:p>
-        </p:txBody>
-      </p:sp>
-      <p:sp>
-        <p:nvSpPr>
-          <p:cNvPr id="13" name="TextBox 12">
-            <a:extLst>
-              <a:ext uri="{FF2B5EF4-FFF2-40B4-BE49-F238E27FC236}">
-                <a16:creationId xmlns:a16="http://schemas.microsoft.com/office/drawing/2014/main" id="{D7D15012-E428-F0B6-6E3E-D57F16E7D0C1}"/>
-              </a:ext>
-            </a:extLst>
-          </p:cNvPr>
-          <p:cNvSpPr txBox="1"/>
-          <p:nvPr/>
-        </p:nvSpPr>
-        <p:spPr>
-          <a:xfrm>
-            <a:off x="10869239" y="10275101"/>
-            <a:ext cx="8618834" cy="830997"/>
-          </a:xfrm>
-          <a:prstGeom prst="rect">
-            <a:avLst/>
-          </a:prstGeom>
-          <a:noFill/>
-        </p:spPr>
-        <p:txBody>
-          <a:bodyPr wrap="square" rtlCol="0">
-            <a:spAutoFit/>
-          </a:bodyPr>
-          <a:lstStyle/>
-          <a:p>
-            <a:pPr algn="ctr"/>
-            <a:r>
-              <a:rPr lang="en-US" sz="4800" b="1" dirty="0" err="1">
-                <a:solidFill>
-                  <a:schemeClr val="bg1"/>
-                </a:solidFill>
-                <a:latin typeface="Verdana" panose="020B0604030504040204" pitchFamily="34" charset="0"/>
-                <a:ea typeface="Verdana" panose="020B0604030504040204" pitchFamily="34" charset="0"/>
-              </a:rPr>
-              <a:t>malaysia</a:t>
-            </a:r>
-            <a:endParaRPr lang="en-MY" sz="4800" b="1" dirty="0">
-              <a:solidFill>
-                <a:schemeClr val="bg1"/>
-              </a:solidFill>
-              <a:latin typeface="Verdana" panose="020B0604030504040204" pitchFamily="34" charset="0"/>
-              <a:ea typeface="Verdana" panose="020B0604030504040204" pitchFamily="34" charset="0"/>
-            </a:endParaRPr>
-          </a:p>
-        </p:txBody>
-      </p:sp>
-      <p:sp>
-        <p:nvSpPr>
-          <p:cNvPr id="58" name="TextBox 57">
-            <a:extLst>
-              <a:ext uri="{FF2B5EF4-FFF2-40B4-BE49-F238E27FC236}">
-                <a16:creationId xmlns:a16="http://schemas.microsoft.com/office/drawing/2014/main" id="{68AD2F2E-1DF3-FE12-A288-90276DF6DFB4}"/>
-              </a:ext>
-            </a:extLst>
-          </p:cNvPr>
-          <p:cNvSpPr txBox="1"/>
-          <p:nvPr/>
-        </p:nvSpPr>
-        <p:spPr>
-          <a:xfrm>
-            <a:off x="1486484" y="1294218"/>
-            <a:ext cx="23456484" cy="1107996"/>
-          </a:xfrm>
-          <a:prstGeom prst="rect">
-            <a:avLst/>
-          </a:prstGeom>
-          <a:noFill/>
-        </p:spPr>
-        <p:txBody>
-          <a:bodyPr wrap="square" rtlCol="0">
-            <a:spAutoFit/>
-          </a:bodyPr>
-          <a:lstStyle/>
-          <a:p>
-            <a:r>
-              <a:rPr lang="en-US" sz="6600" b="1" dirty="0">
-                <a:latin typeface="Aharoni" panose="02010803020104030203" pitchFamily="2" charset="-79"/>
-                <a:ea typeface="Verdana" panose="020B0604030504040204" pitchFamily="34" charset="0"/>
-                <a:cs typeface="Aharoni" panose="02010803020104030203" pitchFamily="2" charset="-79"/>
-              </a:rPr>
-              <a:t>Malaysia Blood Donation Daily Updates </a:t>
-            </a:r>
-            <a:r>
-              <a:rPr lang="en-US" sz="6600" b="1" dirty="0">
-                <a:latin typeface="Verdana" panose="020B0604030504040204" pitchFamily="34" charset="0"/>
-                <a:ea typeface="Verdana" panose="020B0604030504040204" pitchFamily="34" charset="0"/>
-                <a:cs typeface="Aharoni" panose="02010803020104030203" pitchFamily="2" charset="-79"/>
-              </a:rPr>
-              <a:t>(2024)</a:t>
-            </a:r>
-            <a:endParaRPr lang="en-MY" sz="6600" b="1" dirty="0">
-              <a:latin typeface="Verdana" panose="020B0604030504040204" pitchFamily="34" charset="0"/>
-              <a:ea typeface="Verdana" panose="020B0604030504040204" pitchFamily="34" charset="0"/>
-              <a:cs typeface="Aharoni" panose="02010803020104030203" pitchFamily="2" charset="-79"/>
-            </a:endParaRPr>
-          </a:p>
-        </p:txBody>
-      </p:sp>
-      <p:sp>
-        <p:nvSpPr>
-          <p:cNvPr id="18" name="TextBox 17">
-            <a:extLst>
-              <a:ext uri="{FF2B5EF4-FFF2-40B4-BE49-F238E27FC236}">
-                <a16:creationId xmlns:a16="http://schemas.microsoft.com/office/drawing/2014/main" id="{943B740D-D5FC-F072-84EB-EB8476A0F743}"/>
-              </a:ext>
-            </a:extLst>
-          </p:cNvPr>
-          <p:cNvSpPr txBox="1"/>
-          <p:nvPr/>
-        </p:nvSpPr>
-        <p:spPr>
-          <a:xfrm>
-            <a:off x="1568633" y="2694714"/>
-            <a:ext cx="3142244" cy="399981"/>
-          </a:xfrm>
-          <a:prstGeom prst="rect">
-            <a:avLst/>
-          </a:prstGeom>
-          <a:noFill/>
-        </p:spPr>
-        <p:txBody>
-          <a:bodyPr wrap="square" rtlCol="0">
-            <a:spAutoFit/>
-          </a:bodyPr>
-          <a:lstStyle/>
-          <a:p>
-            <a:r>
-              <a:rPr lang="en-US" sz="1999" dirty="0">
-                <a:solidFill>
-                  <a:schemeClr val="tx1">
-                    <a:lumMod val="85000"/>
-                    <a:lumOff val="15000"/>
-                  </a:schemeClr>
-                </a:solidFill>
-                <a:latin typeface="Verdana" panose="020B0604030504040204" pitchFamily="34" charset="0"/>
-                <a:ea typeface="Verdana" panose="020B0604030504040204" pitchFamily="34" charset="0"/>
-              </a:rPr>
-              <a:t>Data as of </a:t>
-            </a:r>
-            <a:r>
-              <a:rPr lang="en-US" sz="1999" dirty="0" err="1">
-                <a:solidFill>
-                  <a:schemeClr val="tx1">
-                    <a:lumMod val="85000"/>
-                    <a:lumOff val="15000"/>
-                  </a:schemeClr>
-                </a:solidFill>
-                <a:latin typeface="Verdana" panose="020B0604030504040204" pitchFamily="34" charset="0"/>
-                <a:ea typeface="Verdana" panose="020B0604030504040204" pitchFamily="34" charset="0"/>
-              </a:rPr>
-              <a:t>max_date</a:t>
-            </a:r>
-            <a:endParaRPr lang="en-MY" sz="1999" dirty="0">
-              <a:solidFill>
-                <a:schemeClr val="tx1">
-                  <a:lumMod val="85000"/>
-                  <a:lumOff val="15000"/>
-                </a:schemeClr>
-              </a:solidFill>
-              <a:latin typeface="Verdana" panose="020B0604030504040204" pitchFamily="34" charset="0"/>
-              <a:ea typeface="Verdana" panose="020B0604030504040204" pitchFamily="34" charset="0"/>
-            </a:endParaRPr>
-          </a:p>
-        </p:txBody>
-      </p:sp>
-      <p:sp>
-        <p:nvSpPr>
-          <p:cNvPr id="53" name="Rectangle: Rounded Corners 52">
-            <a:extLst>
-              <a:ext uri="{FF2B5EF4-FFF2-40B4-BE49-F238E27FC236}">
-                <a16:creationId xmlns:a16="http://schemas.microsoft.com/office/drawing/2014/main" id="{3DC6C831-7E36-21D2-FF3F-C9615FC73127}"/>
+                <a16:creationId xmlns:a16="http://schemas.microsoft.com/office/drawing/2014/main" id="{CEB5A4C4-F97B-A9D4-0BB2-B16C92971F49}"/>
               </a:ext>
             </a:extLst>
           </p:cNvPr>
@@ -3781,15 +3560,23 @@
         </p:nvSpPr>
         <p:spPr>
           <a:xfrm>
-            <a:off x="3667126" y="10450923"/>
-            <a:ext cx="4994033" cy="2133496"/>
+            <a:off x="10845786" y="8351291"/>
+            <a:ext cx="8698524" cy="3560875"/>
           </a:xfrm>
           <a:prstGeom prst="roundRect">
             <a:avLst/>
           </a:prstGeom>
-          <a:solidFill>
-            <a:schemeClr val="bg1"/>
-          </a:solidFill>
+          <a:gradFill>
+            <a:gsLst>
+              <a:gs pos="0">
+                <a:srgbClr val="000428"/>
+              </a:gs>
+              <a:gs pos="100000">
+                <a:srgbClr val="004E92"/>
+              </a:gs>
+            </a:gsLst>
+            <a:lin ang="5400000" scaled="0"/>
+          </a:gradFill>
           <a:ln>
             <a:noFill/>
           </a:ln>
@@ -3815,16 +3602,233 @@
           <a:lstStyle/>
           <a:p>
             <a:pPr algn="ctr"/>
-            <a:endParaRPr lang="en-MY"/>
-          </a:p>
-        </p:txBody>
-      </p:sp>
-      <p:sp>
-        <p:nvSpPr>
-          <p:cNvPr id="54" name="Rectangle: Rounded Corners 53">
+            <a:endParaRPr lang="en-MY" dirty="0"/>
+          </a:p>
+        </p:txBody>
+      </p:sp>
+      <p:sp>
+        <p:nvSpPr>
+          <p:cNvPr id="7" name="TextBox 6">
             <a:extLst>
               <a:ext uri="{FF2B5EF4-FFF2-40B4-BE49-F238E27FC236}">
-                <a16:creationId xmlns:a16="http://schemas.microsoft.com/office/drawing/2014/main" id="{56D038EE-A559-BDA8-FA6A-6B2A89BD672C}"/>
+                <a16:creationId xmlns:a16="http://schemas.microsoft.com/office/drawing/2014/main" id="{872879B8-3E4D-FA13-27F3-5E003EE812ED}"/>
+              </a:ext>
+            </a:extLst>
+          </p:cNvPr>
+          <p:cNvSpPr txBox="1"/>
+          <p:nvPr/>
+        </p:nvSpPr>
+        <p:spPr>
+          <a:xfrm>
+            <a:off x="10904401" y="9585376"/>
+            <a:ext cx="8639909" cy="584775"/>
+          </a:xfrm>
+          <a:prstGeom prst="rect">
+            <a:avLst/>
+          </a:prstGeom>
+          <a:noFill/>
+        </p:spPr>
+        <p:txBody>
+          <a:bodyPr wrap="square" rtlCol="0">
+            <a:spAutoFit/>
+          </a:bodyPr>
+          <a:lstStyle/>
+          <a:p>
+            <a:pPr algn="ctr"/>
+            <a:r>
+              <a:rPr lang="en-US" sz="3200" b="1" dirty="0">
+                <a:solidFill>
+                  <a:schemeClr val="bg1"/>
+                </a:solidFill>
+                <a:latin typeface="Verdana" panose="020B0604030504040204" pitchFamily="34" charset="0"/>
+                <a:ea typeface="Verdana" panose="020B0604030504040204" pitchFamily="34" charset="0"/>
+              </a:rPr>
+              <a:t>MALAYSIA</a:t>
+            </a:r>
+            <a:endParaRPr lang="en-MY" sz="3200" b="1" dirty="0">
+              <a:solidFill>
+                <a:schemeClr val="bg1"/>
+              </a:solidFill>
+              <a:latin typeface="Verdana" panose="020B0604030504040204" pitchFamily="34" charset="0"/>
+              <a:ea typeface="Verdana" panose="020B0604030504040204" pitchFamily="34" charset="0"/>
+            </a:endParaRPr>
+          </a:p>
+        </p:txBody>
+      </p:sp>
+      <p:sp>
+        <p:nvSpPr>
+          <p:cNvPr id="13" name="TextBox 12">
+            <a:extLst>
+              <a:ext uri="{FF2B5EF4-FFF2-40B4-BE49-F238E27FC236}">
+                <a16:creationId xmlns:a16="http://schemas.microsoft.com/office/drawing/2014/main" id="{D7D15012-E428-F0B6-6E3E-D57F16E7D0C1}"/>
+              </a:ext>
+            </a:extLst>
+          </p:cNvPr>
+          <p:cNvSpPr txBox="1"/>
+          <p:nvPr/>
+        </p:nvSpPr>
+        <p:spPr>
+          <a:xfrm>
+            <a:off x="10869239" y="10275101"/>
+            <a:ext cx="8618834" cy="830997"/>
+          </a:xfrm>
+          <a:prstGeom prst="rect">
+            <a:avLst/>
+          </a:prstGeom>
+          <a:noFill/>
+        </p:spPr>
+        <p:txBody>
+          <a:bodyPr wrap="square" rtlCol="0">
+            <a:spAutoFit/>
+          </a:bodyPr>
+          <a:lstStyle/>
+          <a:p>
+            <a:pPr algn="ctr"/>
+            <a:r>
+              <a:rPr lang="en-US" sz="4800" b="1" dirty="0" err="1">
+                <a:solidFill>
+                  <a:schemeClr val="bg1"/>
+                </a:solidFill>
+                <a:latin typeface="Verdana" panose="020B0604030504040204" pitchFamily="34" charset="0"/>
+                <a:ea typeface="Verdana" panose="020B0604030504040204" pitchFamily="34" charset="0"/>
+              </a:rPr>
+              <a:t>malaysia</a:t>
+            </a:r>
+            <a:endParaRPr lang="en-MY" sz="4800" b="1" dirty="0">
+              <a:solidFill>
+                <a:schemeClr val="bg1"/>
+              </a:solidFill>
+              <a:latin typeface="Verdana" panose="020B0604030504040204" pitchFamily="34" charset="0"/>
+              <a:ea typeface="Verdana" panose="020B0604030504040204" pitchFamily="34" charset="0"/>
+            </a:endParaRPr>
+          </a:p>
+        </p:txBody>
+      </p:sp>
+      <p:sp>
+        <p:nvSpPr>
+          <p:cNvPr id="58" name="TextBox 57">
+            <a:extLst>
+              <a:ext uri="{FF2B5EF4-FFF2-40B4-BE49-F238E27FC236}">
+                <a16:creationId xmlns:a16="http://schemas.microsoft.com/office/drawing/2014/main" id="{68AD2F2E-1DF3-FE12-A288-90276DF6DFB4}"/>
+              </a:ext>
+            </a:extLst>
+          </p:cNvPr>
+          <p:cNvSpPr txBox="1"/>
+          <p:nvPr/>
+        </p:nvSpPr>
+        <p:spPr>
+          <a:xfrm>
+            <a:off x="1486484" y="1294218"/>
+            <a:ext cx="23456484" cy="1107996"/>
+          </a:xfrm>
+          <a:prstGeom prst="rect">
+            <a:avLst/>
+          </a:prstGeom>
+          <a:noFill/>
+        </p:spPr>
+        <p:txBody>
+          <a:bodyPr wrap="square" rtlCol="0">
+            <a:spAutoFit/>
+          </a:bodyPr>
+          <a:lstStyle/>
+          <a:p>
+            <a:r>
+              <a:rPr lang="en-US" sz="6600" b="1" dirty="0">
+                <a:latin typeface="Aharoni" panose="02010803020104030203" pitchFamily="2" charset="-79"/>
+                <a:ea typeface="Verdana" panose="020B0604030504040204" pitchFamily="34" charset="0"/>
+                <a:cs typeface="Aharoni" panose="02010803020104030203" pitchFamily="2" charset="-79"/>
+              </a:rPr>
+              <a:t>Malaysia Blood Donation Daily Updates </a:t>
+            </a:r>
+            <a:r>
+              <a:rPr lang="en-US" sz="6600" b="1" dirty="0">
+                <a:latin typeface="Verdana" panose="020B0604030504040204" pitchFamily="34" charset="0"/>
+                <a:ea typeface="Verdana" panose="020B0604030504040204" pitchFamily="34" charset="0"/>
+                <a:cs typeface="Aharoni" panose="02010803020104030203" pitchFamily="2" charset="-79"/>
+              </a:rPr>
+              <a:t>(2024)</a:t>
+            </a:r>
+            <a:endParaRPr lang="en-MY" sz="6600" b="1" dirty="0">
+              <a:latin typeface="Verdana" panose="020B0604030504040204" pitchFamily="34" charset="0"/>
+              <a:ea typeface="Verdana" panose="020B0604030504040204" pitchFamily="34" charset="0"/>
+              <a:cs typeface="Aharoni" panose="02010803020104030203" pitchFamily="2" charset="-79"/>
+            </a:endParaRPr>
+          </a:p>
+        </p:txBody>
+      </p:sp>
+      <p:sp>
+        <p:nvSpPr>
+          <p:cNvPr id="18" name="TextBox 17">
+            <a:extLst>
+              <a:ext uri="{FF2B5EF4-FFF2-40B4-BE49-F238E27FC236}">
+                <a16:creationId xmlns:a16="http://schemas.microsoft.com/office/drawing/2014/main" id="{943B740D-D5FC-F072-84EB-EB8476A0F743}"/>
+              </a:ext>
+            </a:extLst>
+          </p:cNvPr>
+          <p:cNvSpPr txBox="1"/>
+          <p:nvPr/>
+        </p:nvSpPr>
+        <p:spPr>
+          <a:xfrm>
+            <a:off x="1568633" y="2694714"/>
+            <a:ext cx="3142244" cy="399981"/>
+          </a:xfrm>
+          <a:prstGeom prst="rect">
+            <a:avLst/>
+          </a:prstGeom>
+          <a:noFill/>
+        </p:spPr>
+        <p:txBody>
+          <a:bodyPr wrap="square" rtlCol="0">
+            <a:spAutoFit/>
+          </a:bodyPr>
+          <a:lstStyle/>
+          <a:p>
+            <a:r>
+              <a:rPr lang="en-US" sz="1999" dirty="0">
+                <a:solidFill>
+                  <a:schemeClr val="tx1">
+                    <a:lumMod val="85000"/>
+                    <a:lumOff val="15000"/>
+                  </a:schemeClr>
+                </a:solidFill>
+                <a:latin typeface="Verdana" panose="020B0604030504040204" pitchFamily="34" charset="0"/>
+                <a:ea typeface="Verdana" panose="020B0604030504040204" pitchFamily="34" charset="0"/>
+              </a:rPr>
+              <a:t>Data as of </a:t>
+            </a:r>
+            <a:r>
+              <a:rPr lang="en-US" sz="1999" dirty="0" err="1">
+                <a:solidFill>
+                  <a:schemeClr val="tx1">
+                    <a:lumMod val="85000"/>
+                    <a:lumOff val="15000"/>
+                  </a:schemeClr>
+                </a:solidFill>
+                <a:latin typeface="Verdana" panose="020B0604030504040204" pitchFamily="34" charset="0"/>
+                <a:ea typeface="Verdana" panose="020B0604030504040204" pitchFamily="34" charset="0"/>
+              </a:rPr>
+              <a:t>max_date</a:t>
+            </a:r>
+            <a:endParaRPr lang="en-MY" sz="1999" dirty="0">
+              <a:solidFill>
+                <a:schemeClr val="tx1">
+                  <a:lumMod val="85000"/>
+                  <a:lumOff val="15000"/>
+                </a:schemeClr>
+              </a:solidFill>
+              <a:latin typeface="Verdana" panose="020B0604030504040204" pitchFamily="34" charset="0"/>
+              <a:ea typeface="Verdana" panose="020B0604030504040204" pitchFamily="34" charset="0"/>
+            </a:endParaRPr>
+          </a:p>
+        </p:txBody>
+      </p:sp>
+      <p:sp>
+        <p:nvSpPr>
+          <p:cNvPr id="53" name="Rectangle: Rounded Corners 52">
+            <a:extLst>
+              <a:ext uri="{FF2B5EF4-FFF2-40B4-BE49-F238E27FC236}">
+                <a16:creationId xmlns:a16="http://schemas.microsoft.com/office/drawing/2014/main" id="{3DC6C831-7E36-21D2-FF3F-C9615FC73127}"/>
               </a:ext>
             </a:extLst>
           </p:cNvPr>
@@ -3833,24 +3837,15 @@
         </p:nvSpPr>
         <p:spPr>
           <a:xfrm>
-            <a:off x="1498355" y="10439200"/>
-            <a:ext cx="2860433" cy="2156942"/>
+            <a:off x="3667126" y="10450923"/>
+            <a:ext cx="4994033" cy="2133496"/>
           </a:xfrm>
           <a:prstGeom prst="roundRect">
             <a:avLst/>
           </a:prstGeom>
-          <a:blipFill>
-            <a:blip r:embed="rId4">
-              <a:extLst>
-                <a:ext uri="{28A0092B-C50C-407E-A947-70E740481C1C}">
-                  <a14:useLocalDpi xmlns:a14="http://schemas.microsoft.com/office/drawing/2010/main" val="0"/>
-                </a:ext>
-              </a:extLst>
-            </a:blip>
-            <a:stretch>
-              <a:fillRect/>
-            </a:stretch>
-          </a:blipFill>
+          <a:solidFill>
+            <a:schemeClr val="bg1"/>
+          </a:solidFill>
           <a:ln>
             <a:noFill/>
           </a:ln>
@@ -3882,98 +3877,10 @@
       </p:sp>
       <p:sp>
         <p:nvSpPr>
-          <p:cNvPr id="55" name="TextBox 54">
+          <p:cNvPr id="54" name="Rectangle: Rounded Corners 53">
             <a:extLst>
               <a:ext uri="{FF2B5EF4-FFF2-40B4-BE49-F238E27FC236}">
-                <a16:creationId xmlns:a16="http://schemas.microsoft.com/office/drawing/2014/main" id="{768394AB-57EA-680B-1D38-A74B236AC77D}"/>
-              </a:ext>
-            </a:extLst>
-          </p:cNvPr>
-          <p:cNvSpPr txBox="1"/>
-          <p:nvPr/>
-        </p:nvSpPr>
-        <p:spPr>
-          <a:xfrm>
-            <a:off x="4288453" y="10570018"/>
-            <a:ext cx="4337685" cy="584775"/>
-          </a:xfrm>
-          <a:prstGeom prst="rect">
-            <a:avLst/>
-          </a:prstGeom>
-          <a:noFill/>
-        </p:spPr>
-        <p:txBody>
-          <a:bodyPr wrap="square" rtlCol="0">
-            <a:spAutoFit/>
-          </a:bodyPr>
-          <a:lstStyle/>
-          <a:p>
-            <a:pPr algn="ctr"/>
-            <a:r>
-              <a:rPr lang="en-US" sz="3200" b="1" dirty="0">
-                <a:latin typeface="Aharoni" panose="02010803020104030203" pitchFamily="2" charset="-79"/>
-                <a:ea typeface="Verdana" panose="020B0604030504040204" pitchFamily="34" charset="0"/>
-                <a:cs typeface="Aharoni" panose="02010803020104030203" pitchFamily="2" charset="-79"/>
-              </a:rPr>
-              <a:t>KEDAH</a:t>
-            </a:r>
-            <a:endParaRPr lang="en-MY" sz="3200" b="1" dirty="0">
-              <a:latin typeface="Aharoni" panose="02010803020104030203" pitchFamily="2" charset="-79"/>
-              <a:ea typeface="Verdana" panose="020B0604030504040204" pitchFamily="34" charset="0"/>
-              <a:cs typeface="Aharoni" panose="02010803020104030203" pitchFamily="2" charset="-79"/>
-            </a:endParaRPr>
-          </a:p>
-        </p:txBody>
-      </p:sp>
-      <p:sp>
-        <p:nvSpPr>
-          <p:cNvPr id="56" name="TextBox 55">
-            <a:extLst>
-              <a:ext uri="{FF2B5EF4-FFF2-40B4-BE49-F238E27FC236}">
-                <a16:creationId xmlns:a16="http://schemas.microsoft.com/office/drawing/2014/main" id="{286BE749-2E94-F112-32F9-D848988AF7D1}"/>
-              </a:ext>
-            </a:extLst>
-          </p:cNvPr>
-          <p:cNvSpPr txBox="1"/>
-          <p:nvPr/>
-        </p:nvSpPr>
-        <p:spPr>
-          <a:xfrm>
-            <a:off x="4323475" y="11109213"/>
-            <a:ext cx="4337685" cy="830997"/>
-          </a:xfrm>
-          <a:prstGeom prst="rect">
-            <a:avLst/>
-          </a:prstGeom>
-          <a:noFill/>
-        </p:spPr>
-        <p:txBody>
-          <a:bodyPr wrap="square" rtlCol="0">
-            <a:spAutoFit/>
-          </a:bodyPr>
-          <a:lstStyle/>
-          <a:p>
-            <a:pPr algn="ctr"/>
-            <a:r>
-              <a:rPr lang="en-US" sz="4800" b="1" dirty="0" err="1">
-                <a:latin typeface="Verdana" panose="020B0604030504040204" pitchFamily="34" charset="0"/>
-                <a:ea typeface="Verdana" panose="020B0604030504040204" pitchFamily="34" charset="0"/>
-              </a:rPr>
-              <a:t>kedah</a:t>
-            </a:r>
-            <a:endParaRPr lang="en-MY" sz="4800" b="1" dirty="0">
-              <a:latin typeface="Verdana" panose="020B0604030504040204" pitchFamily="34" charset="0"/>
-              <a:ea typeface="Verdana" panose="020B0604030504040204" pitchFamily="34" charset="0"/>
-            </a:endParaRPr>
-          </a:p>
-        </p:txBody>
-      </p:sp>
-      <p:sp>
-        <p:nvSpPr>
-          <p:cNvPr id="57" name="Rectangle: Rounded Corners 56">
-            <a:extLst>
-              <a:ext uri="{FF2B5EF4-FFF2-40B4-BE49-F238E27FC236}">
-                <a16:creationId xmlns:a16="http://schemas.microsoft.com/office/drawing/2014/main" id="{9DB4D0E2-A367-9E16-81FC-FEB30ED4D165}"/>
+                <a16:creationId xmlns:a16="http://schemas.microsoft.com/office/drawing/2014/main" id="{56D038EE-A559-BDA8-FA6A-6B2A89BD672C}"/>
               </a:ext>
             </a:extLst>
           </p:cNvPr>
@@ -3982,15 +3889,24 @@
         </p:nvSpPr>
         <p:spPr>
           <a:xfrm>
-            <a:off x="3690574" y="21976553"/>
-            <a:ext cx="4994033" cy="2133496"/>
+            <a:off x="1498355" y="10439200"/>
+            <a:ext cx="2860433" cy="2156942"/>
           </a:xfrm>
           <a:prstGeom prst="roundRect">
             <a:avLst/>
           </a:prstGeom>
-          <a:solidFill>
-            <a:schemeClr val="bg1"/>
-          </a:solidFill>
+          <a:blipFill>
+            <a:blip r:embed="rId4">
+              <a:extLst>
+                <a:ext uri="{28A0092B-C50C-407E-A947-70E740481C1C}">
+                  <a14:useLocalDpi xmlns:a14="http://schemas.microsoft.com/office/drawing/2010/main" val="0"/>
+                </a:ext>
+              </a:extLst>
+            </a:blip>
+            <a:stretch>
+              <a:fillRect/>
+            </a:stretch>
+          </a:blipFill>
           <a:ln>
             <a:noFill/>
           </a:ln>
@@ -4022,6 +3938,146 @@
       </p:sp>
       <p:sp>
         <p:nvSpPr>
+          <p:cNvPr id="55" name="TextBox 54">
+            <a:extLst>
+              <a:ext uri="{FF2B5EF4-FFF2-40B4-BE49-F238E27FC236}">
+                <a16:creationId xmlns:a16="http://schemas.microsoft.com/office/drawing/2014/main" id="{768394AB-57EA-680B-1D38-A74B236AC77D}"/>
+              </a:ext>
+            </a:extLst>
+          </p:cNvPr>
+          <p:cNvSpPr txBox="1"/>
+          <p:nvPr/>
+        </p:nvSpPr>
+        <p:spPr>
+          <a:xfrm>
+            <a:off x="4288453" y="10570018"/>
+            <a:ext cx="4337685" cy="584775"/>
+          </a:xfrm>
+          <a:prstGeom prst="rect">
+            <a:avLst/>
+          </a:prstGeom>
+          <a:noFill/>
+        </p:spPr>
+        <p:txBody>
+          <a:bodyPr wrap="square" rtlCol="0">
+            <a:spAutoFit/>
+          </a:bodyPr>
+          <a:lstStyle/>
+          <a:p>
+            <a:pPr algn="ctr"/>
+            <a:r>
+              <a:rPr lang="en-US" sz="3200" b="1" dirty="0">
+                <a:latin typeface="Aharoni" panose="02010803020104030203" pitchFamily="2" charset="-79"/>
+                <a:ea typeface="Verdana" panose="020B0604030504040204" pitchFamily="34" charset="0"/>
+                <a:cs typeface="Aharoni" panose="02010803020104030203" pitchFamily="2" charset="-79"/>
+              </a:rPr>
+              <a:t>KEDAH</a:t>
+            </a:r>
+            <a:endParaRPr lang="en-MY" sz="3200" b="1" dirty="0">
+              <a:latin typeface="Aharoni" panose="02010803020104030203" pitchFamily="2" charset="-79"/>
+              <a:ea typeface="Verdana" panose="020B0604030504040204" pitchFamily="34" charset="0"/>
+              <a:cs typeface="Aharoni" panose="02010803020104030203" pitchFamily="2" charset="-79"/>
+            </a:endParaRPr>
+          </a:p>
+        </p:txBody>
+      </p:sp>
+      <p:sp>
+        <p:nvSpPr>
+          <p:cNvPr id="56" name="TextBox 55">
+            <a:extLst>
+              <a:ext uri="{FF2B5EF4-FFF2-40B4-BE49-F238E27FC236}">
+                <a16:creationId xmlns:a16="http://schemas.microsoft.com/office/drawing/2014/main" id="{286BE749-2E94-F112-32F9-D848988AF7D1}"/>
+              </a:ext>
+            </a:extLst>
+          </p:cNvPr>
+          <p:cNvSpPr txBox="1"/>
+          <p:nvPr/>
+        </p:nvSpPr>
+        <p:spPr>
+          <a:xfrm>
+            <a:off x="4323475" y="11109213"/>
+            <a:ext cx="4337685" cy="830997"/>
+          </a:xfrm>
+          <a:prstGeom prst="rect">
+            <a:avLst/>
+          </a:prstGeom>
+          <a:noFill/>
+        </p:spPr>
+        <p:txBody>
+          <a:bodyPr wrap="square" rtlCol="0">
+            <a:spAutoFit/>
+          </a:bodyPr>
+          <a:lstStyle/>
+          <a:p>
+            <a:pPr algn="ctr"/>
+            <a:r>
+              <a:rPr lang="en-US" sz="4800" b="1" dirty="0" err="1">
+                <a:latin typeface="Verdana" panose="020B0604030504040204" pitchFamily="34" charset="0"/>
+                <a:ea typeface="Verdana" panose="020B0604030504040204" pitchFamily="34" charset="0"/>
+              </a:rPr>
+              <a:t>kedah</a:t>
+            </a:r>
+            <a:endParaRPr lang="en-MY" sz="4800" b="1" dirty="0">
+              <a:latin typeface="Verdana" panose="020B0604030504040204" pitchFamily="34" charset="0"/>
+              <a:ea typeface="Verdana" panose="020B0604030504040204" pitchFamily="34" charset="0"/>
+            </a:endParaRPr>
+          </a:p>
+        </p:txBody>
+      </p:sp>
+      <p:sp>
+        <p:nvSpPr>
+          <p:cNvPr id="57" name="Rectangle: Rounded Corners 56">
+            <a:extLst>
+              <a:ext uri="{FF2B5EF4-FFF2-40B4-BE49-F238E27FC236}">
+                <a16:creationId xmlns:a16="http://schemas.microsoft.com/office/drawing/2014/main" id="{9DB4D0E2-A367-9E16-81FC-FEB30ED4D165}"/>
+              </a:ext>
+            </a:extLst>
+          </p:cNvPr>
+          <p:cNvSpPr/>
+          <p:nvPr/>
+        </p:nvSpPr>
+        <p:spPr>
+          <a:xfrm>
+            <a:off x="3690574" y="21976553"/>
+            <a:ext cx="4994033" cy="2133496"/>
+          </a:xfrm>
+          <a:prstGeom prst="roundRect">
+            <a:avLst/>
+          </a:prstGeom>
+          <a:solidFill>
+            <a:schemeClr val="bg1"/>
+          </a:solidFill>
+          <a:ln>
+            <a:noFill/>
+          </a:ln>
+        </p:spPr>
+        <p:style>
+          <a:lnRef idx="2">
+            <a:schemeClr val="accent1">
+              <a:shade val="15000"/>
+            </a:schemeClr>
+          </a:lnRef>
+          <a:fillRef idx="1">
+            <a:schemeClr val="accent1"/>
+          </a:fillRef>
+          <a:effectRef idx="0">
+            <a:schemeClr val="accent1"/>
+          </a:effectRef>
+          <a:fontRef idx="minor">
+            <a:schemeClr val="lt1"/>
+          </a:fontRef>
+        </p:style>
+        <p:txBody>
+          <a:bodyPr rtlCol="0" anchor="ctr"/>
+          <a:lstStyle/>
+          <a:p>
+            <a:pPr algn="ctr"/>
+            <a:endParaRPr lang="en-MY"/>
+          </a:p>
+        </p:txBody>
+      </p:sp>
+      <p:sp>
+        <p:nvSpPr>
           <p:cNvPr id="60" name="Rectangle: Rounded Corners 59">
             <a:extLst>
               <a:ext uri="{FF2B5EF4-FFF2-40B4-BE49-F238E27FC236}">
@@ -6816,8 +6872,8 @@
         </p:blipFill>
         <p:spPr>
           <a:xfrm>
-            <a:off x="12286715" y="19822926"/>
-            <a:ext cx="5715000" cy="5715000"/>
+            <a:off x="12256774" y="19822926"/>
+            <a:ext cx="5798598" cy="5798598"/>
           </a:xfrm>
           <a:prstGeom prst="rect">
             <a:avLst/>
@@ -6874,13 +6930,16 @@
         </p:nvSpPr>
         <p:spPr>
           <a:xfrm>
-            <a:off x="12268029" y="19458583"/>
-            <a:ext cx="5733686" cy="338554"/>
+            <a:off x="12279284" y="19275990"/>
+            <a:ext cx="5817557" cy="343506"/>
           </a:xfrm>
           <a:prstGeom prst="rect">
             <a:avLst/>
           </a:prstGeom>
           <a:noFill/>
+          <a:ln>
+            <a:noFill/>
+          </a:ln>
         </p:spPr>
         <p:txBody>
           <a:bodyPr wrap="square" rtlCol="0">
@@ -6897,8 +6956,9 @@
                     <a:lumOff val="15000"/>
                   </a:schemeClr>
                 </a:solidFill>
-                <a:latin typeface="Verdana" panose="020B0604030504040204" pitchFamily="34" charset="0"/>
+                <a:latin typeface="Aharoni" panose="02010803020104030203" pitchFamily="2" charset="-79"/>
                 <a:ea typeface="Verdana" panose="020B0604030504040204" pitchFamily="34" charset="0"/>
+                <a:cs typeface="Aharoni" panose="02010803020104030203" pitchFamily="2" charset="-79"/>
               </a:rPr>
               <a:t>Scan QR code below for more updates or click </a:t>
             </a:r>
@@ -6910,8 +6970,9 @@
                     <a:lumOff val="15000"/>
                   </a:schemeClr>
                 </a:solidFill>
-                <a:latin typeface="Verdana" panose="020B0604030504040204" pitchFamily="34" charset="0"/>
+                <a:latin typeface="Aharoni" panose="02010803020104030203" pitchFamily="2" charset="-79"/>
                 <a:ea typeface="Verdana" panose="020B0604030504040204" pitchFamily="34" charset="0"/>
+                <a:cs typeface="Aharoni" panose="02010803020104030203" pitchFamily="2" charset="-79"/>
                 <a:hlinkClick r:id="rId22"/>
               </a:rPr>
               <a:t>here</a:t>
@@ -6923,8 +6984,9 @@
                   <a:lumOff val="15000"/>
                 </a:schemeClr>
               </a:solidFill>
-              <a:latin typeface="Verdana" panose="020B0604030504040204" pitchFamily="34" charset="0"/>
+              <a:latin typeface="Aharoni" panose="02010803020104030203" pitchFamily="2" charset="-79"/>
               <a:ea typeface="Verdana" panose="020B0604030504040204" pitchFamily="34" charset="0"/>
+              <a:cs typeface="Aharoni" panose="02010803020104030203" pitchFamily="2" charset="-79"/>
             </a:endParaRPr>
           </a:p>
         </p:txBody>

--- a/blood_donation.pptx
+++ b/blood_donation.pptx
@@ -3560,8 +3560,8 @@
         </p:nvSpPr>
         <p:spPr>
           <a:xfrm>
-            <a:off x="10845786" y="8351291"/>
-            <a:ext cx="8698524" cy="3560875"/>
+            <a:off x="10822488" y="8351291"/>
+            <a:ext cx="8659774" cy="3560875"/>
           </a:xfrm>
           <a:prstGeom prst="roundRect">
             <a:avLst/>
@@ -3669,8 +3669,8 @@
         </p:nvSpPr>
         <p:spPr>
           <a:xfrm>
-            <a:off x="10869239" y="10275101"/>
-            <a:ext cx="8618834" cy="830997"/>
+            <a:off x="10822487" y="10275101"/>
+            <a:ext cx="8639909" cy="830997"/>
           </a:xfrm>
           <a:prstGeom prst="rect">
             <a:avLst/>
@@ -4198,7 +4198,7 @@
         <p:spPr>
           <a:xfrm>
             <a:off x="4311896" y="22634846"/>
-            <a:ext cx="4360984" cy="1569660"/>
+            <a:ext cx="4360984" cy="461665"/>
           </a:xfrm>
           <a:prstGeom prst="rect">
             <a:avLst/>
@@ -4213,20 +4213,20 @@
           <a:p>
             <a:pPr algn="ctr"/>
             <a:r>
-              <a:rPr lang="en-US" sz="4800" b="1" dirty="0" err="1">
+              <a:rPr lang="en-US" sz="2400" b="1" dirty="0" err="1">
                 <a:latin typeface="Verdana" panose="020B0604030504040204" pitchFamily="34" charset="0"/>
                 <a:ea typeface="Verdana" panose="020B0604030504040204" pitchFamily="34" charset="0"/>
               </a:rPr>
               <a:t>pulau</a:t>
             </a:r>
             <a:r>
-              <a:rPr lang="en-US" sz="4800" b="1" dirty="0">
+              <a:rPr lang="en-US" sz="2400" b="1" dirty="0">
                 <a:latin typeface="Verdana" panose="020B0604030504040204" pitchFamily="34" charset="0"/>
                 <a:ea typeface="Verdana" panose="020B0604030504040204" pitchFamily="34" charset="0"/>
               </a:rPr>
               <a:t> pinang</a:t>
             </a:r>
-            <a:endParaRPr lang="en-MY" sz="4800" b="1" dirty="0">
+            <a:endParaRPr lang="en-MY" sz="2400" b="1" dirty="0">
               <a:latin typeface="Verdana" panose="020B0604030504040204" pitchFamily="34" charset="0"/>
               <a:ea typeface="Verdana" panose="020B0604030504040204" pitchFamily="34" charset="0"/>
             </a:endParaRPr>
@@ -4683,7 +4683,7 @@
           <a:lstStyle/>
           <a:p>
             <a:pPr algn="ctr"/>
-            <a:endParaRPr lang="en-MY"/>
+            <a:endParaRPr lang="en-MY" dirty="0"/>
           </a:p>
         </p:txBody>
       </p:sp>
@@ -4745,7 +4745,7 @@
         <p:spPr>
           <a:xfrm>
             <a:off x="4346917" y="8239296"/>
-            <a:ext cx="4255769" cy="1569660"/>
+            <a:ext cx="4255769" cy="461665"/>
           </a:xfrm>
           <a:prstGeom prst="rect">
             <a:avLst/>
@@ -4760,27 +4760,27 @@
           <a:p>
             <a:pPr algn="ctr"/>
             <a:r>
-              <a:rPr lang="en-US" sz="4800" b="1" dirty="0" err="1">
+              <a:rPr lang="en-US" sz="2400" b="1" dirty="0" err="1">
                 <a:latin typeface="Verdana" panose="020B0604030504040204" pitchFamily="34" charset="0"/>
                 <a:ea typeface="Verdana" panose="020B0604030504040204" pitchFamily="34" charset="0"/>
               </a:rPr>
               <a:t>kuala</a:t>
             </a:r>
             <a:r>
-              <a:rPr lang="en-US" sz="4800" b="1" dirty="0">
+              <a:rPr lang="en-US" sz="2400" b="1" dirty="0">
                 <a:latin typeface="Verdana" panose="020B0604030504040204" pitchFamily="34" charset="0"/>
                 <a:ea typeface="Verdana" panose="020B0604030504040204" pitchFamily="34" charset="0"/>
               </a:rPr>
               <a:t> </a:t>
             </a:r>
             <a:r>
-              <a:rPr lang="en-US" sz="4800" b="1" dirty="0" err="1">
+              <a:rPr lang="en-US" sz="2400" b="1" dirty="0" err="1">
                 <a:latin typeface="Verdana" panose="020B0604030504040204" pitchFamily="34" charset="0"/>
                 <a:ea typeface="Verdana" panose="020B0604030504040204" pitchFamily="34" charset="0"/>
               </a:rPr>
               <a:t>lumpur</a:t>
             </a:r>
-            <a:endParaRPr lang="en-MY" sz="4800" b="1" dirty="0">
+            <a:endParaRPr lang="en-MY" sz="2400" b="1" dirty="0">
               <a:latin typeface="Verdana" panose="020B0604030504040204" pitchFamily="34" charset="0"/>
               <a:ea typeface="Verdana" panose="020B0604030504040204" pitchFamily="34" charset="0"/>
             </a:endParaRPr>
@@ -4870,14 +4870,16 @@
             <a:pPr algn="ctr"/>
             <a:r>
               <a:rPr lang="en-US" sz="3200" b="1" dirty="0">
-                <a:latin typeface="Verdana" panose="020B0604030504040204" pitchFamily="34" charset="0"/>
+                <a:latin typeface="Aharoni" panose="02010803020104030203" pitchFamily="2" charset="-79"/>
                 <a:ea typeface="Verdana" panose="020B0604030504040204" pitchFamily="34" charset="0"/>
+                <a:cs typeface="Aharoni" panose="02010803020104030203" pitchFamily="2" charset="-79"/>
               </a:rPr>
               <a:t>N. SEMBILAN</a:t>
             </a:r>
             <a:endParaRPr lang="en-MY" sz="3200" b="1" dirty="0">
-              <a:latin typeface="Verdana" panose="020B0604030504040204" pitchFamily="34" charset="0"/>
+              <a:latin typeface="Aharoni" panose="02010803020104030203" pitchFamily="2" charset="-79"/>
               <a:ea typeface="Verdana" panose="020B0604030504040204" pitchFamily="34" charset="0"/>
+              <a:cs typeface="Aharoni" panose="02010803020104030203" pitchFamily="2" charset="-79"/>
             </a:endParaRPr>
           </a:p>
         </p:txBody>
@@ -5400,8 +5402,8 @@
         </p:nvSpPr>
         <p:spPr>
           <a:xfrm>
-            <a:off x="25994092" y="13355440"/>
-            <a:ext cx="2860433" cy="2151358"/>
+            <a:off x="25941390" y="13355440"/>
+            <a:ext cx="2913135" cy="2151358"/>
           </a:xfrm>
           <a:prstGeom prst="roundRect">
             <a:avLst/>
@@ -5750,8 +5752,8 @@
         </p:nvSpPr>
         <p:spPr>
           <a:xfrm>
-            <a:off x="21703588" y="19059535"/>
-            <a:ext cx="4994033" cy="2133496"/>
+            <a:off x="21614326" y="19059535"/>
+            <a:ext cx="5083296" cy="2133496"/>
           </a:xfrm>
           <a:prstGeom prst="roundRect">
             <a:avLst/>
@@ -6353,8 +6355,8 @@
         </p:blipFill>
         <p:spPr>
           <a:xfrm>
-            <a:off x="25993943" y="10439199"/>
-            <a:ext cx="2825269" cy="2158233"/>
+            <a:off x="25951739" y="10439199"/>
+            <a:ext cx="2867474" cy="2158233"/>
           </a:xfrm>
           <a:prstGeom prst="roundRect">
             <a:avLst/>
@@ -6549,7 +6551,7 @@
           <a:lstStyle/>
           <a:p>
             <a:pPr algn="ctr"/>
-            <a:endParaRPr lang="en-MY"/>
+            <a:endParaRPr lang="en-MY" dirty="0"/>
           </a:p>
         </p:txBody>
       </p:sp>
@@ -6800,8 +6802,8 @@
         </p:blipFill>
         <p:spPr>
           <a:xfrm>
-            <a:off x="25973539" y="24870452"/>
-            <a:ext cx="2880986" cy="2124578"/>
+            <a:off x="25952544" y="24870452"/>
+            <a:ext cx="2901981" cy="2124578"/>
           </a:xfrm>
           <a:prstGeom prst="roundRect">
             <a:avLst/>
@@ -7161,6 +7163,913 @@
             <a:endParaRPr lang="en-MY" sz="3200" b="1" dirty="0">
               <a:latin typeface="Aharoni" panose="02010803020104030203" pitchFamily="2" charset="-79"/>
               <a:ea typeface="Verdana" panose="020B0604030504040204" pitchFamily="34" charset="0"/>
+              <a:cs typeface="Aharoni" panose="02010803020104030203" pitchFamily="2" charset="-79"/>
+            </a:endParaRPr>
+          </a:p>
+        </p:txBody>
+      </p:sp>
+      <p:sp>
+        <p:nvSpPr>
+          <p:cNvPr id="6" name="TextBox 5">
+            <a:extLst>
+              <a:ext uri="{FF2B5EF4-FFF2-40B4-BE49-F238E27FC236}">
+                <a16:creationId xmlns:a16="http://schemas.microsoft.com/office/drawing/2014/main" id="{B0BE8C07-A5C8-E757-2B0E-5C0A216238CE}"/>
+              </a:ext>
+            </a:extLst>
+          </p:cNvPr>
+          <p:cNvSpPr txBox="1"/>
+          <p:nvPr/>
+        </p:nvSpPr>
+        <p:spPr>
+          <a:xfrm>
+            <a:off x="4355892" y="9151147"/>
+            <a:ext cx="4234925" cy="369332"/>
+          </a:xfrm>
+          <a:prstGeom prst="rect">
+            <a:avLst/>
+          </a:prstGeom>
+          <a:noFill/>
+        </p:spPr>
+        <p:txBody>
+          <a:bodyPr wrap="square" rtlCol="0">
+            <a:spAutoFit/>
+          </a:bodyPr>
+          <a:lstStyle/>
+          <a:p>
+            <a:pPr algn="ctr"/>
+            <a:r>
+              <a:rPr lang="en-US" dirty="0">
+                <a:solidFill>
+                  <a:srgbClr val="1CB636"/>
+                </a:solidFill>
+              </a:rPr>
+              <a:t>New: </a:t>
+            </a:r>
+            <a:r>
+              <a:rPr lang="en-US" dirty="0" err="1">
+                <a:solidFill>
+                  <a:srgbClr val="1CB636"/>
+                </a:solidFill>
+              </a:rPr>
+              <a:t>daily_kl</a:t>
+            </a:r>
+            <a:endParaRPr lang="en-MY" dirty="0">
+              <a:solidFill>
+                <a:srgbClr val="1CB636"/>
+              </a:solidFill>
+            </a:endParaRPr>
+          </a:p>
+        </p:txBody>
+      </p:sp>
+      <p:sp>
+        <p:nvSpPr>
+          <p:cNvPr id="8" name="TextBox 7">
+            <a:extLst>
+              <a:ext uri="{FF2B5EF4-FFF2-40B4-BE49-F238E27FC236}">
+                <a16:creationId xmlns:a16="http://schemas.microsoft.com/office/drawing/2014/main" id="{E0A59CAA-5619-7DB5-03D3-20079AA73271}"/>
+              </a:ext>
+            </a:extLst>
+          </p:cNvPr>
+          <p:cNvSpPr txBox="1"/>
+          <p:nvPr/>
+        </p:nvSpPr>
+        <p:spPr>
+          <a:xfrm>
+            <a:off x="4370517" y="12000266"/>
+            <a:ext cx="4277397" cy="369332"/>
+          </a:xfrm>
+          <a:prstGeom prst="rect">
+            <a:avLst/>
+          </a:prstGeom>
+          <a:noFill/>
+        </p:spPr>
+        <p:txBody>
+          <a:bodyPr wrap="square" rtlCol="0">
+            <a:spAutoFit/>
+          </a:bodyPr>
+          <a:lstStyle/>
+          <a:p>
+            <a:pPr algn="ctr"/>
+            <a:r>
+              <a:rPr lang="en-US" dirty="0">
+                <a:solidFill>
+                  <a:srgbClr val="1CB636"/>
+                </a:solidFill>
+              </a:rPr>
+              <a:t>New: </a:t>
+            </a:r>
+            <a:r>
+              <a:rPr lang="en-US" dirty="0" err="1">
+                <a:solidFill>
+                  <a:srgbClr val="1CB636"/>
+                </a:solidFill>
+              </a:rPr>
+              <a:t>daily_kdh</a:t>
+            </a:r>
+            <a:endParaRPr lang="en-MY" dirty="0">
+              <a:solidFill>
+                <a:srgbClr val="1CB636"/>
+              </a:solidFill>
+            </a:endParaRPr>
+          </a:p>
+        </p:txBody>
+      </p:sp>
+      <p:sp>
+        <p:nvSpPr>
+          <p:cNvPr id="9" name="TextBox 8">
+            <a:extLst>
+              <a:ext uri="{FF2B5EF4-FFF2-40B4-BE49-F238E27FC236}">
+                <a16:creationId xmlns:a16="http://schemas.microsoft.com/office/drawing/2014/main" id="{2FD480B0-E91C-4A8B-70A1-FE0BF445CD60}"/>
+              </a:ext>
+            </a:extLst>
+          </p:cNvPr>
+          <p:cNvSpPr txBox="1"/>
+          <p:nvPr/>
+        </p:nvSpPr>
+        <p:spPr>
+          <a:xfrm>
+            <a:off x="4346917" y="14910564"/>
+            <a:ext cx="4325963" cy="369332"/>
+          </a:xfrm>
+          <a:prstGeom prst="rect">
+            <a:avLst/>
+          </a:prstGeom>
+          <a:noFill/>
+        </p:spPr>
+        <p:txBody>
+          <a:bodyPr wrap="square" rtlCol="0">
+            <a:spAutoFit/>
+          </a:bodyPr>
+          <a:lstStyle/>
+          <a:p>
+            <a:pPr algn="ctr"/>
+            <a:r>
+              <a:rPr lang="en-US" dirty="0">
+                <a:solidFill>
+                  <a:srgbClr val="1CB636"/>
+                </a:solidFill>
+              </a:rPr>
+              <a:t>New: </a:t>
+            </a:r>
+            <a:r>
+              <a:rPr lang="en-US" dirty="0" err="1">
+                <a:solidFill>
+                  <a:srgbClr val="1CB636"/>
+                </a:solidFill>
+              </a:rPr>
+              <a:t>daily_prk</a:t>
+            </a:r>
+            <a:endParaRPr lang="en-MY" dirty="0">
+              <a:solidFill>
+                <a:srgbClr val="1CB636"/>
+              </a:solidFill>
+            </a:endParaRPr>
+          </a:p>
+        </p:txBody>
+      </p:sp>
+      <p:sp>
+        <p:nvSpPr>
+          <p:cNvPr id="10" name="TextBox 9">
+            <a:extLst>
+              <a:ext uri="{FF2B5EF4-FFF2-40B4-BE49-F238E27FC236}">
+                <a16:creationId xmlns:a16="http://schemas.microsoft.com/office/drawing/2014/main" id="{DAD84516-B350-19C5-4030-56F7E168AB63}"/>
+              </a:ext>
+            </a:extLst>
+          </p:cNvPr>
+          <p:cNvSpPr txBox="1"/>
+          <p:nvPr/>
+        </p:nvSpPr>
+        <p:spPr>
+          <a:xfrm>
+            <a:off x="4346917" y="17792123"/>
+            <a:ext cx="4290945" cy="369332"/>
+          </a:xfrm>
+          <a:prstGeom prst="rect">
+            <a:avLst/>
+          </a:prstGeom>
+          <a:noFill/>
+        </p:spPr>
+        <p:txBody>
+          <a:bodyPr wrap="square" rtlCol="0">
+            <a:spAutoFit/>
+          </a:bodyPr>
+          <a:lstStyle/>
+          <a:p>
+            <a:pPr algn="ctr"/>
+            <a:r>
+              <a:rPr lang="en-US" dirty="0">
+                <a:solidFill>
+                  <a:srgbClr val="1CB636"/>
+                </a:solidFill>
+              </a:rPr>
+              <a:t>New: </a:t>
+            </a:r>
+            <a:r>
+              <a:rPr lang="en-US" dirty="0" err="1">
+                <a:solidFill>
+                  <a:srgbClr val="1CB636"/>
+                </a:solidFill>
+              </a:rPr>
+              <a:t>daily_jhr</a:t>
+            </a:r>
+            <a:endParaRPr lang="en-MY" dirty="0">
+              <a:solidFill>
+                <a:srgbClr val="1CB636"/>
+              </a:solidFill>
+            </a:endParaRPr>
+          </a:p>
+        </p:txBody>
+      </p:sp>
+      <p:sp>
+        <p:nvSpPr>
+          <p:cNvPr id="12" name="TextBox 11">
+            <a:extLst>
+              <a:ext uri="{FF2B5EF4-FFF2-40B4-BE49-F238E27FC236}">
+                <a16:creationId xmlns:a16="http://schemas.microsoft.com/office/drawing/2014/main" id="{BAD09881-94AC-4015-D577-7E32D9BCDBCB}"/>
+              </a:ext>
+            </a:extLst>
+          </p:cNvPr>
+          <p:cNvSpPr txBox="1"/>
+          <p:nvPr/>
+        </p:nvSpPr>
+        <p:spPr>
+          <a:xfrm>
+            <a:off x="4346917" y="20733321"/>
+            <a:ext cx="4325963" cy="369332"/>
+          </a:xfrm>
+          <a:prstGeom prst="rect">
+            <a:avLst/>
+          </a:prstGeom>
+          <a:noFill/>
+        </p:spPr>
+        <p:txBody>
+          <a:bodyPr wrap="square" rtlCol="0">
+            <a:spAutoFit/>
+          </a:bodyPr>
+          <a:lstStyle/>
+          <a:p>
+            <a:pPr algn="ctr"/>
+            <a:r>
+              <a:rPr lang="en-US" dirty="0">
+                <a:solidFill>
+                  <a:srgbClr val="1CB636"/>
+                </a:solidFill>
+              </a:rPr>
+              <a:t>New: </a:t>
+            </a:r>
+            <a:r>
+              <a:rPr lang="en-US" dirty="0" err="1">
+                <a:solidFill>
+                  <a:srgbClr val="1CB636"/>
+                </a:solidFill>
+              </a:rPr>
+              <a:t>daily_srwk</a:t>
+            </a:r>
+            <a:endParaRPr lang="en-MY" dirty="0">
+              <a:solidFill>
+                <a:srgbClr val="1CB636"/>
+              </a:solidFill>
+            </a:endParaRPr>
+          </a:p>
+        </p:txBody>
+      </p:sp>
+      <p:sp>
+        <p:nvSpPr>
+          <p:cNvPr id="15" name="TextBox 14">
+            <a:extLst>
+              <a:ext uri="{FF2B5EF4-FFF2-40B4-BE49-F238E27FC236}">
+                <a16:creationId xmlns:a16="http://schemas.microsoft.com/office/drawing/2014/main" id="{AA29C5AD-7AAE-41BE-04D2-E55F46ADF216}"/>
+              </a:ext>
+            </a:extLst>
+          </p:cNvPr>
+          <p:cNvSpPr txBox="1"/>
+          <p:nvPr/>
+        </p:nvSpPr>
+        <p:spPr>
+          <a:xfrm>
+            <a:off x="4367758" y="23512737"/>
+            <a:ext cx="4312343" cy="369332"/>
+          </a:xfrm>
+          <a:prstGeom prst="rect">
+            <a:avLst/>
+          </a:prstGeom>
+          <a:noFill/>
+        </p:spPr>
+        <p:txBody>
+          <a:bodyPr wrap="square" rtlCol="0">
+            <a:spAutoFit/>
+          </a:bodyPr>
+          <a:lstStyle/>
+          <a:p>
+            <a:pPr algn="ctr"/>
+            <a:r>
+              <a:rPr lang="en-US" dirty="0">
+                <a:solidFill>
+                  <a:srgbClr val="1CB636"/>
+                </a:solidFill>
+              </a:rPr>
+              <a:t>New: </a:t>
+            </a:r>
+            <a:r>
+              <a:rPr lang="en-US" dirty="0" err="1">
+                <a:solidFill>
+                  <a:srgbClr val="1CB636"/>
+                </a:solidFill>
+              </a:rPr>
+              <a:t>daily_png</a:t>
+            </a:r>
+            <a:endParaRPr lang="en-MY" dirty="0">
+              <a:solidFill>
+                <a:srgbClr val="1CB636"/>
+              </a:solidFill>
+            </a:endParaRPr>
+          </a:p>
+        </p:txBody>
+      </p:sp>
+      <p:sp>
+        <p:nvSpPr>
+          <p:cNvPr id="16" name="TextBox 15">
+            <a:extLst>
+              <a:ext uri="{FF2B5EF4-FFF2-40B4-BE49-F238E27FC236}">
+                <a16:creationId xmlns:a16="http://schemas.microsoft.com/office/drawing/2014/main" id="{6414402A-6E79-B433-BEB2-CA67EEA0B894}"/>
+              </a:ext>
+            </a:extLst>
+          </p:cNvPr>
+          <p:cNvSpPr txBox="1"/>
+          <p:nvPr/>
+        </p:nvSpPr>
+        <p:spPr>
+          <a:xfrm>
+            <a:off x="4368844" y="26527108"/>
+            <a:ext cx="4311257" cy="369332"/>
+          </a:xfrm>
+          <a:prstGeom prst="rect">
+            <a:avLst/>
+          </a:prstGeom>
+          <a:noFill/>
+        </p:spPr>
+        <p:txBody>
+          <a:bodyPr wrap="square" rtlCol="0">
+            <a:spAutoFit/>
+          </a:bodyPr>
+          <a:lstStyle/>
+          <a:p>
+            <a:pPr algn="ctr"/>
+            <a:r>
+              <a:rPr lang="en-US" dirty="0">
+                <a:solidFill>
+                  <a:srgbClr val="1CB636"/>
+                </a:solidFill>
+              </a:rPr>
+              <a:t>New: </a:t>
+            </a:r>
+            <a:r>
+              <a:rPr lang="en-US" dirty="0" err="1">
+                <a:solidFill>
+                  <a:srgbClr val="1CB636"/>
+                </a:solidFill>
+              </a:rPr>
+              <a:t>daily_sbh</a:t>
+            </a:r>
+            <a:endParaRPr lang="en-MY" dirty="0">
+              <a:solidFill>
+                <a:srgbClr val="1CB636"/>
+              </a:solidFill>
+            </a:endParaRPr>
+          </a:p>
+        </p:txBody>
+      </p:sp>
+      <p:sp>
+        <p:nvSpPr>
+          <p:cNvPr id="19" name="TextBox 18">
+            <a:extLst>
+              <a:ext uri="{FF2B5EF4-FFF2-40B4-BE49-F238E27FC236}">
+                <a16:creationId xmlns:a16="http://schemas.microsoft.com/office/drawing/2014/main" id="{FE177967-C482-49A1-DC4F-5AEE91F4D75F}"/>
+              </a:ext>
+            </a:extLst>
+          </p:cNvPr>
+          <p:cNvSpPr txBox="1"/>
+          <p:nvPr/>
+        </p:nvSpPr>
+        <p:spPr>
+          <a:xfrm>
+            <a:off x="4355892" y="29335242"/>
+            <a:ext cx="4311257" cy="369332"/>
+          </a:xfrm>
+          <a:prstGeom prst="rect">
+            <a:avLst/>
+          </a:prstGeom>
+          <a:noFill/>
+        </p:spPr>
+        <p:txBody>
+          <a:bodyPr wrap="square" rtlCol="0">
+            <a:spAutoFit/>
+          </a:bodyPr>
+          <a:lstStyle/>
+          <a:p>
+            <a:pPr algn="ctr"/>
+            <a:r>
+              <a:rPr lang="en-US" dirty="0">
+                <a:solidFill>
+                  <a:srgbClr val="1CB636"/>
+                </a:solidFill>
+              </a:rPr>
+              <a:t>New: </a:t>
+            </a:r>
+            <a:r>
+              <a:rPr lang="en-US" dirty="0" err="1">
+                <a:solidFill>
+                  <a:srgbClr val="1CB636"/>
+                </a:solidFill>
+              </a:rPr>
+              <a:t>daily_mlk</a:t>
+            </a:r>
+            <a:endParaRPr lang="en-MY" dirty="0">
+              <a:solidFill>
+                <a:srgbClr val="1CB636"/>
+              </a:solidFill>
+            </a:endParaRPr>
+          </a:p>
+        </p:txBody>
+      </p:sp>
+      <p:sp>
+        <p:nvSpPr>
+          <p:cNvPr id="20" name="TextBox 19">
+            <a:extLst>
+              <a:ext uri="{FF2B5EF4-FFF2-40B4-BE49-F238E27FC236}">
+                <a16:creationId xmlns:a16="http://schemas.microsoft.com/office/drawing/2014/main" id="{D6A01B0A-3DD4-B6E2-11B3-6CF76F5FFAD1}"/>
+              </a:ext>
+            </a:extLst>
+          </p:cNvPr>
+          <p:cNvSpPr txBox="1"/>
+          <p:nvPr/>
+        </p:nvSpPr>
+        <p:spPr>
+          <a:xfrm>
+            <a:off x="21678752" y="9133761"/>
+            <a:ext cx="4302406" cy="369332"/>
+          </a:xfrm>
+          <a:prstGeom prst="rect">
+            <a:avLst/>
+          </a:prstGeom>
+          <a:noFill/>
+        </p:spPr>
+        <p:txBody>
+          <a:bodyPr wrap="square" rtlCol="0">
+            <a:spAutoFit/>
+          </a:bodyPr>
+          <a:lstStyle/>
+          <a:p>
+            <a:pPr algn="ctr"/>
+            <a:r>
+              <a:rPr lang="en-US" dirty="0">
+                <a:solidFill>
+                  <a:srgbClr val="1CB636"/>
+                </a:solidFill>
+              </a:rPr>
+              <a:t>New: </a:t>
+            </a:r>
+            <a:r>
+              <a:rPr lang="en-US" dirty="0" err="1">
+                <a:solidFill>
+                  <a:srgbClr val="1CB636"/>
+                </a:solidFill>
+              </a:rPr>
+              <a:t>daily_slgr</a:t>
+            </a:r>
+            <a:endParaRPr lang="en-MY" dirty="0">
+              <a:solidFill>
+                <a:srgbClr val="1CB636"/>
+              </a:solidFill>
+            </a:endParaRPr>
+          </a:p>
+        </p:txBody>
+      </p:sp>
+      <p:sp>
+        <p:nvSpPr>
+          <p:cNvPr id="25" name="TextBox 24">
+            <a:extLst>
+              <a:ext uri="{FF2B5EF4-FFF2-40B4-BE49-F238E27FC236}">
+                <a16:creationId xmlns:a16="http://schemas.microsoft.com/office/drawing/2014/main" id="{99B2E41F-0EFB-C13E-F826-0C5323ECF840}"/>
+              </a:ext>
+            </a:extLst>
+          </p:cNvPr>
+          <p:cNvSpPr txBox="1"/>
+          <p:nvPr/>
+        </p:nvSpPr>
+        <p:spPr>
+          <a:xfrm>
+            <a:off x="21662611" y="12000739"/>
+            <a:ext cx="4302406" cy="369332"/>
+          </a:xfrm>
+          <a:prstGeom prst="rect">
+            <a:avLst/>
+          </a:prstGeom>
+          <a:noFill/>
+        </p:spPr>
+        <p:txBody>
+          <a:bodyPr wrap="square" rtlCol="0">
+            <a:spAutoFit/>
+          </a:bodyPr>
+          <a:lstStyle/>
+          <a:p>
+            <a:pPr algn="ctr"/>
+            <a:r>
+              <a:rPr lang="en-US" dirty="0">
+                <a:solidFill>
+                  <a:srgbClr val="1CB636"/>
+                </a:solidFill>
+              </a:rPr>
+              <a:t>New: </a:t>
+            </a:r>
+            <a:r>
+              <a:rPr lang="en-US" dirty="0" err="1">
+                <a:solidFill>
+                  <a:srgbClr val="1CB636"/>
+                </a:solidFill>
+              </a:rPr>
+              <a:t>daily_ns</a:t>
+            </a:r>
+            <a:endParaRPr lang="en-MY" dirty="0">
+              <a:solidFill>
+                <a:srgbClr val="1CB636"/>
+              </a:solidFill>
+            </a:endParaRPr>
+          </a:p>
+        </p:txBody>
+      </p:sp>
+      <p:sp>
+        <p:nvSpPr>
+          <p:cNvPr id="27" name="TextBox 26">
+            <a:extLst>
+              <a:ext uri="{FF2B5EF4-FFF2-40B4-BE49-F238E27FC236}">
+                <a16:creationId xmlns:a16="http://schemas.microsoft.com/office/drawing/2014/main" id="{F4E87CD1-EFBA-5D26-EE10-6B18770F9348}"/>
+              </a:ext>
+            </a:extLst>
+          </p:cNvPr>
+          <p:cNvSpPr txBox="1"/>
+          <p:nvPr/>
+        </p:nvSpPr>
+        <p:spPr>
+          <a:xfrm>
+            <a:off x="21650138" y="14944515"/>
+            <a:ext cx="4302406" cy="369332"/>
+          </a:xfrm>
+          <a:prstGeom prst="rect">
+            <a:avLst/>
+          </a:prstGeom>
+          <a:noFill/>
+        </p:spPr>
+        <p:txBody>
+          <a:bodyPr wrap="square" rtlCol="0">
+            <a:spAutoFit/>
+          </a:bodyPr>
+          <a:lstStyle/>
+          <a:p>
+            <a:pPr algn="ctr"/>
+            <a:r>
+              <a:rPr lang="en-US" dirty="0">
+                <a:solidFill>
+                  <a:srgbClr val="1CB636"/>
+                </a:solidFill>
+              </a:rPr>
+              <a:t>New: </a:t>
+            </a:r>
+            <a:r>
+              <a:rPr lang="en-US" dirty="0" err="1">
+                <a:solidFill>
+                  <a:srgbClr val="1CB636"/>
+                </a:solidFill>
+              </a:rPr>
+              <a:t>daily_kltn</a:t>
+            </a:r>
+            <a:endParaRPr lang="en-MY" dirty="0">
+              <a:solidFill>
+                <a:srgbClr val="1CB636"/>
+              </a:solidFill>
+            </a:endParaRPr>
+          </a:p>
+        </p:txBody>
+      </p:sp>
+      <p:sp>
+        <p:nvSpPr>
+          <p:cNvPr id="29" name="TextBox 28">
+            <a:extLst>
+              <a:ext uri="{FF2B5EF4-FFF2-40B4-BE49-F238E27FC236}">
+                <a16:creationId xmlns:a16="http://schemas.microsoft.com/office/drawing/2014/main" id="{9F98AE1F-E36E-14A7-4CC2-2CAD48F4375A}"/>
+              </a:ext>
+            </a:extLst>
+          </p:cNvPr>
+          <p:cNvSpPr txBox="1"/>
+          <p:nvPr/>
+        </p:nvSpPr>
+        <p:spPr>
+          <a:xfrm>
+            <a:off x="21632039" y="17842911"/>
+            <a:ext cx="4302406" cy="369332"/>
+          </a:xfrm>
+          <a:prstGeom prst="rect">
+            <a:avLst/>
+          </a:prstGeom>
+          <a:noFill/>
+        </p:spPr>
+        <p:txBody>
+          <a:bodyPr wrap="square" rtlCol="0">
+            <a:spAutoFit/>
+          </a:bodyPr>
+          <a:lstStyle/>
+          <a:p>
+            <a:pPr algn="ctr"/>
+            <a:r>
+              <a:rPr lang="en-US" dirty="0">
+                <a:solidFill>
+                  <a:srgbClr val="1CB636"/>
+                </a:solidFill>
+              </a:rPr>
+              <a:t>New: </a:t>
+            </a:r>
+            <a:r>
+              <a:rPr lang="en-US" dirty="0" err="1">
+                <a:solidFill>
+                  <a:srgbClr val="1CB636"/>
+                </a:solidFill>
+              </a:rPr>
+              <a:t>daily_trgn</a:t>
+            </a:r>
+            <a:endParaRPr lang="en-MY" dirty="0">
+              <a:solidFill>
+                <a:srgbClr val="1CB636"/>
+              </a:solidFill>
+            </a:endParaRPr>
+          </a:p>
+        </p:txBody>
+      </p:sp>
+      <p:sp>
+        <p:nvSpPr>
+          <p:cNvPr id="33" name="TextBox 32">
+            <a:extLst>
+              <a:ext uri="{FF2B5EF4-FFF2-40B4-BE49-F238E27FC236}">
+                <a16:creationId xmlns:a16="http://schemas.microsoft.com/office/drawing/2014/main" id="{06581ECC-2F7B-1F9E-3574-DF3B238D9BAF}"/>
+              </a:ext>
+            </a:extLst>
+          </p:cNvPr>
+          <p:cNvSpPr txBox="1"/>
+          <p:nvPr/>
+        </p:nvSpPr>
+        <p:spPr>
+          <a:xfrm>
+            <a:off x="21614325" y="20676162"/>
+            <a:ext cx="4302406" cy="369332"/>
+          </a:xfrm>
+          <a:prstGeom prst="rect">
+            <a:avLst/>
+          </a:prstGeom>
+          <a:noFill/>
+        </p:spPr>
+        <p:txBody>
+          <a:bodyPr wrap="square" rtlCol="0">
+            <a:spAutoFit/>
+          </a:bodyPr>
+          <a:lstStyle/>
+          <a:p>
+            <a:pPr algn="ctr"/>
+            <a:r>
+              <a:rPr lang="en-US" dirty="0">
+                <a:solidFill>
+                  <a:srgbClr val="1CB636"/>
+                </a:solidFill>
+              </a:rPr>
+              <a:t>New: </a:t>
+            </a:r>
+            <a:r>
+              <a:rPr lang="en-US" dirty="0" err="1">
+                <a:solidFill>
+                  <a:srgbClr val="1CB636"/>
+                </a:solidFill>
+              </a:rPr>
+              <a:t>daily_phg</a:t>
+            </a:r>
+            <a:endParaRPr lang="en-MY" dirty="0">
+              <a:solidFill>
+                <a:srgbClr val="1CB636"/>
+              </a:solidFill>
+            </a:endParaRPr>
+          </a:p>
+        </p:txBody>
+      </p:sp>
+      <p:sp>
+        <p:nvSpPr>
+          <p:cNvPr id="34" name="TextBox 33">
+            <a:extLst>
+              <a:ext uri="{FF2B5EF4-FFF2-40B4-BE49-F238E27FC236}">
+                <a16:creationId xmlns:a16="http://schemas.microsoft.com/office/drawing/2014/main" id="{E4F97A09-D6A8-4965-BEF3-5C4848DC4FEC}"/>
+              </a:ext>
+            </a:extLst>
+          </p:cNvPr>
+          <p:cNvSpPr txBox="1"/>
+          <p:nvPr/>
+        </p:nvSpPr>
+        <p:spPr>
+          <a:xfrm>
+            <a:off x="21650138" y="23595866"/>
+            <a:ext cx="4302406" cy="369332"/>
+          </a:xfrm>
+          <a:prstGeom prst="rect">
+            <a:avLst/>
+          </a:prstGeom>
+          <a:noFill/>
+        </p:spPr>
+        <p:txBody>
+          <a:bodyPr wrap="square" rtlCol="0">
+            <a:spAutoFit/>
+          </a:bodyPr>
+          <a:lstStyle/>
+          <a:p>
+            <a:pPr algn="ctr"/>
+            <a:r>
+              <a:rPr lang="en-US" dirty="0">
+                <a:solidFill>
+                  <a:srgbClr val="1CB636"/>
+                </a:solidFill>
+              </a:rPr>
+              <a:t>New: </a:t>
+            </a:r>
+            <a:r>
+              <a:rPr lang="en-US" dirty="0" err="1">
+                <a:solidFill>
+                  <a:srgbClr val="1CB636"/>
+                </a:solidFill>
+              </a:rPr>
+              <a:t>daily_pls</a:t>
+            </a:r>
+            <a:endParaRPr lang="en-MY" dirty="0">
+              <a:solidFill>
+                <a:srgbClr val="1CB636"/>
+              </a:solidFill>
+            </a:endParaRPr>
+          </a:p>
+        </p:txBody>
+      </p:sp>
+      <p:sp>
+        <p:nvSpPr>
+          <p:cNvPr id="36" name="TextBox 35">
+            <a:extLst>
+              <a:ext uri="{FF2B5EF4-FFF2-40B4-BE49-F238E27FC236}">
+                <a16:creationId xmlns:a16="http://schemas.microsoft.com/office/drawing/2014/main" id="{1BDEF12C-58F8-ACF6-0B0E-FDC1934EF125}"/>
+              </a:ext>
+            </a:extLst>
+          </p:cNvPr>
+          <p:cNvSpPr txBox="1"/>
+          <p:nvPr/>
+        </p:nvSpPr>
+        <p:spPr>
+          <a:xfrm>
+            <a:off x="21633513" y="26499927"/>
+            <a:ext cx="4319031" cy="369332"/>
+          </a:xfrm>
+          <a:prstGeom prst="rect">
+            <a:avLst/>
+          </a:prstGeom>
+          <a:noFill/>
+        </p:spPr>
+        <p:txBody>
+          <a:bodyPr wrap="square" rtlCol="0">
+            <a:spAutoFit/>
+          </a:bodyPr>
+          <a:lstStyle/>
+          <a:p>
+            <a:pPr algn="ctr"/>
+            <a:r>
+              <a:rPr lang="en-US" dirty="0">
+                <a:solidFill>
+                  <a:srgbClr val="1CB636"/>
+                </a:solidFill>
+              </a:rPr>
+              <a:t>New: </a:t>
+            </a:r>
+            <a:r>
+              <a:rPr lang="en-US" dirty="0" err="1">
+                <a:solidFill>
+                  <a:srgbClr val="1CB636"/>
+                </a:solidFill>
+              </a:rPr>
+              <a:t>daily_pjy</a:t>
+            </a:r>
+            <a:endParaRPr lang="en-MY" dirty="0">
+              <a:solidFill>
+                <a:srgbClr val="1CB636"/>
+              </a:solidFill>
+            </a:endParaRPr>
+          </a:p>
+        </p:txBody>
+      </p:sp>
+      <p:sp>
+        <p:nvSpPr>
+          <p:cNvPr id="38" name="TextBox 37">
+            <a:extLst>
+              <a:ext uri="{FF2B5EF4-FFF2-40B4-BE49-F238E27FC236}">
+                <a16:creationId xmlns:a16="http://schemas.microsoft.com/office/drawing/2014/main" id="{9DD9CDB5-7C01-6DBE-AB5F-67B1C047B213}"/>
+              </a:ext>
+            </a:extLst>
+          </p:cNvPr>
+          <p:cNvSpPr txBox="1"/>
+          <p:nvPr/>
+        </p:nvSpPr>
+        <p:spPr>
+          <a:xfrm>
+            <a:off x="21662611" y="29387271"/>
+            <a:ext cx="4319031" cy="369332"/>
+          </a:xfrm>
+          <a:prstGeom prst="rect">
+            <a:avLst/>
+          </a:prstGeom>
+          <a:noFill/>
+        </p:spPr>
+        <p:txBody>
+          <a:bodyPr wrap="square" rtlCol="0">
+            <a:spAutoFit/>
+          </a:bodyPr>
+          <a:lstStyle/>
+          <a:p>
+            <a:pPr algn="ctr"/>
+            <a:r>
+              <a:rPr lang="en-US" dirty="0">
+                <a:solidFill>
+                  <a:srgbClr val="1CB636"/>
+                </a:solidFill>
+              </a:rPr>
+              <a:t>New: </a:t>
+            </a:r>
+            <a:r>
+              <a:rPr lang="en-US" dirty="0" err="1">
+                <a:solidFill>
+                  <a:srgbClr val="1CB636"/>
+                </a:solidFill>
+              </a:rPr>
+              <a:t>daily_lbn</a:t>
+            </a:r>
+            <a:endParaRPr lang="en-MY" dirty="0">
+              <a:solidFill>
+                <a:srgbClr val="1CB636"/>
+              </a:solidFill>
+            </a:endParaRPr>
+          </a:p>
+        </p:txBody>
+      </p:sp>
+      <p:sp>
+        <p:nvSpPr>
+          <p:cNvPr id="40" name="TextBox 39">
+            <a:extLst>
+              <a:ext uri="{FF2B5EF4-FFF2-40B4-BE49-F238E27FC236}">
+                <a16:creationId xmlns:a16="http://schemas.microsoft.com/office/drawing/2014/main" id="{313B5450-664B-5F2C-5591-E7BBB2B97408}"/>
+              </a:ext>
+            </a:extLst>
+          </p:cNvPr>
+          <p:cNvSpPr txBox="1"/>
+          <p:nvPr/>
+        </p:nvSpPr>
+        <p:spPr>
+          <a:xfrm>
+            <a:off x="10829930" y="11333004"/>
+            <a:ext cx="8618834" cy="369332"/>
+          </a:xfrm>
+          <a:prstGeom prst="rect">
+            <a:avLst/>
+          </a:prstGeom>
+          <a:noFill/>
+        </p:spPr>
+        <p:txBody>
+          <a:bodyPr wrap="square" rtlCol="0">
+            <a:spAutoFit/>
+          </a:bodyPr>
+          <a:lstStyle/>
+          <a:p>
+            <a:pPr algn="ctr"/>
+            <a:r>
+              <a:rPr lang="en-US" dirty="0">
+                <a:solidFill>
+                  <a:srgbClr val="1CB636"/>
+                </a:solidFill>
+                <a:latin typeface="Aharoni" panose="02010803020104030203" pitchFamily="2" charset="-79"/>
+                <a:cs typeface="Aharoni" panose="02010803020104030203" pitchFamily="2" charset="-79"/>
+              </a:rPr>
+              <a:t>New: </a:t>
+            </a:r>
+            <a:r>
+              <a:rPr lang="en-US" dirty="0" err="1">
+                <a:solidFill>
+                  <a:srgbClr val="1CB636"/>
+                </a:solidFill>
+                <a:latin typeface="Aharoni" panose="02010803020104030203" pitchFamily="2" charset="-79"/>
+                <a:cs typeface="Aharoni" panose="02010803020104030203" pitchFamily="2" charset="-79"/>
+              </a:rPr>
+              <a:t>daily_ns</a:t>
+            </a:r>
+            <a:endParaRPr lang="en-MY" dirty="0">
+              <a:solidFill>
+                <a:srgbClr val="1CB636"/>
+              </a:solidFill>
+              <a:latin typeface="Aharoni" panose="02010803020104030203" pitchFamily="2" charset="-79"/>
               <a:cs typeface="Aharoni" panose="02010803020104030203" pitchFamily="2" charset="-79"/>
             </a:endParaRPr>
           </a:p>

--- a/blood_donation.pptx
+++ b/blood_donation.pptx
@@ -211,7 +211,7 @@
           <a:p>
             <a:fld id="{1DE40755-8679-4EBC-9EFA-4F99D54FDAB0}" type="datetimeFigureOut">
               <a:rPr lang="en-MY" smtClean="0"/>
-              <a:t>27/1/2024</a:t>
+              <a:t>28/1/2024</a:t>
             </a:fld>
             <a:endParaRPr lang="en-MY"/>
           </a:p>
@@ -715,7 +715,7 @@
           <a:p>
             <a:fld id="{FDA1C1AF-7B8C-40AE-9551-7C06C9AE4EEC}" type="datetimeFigureOut">
               <a:rPr lang="en-MY" smtClean="0"/>
-              <a:t>27/1/2024</a:t>
+              <a:t>28/1/2024</a:t>
             </a:fld>
             <a:endParaRPr lang="en-MY"/>
           </a:p>
@@ -901,7 +901,7 @@
           <a:p>
             <a:fld id="{FDA1C1AF-7B8C-40AE-9551-7C06C9AE4EEC}" type="datetimeFigureOut">
               <a:rPr lang="en-MY" smtClean="0"/>
-              <a:t>27/1/2024</a:t>
+              <a:t>28/1/2024</a:t>
             </a:fld>
             <a:endParaRPr lang="en-MY"/>
           </a:p>
@@ -1081,7 +1081,7 @@
           <a:p>
             <a:fld id="{FDA1C1AF-7B8C-40AE-9551-7C06C9AE4EEC}" type="datetimeFigureOut">
               <a:rPr lang="en-MY" smtClean="0"/>
-              <a:t>27/1/2024</a:t>
+              <a:t>28/1/2024</a:t>
             </a:fld>
             <a:endParaRPr lang="en-MY"/>
           </a:p>
@@ -1251,7 +1251,7 @@
           <a:p>
             <a:fld id="{FDA1C1AF-7B8C-40AE-9551-7C06C9AE4EEC}" type="datetimeFigureOut">
               <a:rPr lang="en-MY" smtClean="0"/>
-              <a:t>27/1/2024</a:t>
+              <a:t>28/1/2024</a:t>
             </a:fld>
             <a:endParaRPr lang="en-MY"/>
           </a:p>
@@ -1495,7 +1495,7 @@
           <a:p>
             <a:fld id="{FDA1C1AF-7B8C-40AE-9551-7C06C9AE4EEC}" type="datetimeFigureOut">
               <a:rPr lang="en-MY" smtClean="0"/>
-              <a:t>27/1/2024</a:t>
+              <a:t>28/1/2024</a:t>
             </a:fld>
             <a:endParaRPr lang="en-MY"/>
           </a:p>
@@ -1727,7 +1727,7 @@
           <a:p>
             <a:fld id="{FDA1C1AF-7B8C-40AE-9551-7C06C9AE4EEC}" type="datetimeFigureOut">
               <a:rPr lang="en-MY" smtClean="0"/>
-              <a:t>27/1/2024</a:t>
+              <a:t>28/1/2024</a:t>
             </a:fld>
             <a:endParaRPr lang="en-MY"/>
           </a:p>
@@ -2094,7 +2094,7 @@
           <a:p>
             <a:fld id="{FDA1C1AF-7B8C-40AE-9551-7C06C9AE4EEC}" type="datetimeFigureOut">
               <a:rPr lang="en-MY" smtClean="0"/>
-              <a:t>27/1/2024</a:t>
+              <a:t>28/1/2024</a:t>
             </a:fld>
             <a:endParaRPr lang="en-MY"/>
           </a:p>
@@ -2212,7 +2212,7 @@
           <a:p>
             <a:fld id="{FDA1C1AF-7B8C-40AE-9551-7C06C9AE4EEC}" type="datetimeFigureOut">
               <a:rPr lang="en-MY" smtClean="0"/>
-              <a:t>27/1/2024</a:t>
+              <a:t>28/1/2024</a:t>
             </a:fld>
             <a:endParaRPr lang="en-MY"/>
           </a:p>
@@ -2307,7 +2307,7 @@
           <a:p>
             <a:fld id="{FDA1C1AF-7B8C-40AE-9551-7C06C9AE4EEC}" type="datetimeFigureOut">
               <a:rPr lang="en-MY" smtClean="0"/>
-              <a:t>27/1/2024</a:t>
+              <a:t>28/1/2024</a:t>
             </a:fld>
             <a:endParaRPr lang="en-MY"/>
           </a:p>
@@ -2584,7 +2584,7 @@
           <a:p>
             <a:fld id="{FDA1C1AF-7B8C-40AE-9551-7C06C9AE4EEC}" type="datetimeFigureOut">
               <a:rPr lang="en-MY" smtClean="0"/>
-              <a:t>27/1/2024</a:t>
+              <a:t>28/1/2024</a:t>
             </a:fld>
             <a:endParaRPr lang="en-MY"/>
           </a:p>
@@ -2841,7 +2841,7 @@
           <a:p>
             <a:fld id="{FDA1C1AF-7B8C-40AE-9551-7C06C9AE4EEC}" type="datetimeFigureOut">
               <a:rPr lang="en-MY" smtClean="0"/>
-              <a:t>27/1/2024</a:t>
+              <a:t>28/1/2024</a:t>
             </a:fld>
             <a:endParaRPr lang="en-MY"/>
           </a:p>
@@ -3054,7 +3054,7 @@
           <a:p>
             <a:fld id="{FDA1C1AF-7B8C-40AE-9551-7C06C9AE4EEC}" type="datetimeFigureOut">
               <a:rPr lang="en-MY" smtClean="0"/>
-              <a:t>27/1/2024</a:t>
+              <a:t>28/1/2024</a:t>
             </a:fld>
             <a:endParaRPr lang="en-MY"/>
           </a:p>
@@ -8063,7 +8063,7 @@
                 <a:latin typeface="Aharoni" panose="02010803020104030203" pitchFamily="2" charset="-79"/>
                 <a:cs typeface="Aharoni" panose="02010803020104030203" pitchFamily="2" charset="-79"/>
               </a:rPr>
-              <a:t>daily_ns</a:t>
+              <a:t>daily_mly</a:t>
             </a:r>
             <a:endParaRPr lang="en-MY" dirty="0">
               <a:solidFill>

--- a/blood_donation.pptx
+++ b/blood_donation.pptx
@@ -7741,7 +7741,23 @@
                   <a:srgbClr val="1CB636"/>
                 </a:solidFill>
               </a:rPr>
-              <a:t>daily_kltn</a:t>
+              <a:t>daily</a:t>
+            </a:r>
+            <a:r>
+              <a:rPr lang="en-US" err="1">
+                <a:solidFill>
+                  <a:srgbClr val="1CB636"/>
+                </a:solidFill>
+              </a:rPr>
+              <a:t>_</a:t>
+            </a:r>
+            <a:r>
+              <a:rPr lang="en-US">
+                <a:solidFill>
+                  <a:srgbClr val="1CB636"/>
+                </a:solidFill>
+              </a:rPr>
+              <a:t>ktn</a:t>
             </a:r>
             <a:endParaRPr lang="en-MY" dirty="0">
               <a:solidFill>

--- a/blood_donation.pptx
+++ b/blood_donation.pptx
@@ -7256,7 +7256,7 @@
                   <a:srgbClr val="1CB636"/>
                 </a:solidFill>
               </a:rPr>
-              <a:t>New: </a:t>
+              <a:t>+</a:t>
             </a:r>
             <a:r>
               <a:rPr lang="en-US" dirty="0" err="1">
@@ -7309,7 +7309,7 @@
                   <a:srgbClr val="1CB636"/>
                 </a:solidFill>
               </a:rPr>
-              <a:t>New: </a:t>
+              <a:t>+</a:t>
             </a:r>
             <a:r>
               <a:rPr lang="en-US" dirty="0" err="1">
@@ -7362,7 +7362,7 @@
                   <a:srgbClr val="1CB636"/>
                 </a:solidFill>
               </a:rPr>
-              <a:t>New: </a:t>
+              <a:t>+</a:t>
             </a:r>
             <a:r>
               <a:rPr lang="en-US" dirty="0" err="1">
@@ -7415,7 +7415,7 @@
                   <a:srgbClr val="1CB636"/>
                 </a:solidFill>
               </a:rPr>
-              <a:t>New: </a:t>
+              <a:t>+</a:t>
             </a:r>
             <a:r>
               <a:rPr lang="en-US" dirty="0" err="1">
@@ -7468,7 +7468,7 @@
                   <a:srgbClr val="1CB636"/>
                 </a:solidFill>
               </a:rPr>
-              <a:t>New: </a:t>
+              <a:t>+</a:t>
             </a:r>
             <a:r>
               <a:rPr lang="en-US" dirty="0" err="1">
@@ -7521,7 +7521,7 @@
                   <a:srgbClr val="1CB636"/>
                 </a:solidFill>
               </a:rPr>
-              <a:t>New: </a:t>
+              <a:t>+</a:t>
             </a:r>
             <a:r>
               <a:rPr lang="en-US" dirty="0" err="1">
@@ -7574,7 +7574,7 @@
                   <a:srgbClr val="1CB636"/>
                 </a:solidFill>
               </a:rPr>
-              <a:t>New: </a:t>
+              <a:t>+</a:t>
             </a:r>
             <a:r>
               <a:rPr lang="en-US" dirty="0" err="1">
@@ -7627,7 +7627,7 @@
                   <a:srgbClr val="1CB636"/>
                 </a:solidFill>
               </a:rPr>
-              <a:t>New: </a:t>
+              <a:t> +</a:t>
             </a:r>
             <a:r>
               <a:rPr lang="en-US" dirty="0" err="1">
@@ -7680,7 +7680,7 @@
                   <a:srgbClr val="1CB636"/>
                 </a:solidFill>
               </a:rPr>
-              <a:t>New: </a:t>
+              <a:t>+</a:t>
             </a:r>
             <a:r>
               <a:rPr lang="en-US" dirty="0" err="1">
@@ -7733,7 +7733,7 @@
                   <a:srgbClr val="1CB636"/>
                 </a:solidFill>
               </a:rPr>
-              <a:t>New: </a:t>
+              <a:t>+</a:t>
             </a:r>
             <a:r>
               <a:rPr lang="en-US" dirty="0" err="1">
@@ -7741,23 +7741,7 @@
                   <a:srgbClr val="1CB636"/>
                 </a:solidFill>
               </a:rPr>
-              <a:t>daily</a:t>
-            </a:r>
-            <a:r>
-              <a:rPr lang="en-US" err="1">
-                <a:solidFill>
-                  <a:srgbClr val="1CB636"/>
-                </a:solidFill>
-              </a:rPr>
-              <a:t>_</a:t>
-            </a:r>
-            <a:r>
-              <a:rPr lang="en-US">
-                <a:solidFill>
-                  <a:srgbClr val="1CB636"/>
-                </a:solidFill>
-              </a:rPr>
-              <a:t>ktn</a:t>
+              <a:t>daily_ktn</a:t>
             </a:r>
             <a:endParaRPr lang="en-MY" dirty="0">
               <a:solidFill>
@@ -7802,7 +7786,7 @@
                   <a:srgbClr val="1CB636"/>
                 </a:solidFill>
               </a:rPr>
-              <a:t>New: </a:t>
+              <a:t>+</a:t>
             </a:r>
             <a:r>
               <a:rPr lang="en-US" dirty="0" err="1">
@@ -7855,7 +7839,7 @@
                   <a:srgbClr val="1CB636"/>
                 </a:solidFill>
               </a:rPr>
-              <a:t>New: </a:t>
+              <a:t>+</a:t>
             </a:r>
             <a:r>
               <a:rPr lang="en-US" dirty="0" err="1">
@@ -7908,7 +7892,7 @@
                   <a:srgbClr val="1CB636"/>
                 </a:solidFill>
               </a:rPr>
-              <a:t>New: </a:t>
+              <a:t>+</a:t>
             </a:r>
             <a:r>
               <a:rPr lang="en-US" dirty="0" err="1">
@@ -7961,7 +7945,7 @@
                   <a:srgbClr val="1CB636"/>
                 </a:solidFill>
               </a:rPr>
-              <a:t>New: </a:t>
+              <a:t>+</a:t>
             </a:r>
             <a:r>
               <a:rPr lang="en-US" dirty="0" err="1">
@@ -8014,7 +7998,7 @@
                   <a:srgbClr val="1CB636"/>
                 </a:solidFill>
               </a:rPr>
-              <a:t>New: </a:t>
+              <a:t>+</a:t>
             </a:r>
             <a:r>
               <a:rPr lang="en-US" dirty="0" err="1">
@@ -8069,7 +8053,7 @@
                 <a:latin typeface="Aharoni" panose="02010803020104030203" pitchFamily="2" charset="-79"/>
                 <a:cs typeface="Aharoni" panose="02010803020104030203" pitchFamily="2" charset="-79"/>
               </a:rPr>
-              <a:t>New: </a:t>
+              <a:t>+</a:t>
             </a:r>
             <a:r>
               <a:rPr lang="en-US" dirty="0" err="1">

--- a/blood_donation.pptx
+++ b/blood_donation.pptx
@@ -7198,12 +7198,12 @@
           <a:p>
             <a:pPr algn="ctr"/>
             <a:r>
-              <a:rPr lang="en-US" dirty="0">
+              <a:rPr lang="en-US">
                 <a:solidFill>
                   <a:srgbClr val="1CB636"/>
                 </a:solidFill>
               </a:rPr>
-              <a:t>New: </a:t>
+              <a:t>+daily</a:t>
             </a:r>
             <a:r>
               <a:rPr lang="en-US" dirty="0" err="1">
@@ -7211,7 +7211,7 @@
                   <a:srgbClr val="1CB636"/>
                 </a:solidFill>
               </a:rPr>
-              <a:t>daily_kl</a:t>
+              <a:t>_kl</a:t>
             </a:r>
             <a:endParaRPr lang="en-MY" dirty="0">
               <a:solidFill>

--- a/blood_donation.pptx
+++ b/blood_donation.pptx
@@ -110,12 +110,12 @@
   <p:extLst>
     <p:ext uri="{EFAFB233-063F-42B5-8137-9DF3F51BA10A}">
       <p15:sldGuideLst xmlns:p15="http://schemas.microsoft.com/office/powerpoint/2012/main">
-        <p15:guide id="1" orient="horz" pos="10205" userDrawn="1">
+        <p15:guide id="2" pos="9536" userDrawn="1">
           <p15:clr>
             <a:srgbClr val="A4A3A4"/>
           </p15:clr>
         </p15:guide>
-        <p15:guide id="2" pos="9536" userDrawn="1">
+        <p15:guide id="4" orient="horz" pos="10205" userDrawn="1">
           <p15:clr>
             <a:srgbClr val="A4A3A4"/>
           </p15:clr>
@@ -211,7 +211,7 @@
           <a:p>
             <a:fld id="{1DE40755-8679-4EBC-9EFA-4F99D54FDAB0}" type="datetimeFigureOut">
               <a:rPr lang="en-MY" smtClean="0"/>
-              <a:t>28/1/2024</a:t>
+              <a:t>29/1/2024</a:t>
             </a:fld>
             <a:endParaRPr lang="en-MY"/>
           </a:p>
@@ -715,7 +715,7 @@
           <a:p>
             <a:fld id="{FDA1C1AF-7B8C-40AE-9551-7C06C9AE4EEC}" type="datetimeFigureOut">
               <a:rPr lang="en-MY" smtClean="0"/>
-              <a:t>28/1/2024</a:t>
+              <a:t>29/1/2024</a:t>
             </a:fld>
             <a:endParaRPr lang="en-MY"/>
           </a:p>
@@ -901,7 +901,7 @@
           <a:p>
             <a:fld id="{FDA1C1AF-7B8C-40AE-9551-7C06C9AE4EEC}" type="datetimeFigureOut">
               <a:rPr lang="en-MY" smtClean="0"/>
-              <a:t>28/1/2024</a:t>
+              <a:t>29/1/2024</a:t>
             </a:fld>
             <a:endParaRPr lang="en-MY"/>
           </a:p>
@@ -1081,7 +1081,7 @@
           <a:p>
             <a:fld id="{FDA1C1AF-7B8C-40AE-9551-7C06C9AE4EEC}" type="datetimeFigureOut">
               <a:rPr lang="en-MY" smtClean="0"/>
-              <a:t>28/1/2024</a:t>
+              <a:t>29/1/2024</a:t>
             </a:fld>
             <a:endParaRPr lang="en-MY"/>
           </a:p>
@@ -1251,7 +1251,7 @@
           <a:p>
             <a:fld id="{FDA1C1AF-7B8C-40AE-9551-7C06C9AE4EEC}" type="datetimeFigureOut">
               <a:rPr lang="en-MY" smtClean="0"/>
-              <a:t>28/1/2024</a:t>
+              <a:t>29/1/2024</a:t>
             </a:fld>
             <a:endParaRPr lang="en-MY"/>
           </a:p>
@@ -1495,7 +1495,7 @@
           <a:p>
             <a:fld id="{FDA1C1AF-7B8C-40AE-9551-7C06C9AE4EEC}" type="datetimeFigureOut">
               <a:rPr lang="en-MY" smtClean="0"/>
-              <a:t>28/1/2024</a:t>
+              <a:t>29/1/2024</a:t>
             </a:fld>
             <a:endParaRPr lang="en-MY"/>
           </a:p>
@@ -1727,7 +1727,7 @@
           <a:p>
             <a:fld id="{FDA1C1AF-7B8C-40AE-9551-7C06C9AE4EEC}" type="datetimeFigureOut">
               <a:rPr lang="en-MY" smtClean="0"/>
-              <a:t>28/1/2024</a:t>
+              <a:t>29/1/2024</a:t>
             </a:fld>
             <a:endParaRPr lang="en-MY"/>
           </a:p>
@@ -2094,7 +2094,7 @@
           <a:p>
             <a:fld id="{FDA1C1AF-7B8C-40AE-9551-7C06C9AE4EEC}" type="datetimeFigureOut">
               <a:rPr lang="en-MY" smtClean="0"/>
-              <a:t>28/1/2024</a:t>
+              <a:t>29/1/2024</a:t>
             </a:fld>
             <a:endParaRPr lang="en-MY"/>
           </a:p>
@@ -2212,7 +2212,7 @@
           <a:p>
             <a:fld id="{FDA1C1AF-7B8C-40AE-9551-7C06C9AE4EEC}" type="datetimeFigureOut">
               <a:rPr lang="en-MY" smtClean="0"/>
-              <a:t>28/1/2024</a:t>
+              <a:t>29/1/2024</a:t>
             </a:fld>
             <a:endParaRPr lang="en-MY"/>
           </a:p>
@@ -2307,7 +2307,7 @@
           <a:p>
             <a:fld id="{FDA1C1AF-7B8C-40AE-9551-7C06C9AE4EEC}" type="datetimeFigureOut">
               <a:rPr lang="en-MY" smtClean="0"/>
-              <a:t>28/1/2024</a:t>
+              <a:t>29/1/2024</a:t>
             </a:fld>
             <a:endParaRPr lang="en-MY"/>
           </a:p>
@@ -2584,7 +2584,7 @@
           <a:p>
             <a:fld id="{FDA1C1AF-7B8C-40AE-9551-7C06C9AE4EEC}" type="datetimeFigureOut">
               <a:rPr lang="en-MY" smtClean="0"/>
-              <a:t>28/1/2024</a:t>
+              <a:t>29/1/2024</a:t>
             </a:fld>
             <a:endParaRPr lang="en-MY"/>
           </a:p>
@@ -2841,7 +2841,7 @@
           <a:p>
             <a:fld id="{FDA1C1AF-7B8C-40AE-9551-7C06C9AE4EEC}" type="datetimeFigureOut">
               <a:rPr lang="en-MY" smtClean="0"/>
-              <a:t>28/1/2024</a:t>
+              <a:t>29/1/2024</a:t>
             </a:fld>
             <a:endParaRPr lang="en-MY"/>
           </a:p>
@@ -3054,7 +3054,7 @@
           <a:p>
             <a:fld id="{FDA1C1AF-7B8C-40AE-9551-7C06C9AE4EEC}" type="datetimeFigureOut">
               <a:rPr lang="en-MY" smtClean="0"/>
-              <a:t>28/1/2024</a:t>
+              <a:t>29/1/2024</a:t>
             </a:fld>
             <a:endParaRPr lang="en-MY"/>
           </a:p>
@@ -4038,8 +4038,8 @@
         </p:nvSpPr>
         <p:spPr>
           <a:xfrm>
-            <a:off x="3690574" y="21976553"/>
-            <a:ext cx="4994033" cy="2133496"/>
+            <a:off x="21641292" y="7570051"/>
+            <a:ext cx="5015356" cy="2133496"/>
           </a:xfrm>
           <a:prstGeom prst="roundRect">
             <a:avLst/>
@@ -4090,7 +4090,7 @@
         </p:nvSpPr>
         <p:spPr>
           <a:xfrm>
-            <a:off x="1486484" y="21958813"/>
+            <a:off x="25963471" y="7579777"/>
             <a:ext cx="2860433" cy="2156942"/>
           </a:xfrm>
           <a:prstGeom prst="roundRect">
@@ -4152,8 +4152,8 @@
         </p:nvSpPr>
         <p:spPr>
           <a:xfrm>
-            <a:off x="4370517" y="22095651"/>
-            <a:ext cx="4267345" cy="584775"/>
+            <a:off x="21628045" y="7757686"/>
+            <a:ext cx="4310491" cy="584775"/>
           </a:xfrm>
           <a:prstGeom prst="rect">
             <a:avLst/>
@@ -4197,8 +4197,8 @@
         </p:nvSpPr>
         <p:spPr>
           <a:xfrm>
-            <a:off x="4311896" y="22634846"/>
-            <a:ext cx="4360984" cy="461665"/>
+            <a:off x="21628046" y="8344604"/>
+            <a:ext cx="4342591" cy="707886"/>
           </a:xfrm>
           <a:prstGeom prst="rect">
             <a:avLst/>
@@ -4213,20 +4213,20 @@
           <a:p>
             <a:pPr algn="ctr"/>
             <a:r>
-              <a:rPr lang="en-US" sz="2400" b="1" dirty="0" err="1">
+              <a:rPr lang="en-US" sz="4000" b="1" dirty="0" err="1">
                 <a:latin typeface="Verdana" panose="020B0604030504040204" pitchFamily="34" charset="0"/>
                 <a:ea typeface="Verdana" panose="020B0604030504040204" pitchFamily="34" charset="0"/>
               </a:rPr>
               <a:t>pulau</a:t>
             </a:r>
             <a:r>
-              <a:rPr lang="en-US" sz="2400" b="1" dirty="0">
+              <a:rPr lang="en-US" sz="4000" b="1" dirty="0">
                 <a:latin typeface="Verdana" panose="020B0604030504040204" pitchFamily="34" charset="0"/>
                 <a:ea typeface="Verdana" panose="020B0604030504040204" pitchFamily="34" charset="0"/>
               </a:rPr>
               <a:t> pinang</a:t>
             </a:r>
-            <a:endParaRPr lang="en-MY" sz="2400" b="1" dirty="0">
+            <a:endParaRPr lang="en-MY" sz="4000" b="1" dirty="0">
               <a:latin typeface="Verdana" panose="020B0604030504040204" pitchFamily="34" charset="0"/>
               <a:ea typeface="Verdana" panose="020B0604030504040204" pitchFamily="34" charset="0"/>
             </a:endParaRPr>
@@ -4247,8 +4247,8 @@
         </p:nvSpPr>
         <p:spPr>
           <a:xfrm>
-            <a:off x="3667126" y="13320843"/>
-            <a:ext cx="4994033" cy="2133496"/>
+            <a:off x="3620384" y="24851360"/>
+            <a:ext cx="5033621" cy="2164080"/>
           </a:xfrm>
           <a:prstGeom prst="roundRect">
             <a:avLst/>
@@ -4299,8 +4299,8 @@
         </p:nvSpPr>
         <p:spPr>
           <a:xfrm>
-            <a:off x="1512191" y="13320843"/>
-            <a:ext cx="2860433" cy="2156942"/>
+            <a:off x="1474423" y="24851360"/>
+            <a:ext cx="2878255" cy="2126348"/>
           </a:xfrm>
           <a:prstGeom prst="roundRect">
             <a:avLst/>
@@ -4360,8 +4360,8 @@
         </p:nvSpPr>
         <p:spPr>
           <a:xfrm>
-            <a:off x="4288451" y="13439941"/>
-            <a:ext cx="4325961" cy="584775"/>
+            <a:off x="4343704" y="24943122"/>
+            <a:ext cx="4223966" cy="584775"/>
           </a:xfrm>
           <a:prstGeom prst="rect">
             <a:avLst/>
@@ -4405,8 +4405,8 @@
         </p:nvSpPr>
         <p:spPr>
           <a:xfrm>
-            <a:off x="4358788" y="13979134"/>
-            <a:ext cx="4314092" cy="830997"/>
+            <a:off x="4352678" y="25482315"/>
+            <a:ext cx="4273460" cy="830997"/>
           </a:xfrm>
           <a:prstGeom prst="rect">
             <a:avLst/>
@@ -4448,7 +4448,7 @@
         </p:nvSpPr>
         <p:spPr>
           <a:xfrm>
-            <a:off x="21662615" y="7549721"/>
+            <a:off x="21649521" y="16202972"/>
             <a:ext cx="4994033" cy="2133496"/>
           </a:xfrm>
           <a:prstGeom prst="roundRect">
@@ -4500,7 +4500,7 @@
         </p:nvSpPr>
         <p:spPr>
           <a:xfrm>
-            <a:off x="25976565" y="7557558"/>
+            <a:off x="25963471" y="16210809"/>
             <a:ext cx="2860433" cy="2156942"/>
           </a:xfrm>
           <a:prstGeom prst="roundRect">
@@ -4561,7 +4561,7 @@
         </p:nvSpPr>
         <p:spPr>
           <a:xfrm>
-            <a:off x="21662613" y="7668818"/>
+            <a:off x="22026458" y="14021638"/>
             <a:ext cx="4278777" cy="584775"/>
           </a:xfrm>
           <a:prstGeom prst="rect">
@@ -4606,7 +4606,7 @@
         </p:nvSpPr>
         <p:spPr>
           <a:xfrm>
-            <a:off x="21662613" y="8208011"/>
+            <a:off x="22026458" y="14560831"/>
             <a:ext cx="4337388" cy="830997"/>
           </a:xfrm>
           <a:prstGeom prst="rect">
@@ -4649,7 +4649,7 @@
         </p:nvSpPr>
         <p:spPr>
           <a:xfrm>
-            <a:off x="3620376" y="7581004"/>
+            <a:off x="21614325" y="21980445"/>
             <a:ext cx="4994033" cy="2133496"/>
           </a:xfrm>
           <a:prstGeom prst="roundRect">
@@ -4701,8 +4701,8 @@
         </p:nvSpPr>
         <p:spPr>
           <a:xfrm>
-            <a:off x="4241701" y="7700102"/>
-            <a:ext cx="4360982" cy="584775"/>
+            <a:off x="21628046" y="22099543"/>
+            <a:ext cx="4324498" cy="584775"/>
           </a:xfrm>
           <a:prstGeom prst="rect">
             <a:avLst/>
@@ -4744,8 +4744,8 @@
         </p:nvSpPr>
         <p:spPr>
           <a:xfrm>
-            <a:off x="4346917" y="8239296"/>
-            <a:ext cx="4255769" cy="461665"/>
+            <a:off x="21610725" y="22841211"/>
+            <a:ext cx="4341818" cy="461665"/>
           </a:xfrm>
           <a:prstGeom prst="rect">
             <a:avLst/>
@@ -4801,7 +4801,7 @@
         </p:nvSpPr>
         <p:spPr>
           <a:xfrm>
-            <a:off x="21662613" y="10422876"/>
+            <a:off x="3607817" y="19089654"/>
             <a:ext cx="5038297" cy="2156942"/>
           </a:xfrm>
           <a:prstGeom prst="roundRect">
@@ -4853,8 +4853,8 @@
         </p:nvSpPr>
         <p:spPr>
           <a:xfrm>
-            <a:off x="21662612" y="10541974"/>
-            <a:ext cx="4296167" cy="584775"/>
+            <a:off x="4329540" y="19208752"/>
+            <a:ext cx="4331618" cy="584775"/>
           </a:xfrm>
           <a:prstGeom prst="rect">
             <a:avLst/>
@@ -4898,8 +4898,8 @@
         </p:nvSpPr>
         <p:spPr>
           <a:xfrm>
-            <a:off x="21662612" y="11081169"/>
-            <a:ext cx="4296166" cy="830997"/>
+            <a:off x="4343704" y="19747947"/>
+            <a:ext cx="4302407" cy="830997"/>
           </a:xfrm>
           <a:prstGeom prst="rect">
             <a:avLst/>
@@ -4948,8 +4948,8 @@
         </p:nvSpPr>
         <p:spPr>
           <a:xfrm>
-            <a:off x="3690577" y="24839689"/>
-            <a:ext cx="4994033" cy="2182187"/>
+            <a:off x="21628045" y="10417566"/>
+            <a:ext cx="5028603" cy="2166297"/>
           </a:xfrm>
           <a:prstGeom prst="roundRect">
             <a:avLst/>
@@ -5000,7 +5000,7 @@
         </p:nvSpPr>
         <p:spPr>
           <a:xfrm>
-            <a:off x="1533229" y="24838087"/>
+            <a:off x="25941461" y="10417566"/>
             <a:ext cx="2860433" cy="2156942"/>
           </a:xfrm>
           <a:prstGeom prst="roundRect">
@@ -5061,8 +5061,8 @@
         </p:nvSpPr>
         <p:spPr>
           <a:xfrm>
-            <a:off x="4346917" y="25078715"/>
-            <a:ext cx="4337541" cy="584775"/>
+            <a:off x="21615465" y="10640702"/>
+            <a:ext cx="4337079" cy="584775"/>
           </a:xfrm>
           <a:prstGeom prst="rect">
             <a:avLst/>
@@ -5106,8 +5106,8 @@
         </p:nvSpPr>
         <p:spPr>
           <a:xfrm>
-            <a:off x="4355892" y="25572079"/>
-            <a:ext cx="4328566" cy="830997"/>
+            <a:off x="21615464" y="11134066"/>
+            <a:ext cx="4325997" cy="830997"/>
           </a:xfrm>
           <a:prstGeom prst="rect">
             <a:avLst/>
@@ -5149,8 +5149,8 @@
         </p:nvSpPr>
         <p:spPr>
           <a:xfrm>
-            <a:off x="3667125" y="19088545"/>
-            <a:ext cx="4994033" cy="2133496"/>
+            <a:off x="21636130" y="13321156"/>
+            <a:ext cx="5020518" cy="2133496"/>
           </a:xfrm>
           <a:prstGeom prst="roundRect">
             <a:avLst/>
@@ -5201,8 +5201,8 @@
         </p:nvSpPr>
         <p:spPr>
           <a:xfrm>
-            <a:off x="1495459" y="19101353"/>
-            <a:ext cx="2860433" cy="2156942"/>
+            <a:off x="25941309" y="13314619"/>
+            <a:ext cx="2882595" cy="2156942"/>
           </a:xfrm>
           <a:prstGeom prst="roundRect">
             <a:avLst/>
@@ -5262,8 +5262,8 @@
         </p:nvSpPr>
         <p:spPr>
           <a:xfrm>
-            <a:off x="4393662" y="19253797"/>
-            <a:ext cx="4290796" cy="584775"/>
+            <a:off x="21635979" y="13486408"/>
+            <a:ext cx="4305330" cy="584775"/>
           </a:xfrm>
           <a:prstGeom prst="rect">
             <a:avLst/>
@@ -5307,8 +5307,8 @@
         </p:nvSpPr>
         <p:spPr>
           <a:xfrm>
-            <a:off x="4372624" y="19767090"/>
-            <a:ext cx="4372559" cy="830997"/>
+            <a:off x="21636131" y="13999701"/>
+            <a:ext cx="4305330" cy="830997"/>
           </a:xfrm>
           <a:prstGeom prst="rect">
             <a:avLst/>
@@ -5350,8 +5350,8 @@
         </p:nvSpPr>
         <p:spPr>
           <a:xfrm>
-            <a:off x="21644977" y="13350691"/>
-            <a:ext cx="4994033" cy="2158233"/>
+            <a:off x="3616905" y="13336809"/>
+            <a:ext cx="5029384" cy="2158233"/>
           </a:xfrm>
           <a:prstGeom prst="roundRect">
             <a:avLst/>
@@ -5402,8 +5402,8 @@
         </p:nvSpPr>
         <p:spPr>
           <a:xfrm>
-            <a:off x="25941390" y="13355440"/>
-            <a:ext cx="2913135" cy="2151358"/>
+            <a:off x="1469107" y="13331417"/>
+            <a:ext cx="2860433" cy="2151358"/>
           </a:xfrm>
           <a:prstGeom prst="roundRect">
             <a:avLst/>
@@ -5463,8 +5463,8 @@
         </p:nvSpPr>
         <p:spPr>
           <a:xfrm>
-            <a:off x="21644972" y="13541026"/>
-            <a:ext cx="4372560" cy="584775"/>
+            <a:off x="4344481" y="13527144"/>
+            <a:ext cx="4316677" cy="584775"/>
           </a:xfrm>
           <a:prstGeom prst="rect">
             <a:avLst/>
@@ -5508,8 +5508,8 @@
         </p:nvSpPr>
         <p:spPr>
           <a:xfrm>
-            <a:off x="21644974" y="14034389"/>
-            <a:ext cx="4337388" cy="830997"/>
+            <a:off x="4344478" y="14020507"/>
+            <a:ext cx="4301636" cy="830997"/>
           </a:xfrm>
           <a:prstGeom prst="rect">
             <a:avLst/>
@@ -5551,8 +5551,8 @@
         </p:nvSpPr>
         <p:spPr>
           <a:xfrm>
-            <a:off x="21632045" y="16210780"/>
-            <a:ext cx="4994033" cy="2149329"/>
+            <a:off x="21640800" y="19092668"/>
+            <a:ext cx="4967564" cy="2141136"/>
           </a:xfrm>
           <a:prstGeom prst="roundRect">
             <a:avLst/>
@@ -5603,7 +5603,7 @@
         </p:nvSpPr>
         <p:spPr>
           <a:xfrm>
-            <a:off x="25981158" y="16215527"/>
+            <a:off x="25963444" y="19089222"/>
             <a:ext cx="2860433" cy="2156942"/>
           </a:xfrm>
           <a:prstGeom prst="roundRect">
@@ -5664,7 +5664,7 @@
         </p:nvSpPr>
         <p:spPr>
           <a:xfrm>
-            <a:off x="21632039" y="16401113"/>
+            <a:off x="21614325" y="19274808"/>
             <a:ext cx="4360836" cy="584775"/>
           </a:xfrm>
           <a:prstGeom prst="rect">
@@ -5709,7 +5709,7 @@
         </p:nvSpPr>
         <p:spPr>
           <a:xfrm>
-            <a:off x="21632045" y="16894478"/>
+            <a:off x="21614331" y="19768173"/>
             <a:ext cx="4325665" cy="830997"/>
           </a:xfrm>
           <a:prstGeom prst="rect">
@@ -5752,8 +5752,8 @@
         </p:nvSpPr>
         <p:spPr>
           <a:xfrm>
-            <a:off x="21614326" y="19059535"/>
-            <a:ext cx="5083296" cy="2133496"/>
+            <a:off x="3628650" y="21965919"/>
+            <a:ext cx="5038298" cy="2146815"/>
           </a:xfrm>
           <a:prstGeom prst="roundRect">
             <a:avLst/>
@@ -5804,8 +5804,8 @@
         </p:nvSpPr>
         <p:spPr>
           <a:xfrm>
-            <a:off x="25981158" y="19064281"/>
-            <a:ext cx="2860433" cy="2140473"/>
+            <a:off x="1457070" y="21965920"/>
+            <a:ext cx="2895608" cy="2158968"/>
           </a:xfrm>
           <a:prstGeom prst="roundRect">
             <a:avLst/>
@@ -5847,7 +5847,7 @@
           <a:lstStyle/>
           <a:p>
             <a:pPr algn="ctr"/>
-            <a:endParaRPr lang="en-MY"/>
+            <a:endParaRPr lang="en-MY" dirty="0"/>
           </a:p>
         </p:txBody>
       </p:sp>
@@ -5865,8 +5865,8 @@
         </p:nvSpPr>
         <p:spPr>
           <a:xfrm>
-            <a:off x="21703585" y="19249867"/>
-            <a:ext cx="4349113" cy="584775"/>
+            <a:off x="4336395" y="22169571"/>
+            <a:ext cx="4317611" cy="584775"/>
           </a:xfrm>
           <a:prstGeom prst="rect">
             <a:avLst/>
@@ -5910,8 +5910,8 @@
         </p:nvSpPr>
         <p:spPr>
           <a:xfrm>
-            <a:off x="21703585" y="19743232"/>
-            <a:ext cx="4313942" cy="830997"/>
+            <a:off x="4329539" y="22662936"/>
+            <a:ext cx="4338476" cy="830997"/>
           </a:xfrm>
           <a:prstGeom prst="rect">
             <a:avLst/>
@@ -5953,7 +5953,7 @@
         </p:nvSpPr>
         <p:spPr>
           <a:xfrm>
-            <a:off x="3690577" y="27729384"/>
+            <a:off x="3638903" y="16203004"/>
             <a:ext cx="4994033" cy="2173310"/>
           </a:xfrm>
           <a:prstGeom prst="roundRect">
@@ -6005,7 +6005,7 @@
         </p:nvSpPr>
         <p:spPr>
           <a:xfrm>
-            <a:off x="4405692" y="27959531"/>
+            <a:off x="4354018" y="16433151"/>
             <a:ext cx="4278766" cy="584775"/>
           </a:xfrm>
           <a:prstGeom prst="rect">
@@ -6050,7 +6050,7 @@
         </p:nvSpPr>
         <p:spPr>
           <a:xfrm>
-            <a:off x="4405540" y="28452895"/>
+            <a:off x="4353866" y="16926515"/>
             <a:ext cx="4278918" cy="830997"/>
           </a:xfrm>
           <a:prstGeom prst="rect">
@@ -6093,7 +6093,7 @@
         </p:nvSpPr>
         <p:spPr>
           <a:xfrm>
-            <a:off x="3667128" y="16231084"/>
+            <a:off x="3664692" y="7578002"/>
             <a:ext cx="4994033" cy="2133496"/>
           </a:xfrm>
           <a:prstGeom prst="roundRect">
@@ -6145,7 +6145,7 @@
         </p:nvSpPr>
         <p:spPr>
           <a:xfrm>
-            <a:off x="4347066" y="16473697"/>
+            <a:off x="4344630" y="7820615"/>
             <a:ext cx="4360835" cy="584775"/>
           </a:xfrm>
           <a:prstGeom prst="rect">
@@ -6190,7 +6190,7 @@
         </p:nvSpPr>
         <p:spPr>
           <a:xfrm>
-            <a:off x="4323475" y="16869095"/>
+            <a:off x="4321039" y="8216013"/>
             <a:ext cx="4325665" cy="830997"/>
           </a:xfrm>
           <a:prstGeom prst="rect">
@@ -6247,8 +6247,8 @@
         </p:blipFill>
         <p:spPr>
           <a:xfrm>
-            <a:off x="1492433" y="7571649"/>
-            <a:ext cx="2901229" cy="2133496"/>
+            <a:off x="25952543" y="21965919"/>
+            <a:ext cx="2869748" cy="2157416"/>
           </a:xfrm>
           <a:prstGeom prst="roundRect">
             <a:avLst/>
@@ -6283,8 +6283,8 @@
         </p:blipFill>
         <p:spPr>
           <a:xfrm>
-            <a:off x="1492564" y="16201749"/>
-            <a:ext cx="2866224" cy="2162832"/>
+            <a:off x="1458410" y="7578001"/>
+            <a:ext cx="2877986" cy="2133497"/>
           </a:xfrm>
           <a:prstGeom prst="roundRect">
             <a:avLst/>
@@ -6319,7 +6319,7 @@
         </p:blipFill>
         <p:spPr>
           <a:xfrm>
-            <a:off x="1510084" y="27727251"/>
+            <a:off x="1458410" y="16200871"/>
             <a:ext cx="2895608" cy="2165342"/>
           </a:xfrm>
           <a:prstGeom prst="roundRect">
@@ -6355,7 +6355,7 @@
         </p:blipFill>
         <p:spPr>
           <a:xfrm>
-            <a:off x="25951739" y="10439199"/>
+            <a:off x="1462066" y="19085515"/>
             <a:ext cx="2867474" cy="2158233"/>
           </a:xfrm>
           <a:prstGeom prst="roundRect">
@@ -6377,8 +6377,8 @@
         </p:nvSpPr>
         <p:spPr>
           <a:xfrm>
-            <a:off x="21644977" y="21976553"/>
-            <a:ext cx="4994033" cy="2158233"/>
+            <a:off x="3607817" y="27749246"/>
+            <a:ext cx="5050911" cy="2158233"/>
           </a:xfrm>
           <a:prstGeom prst="roundRect">
             <a:avLst/>
@@ -6429,8 +6429,8 @@
         </p:nvSpPr>
         <p:spPr>
           <a:xfrm>
-            <a:off x="21644972" y="22166888"/>
-            <a:ext cx="4312738" cy="584775"/>
+            <a:off x="4352678" y="27939581"/>
+            <a:ext cx="4315336" cy="584775"/>
           </a:xfrm>
           <a:prstGeom prst="rect">
             <a:avLst/>
@@ -6474,8 +6474,8 @@
         </p:nvSpPr>
         <p:spPr>
           <a:xfrm>
-            <a:off x="21644974" y="22660251"/>
-            <a:ext cx="4337388" cy="830997"/>
+            <a:off x="4343704" y="28432944"/>
+            <a:ext cx="3658376" cy="830997"/>
           </a:xfrm>
           <a:prstGeom prst="rect">
             <a:avLst/>
@@ -6766,8 +6766,8 @@
         </p:blipFill>
         <p:spPr>
           <a:xfrm>
-            <a:off x="25958777" y="21964830"/>
-            <a:ext cx="2853819" cy="2180492"/>
+            <a:off x="1498859" y="27737196"/>
+            <a:ext cx="2853819" cy="2147476"/>
           </a:xfrm>
           <a:prstGeom prst="roundRect">
             <a:avLst/>
@@ -7182,8 +7182,8 @@
         </p:nvSpPr>
         <p:spPr>
           <a:xfrm>
-            <a:off x="4355892" y="9151147"/>
-            <a:ext cx="4234925" cy="369332"/>
+            <a:off x="21610725" y="23550588"/>
+            <a:ext cx="4341817" cy="369332"/>
           </a:xfrm>
           <a:prstGeom prst="rect">
             <a:avLst/>
@@ -7288,8 +7288,8 @@
         </p:nvSpPr>
         <p:spPr>
           <a:xfrm>
-            <a:off x="4346917" y="14910564"/>
-            <a:ext cx="4325963" cy="369332"/>
+            <a:off x="4329537" y="26413745"/>
+            <a:ext cx="4316573" cy="369332"/>
           </a:xfrm>
           <a:prstGeom prst="rect">
             <a:avLst/>
@@ -7341,7 +7341,7 @@
         </p:nvSpPr>
         <p:spPr>
           <a:xfrm>
-            <a:off x="4346917" y="17792123"/>
+            <a:off x="4344481" y="9139041"/>
             <a:ext cx="4290945" cy="369332"/>
           </a:xfrm>
           <a:prstGeom prst="rect">
@@ -7394,8 +7394,8 @@
         </p:nvSpPr>
         <p:spPr>
           <a:xfrm>
-            <a:off x="4346917" y="20733321"/>
-            <a:ext cx="4325963" cy="369332"/>
+            <a:off x="21635980" y="14884500"/>
+            <a:ext cx="4305329" cy="369332"/>
           </a:xfrm>
           <a:prstGeom prst="rect">
             <a:avLst/>
@@ -7447,8 +7447,8 @@
         </p:nvSpPr>
         <p:spPr>
           <a:xfrm>
-            <a:off x="4367758" y="23512737"/>
-            <a:ext cx="4312343" cy="369332"/>
+            <a:off x="21615464" y="9106235"/>
+            <a:ext cx="4318981" cy="369332"/>
           </a:xfrm>
           <a:prstGeom prst="rect">
             <a:avLst/>
@@ -7500,8 +7500,8 @@
         </p:nvSpPr>
         <p:spPr>
           <a:xfrm>
-            <a:off x="4368844" y="26527108"/>
-            <a:ext cx="4311257" cy="369332"/>
+            <a:off x="21615464" y="12017908"/>
+            <a:ext cx="4323072" cy="369332"/>
           </a:xfrm>
           <a:prstGeom prst="rect">
             <a:avLst/>
@@ -7553,7 +7553,7 @@
         </p:nvSpPr>
         <p:spPr>
           <a:xfrm>
-            <a:off x="4355892" y="29335242"/>
+            <a:off x="4304218" y="17808862"/>
             <a:ext cx="4311257" cy="369332"/>
           </a:xfrm>
           <a:prstGeom prst="rect">
@@ -7606,7 +7606,7 @@
         </p:nvSpPr>
         <p:spPr>
           <a:xfrm>
-            <a:off x="21678752" y="9133761"/>
+            <a:off x="21665658" y="17787012"/>
             <a:ext cx="4302406" cy="369332"/>
           </a:xfrm>
           <a:prstGeom prst="rect">
@@ -7659,8 +7659,8 @@
         </p:nvSpPr>
         <p:spPr>
           <a:xfrm>
-            <a:off x="21662611" y="12000739"/>
-            <a:ext cx="4302406" cy="369332"/>
+            <a:off x="4353369" y="20667516"/>
+            <a:ext cx="4307788" cy="377977"/>
           </a:xfrm>
           <a:prstGeom prst="rect">
             <a:avLst/>
@@ -7712,8 +7712,8 @@
         </p:nvSpPr>
         <p:spPr>
           <a:xfrm>
-            <a:off x="21650138" y="14944515"/>
-            <a:ext cx="4302406" cy="369332"/>
+            <a:off x="4344481" y="14975535"/>
+            <a:ext cx="4309526" cy="369332"/>
           </a:xfrm>
           <a:prstGeom prst="rect">
             <a:avLst/>
@@ -7765,7 +7765,7 @@
         </p:nvSpPr>
         <p:spPr>
           <a:xfrm>
-            <a:off x="21632039" y="17842911"/>
+            <a:off x="21614325" y="20716606"/>
             <a:ext cx="4302406" cy="369332"/>
           </a:xfrm>
           <a:prstGeom prst="rect">
@@ -7818,8 +7818,8 @@
         </p:nvSpPr>
         <p:spPr>
           <a:xfrm>
-            <a:off x="21614325" y="20676162"/>
-            <a:ext cx="4302406" cy="369332"/>
+            <a:off x="4329538" y="23595866"/>
+            <a:ext cx="4324467" cy="369332"/>
           </a:xfrm>
           <a:prstGeom prst="rect">
             <a:avLst/>
@@ -7871,8 +7871,8 @@
         </p:nvSpPr>
         <p:spPr>
           <a:xfrm>
-            <a:off x="21650138" y="23595866"/>
-            <a:ext cx="4302406" cy="369332"/>
+            <a:off x="4370516" y="29368559"/>
+            <a:ext cx="4290641" cy="369332"/>
           </a:xfrm>
           <a:prstGeom prst="rect">
             <a:avLst/>
@@ -8071,6 +8071,94 @@
               </a:solidFill>
               <a:latin typeface="Aharoni" panose="02010803020104030203" pitchFamily="2" charset="-79"/>
               <a:cs typeface="Aharoni" panose="02010803020104030203" pitchFamily="2" charset="-79"/>
+            </a:endParaRPr>
+          </a:p>
+        </p:txBody>
+      </p:sp>
+      <p:sp>
+        <p:nvSpPr>
+          <p:cNvPr id="43" name="TextBox 42">
+            <a:extLst>
+              <a:ext uri="{FF2B5EF4-FFF2-40B4-BE49-F238E27FC236}">
+                <a16:creationId xmlns:a16="http://schemas.microsoft.com/office/drawing/2014/main" id="{C0001FF3-4842-2C4E-5AFE-01CFF6C12ACF}"/>
+              </a:ext>
+            </a:extLst>
+          </p:cNvPr>
+          <p:cNvSpPr txBox="1"/>
+          <p:nvPr/>
+        </p:nvSpPr>
+        <p:spPr>
+          <a:xfrm>
+            <a:off x="21635978" y="16417123"/>
+            <a:ext cx="4316565" cy="584775"/>
+          </a:xfrm>
+          <a:prstGeom prst="rect">
+            <a:avLst/>
+          </a:prstGeom>
+          <a:noFill/>
+        </p:spPr>
+        <p:txBody>
+          <a:bodyPr wrap="square" rtlCol="0">
+            <a:spAutoFit/>
+          </a:bodyPr>
+          <a:lstStyle/>
+          <a:p>
+            <a:pPr algn="ctr"/>
+            <a:r>
+              <a:rPr lang="en-US" sz="3200" b="1" dirty="0">
+                <a:latin typeface="Aharoni" panose="02010803020104030203" pitchFamily="2" charset="-79"/>
+                <a:ea typeface="Verdana" panose="020B0604030504040204" pitchFamily="34" charset="0"/>
+                <a:cs typeface="Aharoni" panose="02010803020104030203" pitchFamily="2" charset="-79"/>
+              </a:rPr>
+              <a:t>SELANGOR</a:t>
+            </a:r>
+            <a:endParaRPr lang="en-MY" sz="3200" b="1" dirty="0">
+              <a:latin typeface="Aharoni" panose="02010803020104030203" pitchFamily="2" charset="-79"/>
+              <a:ea typeface="Verdana" panose="020B0604030504040204" pitchFamily="34" charset="0"/>
+              <a:cs typeface="Aharoni" panose="02010803020104030203" pitchFamily="2" charset="-79"/>
+            </a:endParaRPr>
+          </a:p>
+        </p:txBody>
+      </p:sp>
+      <p:sp>
+        <p:nvSpPr>
+          <p:cNvPr id="44" name="TextBox 43">
+            <a:extLst>
+              <a:ext uri="{FF2B5EF4-FFF2-40B4-BE49-F238E27FC236}">
+                <a16:creationId xmlns:a16="http://schemas.microsoft.com/office/drawing/2014/main" id="{72F5A50F-6716-C863-5297-0BB8E5102132}"/>
+              </a:ext>
+            </a:extLst>
+          </p:cNvPr>
+          <p:cNvSpPr txBox="1"/>
+          <p:nvPr/>
+        </p:nvSpPr>
+        <p:spPr>
+          <a:xfrm>
+            <a:off x="21632039" y="16817408"/>
+            <a:ext cx="4325665" cy="707886"/>
+          </a:xfrm>
+          <a:prstGeom prst="rect">
+            <a:avLst/>
+          </a:prstGeom>
+          <a:noFill/>
+        </p:spPr>
+        <p:txBody>
+          <a:bodyPr wrap="square" rtlCol="0">
+            <a:spAutoFit/>
+          </a:bodyPr>
+          <a:lstStyle/>
+          <a:p>
+            <a:pPr algn="ctr"/>
+            <a:r>
+              <a:rPr lang="en-US" sz="4000" b="1" dirty="0" err="1">
+                <a:latin typeface="Verdana" panose="020B0604030504040204" pitchFamily="34" charset="0"/>
+                <a:ea typeface="Verdana" panose="020B0604030504040204" pitchFamily="34" charset="0"/>
+              </a:rPr>
+              <a:t>selangor</a:t>
+            </a:r>
+            <a:endParaRPr lang="en-MY" sz="4000" b="1" dirty="0">
+              <a:latin typeface="Verdana" panose="020B0604030504040204" pitchFamily="34" charset="0"/>
+              <a:ea typeface="Verdana" panose="020B0604030504040204" pitchFamily="34" charset="0"/>
             </a:endParaRPr>
           </a:p>
         </p:txBody>

--- a/blood_donation.pptx
+++ b/blood_donation.pptx
@@ -4197,7 +4197,7 @@
         </p:nvSpPr>
         <p:spPr>
           <a:xfrm>
-            <a:off x="21628046" y="8344604"/>
+            <a:off x="21617348" y="8252753"/>
             <a:ext cx="4342591" cy="707886"/>
           </a:xfrm>
           <a:prstGeom prst="rect">
@@ -4744,7 +4744,7 @@
         </p:nvSpPr>
         <p:spPr>
           <a:xfrm>
-            <a:off x="21610725" y="22841211"/>
+            <a:off x="21610725" y="22747074"/>
             <a:ext cx="4341818" cy="461665"/>
           </a:xfrm>
           <a:prstGeom prst="rect">

--- a/blood_donation.pptx
+++ b/blood_donation.pptx
@@ -5,10 +5,13 @@
     <p:sldMasterId id="2147483720" r:id="rId1"/>
   </p:sldMasterIdLst>
   <p:notesMasterIdLst>
-    <p:notesMasterId r:id="rId3"/>
+    <p:notesMasterId r:id="rId6"/>
   </p:notesMasterIdLst>
   <p:sldIdLst>
-    <p:sldId id="256" r:id="rId2"/>
+    <p:sldId id="257" r:id="rId2"/>
+    <p:sldId id="258" r:id="rId3"/>
+    <p:sldId id="259" r:id="rId4"/>
+    <p:sldId id="260" r:id="rId5"/>
   </p:sldIdLst>
   <p:sldSz cx="30275213" cy="32399288"/>
   <p:notesSz cx="6858000" cy="9144000"/>
@@ -211,7 +214,7 @@
           <a:p>
             <a:fld id="{1DE40755-8679-4EBC-9EFA-4F99D54FDAB0}" type="datetimeFigureOut">
               <a:rPr lang="en-MY" smtClean="0"/>
-              <a:t>29/1/2024</a:t>
+              <a:t>30/1/2024</a:t>
             </a:fld>
             <a:endParaRPr lang="en-MY"/>
           </a:p>
@@ -574,7 +577,274 @@
     </p:spTree>
     <p:extLst>
       <p:ext uri="{BB962C8B-B14F-4D97-AF65-F5344CB8AC3E}">
-        <p14:creationId xmlns:p14="http://schemas.microsoft.com/office/powerpoint/2010/main" val="3219130387"/>
+        <p14:creationId xmlns:p14="http://schemas.microsoft.com/office/powerpoint/2010/main" val="1646125996"/>
+      </p:ext>
+    </p:extLst>
+  </p:cSld>
+  <p:clrMapOvr>
+    <a:masterClrMapping/>
+  </p:clrMapOvr>
+</p:notes>
+</file>
+
+<file path=ppt/notesSlides/notesSlide2.xml><?xml version="1.0" encoding="utf-8"?>
+<p:notes xmlns:a="http://schemas.openxmlformats.org/drawingml/2006/main" xmlns:r="http://schemas.openxmlformats.org/officeDocument/2006/relationships" xmlns:p="http://schemas.openxmlformats.org/presentationml/2006/main">
+  <p:cSld>
+    <p:spTree>
+      <p:nvGrpSpPr>
+        <p:cNvPr id="1" name=""/>
+        <p:cNvGrpSpPr/>
+        <p:nvPr/>
+      </p:nvGrpSpPr>
+      <p:grpSpPr>
+        <a:xfrm>
+          <a:off x="0" y="0"/>
+          <a:ext cx="0" cy="0"/>
+          <a:chOff x="0" y="0"/>
+          <a:chExt cx="0" cy="0"/>
+        </a:xfrm>
+      </p:grpSpPr>
+      <p:sp>
+        <p:nvSpPr>
+          <p:cNvPr id="2" name="Slide Image Placeholder 1"/>
+          <p:cNvSpPr>
+            <a:spLocks noGrp="1" noRot="1" noChangeAspect="1"/>
+          </p:cNvSpPr>
+          <p:nvPr>
+            <p:ph type="sldImg"/>
+          </p:nvPr>
+        </p:nvSpPr>
+        <p:spPr>
+          <a:xfrm>
+            <a:off x="1987550" y="1143000"/>
+            <a:ext cx="2882900" cy="3086100"/>
+          </a:xfrm>
+        </p:spPr>
+      </p:sp>
+      <p:sp>
+        <p:nvSpPr>
+          <p:cNvPr id="3" name="Notes Placeholder 2"/>
+          <p:cNvSpPr>
+            <a:spLocks noGrp="1"/>
+          </p:cNvSpPr>
+          <p:nvPr>
+            <p:ph type="body" idx="1"/>
+          </p:nvPr>
+        </p:nvSpPr>
+        <p:spPr/>
+        <p:txBody>
+          <a:bodyPr/>
+          <a:lstStyle/>
+          <a:p>
+            <a:endParaRPr lang="en-MY" dirty="0"/>
+          </a:p>
+        </p:txBody>
+      </p:sp>
+      <p:sp>
+        <p:nvSpPr>
+          <p:cNvPr id="4" name="Slide Number Placeholder 3"/>
+          <p:cNvSpPr>
+            <a:spLocks noGrp="1"/>
+          </p:cNvSpPr>
+          <p:nvPr>
+            <p:ph type="sldNum" sz="quarter" idx="5"/>
+          </p:nvPr>
+        </p:nvSpPr>
+        <p:spPr/>
+        <p:txBody>
+          <a:bodyPr/>
+          <a:lstStyle/>
+          <a:p>
+            <a:fld id="{9F67F347-F259-4000-9D8F-193820691C71}" type="slidenum">
+              <a:rPr lang="en-MY" smtClean="0"/>
+              <a:t>2</a:t>
+            </a:fld>
+            <a:endParaRPr lang="en-MY"/>
+          </a:p>
+        </p:txBody>
+      </p:sp>
+    </p:spTree>
+    <p:extLst>
+      <p:ext uri="{BB962C8B-B14F-4D97-AF65-F5344CB8AC3E}">
+        <p14:creationId xmlns:p14="http://schemas.microsoft.com/office/powerpoint/2010/main" val="1239439067"/>
+      </p:ext>
+    </p:extLst>
+  </p:cSld>
+  <p:clrMapOvr>
+    <a:masterClrMapping/>
+  </p:clrMapOvr>
+</p:notes>
+</file>
+
+<file path=ppt/notesSlides/notesSlide3.xml><?xml version="1.0" encoding="utf-8"?>
+<p:notes xmlns:a="http://schemas.openxmlformats.org/drawingml/2006/main" xmlns:r="http://schemas.openxmlformats.org/officeDocument/2006/relationships" xmlns:p="http://schemas.openxmlformats.org/presentationml/2006/main">
+  <p:cSld>
+    <p:spTree>
+      <p:nvGrpSpPr>
+        <p:cNvPr id="1" name=""/>
+        <p:cNvGrpSpPr/>
+        <p:nvPr/>
+      </p:nvGrpSpPr>
+      <p:grpSpPr>
+        <a:xfrm>
+          <a:off x="0" y="0"/>
+          <a:ext cx="0" cy="0"/>
+          <a:chOff x="0" y="0"/>
+          <a:chExt cx="0" cy="0"/>
+        </a:xfrm>
+      </p:grpSpPr>
+      <p:sp>
+        <p:nvSpPr>
+          <p:cNvPr id="2" name="Slide Image Placeholder 1"/>
+          <p:cNvSpPr>
+            <a:spLocks noGrp="1" noRot="1" noChangeAspect="1"/>
+          </p:cNvSpPr>
+          <p:nvPr>
+            <p:ph type="sldImg"/>
+          </p:nvPr>
+        </p:nvSpPr>
+        <p:spPr>
+          <a:xfrm>
+            <a:off x="1987550" y="1143000"/>
+            <a:ext cx="2882900" cy="3086100"/>
+          </a:xfrm>
+        </p:spPr>
+      </p:sp>
+      <p:sp>
+        <p:nvSpPr>
+          <p:cNvPr id="3" name="Notes Placeholder 2"/>
+          <p:cNvSpPr>
+            <a:spLocks noGrp="1"/>
+          </p:cNvSpPr>
+          <p:nvPr>
+            <p:ph type="body" idx="1"/>
+          </p:nvPr>
+        </p:nvSpPr>
+        <p:spPr/>
+        <p:txBody>
+          <a:bodyPr/>
+          <a:lstStyle/>
+          <a:p>
+            <a:endParaRPr lang="en-MY" dirty="0"/>
+          </a:p>
+        </p:txBody>
+      </p:sp>
+      <p:sp>
+        <p:nvSpPr>
+          <p:cNvPr id="4" name="Slide Number Placeholder 3"/>
+          <p:cNvSpPr>
+            <a:spLocks noGrp="1"/>
+          </p:cNvSpPr>
+          <p:nvPr>
+            <p:ph type="sldNum" sz="quarter" idx="5"/>
+          </p:nvPr>
+        </p:nvSpPr>
+        <p:spPr/>
+        <p:txBody>
+          <a:bodyPr/>
+          <a:lstStyle/>
+          <a:p>
+            <a:fld id="{9F67F347-F259-4000-9D8F-193820691C71}" type="slidenum">
+              <a:rPr lang="en-MY" smtClean="0"/>
+              <a:t>3</a:t>
+            </a:fld>
+            <a:endParaRPr lang="en-MY"/>
+          </a:p>
+        </p:txBody>
+      </p:sp>
+    </p:spTree>
+    <p:extLst>
+      <p:ext uri="{BB962C8B-B14F-4D97-AF65-F5344CB8AC3E}">
+        <p14:creationId xmlns:p14="http://schemas.microsoft.com/office/powerpoint/2010/main" val="3953320838"/>
+      </p:ext>
+    </p:extLst>
+  </p:cSld>
+  <p:clrMapOvr>
+    <a:masterClrMapping/>
+  </p:clrMapOvr>
+</p:notes>
+</file>
+
+<file path=ppt/notesSlides/notesSlide4.xml><?xml version="1.0" encoding="utf-8"?>
+<p:notes xmlns:a="http://schemas.openxmlformats.org/drawingml/2006/main" xmlns:r="http://schemas.openxmlformats.org/officeDocument/2006/relationships" xmlns:p="http://schemas.openxmlformats.org/presentationml/2006/main">
+  <p:cSld>
+    <p:spTree>
+      <p:nvGrpSpPr>
+        <p:cNvPr id="1" name=""/>
+        <p:cNvGrpSpPr/>
+        <p:nvPr/>
+      </p:nvGrpSpPr>
+      <p:grpSpPr>
+        <a:xfrm>
+          <a:off x="0" y="0"/>
+          <a:ext cx="0" cy="0"/>
+          <a:chOff x="0" y="0"/>
+          <a:chExt cx="0" cy="0"/>
+        </a:xfrm>
+      </p:grpSpPr>
+      <p:sp>
+        <p:nvSpPr>
+          <p:cNvPr id="2" name="Slide Image Placeholder 1"/>
+          <p:cNvSpPr>
+            <a:spLocks noGrp="1" noRot="1" noChangeAspect="1"/>
+          </p:cNvSpPr>
+          <p:nvPr>
+            <p:ph type="sldImg"/>
+          </p:nvPr>
+        </p:nvSpPr>
+        <p:spPr>
+          <a:xfrm>
+            <a:off x="1987550" y="1143000"/>
+            <a:ext cx="2882900" cy="3086100"/>
+          </a:xfrm>
+        </p:spPr>
+      </p:sp>
+      <p:sp>
+        <p:nvSpPr>
+          <p:cNvPr id="3" name="Notes Placeholder 2"/>
+          <p:cNvSpPr>
+            <a:spLocks noGrp="1"/>
+          </p:cNvSpPr>
+          <p:nvPr>
+            <p:ph type="body" idx="1"/>
+          </p:nvPr>
+        </p:nvSpPr>
+        <p:spPr/>
+        <p:txBody>
+          <a:bodyPr/>
+          <a:lstStyle/>
+          <a:p>
+            <a:endParaRPr lang="en-MY" dirty="0"/>
+          </a:p>
+        </p:txBody>
+      </p:sp>
+      <p:sp>
+        <p:nvSpPr>
+          <p:cNvPr id="4" name="Slide Number Placeholder 3"/>
+          <p:cNvSpPr>
+            <a:spLocks noGrp="1"/>
+          </p:cNvSpPr>
+          <p:nvPr>
+            <p:ph type="sldNum" sz="quarter" idx="5"/>
+          </p:nvPr>
+        </p:nvSpPr>
+        <p:spPr/>
+        <p:txBody>
+          <a:bodyPr/>
+          <a:lstStyle/>
+          <a:p>
+            <a:fld id="{9F67F347-F259-4000-9D8F-193820691C71}" type="slidenum">
+              <a:rPr lang="en-MY" smtClean="0"/>
+              <a:t>4</a:t>
+            </a:fld>
+            <a:endParaRPr lang="en-MY"/>
+          </a:p>
+        </p:txBody>
+      </p:sp>
+    </p:spTree>
+    <p:extLst>
+      <p:ext uri="{BB962C8B-B14F-4D97-AF65-F5344CB8AC3E}">
+        <p14:creationId xmlns:p14="http://schemas.microsoft.com/office/powerpoint/2010/main" val="2036609644"/>
       </p:ext>
     </p:extLst>
   </p:cSld>
@@ -715,7 +985,7 @@
           <a:p>
             <a:fld id="{FDA1C1AF-7B8C-40AE-9551-7C06C9AE4EEC}" type="datetimeFigureOut">
               <a:rPr lang="en-MY" smtClean="0"/>
-              <a:t>29/1/2024</a:t>
+              <a:t>30/1/2024</a:t>
             </a:fld>
             <a:endParaRPr lang="en-MY"/>
           </a:p>
@@ -901,7 +1171,7 @@
           <a:p>
             <a:fld id="{FDA1C1AF-7B8C-40AE-9551-7C06C9AE4EEC}" type="datetimeFigureOut">
               <a:rPr lang="en-MY" smtClean="0"/>
-              <a:t>29/1/2024</a:t>
+              <a:t>30/1/2024</a:t>
             </a:fld>
             <a:endParaRPr lang="en-MY"/>
           </a:p>
@@ -1081,7 +1351,7 @@
           <a:p>
             <a:fld id="{FDA1C1AF-7B8C-40AE-9551-7C06C9AE4EEC}" type="datetimeFigureOut">
               <a:rPr lang="en-MY" smtClean="0"/>
-              <a:t>29/1/2024</a:t>
+              <a:t>30/1/2024</a:t>
             </a:fld>
             <a:endParaRPr lang="en-MY"/>
           </a:p>
@@ -1251,7 +1521,7 @@
           <a:p>
             <a:fld id="{FDA1C1AF-7B8C-40AE-9551-7C06C9AE4EEC}" type="datetimeFigureOut">
               <a:rPr lang="en-MY" smtClean="0"/>
-              <a:t>29/1/2024</a:t>
+              <a:t>30/1/2024</a:t>
             </a:fld>
             <a:endParaRPr lang="en-MY"/>
           </a:p>
@@ -1495,7 +1765,7 @@
           <a:p>
             <a:fld id="{FDA1C1AF-7B8C-40AE-9551-7C06C9AE4EEC}" type="datetimeFigureOut">
               <a:rPr lang="en-MY" smtClean="0"/>
-              <a:t>29/1/2024</a:t>
+              <a:t>30/1/2024</a:t>
             </a:fld>
             <a:endParaRPr lang="en-MY"/>
           </a:p>
@@ -1727,7 +1997,7 @@
           <a:p>
             <a:fld id="{FDA1C1AF-7B8C-40AE-9551-7C06C9AE4EEC}" type="datetimeFigureOut">
               <a:rPr lang="en-MY" smtClean="0"/>
-              <a:t>29/1/2024</a:t>
+              <a:t>30/1/2024</a:t>
             </a:fld>
             <a:endParaRPr lang="en-MY"/>
           </a:p>
@@ -2094,7 +2364,7 @@
           <a:p>
             <a:fld id="{FDA1C1AF-7B8C-40AE-9551-7C06C9AE4EEC}" type="datetimeFigureOut">
               <a:rPr lang="en-MY" smtClean="0"/>
-              <a:t>29/1/2024</a:t>
+              <a:t>30/1/2024</a:t>
             </a:fld>
             <a:endParaRPr lang="en-MY"/>
           </a:p>
@@ -2212,7 +2482,7 @@
           <a:p>
             <a:fld id="{FDA1C1AF-7B8C-40AE-9551-7C06C9AE4EEC}" type="datetimeFigureOut">
               <a:rPr lang="en-MY" smtClean="0"/>
-              <a:t>29/1/2024</a:t>
+              <a:t>30/1/2024</a:t>
             </a:fld>
             <a:endParaRPr lang="en-MY"/>
           </a:p>
@@ -2307,7 +2577,7 @@
           <a:p>
             <a:fld id="{FDA1C1AF-7B8C-40AE-9551-7C06C9AE4EEC}" type="datetimeFigureOut">
               <a:rPr lang="en-MY" smtClean="0"/>
-              <a:t>29/1/2024</a:t>
+              <a:t>30/1/2024</a:t>
             </a:fld>
             <a:endParaRPr lang="en-MY"/>
           </a:p>
@@ -2584,7 +2854,7 @@
           <a:p>
             <a:fld id="{FDA1C1AF-7B8C-40AE-9551-7C06C9AE4EEC}" type="datetimeFigureOut">
               <a:rPr lang="en-MY" smtClean="0"/>
-              <a:t>29/1/2024</a:t>
+              <a:t>30/1/2024</a:t>
             </a:fld>
             <a:endParaRPr lang="en-MY"/>
           </a:p>
@@ -2841,7 +3111,7 @@
           <a:p>
             <a:fld id="{FDA1C1AF-7B8C-40AE-9551-7C06C9AE4EEC}" type="datetimeFigureOut">
               <a:rPr lang="en-MY" smtClean="0"/>
-              <a:t>29/1/2024</a:t>
+              <a:t>30/1/2024</a:t>
             </a:fld>
             <a:endParaRPr lang="en-MY"/>
           </a:p>
@@ -3054,7 +3324,7 @@
           <a:p>
             <a:fld id="{FDA1C1AF-7B8C-40AE-9551-7C06C9AE4EEC}" type="datetimeFigureOut">
               <a:rPr lang="en-MY" smtClean="0"/>
-              <a:t>29/1/2024</a:t>
+              <a:t>30/1/2024</a:t>
             </a:fld>
             <a:endParaRPr lang="en-MY"/>
           </a:p>
@@ -3719,7 +3989,7 @@
         <p:spPr>
           <a:xfrm>
             <a:off x="1486484" y="1294218"/>
-            <a:ext cx="23456484" cy="1107996"/>
+            <a:ext cx="23456484" cy="954107"/>
           </a:xfrm>
           <a:prstGeom prst="rect">
             <a:avLst/>
@@ -3733,22 +4003,14 @@
           <a:lstStyle/>
           <a:p>
             <a:r>
-              <a:rPr lang="en-US" sz="6600" b="1" dirty="0">
-                <a:latin typeface="Aharoni" panose="02010803020104030203" pitchFamily="2" charset="-79"/>
-                <a:ea typeface="Verdana" panose="020B0604030504040204" pitchFamily="34" charset="0"/>
-                <a:cs typeface="Aharoni" panose="02010803020104030203" pitchFamily="2" charset="-79"/>
-              </a:rPr>
-              <a:t>Malaysia Blood Donation Daily Updates </a:t>
-            </a:r>
-            <a:r>
-              <a:rPr lang="en-US" sz="6600" b="1" dirty="0">
+              <a:rPr lang="en-US" sz="5600" b="1" dirty="0">
                 <a:latin typeface="Verdana" panose="020B0604030504040204" pitchFamily="34" charset="0"/>
                 <a:ea typeface="Verdana" panose="020B0604030504040204" pitchFamily="34" charset="0"/>
                 <a:cs typeface="Aharoni" panose="02010803020104030203" pitchFamily="2" charset="-79"/>
               </a:rPr>
-              <a:t>(2024)</a:t>
-            </a:r>
-            <a:endParaRPr lang="en-MY" sz="6600" b="1" dirty="0">
+              <a:t>Malaysia’s Blood Donation Daily Updates (2024)</a:t>
+            </a:r>
+            <a:endParaRPr lang="en-MY" sz="5600" b="1" dirty="0">
               <a:latin typeface="Verdana" panose="020B0604030504040204" pitchFamily="34" charset="0"/>
               <a:ea typeface="Verdana" panose="020B0604030504040204" pitchFamily="34" charset="0"/>
               <a:cs typeface="Aharoni" panose="02010803020104030203" pitchFamily="2" charset="-79"/>
@@ -3967,14 +4229,14 @@
             <a:pPr algn="ctr"/>
             <a:r>
               <a:rPr lang="en-US" sz="3200" b="1" dirty="0">
-                <a:latin typeface="Aharoni" panose="02010803020104030203" pitchFamily="2" charset="-79"/>
+                <a:latin typeface="Verdana" panose="020B0604030504040204" pitchFamily="34" charset="0"/>
                 <a:ea typeface="Verdana" panose="020B0604030504040204" pitchFamily="34" charset="0"/>
                 <a:cs typeface="Aharoni" panose="02010803020104030203" pitchFamily="2" charset="-79"/>
               </a:rPr>
               <a:t>KEDAH</a:t>
             </a:r>
             <a:endParaRPr lang="en-MY" sz="3200" b="1" dirty="0">
-              <a:latin typeface="Aharoni" panose="02010803020104030203" pitchFamily="2" charset="-79"/>
+              <a:latin typeface="Verdana" panose="020B0604030504040204" pitchFamily="34" charset="0"/>
               <a:ea typeface="Verdana" panose="020B0604030504040204" pitchFamily="34" charset="0"/>
               <a:cs typeface="Aharoni" panose="02010803020104030203" pitchFamily="2" charset="-79"/>
             </a:endParaRPr>
@@ -4169,14 +4431,14 @@
             <a:pPr algn="ctr"/>
             <a:r>
               <a:rPr lang="en-US" sz="3200" b="1" dirty="0">
-                <a:latin typeface="Aharoni" panose="02010803020104030203" pitchFamily="2" charset="-79"/>
+                <a:latin typeface="Verdana" panose="020B0604030504040204" pitchFamily="34" charset="0"/>
                 <a:ea typeface="Verdana" panose="020B0604030504040204" pitchFamily="34" charset="0"/>
                 <a:cs typeface="Aharoni" panose="02010803020104030203" pitchFamily="2" charset="-79"/>
               </a:rPr>
               <a:t>PULAU PINANG</a:t>
             </a:r>
             <a:endParaRPr lang="en-MY" sz="3200" b="1" dirty="0">
-              <a:latin typeface="Aharoni" panose="02010803020104030203" pitchFamily="2" charset="-79"/>
+              <a:latin typeface="Verdana" panose="020B0604030504040204" pitchFamily="34" charset="0"/>
               <a:ea typeface="Verdana" panose="020B0604030504040204" pitchFamily="34" charset="0"/>
               <a:cs typeface="Aharoni" panose="02010803020104030203" pitchFamily="2" charset="-79"/>
             </a:endParaRPr>
@@ -4870,14 +5132,14 @@
             <a:pPr algn="ctr"/>
             <a:r>
               <a:rPr lang="en-US" sz="3200" b="1" dirty="0">
-                <a:latin typeface="Aharoni" panose="02010803020104030203" pitchFamily="2" charset="-79"/>
+                <a:latin typeface="Verdana" panose="020B0604030504040204" pitchFamily="34" charset="0"/>
                 <a:ea typeface="Verdana" panose="020B0604030504040204" pitchFamily="34" charset="0"/>
                 <a:cs typeface="Aharoni" panose="02010803020104030203" pitchFamily="2" charset="-79"/>
               </a:rPr>
               <a:t>N. SEMBILAN</a:t>
             </a:r>
             <a:endParaRPr lang="en-MY" sz="3200" b="1" dirty="0">
-              <a:latin typeface="Aharoni" panose="02010803020104030203" pitchFamily="2" charset="-79"/>
+              <a:latin typeface="Verdana" panose="020B0604030504040204" pitchFamily="34" charset="0"/>
               <a:ea typeface="Verdana" panose="020B0604030504040204" pitchFamily="34" charset="0"/>
               <a:cs typeface="Aharoni" panose="02010803020104030203" pitchFamily="2" charset="-79"/>
             </a:endParaRPr>
@@ -5078,14 +5340,14 @@
             <a:pPr algn="ctr"/>
             <a:r>
               <a:rPr lang="en-US" sz="3200" b="1" dirty="0">
-                <a:latin typeface="Aharoni" panose="02010803020104030203" pitchFamily="2" charset="-79"/>
+                <a:latin typeface="Verdana" panose="020B0604030504040204" pitchFamily="34" charset="0"/>
                 <a:ea typeface="Verdana" panose="020B0604030504040204" pitchFamily="34" charset="0"/>
                 <a:cs typeface="Aharoni" panose="02010803020104030203" pitchFamily="2" charset="-79"/>
               </a:rPr>
               <a:t>SABAH</a:t>
             </a:r>
             <a:endParaRPr lang="en-MY" sz="3200" b="1" dirty="0">
-              <a:latin typeface="Aharoni" panose="02010803020104030203" pitchFamily="2" charset="-79"/>
+              <a:latin typeface="Verdana" panose="020B0604030504040204" pitchFamily="34" charset="0"/>
               <a:ea typeface="Verdana" panose="020B0604030504040204" pitchFamily="34" charset="0"/>
               <a:cs typeface="Aharoni" panose="02010803020104030203" pitchFamily="2" charset="-79"/>
             </a:endParaRPr>
@@ -5279,14 +5541,14 @@
             <a:pPr algn="ctr"/>
             <a:r>
               <a:rPr lang="en-US" sz="3200" b="1" dirty="0">
-                <a:latin typeface="Aharoni" panose="02010803020104030203" pitchFamily="2" charset="-79"/>
+                <a:latin typeface="Verdana" panose="020B0604030504040204" pitchFamily="34" charset="0"/>
                 <a:ea typeface="Verdana" panose="020B0604030504040204" pitchFamily="34" charset="0"/>
                 <a:cs typeface="Aharoni" panose="02010803020104030203" pitchFamily="2" charset="-79"/>
               </a:rPr>
               <a:t>SARAWAK</a:t>
             </a:r>
             <a:endParaRPr lang="en-MY" sz="3200" b="1" dirty="0">
-              <a:latin typeface="Aharoni" panose="02010803020104030203" pitchFamily="2" charset="-79"/>
+              <a:latin typeface="Verdana" panose="020B0604030504040204" pitchFamily="34" charset="0"/>
               <a:ea typeface="Verdana" panose="020B0604030504040204" pitchFamily="34" charset="0"/>
               <a:cs typeface="Aharoni" panose="02010803020104030203" pitchFamily="2" charset="-79"/>
             </a:endParaRPr>
@@ -5480,14 +5742,14 @@
             <a:pPr algn="ctr"/>
             <a:r>
               <a:rPr lang="en-US" sz="3200" b="1" dirty="0">
-                <a:latin typeface="Aharoni" panose="02010803020104030203" pitchFamily="2" charset="-79"/>
+                <a:latin typeface="Verdana" panose="020B0604030504040204" pitchFamily="34" charset="0"/>
                 <a:ea typeface="Verdana" panose="020B0604030504040204" pitchFamily="34" charset="0"/>
                 <a:cs typeface="Aharoni" panose="02010803020104030203" pitchFamily="2" charset="-79"/>
               </a:rPr>
               <a:t>KELANTAN</a:t>
             </a:r>
             <a:endParaRPr lang="en-MY" sz="3200" b="1" dirty="0">
-              <a:latin typeface="Aharoni" panose="02010803020104030203" pitchFamily="2" charset="-79"/>
+              <a:latin typeface="Verdana" panose="020B0604030504040204" pitchFamily="34" charset="0"/>
               <a:ea typeface="Verdana" panose="020B0604030504040204" pitchFamily="34" charset="0"/>
               <a:cs typeface="Aharoni" panose="02010803020104030203" pitchFamily="2" charset="-79"/>
             </a:endParaRPr>
@@ -5681,14 +5943,14 @@
             <a:pPr algn="ctr"/>
             <a:r>
               <a:rPr lang="en-US" sz="3200" b="1" dirty="0">
-                <a:latin typeface="Aharoni" panose="02010803020104030203" pitchFamily="2" charset="-79"/>
+                <a:latin typeface="Verdana" panose="020B0604030504040204" pitchFamily="34" charset="0"/>
                 <a:ea typeface="Verdana" panose="020B0604030504040204" pitchFamily="34" charset="0"/>
                 <a:cs typeface="Aharoni" panose="02010803020104030203" pitchFamily="2" charset="-79"/>
               </a:rPr>
               <a:t>TERENGGANU</a:t>
             </a:r>
             <a:endParaRPr lang="en-MY" sz="3200" b="1" dirty="0">
-              <a:latin typeface="Aharoni" panose="02010803020104030203" pitchFamily="2" charset="-79"/>
+              <a:latin typeface="Verdana" panose="020B0604030504040204" pitchFamily="34" charset="0"/>
               <a:ea typeface="Verdana" panose="020B0604030504040204" pitchFamily="34" charset="0"/>
               <a:cs typeface="Aharoni" panose="02010803020104030203" pitchFamily="2" charset="-79"/>
             </a:endParaRPr>
@@ -5882,14 +6144,14 @@
             <a:pPr algn="ctr"/>
             <a:r>
               <a:rPr lang="en-US" sz="3200" b="1" dirty="0">
-                <a:latin typeface="Aharoni" panose="02010803020104030203" pitchFamily="2" charset="-79"/>
+                <a:latin typeface="Verdana" panose="020B0604030504040204" pitchFamily="34" charset="0"/>
                 <a:ea typeface="Verdana" panose="020B0604030504040204" pitchFamily="34" charset="0"/>
                 <a:cs typeface="Aharoni" panose="02010803020104030203" pitchFamily="2" charset="-79"/>
               </a:rPr>
               <a:t>PAHANG</a:t>
             </a:r>
             <a:endParaRPr lang="en-MY" sz="3200" b="1" dirty="0">
-              <a:latin typeface="Aharoni" panose="02010803020104030203" pitchFamily="2" charset="-79"/>
+              <a:latin typeface="Verdana" panose="020B0604030504040204" pitchFamily="34" charset="0"/>
               <a:ea typeface="Verdana" panose="020B0604030504040204" pitchFamily="34" charset="0"/>
               <a:cs typeface="Aharoni" panose="02010803020104030203" pitchFamily="2" charset="-79"/>
             </a:endParaRPr>
@@ -6022,14 +6284,14 @@
             <a:pPr algn="ctr"/>
             <a:r>
               <a:rPr lang="en-US" sz="3200" b="1" dirty="0">
-                <a:latin typeface="Aharoni" panose="02010803020104030203" pitchFamily="2" charset="-79"/>
+                <a:latin typeface="Verdana" panose="020B0604030504040204" pitchFamily="34" charset="0"/>
                 <a:ea typeface="Verdana" panose="020B0604030504040204" pitchFamily="34" charset="0"/>
                 <a:cs typeface="Aharoni" panose="02010803020104030203" pitchFamily="2" charset="-79"/>
               </a:rPr>
               <a:t>MELAKA</a:t>
             </a:r>
             <a:endParaRPr lang="en-MY" sz="3200" b="1" dirty="0">
-              <a:latin typeface="Aharoni" panose="02010803020104030203" pitchFamily="2" charset="-79"/>
+              <a:latin typeface="Verdana" panose="020B0604030504040204" pitchFamily="34" charset="0"/>
               <a:ea typeface="Verdana" panose="020B0604030504040204" pitchFamily="34" charset="0"/>
               <a:cs typeface="Aharoni" panose="02010803020104030203" pitchFamily="2" charset="-79"/>
             </a:endParaRPr>
@@ -6162,14 +6424,14 @@
             <a:pPr algn="ctr"/>
             <a:r>
               <a:rPr lang="en-US" sz="3200" b="1" dirty="0">
-                <a:latin typeface="Aharoni" panose="02010803020104030203" pitchFamily="2" charset="-79"/>
+                <a:latin typeface="Verdana" panose="020B0604030504040204" pitchFamily="34" charset="0"/>
                 <a:ea typeface="Verdana" panose="020B0604030504040204" pitchFamily="34" charset="0"/>
                 <a:cs typeface="Aharoni" panose="02010803020104030203" pitchFamily="2" charset="-79"/>
               </a:rPr>
               <a:t>JOHOR</a:t>
             </a:r>
             <a:endParaRPr lang="en-MY" sz="3200" b="1" dirty="0">
-              <a:latin typeface="Aharoni" panose="02010803020104030203" pitchFamily="2" charset="-79"/>
+              <a:latin typeface="Verdana" panose="020B0604030504040204" pitchFamily="34" charset="0"/>
               <a:ea typeface="Verdana" panose="020B0604030504040204" pitchFamily="34" charset="0"/>
               <a:cs typeface="Aharoni" panose="02010803020104030203" pitchFamily="2" charset="-79"/>
             </a:endParaRPr>
@@ -6475,7 +6737,7 @@
         <p:spPr>
           <a:xfrm>
             <a:off x="4343704" y="28432944"/>
-            <a:ext cx="3658376" cy="830997"/>
+            <a:ext cx="4324310" cy="830997"/>
           </a:xfrm>
           <a:prstGeom prst="rect">
             <a:avLst/>
@@ -6586,14 +6848,14 @@
             <a:pPr algn="ctr"/>
             <a:r>
               <a:rPr lang="en-US" sz="3200" b="1" dirty="0">
-                <a:latin typeface="Aharoni" panose="02010803020104030203" pitchFamily="2" charset="-79"/>
+                <a:latin typeface="Verdana" panose="020B0604030504040204" pitchFamily="34" charset="0"/>
                 <a:ea typeface="Verdana" panose="020B0604030504040204" pitchFamily="34" charset="0"/>
                 <a:cs typeface="Aharoni" panose="02010803020104030203" pitchFamily="2" charset="-79"/>
               </a:rPr>
               <a:t>PUTRAJAYA</a:t>
             </a:r>
             <a:endParaRPr lang="en-MY" sz="3200" b="1" dirty="0">
-              <a:latin typeface="Aharoni" panose="02010803020104030203" pitchFamily="2" charset="-79"/>
+              <a:latin typeface="Verdana" panose="020B0604030504040204" pitchFamily="34" charset="0"/>
               <a:ea typeface="Verdana" panose="020B0604030504040204" pitchFamily="34" charset="0"/>
               <a:cs typeface="Aharoni" panose="02010803020104030203" pitchFamily="2" charset="-79"/>
             </a:endParaRPr>
@@ -7069,7 +7331,7 @@
           <a:p>
             <a:r>
               <a:rPr lang="en-US" sz="4800" b="1" dirty="0">
-                <a:latin typeface="Aharoni" panose="02010803020104030203" pitchFamily="2" charset="-79"/>
+                <a:latin typeface="Verdana" panose="020B0604030504040204" pitchFamily="34" charset="0"/>
                 <a:ea typeface="Verdana" panose="020B0604030504040204" pitchFamily="34" charset="0"/>
                 <a:cs typeface="Aharoni" panose="02010803020104030203" pitchFamily="2" charset="-79"/>
               </a:rPr>
@@ -7081,42 +7343,34 @@
                 <a:ea typeface="Verdana" panose="020B0604030504040204" pitchFamily="34" charset="0"/>
                 <a:cs typeface="Aharoni" panose="02010803020104030203" pitchFamily="2" charset="-79"/>
               </a:rPr>
-              <a:t>2024-01-01</a:t>
+              <a:t>2024-01-01 </a:t>
+            </a:r>
+            <a:r>
+              <a:rPr lang="en-US" sz="4800" b="1" dirty="0">
+                <a:latin typeface="Verdana" panose="020B0604030504040204" pitchFamily="34" charset="0"/>
+                <a:ea typeface="Verdana" panose="020B0604030504040204" pitchFamily="34" charset="0"/>
+                <a:cs typeface="Aharoni" panose="02010803020104030203" pitchFamily="2" charset="-79"/>
+              </a:rPr>
+              <a:t>to</a:t>
             </a:r>
             <a:r>
               <a:rPr lang="en-US" sz="4000" b="1" dirty="0">
-                <a:latin typeface="Aharoni" panose="02010803020104030203" pitchFamily="2" charset="-79"/>
+                <a:latin typeface="Verdana" panose="020B0604030504040204" pitchFamily="34" charset="0"/>
                 <a:ea typeface="Verdana" panose="020B0604030504040204" pitchFamily="34" charset="0"/>
                 <a:cs typeface="Aharoni" panose="02010803020104030203" pitchFamily="2" charset="-79"/>
               </a:rPr>
               <a:t> </a:t>
             </a:r>
             <a:r>
-              <a:rPr lang="en-US" sz="4800" b="1" dirty="0">
-                <a:latin typeface="Aharoni" panose="02010803020104030203" pitchFamily="2" charset="-79"/>
-                <a:ea typeface="Verdana" panose="020B0604030504040204" pitchFamily="34" charset="0"/>
-                <a:cs typeface="Aharoni" panose="02010803020104030203" pitchFamily="2" charset="-79"/>
-              </a:rPr>
-              <a:t>to</a:t>
-            </a:r>
-            <a:r>
-              <a:rPr lang="en-US" sz="4000" b="1" dirty="0">
-                <a:latin typeface="Aharoni" panose="02010803020104030203" pitchFamily="2" charset="-79"/>
-                <a:ea typeface="Verdana" panose="020B0604030504040204" pitchFamily="34" charset="0"/>
-                <a:cs typeface="Aharoni" panose="02010803020104030203" pitchFamily="2" charset="-79"/>
-              </a:rPr>
-              <a:t> </a:t>
-            </a:r>
-            <a:r>
               <a:rPr lang="en-US" sz="4000" b="1" dirty="0" err="1">
-                <a:latin typeface="Aharoni" panose="02010803020104030203" pitchFamily="2" charset="-79"/>
+                <a:latin typeface="Verdana" panose="020B0604030504040204" pitchFamily="34" charset="0"/>
                 <a:ea typeface="Verdana" panose="020B0604030504040204" pitchFamily="34" charset="0"/>
                 <a:cs typeface="Aharoni" panose="02010803020104030203" pitchFamily="2" charset="-79"/>
               </a:rPr>
               <a:t>last_date</a:t>
             </a:r>
             <a:endParaRPr lang="en-MY" sz="4000" b="1" dirty="0">
-              <a:latin typeface="Aharoni" panose="02010803020104030203" pitchFamily="2" charset="-79"/>
+              <a:latin typeface="Verdana" panose="020B0604030504040204" pitchFamily="34" charset="0"/>
               <a:ea typeface="Verdana" panose="020B0604030504040204" pitchFamily="34" charset="0"/>
               <a:cs typeface="Aharoni" panose="02010803020104030203" pitchFamily="2" charset="-79"/>
             </a:endParaRPr>
@@ -7154,14 +7408,14 @@
             <a:pPr algn="ctr"/>
             <a:r>
               <a:rPr lang="en-US" sz="3200" b="1" dirty="0">
-                <a:latin typeface="Aharoni" panose="02010803020104030203" pitchFamily="2" charset="-79"/>
+                <a:latin typeface="Verdana" panose="020B0604030504040204" pitchFamily="34" charset="0"/>
                 <a:ea typeface="Verdana" panose="020B0604030504040204" pitchFamily="34" charset="0"/>
                 <a:cs typeface="Aharoni" panose="02010803020104030203" pitchFamily="2" charset="-79"/>
               </a:rPr>
               <a:t>LABUAN</a:t>
             </a:r>
             <a:endParaRPr lang="en-MY" sz="3200" b="1" dirty="0">
-              <a:latin typeface="Aharoni" panose="02010803020104030203" pitchFamily="2" charset="-79"/>
+              <a:latin typeface="Verdana" panose="020B0604030504040204" pitchFamily="34" charset="0"/>
               <a:ea typeface="Verdana" panose="020B0604030504040204" pitchFamily="34" charset="0"/>
               <a:cs typeface="Aharoni" panose="02010803020104030203" pitchFamily="2" charset="-79"/>
             </a:endParaRPr>
@@ -8106,14 +8360,14 @@
             <a:pPr algn="ctr"/>
             <a:r>
               <a:rPr lang="en-US" sz="3200" b="1" dirty="0">
-                <a:latin typeface="Aharoni" panose="02010803020104030203" pitchFamily="2" charset="-79"/>
+                <a:latin typeface="Verdana" panose="020B0604030504040204" pitchFamily="34" charset="0"/>
                 <a:ea typeface="Verdana" panose="020B0604030504040204" pitchFamily="34" charset="0"/>
                 <a:cs typeface="Aharoni" panose="02010803020104030203" pitchFamily="2" charset="-79"/>
               </a:rPr>
               <a:t>SELANGOR</a:t>
             </a:r>
             <a:endParaRPr lang="en-MY" sz="3200" b="1" dirty="0">
-              <a:latin typeface="Aharoni" panose="02010803020104030203" pitchFamily="2" charset="-79"/>
+              <a:latin typeface="Verdana" panose="020B0604030504040204" pitchFamily="34" charset="0"/>
               <a:ea typeface="Verdana" panose="020B0604030504040204" pitchFamily="34" charset="0"/>
               <a:cs typeface="Aharoni" panose="02010803020104030203" pitchFamily="2" charset="-79"/>
             </a:endParaRPr>
@@ -8166,7 +8420,1566 @@
     </p:spTree>
     <p:extLst>
       <p:ext uri="{BB962C8B-B14F-4D97-AF65-F5344CB8AC3E}">
-        <p14:creationId xmlns:p14="http://schemas.microsoft.com/office/powerpoint/2010/main" val="1514568831"/>
+        <p14:creationId xmlns:p14="http://schemas.microsoft.com/office/powerpoint/2010/main" val="3644886294"/>
+      </p:ext>
+    </p:extLst>
+  </p:cSld>
+  <p:clrMapOvr>
+    <a:masterClrMapping/>
+  </p:clrMapOvr>
+</p:sld>
+</file>
+
+<file path=ppt/slides/slide2.xml><?xml version="1.0" encoding="utf-8"?>
+<p:sld xmlns:a="http://schemas.openxmlformats.org/drawingml/2006/main" xmlns:r="http://schemas.openxmlformats.org/officeDocument/2006/relationships" xmlns:p="http://schemas.openxmlformats.org/presentationml/2006/main" showMasterSp="0">
+  <p:cSld>
+    <p:bg>
+      <p:bgPr>
+        <a:blipFill dpi="0" rotWithShape="1">
+          <a:blip r:embed="rId3">
+            <a:alphaModFix amt="40000"/>
+            <a:lum/>
+          </a:blip>
+          <a:srcRect/>
+          <a:stretch>
+            <a:fillRect l="-50000" r="-50000"/>
+          </a:stretch>
+        </a:blipFill>
+        <a:effectLst/>
+      </p:bgPr>
+    </p:bg>
+    <p:spTree>
+      <p:nvGrpSpPr>
+        <p:cNvPr id="1" name=""/>
+        <p:cNvGrpSpPr/>
+        <p:nvPr/>
+      </p:nvGrpSpPr>
+      <p:grpSpPr>
+        <a:xfrm>
+          <a:off x="0" y="0"/>
+          <a:ext cx="0" cy="0"/>
+          <a:chOff x="0" y="0"/>
+          <a:chExt cx="0" cy="0"/>
+        </a:xfrm>
+      </p:grpSpPr>
+      <p:sp>
+        <p:nvSpPr>
+          <p:cNvPr id="46" name="Rectangle: Rounded Corners 45">
+            <a:extLst>
+              <a:ext uri="{FF2B5EF4-FFF2-40B4-BE49-F238E27FC236}">
+                <a16:creationId xmlns:a16="http://schemas.microsoft.com/office/drawing/2014/main" id="{8CA1AF2F-7D28-452A-40FC-31815356C6F6}"/>
+              </a:ext>
+            </a:extLst>
+          </p:cNvPr>
+          <p:cNvSpPr/>
+          <p:nvPr/>
+        </p:nvSpPr>
+        <p:spPr>
+          <a:xfrm>
+            <a:off x="7094806" y="4008688"/>
+            <a:ext cx="15516666" cy="12190162"/>
+          </a:xfrm>
+          <a:prstGeom prst="roundRect">
+            <a:avLst/>
+          </a:prstGeom>
+          <a:solidFill>
+            <a:schemeClr val="bg1"/>
+          </a:solidFill>
+          <a:ln>
+            <a:noFill/>
+          </a:ln>
+        </p:spPr>
+        <p:style>
+          <a:lnRef idx="2">
+            <a:schemeClr val="accent1">
+              <a:shade val="15000"/>
+            </a:schemeClr>
+          </a:lnRef>
+          <a:fillRef idx="1">
+            <a:schemeClr val="accent1"/>
+          </a:fillRef>
+          <a:effectRef idx="0">
+            <a:schemeClr val="accent1"/>
+          </a:effectRef>
+          <a:fontRef idx="minor">
+            <a:schemeClr val="lt1"/>
+          </a:fontRef>
+        </p:style>
+        <p:txBody>
+          <a:bodyPr rtlCol="0" anchor="ctr"/>
+          <a:lstStyle/>
+          <a:p>
+            <a:pPr algn="ctr"/>
+            <a:endParaRPr lang="en-MY"/>
+          </a:p>
+        </p:txBody>
+      </p:sp>
+      <p:sp>
+        <p:nvSpPr>
+          <p:cNvPr id="58" name="TextBox 57">
+            <a:extLst>
+              <a:ext uri="{FF2B5EF4-FFF2-40B4-BE49-F238E27FC236}">
+                <a16:creationId xmlns:a16="http://schemas.microsoft.com/office/drawing/2014/main" id="{68AD2F2E-1DF3-FE12-A288-90276DF6DFB4}"/>
+              </a:ext>
+            </a:extLst>
+          </p:cNvPr>
+          <p:cNvSpPr txBox="1"/>
+          <p:nvPr/>
+        </p:nvSpPr>
+        <p:spPr>
+          <a:xfrm>
+            <a:off x="1486484" y="1294218"/>
+            <a:ext cx="23456484" cy="954107"/>
+          </a:xfrm>
+          <a:prstGeom prst="rect">
+            <a:avLst/>
+          </a:prstGeom>
+          <a:noFill/>
+        </p:spPr>
+        <p:txBody>
+          <a:bodyPr wrap="square" rtlCol="0">
+            <a:spAutoFit/>
+          </a:bodyPr>
+          <a:lstStyle/>
+          <a:p>
+            <a:r>
+              <a:rPr lang="en-US" sz="5600" b="1" dirty="0">
+                <a:latin typeface="Verdana" panose="020B0604030504040204" pitchFamily="34" charset="0"/>
+                <a:ea typeface="Verdana" panose="020B0604030504040204" pitchFamily="34" charset="0"/>
+                <a:cs typeface="Aharoni" panose="02010803020104030203" pitchFamily="2" charset="-79"/>
+              </a:rPr>
+              <a:t>Malaysia’s Blood Donation Daily Trends (2024)</a:t>
+            </a:r>
+            <a:endParaRPr lang="en-MY" sz="5600" b="1" dirty="0">
+              <a:latin typeface="Verdana" panose="020B0604030504040204" pitchFamily="34" charset="0"/>
+              <a:ea typeface="Verdana" panose="020B0604030504040204" pitchFamily="34" charset="0"/>
+              <a:cs typeface="Aharoni" panose="02010803020104030203" pitchFamily="2" charset="-79"/>
+            </a:endParaRPr>
+          </a:p>
+        </p:txBody>
+      </p:sp>
+      <p:pic>
+        <p:nvPicPr>
+          <p:cNvPr id="50" name="Picture 49">
+            <a:extLst>
+              <a:ext uri="{FF2B5EF4-FFF2-40B4-BE49-F238E27FC236}">
+                <a16:creationId xmlns:a16="http://schemas.microsoft.com/office/drawing/2014/main" id="{7D39F7BD-CBE9-9D05-B8BC-9A644A533803}"/>
+              </a:ext>
+            </a:extLst>
+          </p:cNvPr>
+          <p:cNvPicPr>
+            <a:picLocks noChangeAspect="1"/>
+          </p:cNvPicPr>
+          <p:nvPr/>
+        </p:nvPicPr>
+        <p:blipFill>
+          <a:blip r:embed="rId4">
+            <a:clrChange>
+              <a:clrFrom>
+                <a:srgbClr val="FFFFFF"/>
+              </a:clrFrom>
+              <a:clrTo>
+                <a:srgbClr val="FFFFFF">
+                  <a:alpha val="0"/>
+                </a:srgbClr>
+              </a:clrTo>
+            </a:clrChange>
+            <a:extLst>
+              <a:ext uri="{28A0092B-C50C-407E-A947-70E740481C1C}">
+                <a14:useLocalDpi xmlns:a14="http://schemas.microsoft.com/office/drawing/2010/main" val="0"/>
+              </a:ext>
+            </a:extLst>
+          </a:blip>
+          <a:stretch>
+            <a:fillRect/>
+          </a:stretch>
+        </p:blipFill>
+        <p:spPr>
+          <a:xfrm>
+            <a:off x="25805921" y="538032"/>
+            <a:ext cx="3142244" cy="3142244"/>
+          </a:xfrm>
+          <a:prstGeom prst="rect">
+            <a:avLst/>
+          </a:prstGeom>
+        </p:spPr>
+      </p:pic>
+      <p:sp>
+        <p:nvSpPr>
+          <p:cNvPr id="14" name="Rectangle: Rounded Corners 13">
+            <a:extLst>
+              <a:ext uri="{FF2B5EF4-FFF2-40B4-BE49-F238E27FC236}">
+                <a16:creationId xmlns:a16="http://schemas.microsoft.com/office/drawing/2014/main" id="{EF0858CB-770B-9A12-3A46-BA8A26F9D8B0}"/>
+              </a:ext>
+            </a:extLst>
+          </p:cNvPr>
+          <p:cNvSpPr/>
+          <p:nvPr/>
+        </p:nvSpPr>
+        <p:spPr>
+          <a:xfrm>
+            <a:off x="7094806" y="17959213"/>
+            <a:ext cx="15516666" cy="12190162"/>
+          </a:xfrm>
+          <a:prstGeom prst="roundRect">
+            <a:avLst/>
+          </a:prstGeom>
+          <a:solidFill>
+            <a:schemeClr val="bg1"/>
+          </a:solidFill>
+          <a:ln>
+            <a:noFill/>
+          </a:ln>
+        </p:spPr>
+        <p:style>
+          <a:lnRef idx="2">
+            <a:schemeClr val="accent1">
+              <a:shade val="15000"/>
+            </a:schemeClr>
+          </a:lnRef>
+          <a:fillRef idx="1">
+            <a:schemeClr val="accent1"/>
+          </a:fillRef>
+          <a:effectRef idx="0">
+            <a:schemeClr val="accent1"/>
+          </a:effectRef>
+          <a:fontRef idx="minor">
+            <a:schemeClr val="lt1"/>
+          </a:fontRef>
+        </p:style>
+        <p:txBody>
+          <a:bodyPr rtlCol="0" anchor="ctr"/>
+          <a:lstStyle/>
+          <a:p>
+            <a:pPr algn="ctr"/>
+            <a:endParaRPr lang="en-MY"/>
+          </a:p>
+        </p:txBody>
+      </p:sp>
+      <p:pic>
+        <p:nvPicPr>
+          <p:cNvPr id="17" name="Chart 1">
+            <a:extLst>
+              <a:ext uri="{FF2B5EF4-FFF2-40B4-BE49-F238E27FC236}">
+                <a16:creationId xmlns:a16="http://schemas.microsoft.com/office/drawing/2014/main" id="{AF8E5BF1-CF5F-ACE5-76E4-CCB39EF03095}"/>
+              </a:ext>
+            </a:extLst>
+          </p:cNvPr>
+          <p:cNvPicPr>
+            <a:picLocks noChangeAspect="1"/>
+          </p:cNvPicPr>
+          <p:nvPr/>
+        </p:nvPicPr>
+        <p:blipFill>
+          <a:blip r:embed="rId5">
+            <a:extLst>
+              <a:ext uri="{28A0092B-C50C-407E-A947-70E740481C1C}">
+                <a14:useLocalDpi xmlns:a14="http://schemas.microsoft.com/office/drawing/2010/main" val="0"/>
+              </a:ext>
+            </a:extLst>
+          </a:blip>
+          <a:stretch>
+            <a:fillRect/>
+          </a:stretch>
+        </p:blipFill>
+        <p:spPr>
+          <a:xfrm>
+            <a:off x="7569998" y="4901526"/>
+            <a:ext cx="14566281" cy="10404486"/>
+          </a:xfrm>
+          <a:prstGeom prst="rect">
+            <a:avLst/>
+          </a:prstGeom>
+        </p:spPr>
+      </p:pic>
+      <p:pic>
+        <p:nvPicPr>
+          <p:cNvPr id="19" name="Chart 2">
+            <a:extLst>
+              <a:ext uri="{FF2B5EF4-FFF2-40B4-BE49-F238E27FC236}">
+                <a16:creationId xmlns:a16="http://schemas.microsoft.com/office/drawing/2014/main" id="{3B678BA6-4A86-0486-5F67-598CB384AE92}"/>
+              </a:ext>
+            </a:extLst>
+          </p:cNvPr>
+          <p:cNvPicPr>
+            <a:picLocks noChangeAspect="1"/>
+          </p:cNvPicPr>
+          <p:nvPr/>
+        </p:nvPicPr>
+        <p:blipFill>
+          <a:blip r:embed="rId6">
+            <a:extLst>
+              <a:ext uri="{28A0092B-C50C-407E-A947-70E740481C1C}">
+                <a14:useLocalDpi xmlns:a14="http://schemas.microsoft.com/office/drawing/2010/main" val="0"/>
+              </a:ext>
+            </a:extLst>
+          </a:blip>
+          <a:stretch>
+            <a:fillRect/>
+          </a:stretch>
+        </p:blipFill>
+        <p:spPr>
+          <a:xfrm>
+            <a:off x="7569998" y="18741010"/>
+            <a:ext cx="14685033" cy="10489310"/>
+          </a:xfrm>
+          <a:prstGeom prst="rect">
+            <a:avLst/>
+          </a:prstGeom>
+        </p:spPr>
+      </p:pic>
+      <p:sp>
+        <p:nvSpPr>
+          <p:cNvPr id="23" name="TextBox 22">
+            <a:extLst>
+              <a:ext uri="{FF2B5EF4-FFF2-40B4-BE49-F238E27FC236}">
+                <a16:creationId xmlns:a16="http://schemas.microsoft.com/office/drawing/2014/main" id="{8D733F25-9D54-33F8-143F-F80761C2E22D}"/>
+              </a:ext>
+            </a:extLst>
+          </p:cNvPr>
+          <p:cNvSpPr txBox="1"/>
+          <p:nvPr/>
+        </p:nvSpPr>
+        <p:spPr>
+          <a:xfrm>
+            <a:off x="1650694" y="2528535"/>
+            <a:ext cx="3142244" cy="399981"/>
+          </a:xfrm>
+          <a:prstGeom prst="rect">
+            <a:avLst/>
+          </a:prstGeom>
+          <a:noFill/>
+        </p:spPr>
+        <p:txBody>
+          <a:bodyPr wrap="square" rtlCol="0">
+            <a:spAutoFit/>
+          </a:bodyPr>
+          <a:lstStyle/>
+          <a:p>
+            <a:r>
+              <a:rPr lang="en-US" sz="1999" dirty="0">
+                <a:solidFill>
+                  <a:schemeClr val="tx1">
+                    <a:lumMod val="85000"/>
+                    <a:lumOff val="15000"/>
+                  </a:schemeClr>
+                </a:solidFill>
+                <a:latin typeface="Verdana" panose="020B0604030504040204" pitchFamily="34" charset="0"/>
+                <a:ea typeface="Verdana" panose="020B0604030504040204" pitchFamily="34" charset="0"/>
+              </a:rPr>
+              <a:t>Data as of </a:t>
+            </a:r>
+            <a:r>
+              <a:rPr lang="en-US" sz="1999" dirty="0" err="1">
+                <a:solidFill>
+                  <a:schemeClr val="tx1">
+                    <a:lumMod val="85000"/>
+                    <a:lumOff val="15000"/>
+                  </a:schemeClr>
+                </a:solidFill>
+                <a:latin typeface="Verdana" panose="020B0604030504040204" pitchFamily="34" charset="0"/>
+                <a:ea typeface="Verdana" panose="020B0604030504040204" pitchFamily="34" charset="0"/>
+              </a:rPr>
+              <a:t>max_date</a:t>
+            </a:r>
+            <a:endParaRPr lang="en-MY" sz="1999" dirty="0">
+              <a:solidFill>
+                <a:schemeClr val="tx1">
+                  <a:lumMod val="85000"/>
+                  <a:lumOff val="15000"/>
+                </a:schemeClr>
+              </a:solidFill>
+              <a:latin typeface="Verdana" panose="020B0604030504040204" pitchFamily="34" charset="0"/>
+              <a:ea typeface="Verdana" panose="020B0604030504040204" pitchFamily="34" charset="0"/>
+            </a:endParaRPr>
+          </a:p>
+        </p:txBody>
+      </p:sp>
+    </p:spTree>
+    <p:extLst>
+      <p:ext uri="{BB962C8B-B14F-4D97-AF65-F5344CB8AC3E}">
+        <p14:creationId xmlns:p14="http://schemas.microsoft.com/office/powerpoint/2010/main" val="1400414128"/>
+      </p:ext>
+    </p:extLst>
+  </p:cSld>
+  <p:clrMapOvr>
+    <a:masterClrMapping/>
+  </p:clrMapOvr>
+</p:sld>
+</file>
+
+<file path=ppt/slides/slide3.xml><?xml version="1.0" encoding="utf-8"?>
+<p:sld xmlns:a="http://schemas.openxmlformats.org/drawingml/2006/main" xmlns:r="http://schemas.openxmlformats.org/officeDocument/2006/relationships" xmlns:p="http://schemas.openxmlformats.org/presentationml/2006/main" showMasterSp="0">
+  <p:cSld>
+    <p:bg>
+      <p:bgPr>
+        <a:blipFill dpi="0" rotWithShape="1">
+          <a:blip r:embed="rId3">
+            <a:alphaModFix amt="40000"/>
+            <a:lum/>
+          </a:blip>
+          <a:srcRect/>
+          <a:stretch>
+            <a:fillRect l="-50000" r="-50000"/>
+          </a:stretch>
+        </a:blipFill>
+        <a:effectLst/>
+      </p:bgPr>
+    </p:bg>
+    <p:spTree>
+      <p:nvGrpSpPr>
+        <p:cNvPr id="1" name=""/>
+        <p:cNvGrpSpPr/>
+        <p:nvPr/>
+      </p:nvGrpSpPr>
+      <p:grpSpPr>
+        <a:xfrm>
+          <a:off x="0" y="0"/>
+          <a:ext cx="0" cy="0"/>
+          <a:chOff x="0" y="0"/>
+          <a:chExt cx="0" cy="0"/>
+        </a:xfrm>
+      </p:grpSpPr>
+      <p:sp>
+        <p:nvSpPr>
+          <p:cNvPr id="46" name="Rectangle: Rounded Corners 45">
+            <a:extLst>
+              <a:ext uri="{FF2B5EF4-FFF2-40B4-BE49-F238E27FC236}">
+                <a16:creationId xmlns:a16="http://schemas.microsoft.com/office/drawing/2014/main" id="{8CA1AF2F-7D28-452A-40FC-31815356C6F6}"/>
+              </a:ext>
+            </a:extLst>
+          </p:cNvPr>
+          <p:cNvSpPr/>
+          <p:nvPr/>
+        </p:nvSpPr>
+        <p:spPr>
+          <a:xfrm>
+            <a:off x="7094806" y="3294184"/>
+            <a:ext cx="15516666" cy="12190162"/>
+          </a:xfrm>
+          <a:prstGeom prst="roundRect">
+            <a:avLst/>
+          </a:prstGeom>
+          <a:solidFill>
+            <a:schemeClr val="bg1"/>
+          </a:solidFill>
+          <a:ln>
+            <a:noFill/>
+          </a:ln>
+        </p:spPr>
+        <p:style>
+          <a:lnRef idx="2">
+            <a:schemeClr val="accent1">
+              <a:shade val="15000"/>
+            </a:schemeClr>
+          </a:lnRef>
+          <a:fillRef idx="1">
+            <a:schemeClr val="accent1"/>
+          </a:fillRef>
+          <a:effectRef idx="0">
+            <a:schemeClr val="accent1"/>
+          </a:effectRef>
+          <a:fontRef idx="minor">
+            <a:schemeClr val="lt1"/>
+          </a:fontRef>
+        </p:style>
+        <p:txBody>
+          <a:bodyPr rtlCol="0" anchor="ctr"/>
+          <a:lstStyle/>
+          <a:p>
+            <a:pPr algn="ctr"/>
+            <a:endParaRPr lang="en-MY"/>
+          </a:p>
+        </p:txBody>
+      </p:sp>
+      <p:sp>
+        <p:nvSpPr>
+          <p:cNvPr id="58" name="TextBox 57">
+            <a:extLst>
+              <a:ext uri="{FF2B5EF4-FFF2-40B4-BE49-F238E27FC236}">
+                <a16:creationId xmlns:a16="http://schemas.microsoft.com/office/drawing/2014/main" id="{68AD2F2E-1DF3-FE12-A288-90276DF6DFB4}"/>
+              </a:ext>
+            </a:extLst>
+          </p:cNvPr>
+          <p:cNvSpPr txBox="1"/>
+          <p:nvPr/>
+        </p:nvSpPr>
+        <p:spPr>
+          <a:xfrm>
+            <a:off x="1486483" y="1294218"/>
+            <a:ext cx="24319437" cy="954107"/>
+          </a:xfrm>
+          <a:prstGeom prst="rect">
+            <a:avLst/>
+          </a:prstGeom>
+          <a:noFill/>
+        </p:spPr>
+        <p:txBody>
+          <a:bodyPr wrap="square" rtlCol="0">
+            <a:spAutoFit/>
+          </a:bodyPr>
+          <a:lstStyle/>
+          <a:p>
+            <a:r>
+              <a:rPr lang="en-US" sz="5600" b="1" dirty="0">
+                <a:latin typeface="Verdana" panose="020B0604030504040204" pitchFamily="34" charset="0"/>
+                <a:ea typeface="Verdana" panose="020B0604030504040204" pitchFamily="34" charset="0"/>
+                <a:cs typeface="Aharoni" panose="02010803020104030203" pitchFamily="2" charset="-79"/>
+              </a:rPr>
+              <a:t>Malaysia’s Blood Donation Historical Trends (2006 – 2023)</a:t>
+            </a:r>
+            <a:endParaRPr lang="en-MY" sz="5600" b="1" dirty="0">
+              <a:latin typeface="Verdana" panose="020B0604030504040204" pitchFamily="34" charset="0"/>
+              <a:ea typeface="Verdana" panose="020B0604030504040204" pitchFamily="34" charset="0"/>
+              <a:cs typeface="Aharoni" panose="02010803020104030203" pitchFamily="2" charset="-79"/>
+            </a:endParaRPr>
+          </a:p>
+        </p:txBody>
+      </p:sp>
+      <p:pic>
+        <p:nvPicPr>
+          <p:cNvPr id="50" name="Picture 49">
+            <a:extLst>
+              <a:ext uri="{FF2B5EF4-FFF2-40B4-BE49-F238E27FC236}">
+                <a16:creationId xmlns:a16="http://schemas.microsoft.com/office/drawing/2014/main" id="{7D39F7BD-CBE9-9D05-B8BC-9A644A533803}"/>
+              </a:ext>
+            </a:extLst>
+          </p:cNvPr>
+          <p:cNvPicPr>
+            <a:picLocks noChangeAspect="1"/>
+          </p:cNvPicPr>
+          <p:nvPr/>
+        </p:nvPicPr>
+        <p:blipFill>
+          <a:blip r:embed="rId4">
+            <a:clrChange>
+              <a:clrFrom>
+                <a:srgbClr val="FFFFFF"/>
+              </a:clrFrom>
+              <a:clrTo>
+                <a:srgbClr val="FFFFFF">
+                  <a:alpha val="0"/>
+                </a:srgbClr>
+              </a:clrTo>
+            </a:clrChange>
+            <a:extLst>
+              <a:ext uri="{28A0092B-C50C-407E-A947-70E740481C1C}">
+                <a14:useLocalDpi xmlns:a14="http://schemas.microsoft.com/office/drawing/2010/main" val="0"/>
+              </a:ext>
+            </a:extLst>
+          </a:blip>
+          <a:stretch>
+            <a:fillRect/>
+          </a:stretch>
+        </p:blipFill>
+        <p:spPr>
+          <a:xfrm>
+            <a:off x="25805921" y="538032"/>
+            <a:ext cx="3142244" cy="3142244"/>
+          </a:xfrm>
+          <a:prstGeom prst="rect">
+            <a:avLst/>
+          </a:prstGeom>
+        </p:spPr>
+      </p:pic>
+      <p:pic>
+        <p:nvPicPr>
+          <p:cNvPr id="42" name="Picture 41">
+            <a:extLst>
+              <a:ext uri="{FF2B5EF4-FFF2-40B4-BE49-F238E27FC236}">
+                <a16:creationId xmlns:a16="http://schemas.microsoft.com/office/drawing/2014/main" id="{94F03FAB-3662-13F4-7371-1F5D934E4343}"/>
+              </a:ext>
+            </a:extLst>
+          </p:cNvPr>
+          <p:cNvPicPr>
+            <a:picLocks noChangeAspect="1"/>
+          </p:cNvPicPr>
+          <p:nvPr/>
+        </p:nvPicPr>
+        <p:blipFill>
+          <a:blip r:embed="rId5">
+            <a:extLst>
+              <a:ext uri="{28A0092B-C50C-407E-A947-70E740481C1C}">
+                <a14:useLocalDpi xmlns:a14="http://schemas.microsoft.com/office/drawing/2010/main" val="0"/>
+              </a:ext>
+            </a:extLst>
+          </a:blip>
+          <a:stretch>
+            <a:fillRect/>
+          </a:stretch>
+        </p:blipFill>
+        <p:spPr>
+          <a:xfrm>
+            <a:off x="7794809" y="4027039"/>
+            <a:ext cx="14172258" cy="10932884"/>
+          </a:xfrm>
+          <a:prstGeom prst="rect">
+            <a:avLst/>
+          </a:prstGeom>
+        </p:spPr>
+      </p:pic>
+      <p:sp>
+        <p:nvSpPr>
+          <p:cNvPr id="4" name="Rectangle: Rounded Corners 3">
+            <a:extLst>
+              <a:ext uri="{FF2B5EF4-FFF2-40B4-BE49-F238E27FC236}">
+                <a16:creationId xmlns:a16="http://schemas.microsoft.com/office/drawing/2014/main" id="{FD2A00D2-4012-F3C5-E946-6B865AC0275D}"/>
+              </a:ext>
+            </a:extLst>
+          </p:cNvPr>
+          <p:cNvSpPr/>
+          <p:nvPr/>
+        </p:nvSpPr>
+        <p:spPr>
+          <a:xfrm>
+            <a:off x="762566" y="17737015"/>
+            <a:ext cx="13680266" cy="12144224"/>
+          </a:xfrm>
+          <a:prstGeom prst="roundRect">
+            <a:avLst/>
+          </a:prstGeom>
+          <a:solidFill>
+            <a:schemeClr val="bg1"/>
+          </a:solidFill>
+          <a:ln>
+            <a:noFill/>
+          </a:ln>
+        </p:spPr>
+        <p:style>
+          <a:lnRef idx="2">
+            <a:schemeClr val="accent1">
+              <a:shade val="15000"/>
+            </a:schemeClr>
+          </a:lnRef>
+          <a:fillRef idx="1">
+            <a:schemeClr val="accent1"/>
+          </a:fillRef>
+          <a:effectRef idx="0">
+            <a:schemeClr val="accent1"/>
+          </a:effectRef>
+          <a:fontRef idx="minor">
+            <a:schemeClr val="lt1"/>
+          </a:fontRef>
+        </p:style>
+        <p:txBody>
+          <a:bodyPr rtlCol="0" anchor="ctr"/>
+          <a:lstStyle/>
+          <a:p>
+            <a:pPr algn="ctr"/>
+            <a:endParaRPr lang="en-MY"/>
+          </a:p>
+        </p:txBody>
+      </p:sp>
+      <p:pic>
+        <p:nvPicPr>
+          <p:cNvPr id="7" name="Picture 6">
+            <a:extLst>
+              <a:ext uri="{FF2B5EF4-FFF2-40B4-BE49-F238E27FC236}">
+                <a16:creationId xmlns:a16="http://schemas.microsoft.com/office/drawing/2014/main" id="{22BCAECB-6747-AE8F-98A4-F24186CBF681}"/>
+              </a:ext>
+            </a:extLst>
+          </p:cNvPr>
+          <p:cNvPicPr>
+            <a:picLocks noChangeAspect="1"/>
+          </p:cNvPicPr>
+          <p:nvPr/>
+        </p:nvPicPr>
+        <p:blipFill>
+          <a:blip r:embed="rId6">
+            <a:extLst>
+              <a:ext uri="{28A0092B-C50C-407E-A947-70E740481C1C}">
+                <a14:useLocalDpi xmlns:a14="http://schemas.microsoft.com/office/drawing/2010/main" val="0"/>
+              </a:ext>
+            </a:extLst>
+          </a:blip>
+          <a:stretch>
+            <a:fillRect/>
+          </a:stretch>
+        </p:blipFill>
+        <p:spPr>
+          <a:xfrm>
+            <a:off x="1769402" y="18391300"/>
+            <a:ext cx="12331345" cy="10789716"/>
+          </a:xfrm>
+          <a:prstGeom prst="rect">
+            <a:avLst/>
+          </a:prstGeom>
+        </p:spPr>
+      </p:pic>
+      <p:sp>
+        <p:nvSpPr>
+          <p:cNvPr id="10" name="Rectangle: Rounded Corners 9">
+            <a:extLst>
+              <a:ext uri="{FF2B5EF4-FFF2-40B4-BE49-F238E27FC236}">
+                <a16:creationId xmlns:a16="http://schemas.microsoft.com/office/drawing/2014/main" id="{D685B25B-23E8-0AFF-A312-3B918A33FDB5}"/>
+              </a:ext>
+            </a:extLst>
+          </p:cNvPr>
+          <p:cNvSpPr/>
+          <p:nvPr/>
+        </p:nvSpPr>
+        <p:spPr>
+          <a:xfrm>
+            <a:off x="15832382" y="17834351"/>
+            <a:ext cx="13680266" cy="12144224"/>
+          </a:xfrm>
+          <a:prstGeom prst="roundRect">
+            <a:avLst/>
+          </a:prstGeom>
+          <a:solidFill>
+            <a:schemeClr val="bg1"/>
+          </a:solidFill>
+          <a:ln>
+            <a:noFill/>
+          </a:ln>
+        </p:spPr>
+        <p:style>
+          <a:lnRef idx="2">
+            <a:schemeClr val="accent1">
+              <a:shade val="15000"/>
+            </a:schemeClr>
+          </a:lnRef>
+          <a:fillRef idx="1">
+            <a:schemeClr val="accent1"/>
+          </a:fillRef>
+          <a:effectRef idx="0">
+            <a:schemeClr val="accent1"/>
+          </a:effectRef>
+          <a:fontRef idx="minor">
+            <a:schemeClr val="lt1"/>
+          </a:fontRef>
+        </p:style>
+        <p:txBody>
+          <a:bodyPr rtlCol="0" anchor="ctr"/>
+          <a:lstStyle/>
+          <a:p>
+            <a:pPr algn="ctr"/>
+            <a:endParaRPr lang="en-MY"/>
+          </a:p>
+        </p:txBody>
+      </p:sp>
+      <p:pic>
+        <p:nvPicPr>
+          <p:cNvPr id="13" name="Picture 12">
+            <a:extLst>
+              <a:ext uri="{FF2B5EF4-FFF2-40B4-BE49-F238E27FC236}">
+                <a16:creationId xmlns:a16="http://schemas.microsoft.com/office/drawing/2014/main" id="{F3285674-42DB-3164-9B85-05E83345DD23}"/>
+              </a:ext>
+            </a:extLst>
+          </p:cNvPr>
+          <p:cNvPicPr>
+            <a:picLocks noChangeAspect="1"/>
+          </p:cNvPicPr>
+          <p:nvPr/>
+        </p:nvPicPr>
+        <p:blipFill>
+          <a:blip r:embed="rId7">
+            <a:extLst>
+              <a:ext uri="{28A0092B-C50C-407E-A947-70E740481C1C}">
+                <a14:useLocalDpi xmlns:a14="http://schemas.microsoft.com/office/drawing/2010/main" val="0"/>
+              </a:ext>
+            </a:extLst>
+          </a:blip>
+          <a:stretch>
+            <a:fillRect/>
+          </a:stretch>
+        </p:blipFill>
+        <p:spPr>
+          <a:xfrm>
+            <a:off x="16282785" y="18648997"/>
+            <a:ext cx="12779459" cy="9858440"/>
+          </a:xfrm>
+          <a:prstGeom prst="rect">
+            <a:avLst/>
+          </a:prstGeom>
+        </p:spPr>
+      </p:pic>
+    </p:spTree>
+    <p:extLst>
+      <p:ext uri="{BB962C8B-B14F-4D97-AF65-F5344CB8AC3E}">
+        <p14:creationId xmlns:p14="http://schemas.microsoft.com/office/powerpoint/2010/main" val="617834201"/>
+      </p:ext>
+    </p:extLst>
+  </p:cSld>
+  <p:clrMapOvr>
+    <a:masterClrMapping/>
+  </p:clrMapOvr>
+</p:sld>
+</file>
+
+<file path=ppt/slides/slide4.xml><?xml version="1.0" encoding="utf-8"?>
+<p:sld xmlns:a="http://schemas.openxmlformats.org/drawingml/2006/main" xmlns:r="http://schemas.openxmlformats.org/officeDocument/2006/relationships" xmlns:p="http://schemas.openxmlformats.org/presentationml/2006/main" showMasterSp="0">
+  <p:cSld>
+    <p:bg>
+      <p:bgPr>
+        <a:blipFill dpi="0" rotWithShape="1">
+          <a:blip r:embed="rId3">
+            <a:alphaModFix amt="40000"/>
+            <a:lum/>
+          </a:blip>
+          <a:srcRect/>
+          <a:stretch>
+            <a:fillRect l="-50000" r="-50000"/>
+          </a:stretch>
+        </a:blipFill>
+        <a:effectLst/>
+      </p:bgPr>
+    </p:bg>
+    <p:spTree>
+      <p:nvGrpSpPr>
+        <p:cNvPr id="1" name=""/>
+        <p:cNvGrpSpPr/>
+        <p:nvPr/>
+      </p:nvGrpSpPr>
+      <p:grpSpPr>
+        <a:xfrm>
+          <a:off x="0" y="0"/>
+          <a:ext cx="0" cy="0"/>
+          <a:chOff x="0" y="0"/>
+          <a:chExt cx="0" cy="0"/>
+        </a:xfrm>
+      </p:grpSpPr>
+      <p:sp>
+        <p:nvSpPr>
+          <p:cNvPr id="46" name="Rectangle: Rounded Corners 45">
+            <a:extLst>
+              <a:ext uri="{FF2B5EF4-FFF2-40B4-BE49-F238E27FC236}">
+                <a16:creationId xmlns:a16="http://schemas.microsoft.com/office/drawing/2014/main" id="{8CA1AF2F-7D28-452A-40FC-31815356C6F6}"/>
+              </a:ext>
+            </a:extLst>
+          </p:cNvPr>
+          <p:cNvSpPr/>
+          <p:nvPr/>
+        </p:nvSpPr>
+        <p:spPr>
+          <a:xfrm>
+            <a:off x="7291754" y="3294184"/>
+            <a:ext cx="15755814" cy="12190162"/>
+          </a:xfrm>
+          <a:prstGeom prst="roundRect">
+            <a:avLst/>
+          </a:prstGeom>
+          <a:solidFill>
+            <a:schemeClr val="bg1"/>
+          </a:solidFill>
+          <a:ln>
+            <a:noFill/>
+          </a:ln>
+        </p:spPr>
+        <p:style>
+          <a:lnRef idx="2">
+            <a:schemeClr val="accent1">
+              <a:shade val="15000"/>
+            </a:schemeClr>
+          </a:lnRef>
+          <a:fillRef idx="1">
+            <a:schemeClr val="accent1"/>
+          </a:fillRef>
+          <a:effectRef idx="0">
+            <a:schemeClr val="accent1"/>
+          </a:effectRef>
+          <a:fontRef idx="minor">
+            <a:schemeClr val="lt1"/>
+          </a:fontRef>
+        </p:style>
+        <p:txBody>
+          <a:bodyPr rtlCol="0" anchor="ctr"/>
+          <a:lstStyle/>
+          <a:p>
+            <a:pPr algn="ctr"/>
+            <a:endParaRPr lang="en-MY"/>
+          </a:p>
+        </p:txBody>
+      </p:sp>
+      <p:sp>
+        <p:nvSpPr>
+          <p:cNvPr id="58" name="TextBox 57">
+            <a:extLst>
+              <a:ext uri="{FF2B5EF4-FFF2-40B4-BE49-F238E27FC236}">
+                <a16:creationId xmlns:a16="http://schemas.microsoft.com/office/drawing/2014/main" id="{68AD2F2E-1DF3-FE12-A288-90276DF6DFB4}"/>
+              </a:ext>
+            </a:extLst>
+          </p:cNvPr>
+          <p:cNvSpPr txBox="1"/>
+          <p:nvPr/>
+        </p:nvSpPr>
+        <p:spPr>
+          <a:xfrm>
+            <a:off x="1486483" y="1294218"/>
+            <a:ext cx="24319437" cy="954107"/>
+          </a:xfrm>
+          <a:prstGeom prst="rect">
+            <a:avLst/>
+          </a:prstGeom>
+          <a:noFill/>
+        </p:spPr>
+        <p:txBody>
+          <a:bodyPr wrap="square" rtlCol="0">
+            <a:spAutoFit/>
+          </a:bodyPr>
+          <a:lstStyle/>
+          <a:p>
+            <a:r>
+              <a:rPr lang="en-US" sz="5600" b="1" dirty="0">
+                <a:latin typeface="Verdana" panose="020B0604030504040204" pitchFamily="34" charset="0"/>
+                <a:ea typeface="Verdana" panose="020B0604030504040204" pitchFamily="34" charset="0"/>
+                <a:cs typeface="Aharoni" panose="02010803020104030203" pitchFamily="2" charset="-79"/>
+              </a:rPr>
+              <a:t>Malaysia’s Blood Donation Retention Trends (2012 – 2024)</a:t>
+            </a:r>
+            <a:endParaRPr lang="en-MY" sz="5600" b="1" dirty="0">
+              <a:latin typeface="Verdana" panose="020B0604030504040204" pitchFamily="34" charset="0"/>
+              <a:ea typeface="Verdana" panose="020B0604030504040204" pitchFamily="34" charset="0"/>
+              <a:cs typeface="Aharoni" panose="02010803020104030203" pitchFamily="2" charset="-79"/>
+            </a:endParaRPr>
+          </a:p>
+        </p:txBody>
+      </p:sp>
+      <p:pic>
+        <p:nvPicPr>
+          <p:cNvPr id="50" name="Picture 49">
+            <a:extLst>
+              <a:ext uri="{FF2B5EF4-FFF2-40B4-BE49-F238E27FC236}">
+                <a16:creationId xmlns:a16="http://schemas.microsoft.com/office/drawing/2014/main" id="{7D39F7BD-CBE9-9D05-B8BC-9A644A533803}"/>
+              </a:ext>
+            </a:extLst>
+          </p:cNvPr>
+          <p:cNvPicPr>
+            <a:picLocks noChangeAspect="1"/>
+          </p:cNvPicPr>
+          <p:nvPr/>
+        </p:nvPicPr>
+        <p:blipFill>
+          <a:blip r:embed="rId4">
+            <a:clrChange>
+              <a:clrFrom>
+                <a:srgbClr val="FFFFFF"/>
+              </a:clrFrom>
+              <a:clrTo>
+                <a:srgbClr val="FFFFFF">
+                  <a:alpha val="0"/>
+                </a:srgbClr>
+              </a:clrTo>
+            </a:clrChange>
+            <a:extLst>
+              <a:ext uri="{28A0092B-C50C-407E-A947-70E740481C1C}">
+                <a14:useLocalDpi xmlns:a14="http://schemas.microsoft.com/office/drawing/2010/main" val="0"/>
+              </a:ext>
+            </a:extLst>
+          </a:blip>
+          <a:stretch>
+            <a:fillRect/>
+          </a:stretch>
+        </p:blipFill>
+        <p:spPr>
+          <a:xfrm>
+            <a:off x="25805921" y="538032"/>
+            <a:ext cx="3142244" cy="3142244"/>
+          </a:xfrm>
+          <a:prstGeom prst="rect">
+            <a:avLst/>
+          </a:prstGeom>
+        </p:spPr>
+      </p:pic>
+      <p:sp>
+        <p:nvSpPr>
+          <p:cNvPr id="4" name="Rectangle: Rounded Corners 3">
+            <a:extLst>
+              <a:ext uri="{FF2B5EF4-FFF2-40B4-BE49-F238E27FC236}">
+                <a16:creationId xmlns:a16="http://schemas.microsoft.com/office/drawing/2014/main" id="{FD2A00D2-4012-F3C5-E946-6B865AC0275D}"/>
+              </a:ext>
+            </a:extLst>
+          </p:cNvPr>
+          <p:cNvSpPr/>
+          <p:nvPr/>
+        </p:nvSpPr>
+        <p:spPr>
+          <a:xfrm>
+            <a:off x="762566" y="17737015"/>
+            <a:ext cx="13680266" cy="12144224"/>
+          </a:xfrm>
+          <a:prstGeom prst="roundRect">
+            <a:avLst/>
+          </a:prstGeom>
+          <a:solidFill>
+            <a:schemeClr val="bg1"/>
+          </a:solidFill>
+          <a:ln>
+            <a:noFill/>
+          </a:ln>
+        </p:spPr>
+        <p:style>
+          <a:lnRef idx="2">
+            <a:schemeClr val="accent1">
+              <a:shade val="15000"/>
+            </a:schemeClr>
+          </a:lnRef>
+          <a:fillRef idx="1">
+            <a:schemeClr val="accent1"/>
+          </a:fillRef>
+          <a:effectRef idx="0">
+            <a:schemeClr val="accent1"/>
+          </a:effectRef>
+          <a:fontRef idx="minor">
+            <a:schemeClr val="lt1"/>
+          </a:fontRef>
+        </p:style>
+        <p:txBody>
+          <a:bodyPr rtlCol="0" anchor="ctr"/>
+          <a:lstStyle/>
+          <a:p>
+            <a:pPr algn="ctr"/>
+            <a:endParaRPr lang="en-MY"/>
+          </a:p>
+        </p:txBody>
+      </p:sp>
+      <p:sp>
+        <p:nvSpPr>
+          <p:cNvPr id="10" name="Rectangle: Rounded Corners 9">
+            <a:extLst>
+              <a:ext uri="{FF2B5EF4-FFF2-40B4-BE49-F238E27FC236}">
+                <a16:creationId xmlns:a16="http://schemas.microsoft.com/office/drawing/2014/main" id="{D685B25B-23E8-0AFF-A312-3B918A33FDB5}"/>
+              </a:ext>
+            </a:extLst>
+          </p:cNvPr>
+          <p:cNvSpPr/>
+          <p:nvPr/>
+        </p:nvSpPr>
+        <p:spPr>
+          <a:xfrm>
+            <a:off x="15832382" y="17834351"/>
+            <a:ext cx="13680266" cy="12144224"/>
+          </a:xfrm>
+          <a:prstGeom prst="roundRect">
+            <a:avLst/>
+          </a:prstGeom>
+          <a:solidFill>
+            <a:schemeClr val="bg1"/>
+          </a:solidFill>
+          <a:ln>
+            <a:noFill/>
+          </a:ln>
+        </p:spPr>
+        <p:style>
+          <a:lnRef idx="2">
+            <a:schemeClr val="accent1">
+              <a:shade val="15000"/>
+            </a:schemeClr>
+          </a:lnRef>
+          <a:fillRef idx="1">
+            <a:schemeClr val="accent1"/>
+          </a:fillRef>
+          <a:effectRef idx="0">
+            <a:schemeClr val="accent1"/>
+          </a:effectRef>
+          <a:fontRef idx="minor">
+            <a:schemeClr val="lt1"/>
+          </a:fontRef>
+        </p:style>
+        <p:txBody>
+          <a:bodyPr rtlCol="0" anchor="ctr"/>
+          <a:lstStyle/>
+          <a:p>
+            <a:pPr algn="ctr"/>
+            <a:endParaRPr lang="en-MY"/>
+          </a:p>
+        </p:txBody>
+      </p:sp>
+      <p:pic>
+        <p:nvPicPr>
+          <p:cNvPr id="3" name="Chart 3">
+            <a:extLst>
+              <a:ext uri="{FF2B5EF4-FFF2-40B4-BE49-F238E27FC236}">
+                <a16:creationId xmlns:a16="http://schemas.microsoft.com/office/drawing/2014/main" id="{9A3B5F3F-94BB-CB73-9B76-C867E90681BA}"/>
+              </a:ext>
+            </a:extLst>
+          </p:cNvPr>
+          <p:cNvPicPr>
+            <a:picLocks noChangeAspect="1"/>
+          </p:cNvPicPr>
+          <p:nvPr/>
+        </p:nvPicPr>
+        <p:blipFill>
+          <a:blip r:embed="rId5">
+            <a:extLst>
+              <a:ext uri="{28A0092B-C50C-407E-A947-70E740481C1C}">
+                <a14:useLocalDpi xmlns:a14="http://schemas.microsoft.com/office/drawing/2010/main" val="0"/>
+              </a:ext>
+            </a:extLst>
+          </a:blip>
+          <a:stretch>
+            <a:fillRect/>
+          </a:stretch>
+        </p:blipFill>
+        <p:spPr>
+          <a:xfrm>
+            <a:off x="7969020" y="3838383"/>
+            <a:ext cx="14401281" cy="11109559"/>
+          </a:xfrm>
+          <a:prstGeom prst="rect">
+            <a:avLst/>
+          </a:prstGeom>
+        </p:spPr>
+      </p:pic>
+      <p:pic>
+        <p:nvPicPr>
+          <p:cNvPr id="6" name="Chart 4">
+            <a:extLst>
+              <a:ext uri="{FF2B5EF4-FFF2-40B4-BE49-F238E27FC236}">
+                <a16:creationId xmlns:a16="http://schemas.microsoft.com/office/drawing/2014/main" id="{184557C9-139A-3E66-62F0-03F1739C64F9}"/>
+              </a:ext>
+            </a:extLst>
+          </p:cNvPr>
+          <p:cNvPicPr>
+            <a:picLocks noChangeAspect="1"/>
+          </p:cNvPicPr>
+          <p:nvPr/>
+        </p:nvPicPr>
+        <p:blipFill>
+          <a:blip r:embed="rId6">
+            <a:extLst>
+              <a:ext uri="{28A0092B-C50C-407E-A947-70E740481C1C}">
+                <a14:useLocalDpi xmlns:a14="http://schemas.microsoft.com/office/drawing/2010/main" val="0"/>
+              </a:ext>
+            </a:extLst>
+          </a:blip>
+          <a:stretch>
+            <a:fillRect/>
+          </a:stretch>
+        </p:blipFill>
+        <p:spPr>
+          <a:xfrm>
+            <a:off x="1112036" y="18606312"/>
+            <a:ext cx="13060660" cy="10075367"/>
+          </a:xfrm>
+          <a:prstGeom prst="rect">
+            <a:avLst/>
+          </a:prstGeom>
+        </p:spPr>
+      </p:pic>
+      <p:pic>
+        <p:nvPicPr>
+          <p:cNvPr id="9" name="Chart 5">
+            <a:extLst>
+              <a:ext uri="{FF2B5EF4-FFF2-40B4-BE49-F238E27FC236}">
+                <a16:creationId xmlns:a16="http://schemas.microsoft.com/office/drawing/2014/main" id="{09660A60-4FA0-298C-1573-C6B8C17274BF}"/>
+              </a:ext>
+            </a:extLst>
+          </p:cNvPr>
+          <p:cNvPicPr>
+            <a:picLocks noChangeAspect="1"/>
+          </p:cNvPicPr>
+          <p:nvPr/>
+        </p:nvPicPr>
+        <p:blipFill>
+          <a:blip r:embed="rId7">
+            <a:extLst>
+              <a:ext uri="{28A0092B-C50C-407E-A947-70E740481C1C}">
+                <a14:useLocalDpi xmlns:a14="http://schemas.microsoft.com/office/drawing/2010/main" val="0"/>
+              </a:ext>
+            </a:extLst>
+          </a:blip>
+          <a:stretch>
+            <a:fillRect/>
+          </a:stretch>
+        </p:blipFill>
+        <p:spPr>
+          <a:xfrm>
+            <a:off x="16094355" y="18781637"/>
+            <a:ext cx="13034234" cy="10054980"/>
+          </a:xfrm>
+          <a:prstGeom prst="rect">
+            <a:avLst/>
+          </a:prstGeom>
+        </p:spPr>
+      </p:pic>
+      <p:sp>
+        <p:nvSpPr>
+          <p:cNvPr id="23" name="Rectangle: Rounded Corners 22">
+            <a:extLst>
+              <a:ext uri="{FF2B5EF4-FFF2-40B4-BE49-F238E27FC236}">
+                <a16:creationId xmlns:a16="http://schemas.microsoft.com/office/drawing/2014/main" id="{3369D79F-D6BB-54D9-D420-7352C5F5CA67}"/>
+              </a:ext>
+            </a:extLst>
+          </p:cNvPr>
+          <p:cNvSpPr/>
+          <p:nvPr/>
+        </p:nvSpPr>
+        <p:spPr>
+          <a:xfrm>
+            <a:off x="764255" y="3977640"/>
+            <a:ext cx="5712745" cy="2834640"/>
+          </a:xfrm>
+          <a:prstGeom prst="roundRect">
+            <a:avLst/>
+          </a:prstGeom>
+          <a:gradFill>
+            <a:gsLst>
+              <a:gs pos="0">
+                <a:srgbClr val="000428"/>
+              </a:gs>
+              <a:gs pos="100000">
+                <a:srgbClr val="004E92"/>
+              </a:gs>
+            </a:gsLst>
+            <a:lin ang="5400000" scaled="0"/>
+          </a:gradFill>
+          <a:ln>
+            <a:noFill/>
+          </a:ln>
+        </p:spPr>
+        <p:style>
+          <a:lnRef idx="2">
+            <a:schemeClr val="accent1">
+              <a:shade val="15000"/>
+            </a:schemeClr>
+          </a:lnRef>
+          <a:fillRef idx="1">
+            <a:schemeClr val="accent1"/>
+          </a:fillRef>
+          <a:effectRef idx="0">
+            <a:schemeClr val="accent1"/>
+          </a:effectRef>
+          <a:fontRef idx="minor">
+            <a:schemeClr val="lt1"/>
+          </a:fontRef>
+        </p:style>
+        <p:txBody>
+          <a:bodyPr rtlCol="0" anchor="ctr"/>
+          <a:lstStyle/>
+          <a:p>
+            <a:pPr algn="ctr"/>
+            <a:endParaRPr lang="en-MY" dirty="0"/>
+          </a:p>
+        </p:txBody>
+      </p:sp>
+      <p:sp>
+        <p:nvSpPr>
+          <p:cNvPr id="11" name="TextBox 10">
+            <a:extLst>
+              <a:ext uri="{FF2B5EF4-FFF2-40B4-BE49-F238E27FC236}">
+                <a16:creationId xmlns:a16="http://schemas.microsoft.com/office/drawing/2014/main" id="{9DF5805B-38A6-062A-F6F0-F4C3608E3A9F}"/>
+              </a:ext>
+            </a:extLst>
+          </p:cNvPr>
+          <p:cNvSpPr txBox="1"/>
+          <p:nvPr/>
+        </p:nvSpPr>
+        <p:spPr>
+          <a:xfrm>
+            <a:off x="771696" y="4452623"/>
+            <a:ext cx="5699641" cy="584775"/>
+          </a:xfrm>
+          <a:prstGeom prst="rect">
+            <a:avLst/>
+          </a:prstGeom>
+          <a:noFill/>
+        </p:spPr>
+        <p:txBody>
+          <a:bodyPr wrap="square" rtlCol="0">
+            <a:spAutoFit/>
+          </a:bodyPr>
+          <a:lstStyle/>
+          <a:p>
+            <a:pPr algn="ctr"/>
+            <a:r>
+              <a:rPr lang="en-US" sz="3200" b="1" dirty="0">
+                <a:solidFill>
+                  <a:schemeClr val="bg1"/>
+                </a:solidFill>
+                <a:latin typeface="Verdana" panose="020B0604030504040204" pitchFamily="34" charset="0"/>
+                <a:ea typeface="Verdana" panose="020B0604030504040204" pitchFamily="34" charset="0"/>
+              </a:rPr>
+              <a:t>Total Donations</a:t>
+            </a:r>
+            <a:endParaRPr lang="en-MY" sz="3200" b="1" dirty="0">
+              <a:solidFill>
+                <a:schemeClr val="bg1"/>
+              </a:solidFill>
+              <a:latin typeface="Verdana" panose="020B0604030504040204" pitchFamily="34" charset="0"/>
+              <a:ea typeface="Verdana" panose="020B0604030504040204" pitchFamily="34" charset="0"/>
+            </a:endParaRPr>
+          </a:p>
+        </p:txBody>
+      </p:sp>
+      <p:sp>
+        <p:nvSpPr>
+          <p:cNvPr id="12" name="TextBox 11">
+            <a:extLst>
+              <a:ext uri="{FF2B5EF4-FFF2-40B4-BE49-F238E27FC236}">
+                <a16:creationId xmlns:a16="http://schemas.microsoft.com/office/drawing/2014/main" id="{C4114AAC-9140-FFA0-BC7D-7AAB7E875EA5}"/>
+              </a:ext>
+            </a:extLst>
+          </p:cNvPr>
+          <p:cNvSpPr txBox="1"/>
+          <p:nvPr/>
+        </p:nvSpPr>
+        <p:spPr>
+          <a:xfrm>
+            <a:off x="762566" y="5405923"/>
+            <a:ext cx="5685738" cy="830997"/>
+          </a:xfrm>
+          <a:prstGeom prst="rect">
+            <a:avLst/>
+          </a:prstGeom>
+          <a:noFill/>
+        </p:spPr>
+        <p:txBody>
+          <a:bodyPr wrap="square" rtlCol="0">
+            <a:spAutoFit/>
+          </a:bodyPr>
+          <a:lstStyle/>
+          <a:p>
+            <a:pPr algn="ctr"/>
+            <a:r>
+              <a:rPr lang="en-US" sz="4800" b="1" dirty="0" err="1">
+                <a:solidFill>
+                  <a:schemeClr val="bg1"/>
+                </a:solidFill>
+                <a:latin typeface="Verdana" panose="020B0604030504040204" pitchFamily="34" charset="0"/>
+                <a:ea typeface="Verdana" panose="020B0604030504040204" pitchFamily="34" charset="0"/>
+              </a:rPr>
+              <a:t>total_donation</a:t>
+            </a:r>
+            <a:endParaRPr lang="en-MY" sz="4800" b="1" dirty="0">
+              <a:solidFill>
+                <a:schemeClr val="bg1"/>
+              </a:solidFill>
+              <a:latin typeface="Verdana" panose="020B0604030504040204" pitchFamily="34" charset="0"/>
+              <a:ea typeface="Verdana" panose="020B0604030504040204" pitchFamily="34" charset="0"/>
+            </a:endParaRPr>
+          </a:p>
+        </p:txBody>
+      </p:sp>
+      <p:sp>
+        <p:nvSpPr>
+          <p:cNvPr id="14" name="Rectangle: Rounded Corners 13">
+            <a:extLst>
+              <a:ext uri="{FF2B5EF4-FFF2-40B4-BE49-F238E27FC236}">
+                <a16:creationId xmlns:a16="http://schemas.microsoft.com/office/drawing/2014/main" id="{564E3002-8B03-B38F-7F20-FF038AAAF79E}"/>
+              </a:ext>
+            </a:extLst>
+          </p:cNvPr>
+          <p:cNvSpPr/>
+          <p:nvPr/>
+        </p:nvSpPr>
+        <p:spPr>
+          <a:xfrm>
+            <a:off x="23819468" y="3977640"/>
+            <a:ext cx="5712745" cy="2834640"/>
+          </a:xfrm>
+          <a:prstGeom prst="roundRect">
+            <a:avLst/>
+          </a:prstGeom>
+          <a:gradFill>
+            <a:gsLst>
+              <a:gs pos="0">
+                <a:srgbClr val="000428"/>
+              </a:gs>
+              <a:gs pos="100000">
+                <a:srgbClr val="004E92"/>
+              </a:gs>
+            </a:gsLst>
+            <a:lin ang="5400000" scaled="0"/>
+          </a:gradFill>
+          <a:ln>
+            <a:noFill/>
+          </a:ln>
+        </p:spPr>
+        <p:style>
+          <a:lnRef idx="2">
+            <a:schemeClr val="accent1">
+              <a:shade val="15000"/>
+            </a:schemeClr>
+          </a:lnRef>
+          <a:fillRef idx="1">
+            <a:schemeClr val="accent1"/>
+          </a:fillRef>
+          <a:effectRef idx="0">
+            <a:schemeClr val="accent1"/>
+          </a:effectRef>
+          <a:fontRef idx="minor">
+            <a:schemeClr val="lt1"/>
+          </a:fontRef>
+        </p:style>
+        <p:txBody>
+          <a:bodyPr rtlCol="0" anchor="ctr"/>
+          <a:lstStyle/>
+          <a:p>
+            <a:pPr algn="ctr"/>
+            <a:endParaRPr lang="en-MY" dirty="0"/>
+          </a:p>
+        </p:txBody>
+      </p:sp>
+      <p:sp>
+        <p:nvSpPr>
+          <p:cNvPr id="15" name="TextBox 14">
+            <a:extLst>
+              <a:ext uri="{FF2B5EF4-FFF2-40B4-BE49-F238E27FC236}">
+                <a16:creationId xmlns:a16="http://schemas.microsoft.com/office/drawing/2014/main" id="{90F25535-3104-6A08-483D-3A9ADE6EDA86}"/>
+              </a:ext>
+            </a:extLst>
+          </p:cNvPr>
+          <p:cNvSpPr txBox="1"/>
+          <p:nvPr/>
+        </p:nvSpPr>
+        <p:spPr>
+          <a:xfrm>
+            <a:off x="23826909" y="4452623"/>
+            <a:ext cx="5699641" cy="584775"/>
+          </a:xfrm>
+          <a:prstGeom prst="rect">
+            <a:avLst/>
+          </a:prstGeom>
+          <a:noFill/>
+        </p:spPr>
+        <p:txBody>
+          <a:bodyPr wrap="square" rtlCol="0">
+            <a:spAutoFit/>
+          </a:bodyPr>
+          <a:lstStyle/>
+          <a:p>
+            <a:pPr algn="ctr"/>
+            <a:r>
+              <a:rPr lang="en-US" sz="3200" b="1" dirty="0">
+                <a:solidFill>
+                  <a:schemeClr val="bg1"/>
+                </a:solidFill>
+                <a:latin typeface="Verdana" panose="020B0604030504040204" pitchFamily="34" charset="0"/>
+                <a:ea typeface="Verdana" panose="020B0604030504040204" pitchFamily="34" charset="0"/>
+              </a:rPr>
+              <a:t>Total Unique Donors</a:t>
+            </a:r>
+            <a:endParaRPr lang="en-MY" sz="3200" b="1" dirty="0">
+              <a:solidFill>
+                <a:schemeClr val="bg1"/>
+              </a:solidFill>
+              <a:latin typeface="Verdana" panose="020B0604030504040204" pitchFamily="34" charset="0"/>
+              <a:ea typeface="Verdana" panose="020B0604030504040204" pitchFamily="34" charset="0"/>
+            </a:endParaRPr>
+          </a:p>
+        </p:txBody>
+      </p:sp>
+      <p:sp>
+        <p:nvSpPr>
+          <p:cNvPr id="16" name="TextBox 15">
+            <a:extLst>
+              <a:ext uri="{FF2B5EF4-FFF2-40B4-BE49-F238E27FC236}">
+                <a16:creationId xmlns:a16="http://schemas.microsoft.com/office/drawing/2014/main" id="{0343ADB8-37E5-A4CE-E606-83973E9C6F22}"/>
+              </a:ext>
+            </a:extLst>
+          </p:cNvPr>
+          <p:cNvSpPr txBox="1"/>
+          <p:nvPr/>
+        </p:nvSpPr>
+        <p:spPr>
+          <a:xfrm>
+            <a:off x="23817779" y="5405923"/>
+            <a:ext cx="5685738" cy="830997"/>
+          </a:xfrm>
+          <a:prstGeom prst="rect">
+            <a:avLst/>
+          </a:prstGeom>
+          <a:noFill/>
+        </p:spPr>
+        <p:txBody>
+          <a:bodyPr wrap="square" rtlCol="0">
+            <a:spAutoFit/>
+          </a:bodyPr>
+          <a:lstStyle/>
+          <a:p>
+            <a:pPr algn="ctr"/>
+            <a:r>
+              <a:rPr lang="en-US" sz="4800" b="1" dirty="0" err="1">
+                <a:solidFill>
+                  <a:schemeClr val="bg1"/>
+                </a:solidFill>
+                <a:latin typeface="Verdana" panose="020B0604030504040204" pitchFamily="34" charset="0"/>
+                <a:ea typeface="Verdana" panose="020B0604030504040204" pitchFamily="34" charset="0"/>
+              </a:rPr>
+              <a:t>unique_donor</a:t>
+            </a:r>
+            <a:endParaRPr lang="en-MY" sz="4800" b="1" dirty="0">
+              <a:solidFill>
+                <a:schemeClr val="bg1"/>
+              </a:solidFill>
+              <a:latin typeface="Verdana" panose="020B0604030504040204" pitchFamily="34" charset="0"/>
+              <a:ea typeface="Verdana" panose="020B0604030504040204" pitchFamily="34" charset="0"/>
+            </a:endParaRPr>
+          </a:p>
+        </p:txBody>
+      </p:sp>
+      <p:sp>
+        <p:nvSpPr>
+          <p:cNvPr id="17" name="TextBox 16">
+            <a:extLst>
+              <a:ext uri="{FF2B5EF4-FFF2-40B4-BE49-F238E27FC236}">
+                <a16:creationId xmlns:a16="http://schemas.microsoft.com/office/drawing/2014/main" id="{7F888A1C-7ED0-FFA0-5F03-224728521976}"/>
+              </a:ext>
+            </a:extLst>
+          </p:cNvPr>
+          <p:cNvSpPr txBox="1"/>
+          <p:nvPr/>
+        </p:nvSpPr>
+        <p:spPr>
+          <a:xfrm>
+            <a:off x="1603713" y="2448436"/>
+            <a:ext cx="5266010" cy="399981"/>
+          </a:xfrm>
+          <a:prstGeom prst="rect">
+            <a:avLst/>
+          </a:prstGeom>
+          <a:noFill/>
+        </p:spPr>
+        <p:txBody>
+          <a:bodyPr wrap="square" rtlCol="0">
+            <a:spAutoFit/>
+          </a:bodyPr>
+          <a:lstStyle/>
+          <a:p>
+            <a:r>
+              <a:rPr lang="en-US" sz="1999" dirty="0">
+                <a:solidFill>
+                  <a:schemeClr val="tx1">
+                    <a:lumMod val="85000"/>
+                    <a:lumOff val="15000"/>
+                  </a:schemeClr>
+                </a:solidFill>
+                <a:latin typeface="Verdana" panose="020B0604030504040204" pitchFamily="34" charset="0"/>
+                <a:ea typeface="Verdana" panose="020B0604030504040204" pitchFamily="34" charset="0"/>
+              </a:rPr>
+              <a:t>Data as of </a:t>
+            </a:r>
+            <a:r>
+              <a:rPr lang="en-US" sz="1999" dirty="0" err="1">
+                <a:solidFill>
+                  <a:schemeClr val="tx1">
+                    <a:lumMod val="85000"/>
+                    <a:lumOff val="15000"/>
+                  </a:schemeClr>
+                </a:solidFill>
+                <a:latin typeface="Verdana" panose="020B0604030504040204" pitchFamily="34" charset="0"/>
+                <a:ea typeface="Verdana" panose="020B0604030504040204" pitchFamily="34" charset="0"/>
+              </a:rPr>
+              <a:t>max_granular_date</a:t>
+            </a:r>
+            <a:endParaRPr lang="en-MY" sz="1999" dirty="0">
+              <a:solidFill>
+                <a:schemeClr val="tx1">
+                  <a:lumMod val="85000"/>
+                  <a:lumOff val="15000"/>
+                </a:schemeClr>
+              </a:solidFill>
+              <a:latin typeface="Verdana" panose="020B0604030504040204" pitchFamily="34" charset="0"/>
+              <a:ea typeface="Verdana" panose="020B0604030504040204" pitchFamily="34" charset="0"/>
+            </a:endParaRPr>
+          </a:p>
+        </p:txBody>
+      </p:sp>
+    </p:spTree>
+    <p:extLst>
+      <p:ext uri="{BB962C8B-B14F-4D97-AF65-F5344CB8AC3E}">
+        <p14:creationId xmlns:p14="http://schemas.microsoft.com/office/powerpoint/2010/main" val="1283378059"/>
       </p:ext>
     </p:extLst>
   </p:cSld>

--- a/blood_donation.pptx
+++ b/blood_donation.pptx
@@ -5,13 +5,11 @@
     <p:sldMasterId id="2147483720" r:id="rId1"/>
   </p:sldMasterIdLst>
   <p:notesMasterIdLst>
-    <p:notesMasterId r:id="rId6"/>
+    <p:notesMasterId r:id="rId4"/>
   </p:notesMasterIdLst>
   <p:sldIdLst>
     <p:sldId id="257" r:id="rId2"/>
     <p:sldId id="258" r:id="rId3"/>
-    <p:sldId id="259" r:id="rId4"/>
-    <p:sldId id="260" r:id="rId5"/>
   </p:sldIdLst>
   <p:sldSz cx="30275213" cy="32399288"/>
   <p:notesSz cx="6858000" cy="9144000"/>
@@ -667,184 +665,6 @@
     <p:extLst>
       <p:ext uri="{BB962C8B-B14F-4D97-AF65-F5344CB8AC3E}">
         <p14:creationId xmlns:p14="http://schemas.microsoft.com/office/powerpoint/2010/main" val="1239439067"/>
-      </p:ext>
-    </p:extLst>
-  </p:cSld>
-  <p:clrMapOvr>
-    <a:masterClrMapping/>
-  </p:clrMapOvr>
-</p:notes>
-</file>
-
-<file path=ppt/notesSlides/notesSlide3.xml><?xml version="1.0" encoding="utf-8"?>
-<p:notes xmlns:a="http://schemas.openxmlformats.org/drawingml/2006/main" xmlns:r="http://schemas.openxmlformats.org/officeDocument/2006/relationships" xmlns:p="http://schemas.openxmlformats.org/presentationml/2006/main">
-  <p:cSld>
-    <p:spTree>
-      <p:nvGrpSpPr>
-        <p:cNvPr id="1" name=""/>
-        <p:cNvGrpSpPr/>
-        <p:nvPr/>
-      </p:nvGrpSpPr>
-      <p:grpSpPr>
-        <a:xfrm>
-          <a:off x="0" y="0"/>
-          <a:ext cx="0" cy="0"/>
-          <a:chOff x="0" y="0"/>
-          <a:chExt cx="0" cy="0"/>
-        </a:xfrm>
-      </p:grpSpPr>
-      <p:sp>
-        <p:nvSpPr>
-          <p:cNvPr id="2" name="Slide Image Placeholder 1"/>
-          <p:cNvSpPr>
-            <a:spLocks noGrp="1" noRot="1" noChangeAspect="1"/>
-          </p:cNvSpPr>
-          <p:nvPr>
-            <p:ph type="sldImg"/>
-          </p:nvPr>
-        </p:nvSpPr>
-        <p:spPr>
-          <a:xfrm>
-            <a:off x="1987550" y="1143000"/>
-            <a:ext cx="2882900" cy="3086100"/>
-          </a:xfrm>
-        </p:spPr>
-      </p:sp>
-      <p:sp>
-        <p:nvSpPr>
-          <p:cNvPr id="3" name="Notes Placeholder 2"/>
-          <p:cNvSpPr>
-            <a:spLocks noGrp="1"/>
-          </p:cNvSpPr>
-          <p:nvPr>
-            <p:ph type="body" idx="1"/>
-          </p:nvPr>
-        </p:nvSpPr>
-        <p:spPr/>
-        <p:txBody>
-          <a:bodyPr/>
-          <a:lstStyle/>
-          <a:p>
-            <a:endParaRPr lang="en-MY" dirty="0"/>
-          </a:p>
-        </p:txBody>
-      </p:sp>
-      <p:sp>
-        <p:nvSpPr>
-          <p:cNvPr id="4" name="Slide Number Placeholder 3"/>
-          <p:cNvSpPr>
-            <a:spLocks noGrp="1"/>
-          </p:cNvSpPr>
-          <p:nvPr>
-            <p:ph type="sldNum" sz="quarter" idx="5"/>
-          </p:nvPr>
-        </p:nvSpPr>
-        <p:spPr/>
-        <p:txBody>
-          <a:bodyPr/>
-          <a:lstStyle/>
-          <a:p>
-            <a:fld id="{9F67F347-F259-4000-9D8F-193820691C71}" type="slidenum">
-              <a:rPr lang="en-MY" smtClean="0"/>
-              <a:t>3</a:t>
-            </a:fld>
-            <a:endParaRPr lang="en-MY"/>
-          </a:p>
-        </p:txBody>
-      </p:sp>
-    </p:spTree>
-    <p:extLst>
-      <p:ext uri="{BB962C8B-B14F-4D97-AF65-F5344CB8AC3E}">
-        <p14:creationId xmlns:p14="http://schemas.microsoft.com/office/powerpoint/2010/main" val="3953320838"/>
-      </p:ext>
-    </p:extLst>
-  </p:cSld>
-  <p:clrMapOvr>
-    <a:masterClrMapping/>
-  </p:clrMapOvr>
-</p:notes>
-</file>
-
-<file path=ppt/notesSlides/notesSlide4.xml><?xml version="1.0" encoding="utf-8"?>
-<p:notes xmlns:a="http://schemas.openxmlformats.org/drawingml/2006/main" xmlns:r="http://schemas.openxmlformats.org/officeDocument/2006/relationships" xmlns:p="http://schemas.openxmlformats.org/presentationml/2006/main">
-  <p:cSld>
-    <p:spTree>
-      <p:nvGrpSpPr>
-        <p:cNvPr id="1" name=""/>
-        <p:cNvGrpSpPr/>
-        <p:nvPr/>
-      </p:nvGrpSpPr>
-      <p:grpSpPr>
-        <a:xfrm>
-          <a:off x="0" y="0"/>
-          <a:ext cx="0" cy="0"/>
-          <a:chOff x="0" y="0"/>
-          <a:chExt cx="0" cy="0"/>
-        </a:xfrm>
-      </p:grpSpPr>
-      <p:sp>
-        <p:nvSpPr>
-          <p:cNvPr id="2" name="Slide Image Placeholder 1"/>
-          <p:cNvSpPr>
-            <a:spLocks noGrp="1" noRot="1" noChangeAspect="1"/>
-          </p:cNvSpPr>
-          <p:nvPr>
-            <p:ph type="sldImg"/>
-          </p:nvPr>
-        </p:nvSpPr>
-        <p:spPr>
-          <a:xfrm>
-            <a:off x="1987550" y="1143000"/>
-            <a:ext cx="2882900" cy="3086100"/>
-          </a:xfrm>
-        </p:spPr>
-      </p:sp>
-      <p:sp>
-        <p:nvSpPr>
-          <p:cNvPr id="3" name="Notes Placeholder 2"/>
-          <p:cNvSpPr>
-            <a:spLocks noGrp="1"/>
-          </p:cNvSpPr>
-          <p:nvPr>
-            <p:ph type="body" idx="1"/>
-          </p:nvPr>
-        </p:nvSpPr>
-        <p:spPr/>
-        <p:txBody>
-          <a:bodyPr/>
-          <a:lstStyle/>
-          <a:p>
-            <a:endParaRPr lang="en-MY" dirty="0"/>
-          </a:p>
-        </p:txBody>
-      </p:sp>
-      <p:sp>
-        <p:nvSpPr>
-          <p:cNvPr id="4" name="Slide Number Placeholder 3"/>
-          <p:cNvSpPr>
-            <a:spLocks noGrp="1"/>
-          </p:cNvSpPr>
-          <p:nvPr>
-            <p:ph type="sldNum" sz="quarter" idx="5"/>
-          </p:nvPr>
-        </p:nvSpPr>
-        <p:spPr/>
-        <p:txBody>
-          <a:bodyPr/>
-          <a:lstStyle/>
-          <a:p>
-            <a:fld id="{9F67F347-F259-4000-9D8F-193820691C71}" type="slidenum">
-              <a:rPr lang="en-MY" smtClean="0"/>
-              <a:t>4</a:t>
-            </a:fld>
-            <a:endParaRPr lang="en-MY"/>
-          </a:p>
-        </p:txBody>
-      </p:sp>
-    </p:spTree>
-    <p:extLst>
-      <p:ext uri="{BB962C8B-B14F-4D97-AF65-F5344CB8AC3E}">
-        <p14:creationId xmlns:p14="http://schemas.microsoft.com/office/powerpoint/2010/main" val="2036609644"/>
       </p:ext>
     </p:extLst>
   </p:cSld>
@@ -8799,1187 +8619,6 @@
     <p:extLst>
       <p:ext uri="{BB962C8B-B14F-4D97-AF65-F5344CB8AC3E}">
         <p14:creationId xmlns:p14="http://schemas.microsoft.com/office/powerpoint/2010/main" val="1400414128"/>
-      </p:ext>
-    </p:extLst>
-  </p:cSld>
-  <p:clrMapOvr>
-    <a:masterClrMapping/>
-  </p:clrMapOvr>
-</p:sld>
-</file>
-
-<file path=ppt/slides/slide3.xml><?xml version="1.0" encoding="utf-8"?>
-<p:sld xmlns:a="http://schemas.openxmlformats.org/drawingml/2006/main" xmlns:r="http://schemas.openxmlformats.org/officeDocument/2006/relationships" xmlns:p="http://schemas.openxmlformats.org/presentationml/2006/main" showMasterSp="0">
-  <p:cSld>
-    <p:bg>
-      <p:bgPr>
-        <a:blipFill dpi="0" rotWithShape="1">
-          <a:blip r:embed="rId3">
-            <a:alphaModFix amt="40000"/>
-            <a:lum/>
-          </a:blip>
-          <a:srcRect/>
-          <a:stretch>
-            <a:fillRect l="-50000" r="-50000"/>
-          </a:stretch>
-        </a:blipFill>
-        <a:effectLst/>
-      </p:bgPr>
-    </p:bg>
-    <p:spTree>
-      <p:nvGrpSpPr>
-        <p:cNvPr id="1" name=""/>
-        <p:cNvGrpSpPr/>
-        <p:nvPr/>
-      </p:nvGrpSpPr>
-      <p:grpSpPr>
-        <a:xfrm>
-          <a:off x="0" y="0"/>
-          <a:ext cx="0" cy="0"/>
-          <a:chOff x="0" y="0"/>
-          <a:chExt cx="0" cy="0"/>
-        </a:xfrm>
-      </p:grpSpPr>
-      <p:sp>
-        <p:nvSpPr>
-          <p:cNvPr id="46" name="Rectangle: Rounded Corners 45">
-            <a:extLst>
-              <a:ext uri="{FF2B5EF4-FFF2-40B4-BE49-F238E27FC236}">
-                <a16:creationId xmlns:a16="http://schemas.microsoft.com/office/drawing/2014/main" id="{8CA1AF2F-7D28-452A-40FC-31815356C6F6}"/>
-              </a:ext>
-            </a:extLst>
-          </p:cNvPr>
-          <p:cNvSpPr/>
-          <p:nvPr/>
-        </p:nvSpPr>
-        <p:spPr>
-          <a:xfrm>
-            <a:off x="7094806" y="3294184"/>
-            <a:ext cx="15516666" cy="12190162"/>
-          </a:xfrm>
-          <a:prstGeom prst="roundRect">
-            <a:avLst/>
-          </a:prstGeom>
-          <a:solidFill>
-            <a:schemeClr val="bg1"/>
-          </a:solidFill>
-          <a:ln>
-            <a:noFill/>
-          </a:ln>
-        </p:spPr>
-        <p:style>
-          <a:lnRef idx="2">
-            <a:schemeClr val="accent1">
-              <a:shade val="15000"/>
-            </a:schemeClr>
-          </a:lnRef>
-          <a:fillRef idx="1">
-            <a:schemeClr val="accent1"/>
-          </a:fillRef>
-          <a:effectRef idx="0">
-            <a:schemeClr val="accent1"/>
-          </a:effectRef>
-          <a:fontRef idx="minor">
-            <a:schemeClr val="lt1"/>
-          </a:fontRef>
-        </p:style>
-        <p:txBody>
-          <a:bodyPr rtlCol="0" anchor="ctr"/>
-          <a:lstStyle/>
-          <a:p>
-            <a:pPr algn="ctr"/>
-            <a:endParaRPr lang="en-MY"/>
-          </a:p>
-        </p:txBody>
-      </p:sp>
-      <p:sp>
-        <p:nvSpPr>
-          <p:cNvPr id="58" name="TextBox 57">
-            <a:extLst>
-              <a:ext uri="{FF2B5EF4-FFF2-40B4-BE49-F238E27FC236}">
-                <a16:creationId xmlns:a16="http://schemas.microsoft.com/office/drawing/2014/main" id="{68AD2F2E-1DF3-FE12-A288-90276DF6DFB4}"/>
-              </a:ext>
-            </a:extLst>
-          </p:cNvPr>
-          <p:cNvSpPr txBox="1"/>
-          <p:nvPr/>
-        </p:nvSpPr>
-        <p:spPr>
-          <a:xfrm>
-            <a:off x="1486483" y="1294218"/>
-            <a:ext cx="24319437" cy="954107"/>
-          </a:xfrm>
-          <a:prstGeom prst="rect">
-            <a:avLst/>
-          </a:prstGeom>
-          <a:noFill/>
-        </p:spPr>
-        <p:txBody>
-          <a:bodyPr wrap="square" rtlCol="0">
-            <a:spAutoFit/>
-          </a:bodyPr>
-          <a:lstStyle/>
-          <a:p>
-            <a:r>
-              <a:rPr lang="en-US" sz="5600" b="1" dirty="0">
-                <a:latin typeface="Verdana" panose="020B0604030504040204" pitchFamily="34" charset="0"/>
-                <a:ea typeface="Verdana" panose="020B0604030504040204" pitchFamily="34" charset="0"/>
-                <a:cs typeface="Aharoni" panose="02010803020104030203" pitchFamily="2" charset="-79"/>
-              </a:rPr>
-              <a:t>Malaysia’s Blood Donation Historical Trends (2006 – 2023)</a:t>
-            </a:r>
-            <a:endParaRPr lang="en-MY" sz="5600" b="1" dirty="0">
-              <a:latin typeface="Verdana" panose="020B0604030504040204" pitchFamily="34" charset="0"/>
-              <a:ea typeface="Verdana" panose="020B0604030504040204" pitchFamily="34" charset="0"/>
-              <a:cs typeface="Aharoni" panose="02010803020104030203" pitchFamily="2" charset="-79"/>
-            </a:endParaRPr>
-          </a:p>
-        </p:txBody>
-      </p:sp>
-      <p:pic>
-        <p:nvPicPr>
-          <p:cNvPr id="50" name="Picture 49">
-            <a:extLst>
-              <a:ext uri="{FF2B5EF4-FFF2-40B4-BE49-F238E27FC236}">
-                <a16:creationId xmlns:a16="http://schemas.microsoft.com/office/drawing/2014/main" id="{7D39F7BD-CBE9-9D05-B8BC-9A644A533803}"/>
-              </a:ext>
-            </a:extLst>
-          </p:cNvPr>
-          <p:cNvPicPr>
-            <a:picLocks noChangeAspect="1"/>
-          </p:cNvPicPr>
-          <p:nvPr/>
-        </p:nvPicPr>
-        <p:blipFill>
-          <a:blip r:embed="rId4">
-            <a:clrChange>
-              <a:clrFrom>
-                <a:srgbClr val="FFFFFF"/>
-              </a:clrFrom>
-              <a:clrTo>
-                <a:srgbClr val="FFFFFF">
-                  <a:alpha val="0"/>
-                </a:srgbClr>
-              </a:clrTo>
-            </a:clrChange>
-            <a:extLst>
-              <a:ext uri="{28A0092B-C50C-407E-A947-70E740481C1C}">
-                <a14:useLocalDpi xmlns:a14="http://schemas.microsoft.com/office/drawing/2010/main" val="0"/>
-              </a:ext>
-            </a:extLst>
-          </a:blip>
-          <a:stretch>
-            <a:fillRect/>
-          </a:stretch>
-        </p:blipFill>
-        <p:spPr>
-          <a:xfrm>
-            <a:off x="25805921" y="538032"/>
-            <a:ext cx="3142244" cy="3142244"/>
-          </a:xfrm>
-          <a:prstGeom prst="rect">
-            <a:avLst/>
-          </a:prstGeom>
-        </p:spPr>
-      </p:pic>
-      <p:pic>
-        <p:nvPicPr>
-          <p:cNvPr id="42" name="Picture 41">
-            <a:extLst>
-              <a:ext uri="{FF2B5EF4-FFF2-40B4-BE49-F238E27FC236}">
-                <a16:creationId xmlns:a16="http://schemas.microsoft.com/office/drawing/2014/main" id="{94F03FAB-3662-13F4-7371-1F5D934E4343}"/>
-              </a:ext>
-            </a:extLst>
-          </p:cNvPr>
-          <p:cNvPicPr>
-            <a:picLocks noChangeAspect="1"/>
-          </p:cNvPicPr>
-          <p:nvPr/>
-        </p:nvPicPr>
-        <p:blipFill>
-          <a:blip r:embed="rId5">
-            <a:extLst>
-              <a:ext uri="{28A0092B-C50C-407E-A947-70E740481C1C}">
-                <a14:useLocalDpi xmlns:a14="http://schemas.microsoft.com/office/drawing/2010/main" val="0"/>
-              </a:ext>
-            </a:extLst>
-          </a:blip>
-          <a:stretch>
-            <a:fillRect/>
-          </a:stretch>
-        </p:blipFill>
-        <p:spPr>
-          <a:xfrm>
-            <a:off x="7794809" y="4027039"/>
-            <a:ext cx="14172258" cy="10932884"/>
-          </a:xfrm>
-          <a:prstGeom prst="rect">
-            <a:avLst/>
-          </a:prstGeom>
-        </p:spPr>
-      </p:pic>
-      <p:sp>
-        <p:nvSpPr>
-          <p:cNvPr id="4" name="Rectangle: Rounded Corners 3">
-            <a:extLst>
-              <a:ext uri="{FF2B5EF4-FFF2-40B4-BE49-F238E27FC236}">
-                <a16:creationId xmlns:a16="http://schemas.microsoft.com/office/drawing/2014/main" id="{FD2A00D2-4012-F3C5-E946-6B865AC0275D}"/>
-              </a:ext>
-            </a:extLst>
-          </p:cNvPr>
-          <p:cNvSpPr/>
-          <p:nvPr/>
-        </p:nvSpPr>
-        <p:spPr>
-          <a:xfrm>
-            <a:off x="762566" y="17737015"/>
-            <a:ext cx="13680266" cy="12144224"/>
-          </a:xfrm>
-          <a:prstGeom prst="roundRect">
-            <a:avLst/>
-          </a:prstGeom>
-          <a:solidFill>
-            <a:schemeClr val="bg1"/>
-          </a:solidFill>
-          <a:ln>
-            <a:noFill/>
-          </a:ln>
-        </p:spPr>
-        <p:style>
-          <a:lnRef idx="2">
-            <a:schemeClr val="accent1">
-              <a:shade val="15000"/>
-            </a:schemeClr>
-          </a:lnRef>
-          <a:fillRef idx="1">
-            <a:schemeClr val="accent1"/>
-          </a:fillRef>
-          <a:effectRef idx="0">
-            <a:schemeClr val="accent1"/>
-          </a:effectRef>
-          <a:fontRef idx="minor">
-            <a:schemeClr val="lt1"/>
-          </a:fontRef>
-        </p:style>
-        <p:txBody>
-          <a:bodyPr rtlCol="0" anchor="ctr"/>
-          <a:lstStyle/>
-          <a:p>
-            <a:pPr algn="ctr"/>
-            <a:endParaRPr lang="en-MY"/>
-          </a:p>
-        </p:txBody>
-      </p:sp>
-      <p:pic>
-        <p:nvPicPr>
-          <p:cNvPr id="7" name="Picture 6">
-            <a:extLst>
-              <a:ext uri="{FF2B5EF4-FFF2-40B4-BE49-F238E27FC236}">
-                <a16:creationId xmlns:a16="http://schemas.microsoft.com/office/drawing/2014/main" id="{22BCAECB-6747-AE8F-98A4-F24186CBF681}"/>
-              </a:ext>
-            </a:extLst>
-          </p:cNvPr>
-          <p:cNvPicPr>
-            <a:picLocks noChangeAspect="1"/>
-          </p:cNvPicPr>
-          <p:nvPr/>
-        </p:nvPicPr>
-        <p:blipFill>
-          <a:blip r:embed="rId6">
-            <a:extLst>
-              <a:ext uri="{28A0092B-C50C-407E-A947-70E740481C1C}">
-                <a14:useLocalDpi xmlns:a14="http://schemas.microsoft.com/office/drawing/2010/main" val="0"/>
-              </a:ext>
-            </a:extLst>
-          </a:blip>
-          <a:stretch>
-            <a:fillRect/>
-          </a:stretch>
-        </p:blipFill>
-        <p:spPr>
-          <a:xfrm>
-            <a:off x="1769402" y="18391300"/>
-            <a:ext cx="12331345" cy="10789716"/>
-          </a:xfrm>
-          <a:prstGeom prst="rect">
-            <a:avLst/>
-          </a:prstGeom>
-        </p:spPr>
-      </p:pic>
-      <p:sp>
-        <p:nvSpPr>
-          <p:cNvPr id="10" name="Rectangle: Rounded Corners 9">
-            <a:extLst>
-              <a:ext uri="{FF2B5EF4-FFF2-40B4-BE49-F238E27FC236}">
-                <a16:creationId xmlns:a16="http://schemas.microsoft.com/office/drawing/2014/main" id="{D685B25B-23E8-0AFF-A312-3B918A33FDB5}"/>
-              </a:ext>
-            </a:extLst>
-          </p:cNvPr>
-          <p:cNvSpPr/>
-          <p:nvPr/>
-        </p:nvSpPr>
-        <p:spPr>
-          <a:xfrm>
-            <a:off x="15832382" y="17834351"/>
-            <a:ext cx="13680266" cy="12144224"/>
-          </a:xfrm>
-          <a:prstGeom prst="roundRect">
-            <a:avLst/>
-          </a:prstGeom>
-          <a:solidFill>
-            <a:schemeClr val="bg1"/>
-          </a:solidFill>
-          <a:ln>
-            <a:noFill/>
-          </a:ln>
-        </p:spPr>
-        <p:style>
-          <a:lnRef idx="2">
-            <a:schemeClr val="accent1">
-              <a:shade val="15000"/>
-            </a:schemeClr>
-          </a:lnRef>
-          <a:fillRef idx="1">
-            <a:schemeClr val="accent1"/>
-          </a:fillRef>
-          <a:effectRef idx="0">
-            <a:schemeClr val="accent1"/>
-          </a:effectRef>
-          <a:fontRef idx="minor">
-            <a:schemeClr val="lt1"/>
-          </a:fontRef>
-        </p:style>
-        <p:txBody>
-          <a:bodyPr rtlCol="0" anchor="ctr"/>
-          <a:lstStyle/>
-          <a:p>
-            <a:pPr algn="ctr"/>
-            <a:endParaRPr lang="en-MY"/>
-          </a:p>
-        </p:txBody>
-      </p:sp>
-      <p:pic>
-        <p:nvPicPr>
-          <p:cNvPr id="13" name="Picture 12">
-            <a:extLst>
-              <a:ext uri="{FF2B5EF4-FFF2-40B4-BE49-F238E27FC236}">
-                <a16:creationId xmlns:a16="http://schemas.microsoft.com/office/drawing/2014/main" id="{F3285674-42DB-3164-9B85-05E83345DD23}"/>
-              </a:ext>
-            </a:extLst>
-          </p:cNvPr>
-          <p:cNvPicPr>
-            <a:picLocks noChangeAspect="1"/>
-          </p:cNvPicPr>
-          <p:nvPr/>
-        </p:nvPicPr>
-        <p:blipFill>
-          <a:blip r:embed="rId7">
-            <a:extLst>
-              <a:ext uri="{28A0092B-C50C-407E-A947-70E740481C1C}">
-                <a14:useLocalDpi xmlns:a14="http://schemas.microsoft.com/office/drawing/2010/main" val="0"/>
-              </a:ext>
-            </a:extLst>
-          </a:blip>
-          <a:stretch>
-            <a:fillRect/>
-          </a:stretch>
-        </p:blipFill>
-        <p:spPr>
-          <a:xfrm>
-            <a:off x="16282785" y="18648997"/>
-            <a:ext cx="12779459" cy="9858440"/>
-          </a:xfrm>
-          <a:prstGeom prst="rect">
-            <a:avLst/>
-          </a:prstGeom>
-        </p:spPr>
-      </p:pic>
-    </p:spTree>
-    <p:extLst>
-      <p:ext uri="{BB962C8B-B14F-4D97-AF65-F5344CB8AC3E}">
-        <p14:creationId xmlns:p14="http://schemas.microsoft.com/office/powerpoint/2010/main" val="617834201"/>
-      </p:ext>
-    </p:extLst>
-  </p:cSld>
-  <p:clrMapOvr>
-    <a:masterClrMapping/>
-  </p:clrMapOvr>
-</p:sld>
-</file>
-
-<file path=ppt/slides/slide4.xml><?xml version="1.0" encoding="utf-8"?>
-<p:sld xmlns:a="http://schemas.openxmlformats.org/drawingml/2006/main" xmlns:r="http://schemas.openxmlformats.org/officeDocument/2006/relationships" xmlns:p="http://schemas.openxmlformats.org/presentationml/2006/main" showMasterSp="0">
-  <p:cSld>
-    <p:bg>
-      <p:bgPr>
-        <a:blipFill dpi="0" rotWithShape="1">
-          <a:blip r:embed="rId3">
-            <a:alphaModFix amt="40000"/>
-            <a:lum/>
-          </a:blip>
-          <a:srcRect/>
-          <a:stretch>
-            <a:fillRect l="-50000" r="-50000"/>
-          </a:stretch>
-        </a:blipFill>
-        <a:effectLst/>
-      </p:bgPr>
-    </p:bg>
-    <p:spTree>
-      <p:nvGrpSpPr>
-        <p:cNvPr id="1" name=""/>
-        <p:cNvGrpSpPr/>
-        <p:nvPr/>
-      </p:nvGrpSpPr>
-      <p:grpSpPr>
-        <a:xfrm>
-          <a:off x="0" y="0"/>
-          <a:ext cx="0" cy="0"/>
-          <a:chOff x="0" y="0"/>
-          <a:chExt cx="0" cy="0"/>
-        </a:xfrm>
-      </p:grpSpPr>
-      <p:sp>
-        <p:nvSpPr>
-          <p:cNvPr id="46" name="Rectangle: Rounded Corners 45">
-            <a:extLst>
-              <a:ext uri="{FF2B5EF4-FFF2-40B4-BE49-F238E27FC236}">
-                <a16:creationId xmlns:a16="http://schemas.microsoft.com/office/drawing/2014/main" id="{8CA1AF2F-7D28-452A-40FC-31815356C6F6}"/>
-              </a:ext>
-            </a:extLst>
-          </p:cNvPr>
-          <p:cNvSpPr/>
-          <p:nvPr/>
-        </p:nvSpPr>
-        <p:spPr>
-          <a:xfrm>
-            <a:off x="7291754" y="3294184"/>
-            <a:ext cx="15755814" cy="12190162"/>
-          </a:xfrm>
-          <a:prstGeom prst="roundRect">
-            <a:avLst/>
-          </a:prstGeom>
-          <a:solidFill>
-            <a:schemeClr val="bg1"/>
-          </a:solidFill>
-          <a:ln>
-            <a:noFill/>
-          </a:ln>
-        </p:spPr>
-        <p:style>
-          <a:lnRef idx="2">
-            <a:schemeClr val="accent1">
-              <a:shade val="15000"/>
-            </a:schemeClr>
-          </a:lnRef>
-          <a:fillRef idx="1">
-            <a:schemeClr val="accent1"/>
-          </a:fillRef>
-          <a:effectRef idx="0">
-            <a:schemeClr val="accent1"/>
-          </a:effectRef>
-          <a:fontRef idx="minor">
-            <a:schemeClr val="lt1"/>
-          </a:fontRef>
-        </p:style>
-        <p:txBody>
-          <a:bodyPr rtlCol="0" anchor="ctr"/>
-          <a:lstStyle/>
-          <a:p>
-            <a:pPr algn="ctr"/>
-            <a:endParaRPr lang="en-MY"/>
-          </a:p>
-        </p:txBody>
-      </p:sp>
-      <p:sp>
-        <p:nvSpPr>
-          <p:cNvPr id="58" name="TextBox 57">
-            <a:extLst>
-              <a:ext uri="{FF2B5EF4-FFF2-40B4-BE49-F238E27FC236}">
-                <a16:creationId xmlns:a16="http://schemas.microsoft.com/office/drawing/2014/main" id="{68AD2F2E-1DF3-FE12-A288-90276DF6DFB4}"/>
-              </a:ext>
-            </a:extLst>
-          </p:cNvPr>
-          <p:cNvSpPr txBox="1"/>
-          <p:nvPr/>
-        </p:nvSpPr>
-        <p:spPr>
-          <a:xfrm>
-            <a:off x="1486483" y="1294218"/>
-            <a:ext cx="24319437" cy="954107"/>
-          </a:xfrm>
-          <a:prstGeom prst="rect">
-            <a:avLst/>
-          </a:prstGeom>
-          <a:noFill/>
-        </p:spPr>
-        <p:txBody>
-          <a:bodyPr wrap="square" rtlCol="0">
-            <a:spAutoFit/>
-          </a:bodyPr>
-          <a:lstStyle/>
-          <a:p>
-            <a:r>
-              <a:rPr lang="en-US" sz="5600" b="1" dirty="0">
-                <a:latin typeface="Verdana" panose="020B0604030504040204" pitchFamily="34" charset="0"/>
-                <a:ea typeface="Verdana" panose="020B0604030504040204" pitchFamily="34" charset="0"/>
-                <a:cs typeface="Aharoni" panose="02010803020104030203" pitchFamily="2" charset="-79"/>
-              </a:rPr>
-              <a:t>Malaysia’s Blood Donation Retention Trends (2012 – 2024)</a:t>
-            </a:r>
-            <a:endParaRPr lang="en-MY" sz="5600" b="1" dirty="0">
-              <a:latin typeface="Verdana" panose="020B0604030504040204" pitchFamily="34" charset="0"/>
-              <a:ea typeface="Verdana" panose="020B0604030504040204" pitchFamily="34" charset="0"/>
-              <a:cs typeface="Aharoni" panose="02010803020104030203" pitchFamily="2" charset="-79"/>
-            </a:endParaRPr>
-          </a:p>
-        </p:txBody>
-      </p:sp>
-      <p:pic>
-        <p:nvPicPr>
-          <p:cNvPr id="50" name="Picture 49">
-            <a:extLst>
-              <a:ext uri="{FF2B5EF4-FFF2-40B4-BE49-F238E27FC236}">
-                <a16:creationId xmlns:a16="http://schemas.microsoft.com/office/drawing/2014/main" id="{7D39F7BD-CBE9-9D05-B8BC-9A644A533803}"/>
-              </a:ext>
-            </a:extLst>
-          </p:cNvPr>
-          <p:cNvPicPr>
-            <a:picLocks noChangeAspect="1"/>
-          </p:cNvPicPr>
-          <p:nvPr/>
-        </p:nvPicPr>
-        <p:blipFill>
-          <a:blip r:embed="rId4">
-            <a:clrChange>
-              <a:clrFrom>
-                <a:srgbClr val="FFFFFF"/>
-              </a:clrFrom>
-              <a:clrTo>
-                <a:srgbClr val="FFFFFF">
-                  <a:alpha val="0"/>
-                </a:srgbClr>
-              </a:clrTo>
-            </a:clrChange>
-            <a:extLst>
-              <a:ext uri="{28A0092B-C50C-407E-A947-70E740481C1C}">
-                <a14:useLocalDpi xmlns:a14="http://schemas.microsoft.com/office/drawing/2010/main" val="0"/>
-              </a:ext>
-            </a:extLst>
-          </a:blip>
-          <a:stretch>
-            <a:fillRect/>
-          </a:stretch>
-        </p:blipFill>
-        <p:spPr>
-          <a:xfrm>
-            <a:off x="25805921" y="538032"/>
-            <a:ext cx="3142244" cy="3142244"/>
-          </a:xfrm>
-          <a:prstGeom prst="rect">
-            <a:avLst/>
-          </a:prstGeom>
-        </p:spPr>
-      </p:pic>
-      <p:sp>
-        <p:nvSpPr>
-          <p:cNvPr id="4" name="Rectangle: Rounded Corners 3">
-            <a:extLst>
-              <a:ext uri="{FF2B5EF4-FFF2-40B4-BE49-F238E27FC236}">
-                <a16:creationId xmlns:a16="http://schemas.microsoft.com/office/drawing/2014/main" id="{FD2A00D2-4012-F3C5-E946-6B865AC0275D}"/>
-              </a:ext>
-            </a:extLst>
-          </p:cNvPr>
-          <p:cNvSpPr/>
-          <p:nvPr/>
-        </p:nvSpPr>
-        <p:spPr>
-          <a:xfrm>
-            <a:off x="762566" y="17737015"/>
-            <a:ext cx="13680266" cy="12144224"/>
-          </a:xfrm>
-          <a:prstGeom prst="roundRect">
-            <a:avLst/>
-          </a:prstGeom>
-          <a:solidFill>
-            <a:schemeClr val="bg1"/>
-          </a:solidFill>
-          <a:ln>
-            <a:noFill/>
-          </a:ln>
-        </p:spPr>
-        <p:style>
-          <a:lnRef idx="2">
-            <a:schemeClr val="accent1">
-              <a:shade val="15000"/>
-            </a:schemeClr>
-          </a:lnRef>
-          <a:fillRef idx="1">
-            <a:schemeClr val="accent1"/>
-          </a:fillRef>
-          <a:effectRef idx="0">
-            <a:schemeClr val="accent1"/>
-          </a:effectRef>
-          <a:fontRef idx="minor">
-            <a:schemeClr val="lt1"/>
-          </a:fontRef>
-        </p:style>
-        <p:txBody>
-          <a:bodyPr rtlCol="0" anchor="ctr"/>
-          <a:lstStyle/>
-          <a:p>
-            <a:pPr algn="ctr"/>
-            <a:endParaRPr lang="en-MY"/>
-          </a:p>
-        </p:txBody>
-      </p:sp>
-      <p:sp>
-        <p:nvSpPr>
-          <p:cNvPr id="10" name="Rectangle: Rounded Corners 9">
-            <a:extLst>
-              <a:ext uri="{FF2B5EF4-FFF2-40B4-BE49-F238E27FC236}">
-                <a16:creationId xmlns:a16="http://schemas.microsoft.com/office/drawing/2014/main" id="{D685B25B-23E8-0AFF-A312-3B918A33FDB5}"/>
-              </a:ext>
-            </a:extLst>
-          </p:cNvPr>
-          <p:cNvSpPr/>
-          <p:nvPr/>
-        </p:nvSpPr>
-        <p:spPr>
-          <a:xfrm>
-            <a:off x="15832382" y="17834351"/>
-            <a:ext cx="13680266" cy="12144224"/>
-          </a:xfrm>
-          <a:prstGeom prst="roundRect">
-            <a:avLst/>
-          </a:prstGeom>
-          <a:solidFill>
-            <a:schemeClr val="bg1"/>
-          </a:solidFill>
-          <a:ln>
-            <a:noFill/>
-          </a:ln>
-        </p:spPr>
-        <p:style>
-          <a:lnRef idx="2">
-            <a:schemeClr val="accent1">
-              <a:shade val="15000"/>
-            </a:schemeClr>
-          </a:lnRef>
-          <a:fillRef idx="1">
-            <a:schemeClr val="accent1"/>
-          </a:fillRef>
-          <a:effectRef idx="0">
-            <a:schemeClr val="accent1"/>
-          </a:effectRef>
-          <a:fontRef idx="minor">
-            <a:schemeClr val="lt1"/>
-          </a:fontRef>
-        </p:style>
-        <p:txBody>
-          <a:bodyPr rtlCol="0" anchor="ctr"/>
-          <a:lstStyle/>
-          <a:p>
-            <a:pPr algn="ctr"/>
-            <a:endParaRPr lang="en-MY"/>
-          </a:p>
-        </p:txBody>
-      </p:sp>
-      <p:pic>
-        <p:nvPicPr>
-          <p:cNvPr id="3" name="Chart 3">
-            <a:extLst>
-              <a:ext uri="{FF2B5EF4-FFF2-40B4-BE49-F238E27FC236}">
-                <a16:creationId xmlns:a16="http://schemas.microsoft.com/office/drawing/2014/main" id="{9A3B5F3F-94BB-CB73-9B76-C867E90681BA}"/>
-              </a:ext>
-            </a:extLst>
-          </p:cNvPr>
-          <p:cNvPicPr>
-            <a:picLocks noChangeAspect="1"/>
-          </p:cNvPicPr>
-          <p:nvPr/>
-        </p:nvPicPr>
-        <p:blipFill>
-          <a:blip r:embed="rId5">
-            <a:extLst>
-              <a:ext uri="{28A0092B-C50C-407E-A947-70E740481C1C}">
-                <a14:useLocalDpi xmlns:a14="http://schemas.microsoft.com/office/drawing/2010/main" val="0"/>
-              </a:ext>
-            </a:extLst>
-          </a:blip>
-          <a:stretch>
-            <a:fillRect/>
-          </a:stretch>
-        </p:blipFill>
-        <p:spPr>
-          <a:xfrm>
-            <a:off x="7969020" y="3838383"/>
-            <a:ext cx="14401281" cy="11109559"/>
-          </a:xfrm>
-          <a:prstGeom prst="rect">
-            <a:avLst/>
-          </a:prstGeom>
-        </p:spPr>
-      </p:pic>
-      <p:pic>
-        <p:nvPicPr>
-          <p:cNvPr id="6" name="Chart 4">
-            <a:extLst>
-              <a:ext uri="{FF2B5EF4-FFF2-40B4-BE49-F238E27FC236}">
-                <a16:creationId xmlns:a16="http://schemas.microsoft.com/office/drawing/2014/main" id="{184557C9-139A-3E66-62F0-03F1739C64F9}"/>
-              </a:ext>
-            </a:extLst>
-          </p:cNvPr>
-          <p:cNvPicPr>
-            <a:picLocks noChangeAspect="1"/>
-          </p:cNvPicPr>
-          <p:nvPr/>
-        </p:nvPicPr>
-        <p:blipFill>
-          <a:blip r:embed="rId6">
-            <a:extLst>
-              <a:ext uri="{28A0092B-C50C-407E-A947-70E740481C1C}">
-                <a14:useLocalDpi xmlns:a14="http://schemas.microsoft.com/office/drawing/2010/main" val="0"/>
-              </a:ext>
-            </a:extLst>
-          </a:blip>
-          <a:stretch>
-            <a:fillRect/>
-          </a:stretch>
-        </p:blipFill>
-        <p:spPr>
-          <a:xfrm>
-            <a:off x="1112036" y="18606312"/>
-            <a:ext cx="13060660" cy="10075367"/>
-          </a:xfrm>
-          <a:prstGeom prst="rect">
-            <a:avLst/>
-          </a:prstGeom>
-        </p:spPr>
-      </p:pic>
-      <p:pic>
-        <p:nvPicPr>
-          <p:cNvPr id="9" name="Chart 5">
-            <a:extLst>
-              <a:ext uri="{FF2B5EF4-FFF2-40B4-BE49-F238E27FC236}">
-                <a16:creationId xmlns:a16="http://schemas.microsoft.com/office/drawing/2014/main" id="{09660A60-4FA0-298C-1573-C6B8C17274BF}"/>
-              </a:ext>
-            </a:extLst>
-          </p:cNvPr>
-          <p:cNvPicPr>
-            <a:picLocks noChangeAspect="1"/>
-          </p:cNvPicPr>
-          <p:nvPr/>
-        </p:nvPicPr>
-        <p:blipFill>
-          <a:blip r:embed="rId7">
-            <a:extLst>
-              <a:ext uri="{28A0092B-C50C-407E-A947-70E740481C1C}">
-                <a14:useLocalDpi xmlns:a14="http://schemas.microsoft.com/office/drawing/2010/main" val="0"/>
-              </a:ext>
-            </a:extLst>
-          </a:blip>
-          <a:stretch>
-            <a:fillRect/>
-          </a:stretch>
-        </p:blipFill>
-        <p:spPr>
-          <a:xfrm>
-            <a:off x="16094355" y="18781637"/>
-            <a:ext cx="13034234" cy="10054980"/>
-          </a:xfrm>
-          <a:prstGeom prst="rect">
-            <a:avLst/>
-          </a:prstGeom>
-        </p:spPr>
-      </p:pic>
-      <p:sp>
-        <p:nvSpPr>
-          <p:cNvPr id="23" name="Rectangle: Rounded Corners 22">
-            <a:extLst>
-              <a:ext uri="{FF2B5EF4-FFF2-40B4-BE49-F238E27FC236}">
-                <a16:creationId xmlns:a16="http://schemas.microsoft.com/office/drawing/2014/main" id="{3369D79F-D6BB-54D9-D420-7352C5F5CA67}"/>
-              </a:ext>
-            </a:extLst>
-          </p:cNvPr>
-          <p:cNvSpPr/>
-          <p:nvPr/>
-        </p:nvSpPr>
-        <p:spPr>
-          <a:xfrm>
-            <a:off x="764255" y="3977640"/>
-            <a:ext cx="5712745" cy="2834640"/>
-          </a:xfrm>
-          <a:prstGeom prst="roundRect">
-            <a:avLst/>
-          </a:prstGeom>
-          <a:gradFill>
-            <a:gsLst>
-              <a:gs pos="0">
-                <a:srgbClr val="000428"/>
-              </a:gs>
-              <a:gs pos="100000">
-                <a:srgbClr val="004E92"/>
-              </a:gs>
-            </a:gsLst>
-            <a:lin ang="5400000" scaled="0"/>
-          </a:gradFill>
-          <a:ln>
-            <a:noFill/>
-          </a:ln>
-        </p:spPr>
-        <p:style>
-          <a:lnRef idx="2">
-            <a:schemeClr val="accent1">
-              <a:shade val="15000"/>
-            </a:schemeClr>
-          </a:lnRef>
-          <a:fillRef idx="1">
-            <a:schemeClr val="accent1"/>
-          </a:fillRef>
-          <a:effectRef idx="0">
-            <a:schemeClr val="accent1"/>
-          </a:effectRef>
-          <a:fontRef idx="minor">
-            <a:schemeClr val="lt1"/>
-          </a:fontRef>
-        </p:style>
-        <p:txBody>
-          <a:bodyPr rtlCol="0" anchor="ctr"/>
-          <a:lstStyle/>
-          <a:p>
-            <a:pPr algn="ctr"/>
-            <a:endParaRPr lang="en-MY" dirty="0"/>
-          </a:p>
-        </p:txBody>
-      </p:sp>
-      <p:sp>
-        <p:nvSpPr>
-          <p:cNvPr id="11" name="TextBox 10">
-            <a:extLst>
-              <a:ext uri="{FF2B5EF4-FFF2-40B4-BE49-F238E27FC236}">
-                <a16:creationId xmlns:a16="http://schemas.microsoft.com/office/drawing/2014/main" id="{9DF5805B-38A6-062A-F6F0-F4C3608E3A9F}"/>
-              </a:ext>
-            </a:extLst>
-          </p:cNvPr>
-          <p:cNvSpPr txBox="1"/>
-          <p:nvPr/>
-        </p:nvSpPr>
-        <p:spPr>
-          <a:xfrm>
-            <a:off x="771696" y="4452623"/>
-            <a:ext cx="5699641" cy="584775"/>
-          </a:xfrm>
-          <a:prstGeom prst="rect">
-            <a:avLst/>
-          </a:prstGeom>
-          <a:noFill/>
-        </p:spPr>
-        <p:txBody>
-          <a:bodyPr wrap="square" rtlCol="0">
-            <a:spAutoFit/>
-          </a:bodyPr>
-          <a:lstStyle/>
-          <a:p>
-            <a:pPr algn="ctr"/>
-            <a:r>
-              <a:rPr lang="en-US" sz="3200" b="1" dirty="0">
-                <a:solidFill>
-                  <a:schemeClr val="bg1"/>
-                </a:solidFill>
-                <a:latin typeface="Verdana" panose="020B0604030504040204" pitchFamily="34" charset="0"/>
-                <a:ea typeface="Verdana" panose="020B0604030504040204" pitchFamily="34" charset="0"/>
-              </a:rPr>
-              <a:t>Total Donations</a:t>
-            </a:r>
-            <a:endParaRPr lang="en-MY" sz="3200" b="1" dirty="0">
-              <a:solidFill>
-                <a:schemeClr val="bg1"/>
-              </a:solidFill>
-              <a:latin typeface="Verdana" panose="020B0604030504040204" pitchFamily="34" charset="0"/>
-              <a:ea typeface="Verdana" panose="020B0604030504040204" pitchFamily="34" charset="0"/>
-            </a:endParaRPr>
-          </a:p>
-        </p:txBody>
-      </p:sp>
-      <p:sp>
-        <p:nvSpPr>
-          <p:cNvPr id="12" name="TextBox 11">
-            <a:extLst>
-              <a:ext uri="{FF2B5EF4-FFF2-40B4-BE49-F238E27FC236}">
-                <a16:creationId xmlns:a16="http://schemas.microsoft.com/office/drawing/2014/main" id="{C4114AAC-9140-FFA0-BC7D-7AAB7E875EA5}"/>
-              </a:ext>
-            </a:extLst>
-          </p:cNvPr>
-          <p:cNvSpPr txBox="1"/>
-          <p:nvPr/>
-        </p:nvSpPr>
-        <p:spPr>
-          <a:xfrm>
-            <a:off x="762566" y="5405923"/>
-            <a:ext cx="5685738" cy="830997"/>
-          </a:xfrm>
-          <a:prstGeom prst="rect">
-            <a:avLst/>
-          </a:prstGeom>
-          <a:noFill/>
-        </p:spPr>
-        <p:txBody>
-          <a:bodyPr wrap="square" rtlCol="0">
-            <a:spAutoFit/>
-          </a:bodyPr>
-          <a:lstStyle/>
-          <a:p>
-            <a:pPr algn="ctr"/>
-            <a:r>
-              <a:rPr lang="en-US" sz="4800" b="1" dirty="0" err="1">
-                <a:solidFill>
-                  <a:schemeClr val="bg1"/>
-                </a:solidFill>
-                <a:latin typeface="Verdana" panose="020B0604030504040204" pitchFamily="34" charset="0"/>
-                <a:ea typeface="Verdana" panose="020B0604030504040204" pitchFamily="34" charset="0"/>
-              </a:rPr>
-              <a:t>total_donation</a:t>
-            </a:r>
-            <a:endParaRPr lang="en-MY" sz="4800" b="1" dirty="0">
-              <a:solidFill>
-                <a:schemeClr val="bg1"/>
-              </a:solidFill>
-              <a:latin typeface="Verdana" panose="020B0604030504040204" pitchFamily="34" charset="0"/>
-              <a:ea typeface="Verdana" panose="020B0604030504040204" pitchFamily="34" charset="0"/>
-            </a:endParaRPr>
-          </a:p>
-        </p:txBody>
-      </p:sp>
-      <p:sp>
-        <p:nvSpPr>
-          <p:cNvPr id="14" name="Rectangle: Rounded Corners 13">
-            <a:extLst>
-              <a:ext uri="{FF2B5EF4-FFF2-40B4-BE49-F238E27FC236}">
-                <a16:creationId xmlns:a16="http://schemas.microsoft.com/office/drawing/2014/main" id="{564E3002-8B03-B38F-7F20-FF038AAAF79E}"/>
-              </a:ext>
-            </a:extLst>
-          </p:cNvPr>
-          <p:cNvSpPr/>
-          <p:nvPr/>
-        </p:nvSpPr>
-        <p:spPr>
-          <a:xfrm>
-            <a:off x="23819468" y="3977640"/>
-            <a:ext cx="5712745" cy="2834640"/>
-          </a:xfrm>
-          <a:prstGeom prst="roundRect">
-            <a:avLst/>
-          </a:prstGeom>
-          <a:gradFill>
-            <a:gsLst>
-              <a:gs pos="0">
-                <a:srgbClr val="000428"/>
-              </a:gs>
-              <a:gs pos="100000">
-                <a:srgbClr val="004E92"/>
-              </a:gs>
-            </a:gsLst>
-            <a:lin ang="5400000" scaled="0"/>
-          </a:gradFill>
-          <a:ln>
-            <a:noFill/>
-          </a:ln>
-        </p:spPr>
-        <p:style>
-          <a:lnRef idx="2">
-            <a:schemeClr val="accent1">
-              <a:shade val="15000"/>
-            </a:schemeClr>
-          </a:lnRef>
-          <a:fillRef idx="1">
-            <a:schemeClr val="accent1"/>
-          </a:fillRef>
-          <a:effectRef idx="0">
-            <a:schemeClr val="accent1"/>
-          </a:effectRef>
-          <a:fontRef idx="minor">
-            <a:schemeClr val="lt1"/>
-          </a:fontRef>
-        </p:style>
-        <p:txBody>
-          <a:bodyPr rtlCol="0" anchor="ctr"/>
-          <a:lstStyle/>
-          <a:p>
-            <a:pPr algn="ctr"/>
-            <a:endParaRPr lang="en-MY" dirty="0"/>
-          </a:p>
-        </p:txBody>
-      </p:sp>
-      <p:sp>
-        <p:nvSpPr>
-          <p:cNvPr id="15" name="TextBox 14">
-            <a:extLst>
-              <a:ext uri="{FF2B5EF4-FFF2-40B4-BE49-F238E27FC236}">
-                <a16:creationId xmlns:a16="http://schemas.microsoft.com/office/drawing/2014/main" id="{90F25535-3104-6A08-483D-3A9ADE6EDA86}"/>
-              </a:ext>
-            </a:extLst>
-          </p:cNvPr>
-          <p:cNvSpPr txBox="1"/>
-          <p:nvPr/>
-        </p:nvSpPr>
-        <p:spPr>
-          <a:xfrm>
-            <a:off x="23826909" y="4452623"/>
-            <a:ext cx="5699641" cy="584775"/>
-          </a:xfrm>
-          <a:prstGeom prst="rect">
-            <a:avLst/>
-          </a:prstGeom>
-          <a:noFill/>
-        </p:spPr>
-        <p:txBody>
-          <a:bodyPr wrap="square" rtlCol="0">
-            <a:spAutoFit/>
-          </a:bodyPr>
-          <a:lstStyle/>
-          <a:p>
-            <a:pPr algn="ctr"/>
-            <a:r>
-              <a:rPr lang="en-US" sz="3200" b="1" dirty="0">
-                <a:solidFill>
-                  <a:schemeClr val="bg1"/>
-                </a:solidFill>
-                <a:latin typeface="Verdana" panose="020B0604030504040204" pitchFamily="34" charset="0"/>
-                <a:ea typeface="Verdana" panose="020B0604030504040204" pitchFamily="34" charset="0"/>
-              </a:rPr>
-              <a:t>Total Unique Donors</a:t>
-            </a:r>
-            <a:endParaRPr lang="en-MY" sz="3200" b="1" dirty="0">
-              <a:solidFill>
-                <a:schemeClr val="bg1"/>
-              </a:solidFill>
-              <a:latin typeface="Verdana" panose="020B0604030504040204" pitchFamily="34" charset="0"/>
-              <a:ea typeface="Verdana" panose="020B0604030504040204" pitchFamily="34" charset="0"/>
-            </a:endParaRPr>
-          </a:p>
-        </p:txBody>
-      </p:sp>
-      <p:sp>
-        <p:nvSpPr>
-          <p:cNvPr id="16" name="TextBox 15">
-            <a:extLst>
-              <a:ext uri="{FF2B5EF4-FFF2-40B4-BE49-F238E27FC236}">
-                <a16:creationId xmlns:a16="http://schemas.microsoft.com/office/drawing/2014/main" id="{0343ADB8-37E5-A4CE-E606-83973E9C6F22}"/>
-              </a:ext>
-            </a:extLst>
-          </p:cNvPr>
-          <p:cNvSpPr txBox="1"/>
-          <p:nvPr/>
-        </p:nvSpPr>
-        <p:spPr>
-          <a:xfrm>
-            <a:off x="23817779" y="5405923"/>
-            <a:ext cx="5685738" cy="830997"/>
-          </a:xfrm>
-          <a:prstGeom prst="rect">
-            <a:avLst/>
-          </a:prstGeom>
-          <a:noFill/>
-        </p:spPr>
-        <p:txBody>
-          <a:bodyPr wrap="square" rtlCol="0">
-            <a:spAutoFit/>
-          </a:bodyPr>
-          <a:lstStyle/>
-          <a:p>
-            <a:pPr algn="ctr"/>
-            <a:r>
-              <a:rPr lang="en-US" sz="4800" b="1" dirty="0" err="1">
-                <a:solidFill>
-                  <a:schemeClr val="bg1"/>
-                </a:solidFill>
-                <a:latin typeface="Verdana" panose="020B0604030504040204" pitchFamily="34" charset="0"/>
-                <a:ea typeface="Verdana" panose="020B0604030504040204" pitchFamily="34" charset="0"/>
-              </a:rPr>
-              <a:t>unique_donor</a:t>
-            </a:r>
-            <a:endParaRPr lang="en-MY" sz="4800" b="1" dirty="0">
-              <a:solidFill>
-                <a:schemeClr val="bg1"/>
-              </a:solidFill>
-              <a:latin typeface="Verdana" panose="020B0604030504040204" pitchFamily="34" charset="0"/>
-              <a:ea typeface="Verdana" panose="020B0604030504040204" pitchFamily="34" charset="0"/>
-            </a:endParaRPr>
-          </a:p>
-        </p:txBody>
-      </p:sp>
-      <p:sp>
-        <p:nvSpPr>
-          <p:cNvPr id="17" name="TextBox 16">
-            <a:extLst>
-              <a:ext uri="{FF2B5EF4-FFF2-40B4-BE49-F238E27FC236}">
-                <a16:creationId xmlns:a16="http://schemas.microsoft.com/office/drawing/2014/main" id="{7F888A1C-7ED0-FFA0-5F03-224728521976}"/>
-              </a:ext>
-            </a:extLst>
-          </p:cNvPr>
-          <p:cNvSpPr txBox="1"/>
-          <p:nvPr/>
-        </p:nvSpPr>
-        <p:spPr>
-          <a:xfrm>
-            <a:off x="1603713" y="2448436"/>
-            <a:ext cx="5266010" cy="399981"/>
-          </a:xfrm>
-          <a:prstGeom prst="rect">
-            <a:avLst/>
-          </a:prstGeom>
-          <a:noFill/>
-        </p:spPr>
-        <p:txBody>
-          <a:bodyPr wrap="square" rtlCol="0">
-            <a:spAutoFit/>
-          </a:bodyPr>
-          <a:lstStyle/>
-          <a:p>
-            <a:r>
-              <a:rPr lang="en-US" sz="1999" dirty="0">
-                <a:solidFill>
-                  <a:schemeClr val="tx1">
-                    <a:lumMod val="85000"/>
-                    <a:lumOff val="15000"/>
-                  </a:schemeClr>
-                </a:solidFill>
-                <a:latin typeface="Verdana" panose="020B0604030504040204" pitchFamily="34" charset="0"/>
-                <a:ea typeface="Verdana" panose="020B0604030504040204" pitchFamily="34" charset="0"/>
-              </a:rPr>
-              <a:t>Data as of </a:t>
-            </a:r>
-            <a:r>
-              <a:rPr lang="en-US" sz="1999" dirty="0" err="1">
-                <a:solidFill>
-                  <a:schemeClr val="tx1">
-                    <a:lumMod val="85000"/>
-                    <a:lumOff val="15000"/>
-                  </a:schemeClr>
-                </a:solidFill>
-                <a:latin typeface="Verdana" panose="020B0604030504040204" pitchFamily="34" charset="0"/>
-                <a:ea typeface="Verdana" panose="020B0604030504040204" pitchFamily="34" charset="0"/>
-              </a:rPr>
-              <a:t>max_granular_date</a:t>
-            </a:r>
-            <a:endParaRPr lang="en-MY" sz="1999" dirty="0">
-              <a:solidFill>
-                <a:schemeClr val="tx1">
-                  <a:lumMod val="85000"/>
-                  <a:lumOff val="15000"/>
-                </a:schemeClr>
-              </a:solidFill>
-              <a:latin typeface="Verdana" panose="020B0604030504040204" pitchFamily="34" charset="0"/>
-              <a:ea typeface="Verdana" panose="020B0604030504040204" pitchFamily="34" charset="0"/>
-            </a:endParaRPr>
-          </a:p>
-        </p:txBody>
-      </p:sp>
-    </p:spTree>
-    <p:extLst>
-      <p:ext uri="{BB962C8B-B14F-4D97-AF65-F5344CB8AC3E}">
-        <p14:creationId xmlns:p14="http://schemas.microsoft.com/office/powerpoint/2010/main" val="1283378059"/>
       </p:ext>
     </p:extLst>
   </p:cSld>

--- a/blood_donation.pptx
+++ b/blood_donation.pptx
@@ -5,11 +5,13 @@
     <p:sldMasterId id="2147483720" r:id="rId1"/>
   </p:sldMasterIdLst>
   <p:notesMasterIdLst>
-    <p:notesMasterId r:id="rId4"/>
+    <p:notesMasterId r:id="rId6"/>
   </p:notesMasterIdLst>
   <p:sldIdLst>
     <p:sldId id="257" r:id="rId2"/>
     <p:sldId id="258" r:id="rId3"/>
+    <p:sldId id="259" r:id="rId4"/>
+    <p:sldId id="260" r:id="rId5"/>
   </p:sldIdLst>
   <p:sldSz cx="30275213" cy="32399288"/>
   <p:notesSz cx="6858000" cy="9144000"/>
@@ -665,6 +667,184 @@
     <p:extLst>
       <p:ext uri="{BB962C8B-B14F-4D97-AF65-F5344CB8AC3E}">
         <p14:creationId xmlns:p14="http://schemas.microsoft.com/office/powerpoint/2010/main" val="1239439067"/>
+      </p:ext>
+    </p:extLst>
+  </p:cSld>
+  <p:clrMapOvr>
+    <a:masterClrMapping/>
+  </p:clrMapOvr>
+</p:notes>
+</file>
+
+<file path=ppt/notesSlides/notesSlide3.xml><?xml version="1.0" encoding="utf-8"?>
+<p:notes xmlns:a="http://schemas.openxmlformats.org/drawingml/2006/main" xmlns:r="http://schemas.openxmlformats.org/officeDocument/2006/relationships" xmlns:p="http://schemas.openxmlformats.org/presentationml/2006/main">
+  <p:cSld>
+    <p:spTree>
+      <p:nvGrpSpPr>
+        <p:cNvPr id="1" name=""/>
+        <p:cNvGrpSpPr/>
+        <p:nvPr/>
+      </p:nvGrpSpPr>
+      <p:grpSpPr>
+        <a:xfrm>
+          <a:off x="0" y="0"/>
+          <a:ext cx="0" cy="0"/>
+          <a:chOff x="0" y="0"/>
+          <a:chExt cx="0" cy="0"/>
+        </a:xfrm>
+      </p:grpSpPr>
+      <p:sp>
+        <p:nvSpPr>
+          <p:cNvPr id="2" name="Slide Image Placeholder 1"/>
+          <p:cNvSpPr>
+            <a:spLocks noGrp="1" noRot="1" noChangeAspect="1"/>
+          </p:cNvSpPr>
+          <p:nvPr>
+            <p:ph type="sldImg"/>
+          </p:nvPr>
+        </p:nvSpPr>
+        <p:spPr>
+          <a:xfrm>
+            <a:off x="1987550" y="1143000"/>
+            <a:ext cx="2882900" cy="3086100"/>
+          </a:xfrm>
+        </p:spPr>
+      </p:sp>
+      <p:sp>
+        <p:nvSpPr>
+          <p:cNvPr id="3" name="Notes Placeholder 2"/>
+          <p:cNvSpPr>
+            <a:spLocks noGrp="1"/>
+          </p:cNvSpPr>
+          <p:nvPr>
+            <p:ph type="body" idx="1"/>
+          </p:nvPr>
+        </p:nvSpPr>
+        <p:spPr/>
+        <p:txBody>
+          <a:bodyPr/>
+          <a:lstStyle/>
+          <a:p>
+            <a:endParaRPr lang="en-MY" dirty="0"/>
+          </a:p>
+        </p:txBody>
+      </p:sp>
+      <p:sp>
+        <p:nvSpPr>
+          <p:cNvPr id="4" name="Slide Number Placeholder 3"/>
+          <p:cNvSpPr>
+            <a:spLocks noGrp="1"/>
+          </p:cNvSpPr>
+          <p:nvPr>
+            <p:ph type="sldNum" sz="quarter" idx="5"/>
+          </p:nvPr>
+        </p:nvSpPr>
+        <p:spPr/>
+        <p:txBody>
+          <a:bodyPr/>
+          <a:lstStyle/>
+          <a:p>
+            <a:fld id="{9F67F347-F259-4000-9D8F-193820691C71}" type="slidenum">
+              <a:rPr lang="en-MY" smtClean="0"/>
+              <a:t>3</a:t>
+            </a:fld>
+            <a:endParaRPr lang="en-MY"/>
+          </a:p>
+        </p:txBody>
+      </p:sp>
+    </p:spTree>
+    <p:extLst>
+      <p:ext uri="{BB962C8B-B14F-4D97-AF65-F5344CB8AC3E}">
+        <p14:creationId xmlns:p14="http://schemas.microsoft.com/office/powerpoint/2010/main" val="3953320838"/>
+      </p:ext>
+    </p:extLst>
+  </p:cSld>
+  <p:clrMapOvr>
+    <a:masterClrMapping/>
+  </p:clrMapOvr>
+</p:notes>
+</file>
+
+<file path=ppt/notesSlides/notesSlide4.xml><?xml version="1.0" encoding="utf-8"?>
+<p:notes xmlns:a="http://schemas.openxmlformats.org/drawingml/2006/main" xmlns:r="http://schemas.openxmlformats.org/officeDocument/2006/relationships" xmlns:p="http://schemas.openxmlformats.org/presentationml/2006/main">
+  <p:cSld>
+    <p:spTree>
+      <p:nvGrpSpPr>
+        <p:cNvPr id="1" name=""/>
+        <p:cNvGrpSpPr/>
+        <p:nvPr/>
+      </p:nvGrpSpPr>
+      <p:grpSpPr>
+        <a:xfrm>
+          <a:off x="0" y="0"/>
+          <a:ext cx="0" cy="0"/>
+          <a:chOff x="0" y="0"/>
+          <a:chExt cx="0" cy="0"/>
+        </a:xfrm>
+      </p:grpSpPr>
+      <p:sp>
+        <p:nvSpPr>
+          <p:cNvPr id="2" name="Slide Image Placeholder 1"/>
+          <p:cNvSpPr>
+            <a:spLocks noGrp="1" noRot="1" noChangeAspect="1"/>
+          </p:cNvSpPr>
+          <p:nvPr>
+            <p:ph type="sldImg"/>
+          </p:nvPr>
+        </p:nvSpPr>
+        <p:spPr>
+          <a:xfrm>
+            <a:off x="1987550" y="1143000"/>
+            <a:ext cx="2882900" cy="3086100"/>
+          </a:xfrm>
+        </p:spPr>
+      </p:sp>
+      <p:sp>
+        <p:nvSpPr>
+          <p:cNvPr id="3" name="Notes Placeholder 2"/>
+          <p:cNvSpPr>
+            <a:spLocks noGrp="1"/>
+          </p:cNvSpPr>
+          <p:nvPr>
+            <p:ph type="body" idx="1"/>
+          </p:nvPr>
+        </p:nvSpPr>
+        <p:spPr/>
+        <p:txBody>
+          <a:bodyPr/>
+          <a:lstStyle/>
+          <a:p>
+            <a:endParaRPr lang="en-MY" dirty="0"/>
+          </a:p>
+        </p:txBody>
+      </p:sp>
+      <p:sp>
+        <p:nvSpPr>
+          <p:cNvPr id="4" name="Slide Number Placeholder 3"/>
+          <p:cNvSpPr>
+            <a:spLocks noGrp="1"/>
+          </p:cNvSpPr>
+          <p:nvPr>
+            <p:ph type="sldNum" sz="quarter" idx="5"/>
+          </p:nvPr>
+        </p:nvSpPr>
+        <p:spPr/>
+        <p:txBody>
+          <a:bodyPr/>
+          <a:lstStyle/>
+          <a:p>
+            <a:fld id="{9F67F347-F259-4000-9D8F-193820691C71}" type="slidenum">
+              <a:rPr lang="en-MY" smtClean="0"/>
+              <a:t>4</a:t>
+            </a:fld>
+            <a:endParaRPr lang="en-MY"/>
+          </a:p>
+        </p:txBody>
+      </p:sp>
+    </p:spTree>
+    <p:extLst>
+      <p:ext uri="{BB962C8B-B14F-4D97-AF65-F5344CB8AC3E}">
+        <p14:creationId xmlns:p14="http://schemas.microsoft.com/office/powerpoint/2010/main" val="2036609644"/>
       </p:ext>
     </p:extLst>
   </p:cSld>
@@ -6930,10 +7110,10 @@
       </p:pic>
       <p:pic>
         <p:nvPicPr>
-          <p:cNvPr id="45" name="Picture 44">
-            <a:extLst>
-              <a:ext uri="{FF2B5EF4-FFF2-40B4-BE49-F238E27FC236}">
-                <a16:creationId xmlns:a16="http://schemas.microsoft.com/office/drawing/2014/main" id="{17A66060-1F41-9167-4C9E-65CE65F7313D}"/>
+          <p:cNvPr id="47" name="Picture 46">
+            <a:extLst>
+              <a:ext uri="{FF2B5EF4-FFF2-40B4-BE49-F238E27FC236}">
+                <a16:creationId xmlns:a16="http://schemas.microsoft.com/office/drawing/2014/main" id="{AA5E1D8F-A5F0-554A-C7CA-4A154B07AD37}"/>
               </a:ext>
             </a:extLst>
           </p:cNvPr>
@@ -6956,42 +7136,6 @@
         </p:blipFill>
         <p:spPr>
           <a:xfrm>
-            <a:off x="12256774" y="19822926"/>
-            <a:ext cx="5798598" cy="5798598"/>
-          </a:xfrm>
-          <a:prstGeom prst="rect">
-            <a:avLst/>
-          </a:prstGeom>
-        </p:spPr>
-      </p:pic>
-      <p:pic>
-        <p:nvPicPr>
-          <p:cNvPr id="47" name="Picture 46">
-            <a:extLst>
-              <a:ext uri="{FF2B5EF4-FFF2-40B4-BE49-F238E27FC236}">
-                <a16:creationId xmlns:a16="http://schemas.microsoft.com/office/drawing/2014/main" id="{AA5E1D8F-A5F0-554A-C7CA-4A154B07AD37}"/>
-              </a:ext>
-            </a:extLst>
-          </p:cNvPr>
-          <p:cNvPicPr>
-            <a:picLocks noChangeAspect="1"/>
-          </p:cNvPicPr>
-          <p:nvPr/>
-        </p:nvPicPr>
-        <p:blipFill>
-          <a:blip r:embed="rId21">
-            <a:extLst>
-              <a:ext uri="{28A0092B-C50C-407E-A947-70E740481C1C}">
-                <a14:useLocalDpi xmlns:a14="http://schemas.microsoft.com/office/drawing/2010/main" val="0"/>
-              </a:ext>
-            </a:extLst>
-          </a:blip>
-          <a:stretch>
-            <a:fillRect/>
-          </a:stretch>
-        </p:blipFill>
-        <p:spPr>
-          <a:xfrm>
             <a:off x="12340372" y="6107752"/>
             <a:ext cx="5715000" cy="2929742"/>
           </a:xfrm>
@@ -7014,8 +7158,8 @@
         </p:nvSpPr>
         <p:spPr>
           <a:xfrm>
-            <a:off x="12279284" y="19275990"/>
-            <a:ext cx="5817557" cy="343506"/>
+            <a:off x="12279285" y="19275990"/>
+            <a:ext cx="5776088" cy="338554"/>
           </a:xfrm>
           <a:prstGeom prst="rect">
             <a:avLst/>
@@ -7057,7 +7201,7 @@
                 <a:latin typeface="Aharoni" panose="02010803020104030203" pitchFamily="2" charset="-79"/>
                 <a:ea typeface="Verdana" panose="020B0604030504040204" pitchFamily="34" charset="0"/>
                 <a:cs typeface="Aharoni" panose="02010803020104030203" pitchFamily="2" charset="-79"/>
-                <a:hlinkClick r:id="rId22"/>
+                <a:hlinkClick r:id="rId21"/>
               </a:rPr>
               <a:t>here</a:t>
             </a:r>
@@ -7090,7 +7234,7 @@
           <p:nvPr/>
         </p:nvPicPr>
         <p:blipFill>
-          <a:blip r:embed="rId23">
+          <a:blip r:embed="rId22">
             <a:clrChange>
               <a:clrFrom>
                 <a:srgbClr val="FFFFFF"/>
@@ -8237,6 +8381,42 @@
           </a:p>
         </p:txBody>
       </p:sp>
+      <p:pic>
+        <p:nvPicPr>
+          <p:cNvPr id="42" name="Picture 41">
+            <a:extLst>
+              <a:ext uri="{FF2B5EF4-FFF2-40B4-BE49-F238E27FC236}">
+                <a16:creationId xmlns:a16="http://schemas.microsoft.com/office/drawing/2014/main" id="{626F6D09-01EB-16E0-B1A8-C7026EAB89E3}"/>
+              </a:ext>
+            </a:extLst>
+          </p:cNvPr>
+          <p:cNvPicPr>
+            <a:picLocks noChangeAspect="1"/>
+          </p:cNvPicPr>
+          <p:nvPr/>
+        </p:nvPicPr>
+        <p:blipFill>
+          <a:blip r:embed="rId23">
+            <a:extLst>
+              <a:ext uri="{28A0092B-C50C-407E-A947-70E740481C1C}">
+                <a14:useLocalDpi xmlns:a14="http://schemas.microsoft.com/office/drawing/2010/main" val="0"/>
+              </a:ext>
+            </a:extLst>
+          </a:blip>
+          <a:stretch>
+            <a:fillRect/>
+          </a:stretch>
+        </p:blipFill>
+        <p:spPr>
+          <a:xfrm>
+            <a:off x="12247758" y="19820294"/>
+            <a:ext cx="5798598" cy="5798598"/>
+          </a:xfrm>
+          <a:prstGeom prst="rect">
+            <a:avLst/>
+          </a:prstGeom>
+        </p:spPr>
+      </p:pic>
     </p:spTree>
     <p:extLst>
       <p:ext uri="{BB962C8B-B14F-4D97-AF65-F5344CB8AC3E}">
@@ -8619,6 +8799,1187 @@
     <p:extLst>
       <p:ext uri="{BB962C8B-B14F-4D97-AF65-F5344CB8AC3E}">
         <p14:creationId xmlns:p14="http://schemas.microsoft.com/office/powerpoint/2010/main" val="1400414128"/>
+      </p:ext>
+    </p:extLst>
+  </p:cSld>
+  <p:clrMapOvr>
+    <a:masterClrMapping/>
+  </p:clrMapOvr>
+</p:sld>
+</file>
+
+<file path=ppt/slides/slide3.xml><?xml version="1.0" encoding="utf-8"?>
+<p:sld xmlns:a="http://schemas.openxmlformats.org/drawingml/2006/main" xmlns:r="http://schemas.openxmlformats.org/officeDocument/2006/relationships" xmlns:p="http://schemas.openxmlformats.org/presentationml/2006/main" showMasterSp="0">
+  <p:cSld>
+    <p:bg>
+      <p:bgPr>
+        <a:blipFill dpi="0" rotWithShape="1">
+          <a:blip r:embed="rId3">
+            <a:alphaModFix amt="40000"/>
+            <a:lum/>
+          </a:blip>
+          <a:srcRect/>
+          <a:stretch>
+            <a:fillRect l="-50000" r="-50000"/>
+          </a:stretch>
+        </a:blipFill>
+        <a:effectLst/>
+      </p:bgPr>
+    </p:bg>
+    <p:spTree>
+      <p:nvGrpSpPr>
+        <p:cNvPr id="1" name=""/>
+        <p:cNvGrpSpPr/>
+        <p:nvPr/>
+      </p:nvGrpSpPr>
+      <p:grpSpPr>
+        <a:xfrm>
+          <a:off x="0" y="0"/>
+          <a:ext cx="0" cy="0"/>
+          <a:chOff x="0" y="0"/>
+          <a:chExt cx="0" cy="0"/>
+        </a:xfrm>
+      </p:grpSpPr>
+      <p:sp>
+        <p:nvSpPr>
+          <p:cNvPr id="46" name="Rectangle: Rounded Corners 45">
+            <a:extLst>
+              <a:ext uri="{FF2B5EF4-FFF2-40B4-BE49-F238E27FC236}">
+                <a16:creationId xmlns:a16="http://schemas.microsoft.com/office/drawing/2014/main" id="{8CA1AF2F-7D28-452A-40FC-31815356C6F6}"/>
+              </a:ext>
+            </a:extLst>
+          </p:cNvPr>
+          <p:cNvSpPr/>
+          <p:nvPr/>
+        </p:nvSpPr>
+        <p:spPr>
+          <a:xfrm>
+            <a:off x="7094806" y="3294184"/>
+            <a:ext cx="15516666" cy="12190162"/>
+          </a:xfrm>
+          <a:prstGeom prst="roundRect">
+            <a:avLst/>
+          </a:prstGeom>
+          <a:solidFill>
+            <a:schemeClr val="bg1"/>
+          </a:solidFill>
+          <a:ln>
+            <a:noFill/>
+          </a:ln>
+        </p:spPr>
+        <p:style>
+          <a:lnRef idx="2">
+            <a:schemeClr val="accent1">
+              <a:shade val="15000"/>
+            </a:schemeClr>
+          </a:lnRef>
+          <a:fillRef idx="1">
+            <a:schemeClr val="accent1"/>
+          </a:fillRef>
+          <a:effectRef idx="0">
+            <a:schemeClr val="accent1"/>
+          </a:effectRef>
+          <a:fontRef idx="minor">
+            <a:schemeClr val="lt1"/>
+          </a:fontRef>
+        </p:style>
+        <p:txBody>
+          <a:bodyPr rtlCol="0" anchor="ctr"/>
+          <a:lstStyle/>
+          <a:p>
+            <a:pPr algn="ctr"/>
+            <a:endParaRPr lang="en-MY"/>
+          </a:p>
+        </p:txBody>
+      </p:sp>
+      <p:sp>
+        <p:nvSpPr>
+          <p:cNvPr id="58" name="TextBox 57">
+            <a:extLst>
+              <a:ext uri="{FF2B5EF4-FFF2-40B4-BE49-F238E27FC236}">
+                <a16:creationId xmlns:a16="http://schemas.microsoft.com/office/drawing/2014/main" id="{68AD2F2E-1DF3-FE12-A288-90276DF6DFB4}"/>
+              </a:ext>
+            </a:extLst>
+          </p:cNvPr>
+          <p:cNvSpPr txBox="1"/>
+          <p:nvPr/>
+        </p:nvSpPr>
+        <p:spPr>
+          <a:xfrm>
+            <a:off x="1486483" y="1294218"/>
+            <a:ext cx="24319437" cy="954107"/>
+          </a:xfrm>
+          <a:prstGeom prst="rect">
+            <a:avLst/>
+          </a:prstGeom>
+          <a:noFill/>
+        </p:spPr>
+        <p:txBody>
+          <a:bodyPr wrap="square" rtlCol="0">
+            <a:spAutoFit/>
+          </a:bodyPr>
+          <a:lstStyle/>
+          <a:p>
+            <a:r>
+              <a:rPr lang="en-US" sz="5600" b="1" dirty="0">
+                <a:latin typeface="Verdana" panose="020B0604030504040204" pitchFamily="34" charset="0"/>
+                <a:ea typeface="Verdana" panose="020B0604030504040204" pitchFamily="34" charset="0"/>
+                <a:cs typeface="Aharoni" panose="02010803020104030203" pitchFamily="2" charset="-79"/>
+              </a:rPr>
+              <a:t>Malaysia’s Blood Donation Historical Trends (2006 – 2023)</a:t>
+            </a:r>
+            <a:endParaRPr lang="en-MY" sz="5600" b="1" dirty="0">
+              <a:latin typeface="Verdana" panose="020B0604030504040204" pitchFamily="34" charset="0"/>
+              <a:ea typeface="Verdana" panose="020B0604030504040204" pitchFamily="34" charset="0"/>
+              <a:cs typeface="Aharoni" panose="02010803020104030203" pitchFamily="2" charset="-79"/>
+            </a:endParaRPr>
+          </a:p>
+        </p:txBody>
+      </p:sp>
+      <p:pic>
+        <p:nvPicPr>
+          <p:cNvPr id="50" name="Picture 49">
+            <a:extLst>
+              <a:ext uri="{FF2B5EF4-FFF2-40B4-BE49-F238E27FC236}">
+                <a16:creationId xmlns:a16="http://schemas.microsoft.com/office/drawing/2014/main" id="{7D39F7BD-CBE9-9D05-B8BC-9A644A533803}"/>
+              </a:ext>
+            </a:extLst>
+          </p:cNvPr>
+          <p:cNvPicPr>
+            <a:picLocks noChangeAspect="1"/>
+          </p:cNvPicPr>
+          <p:nvPr/>
+        </p:nvPicPr>
+        <p:blipFill>
+          <a:blip r:embed="rId4">
+            <a:clrChange>
+              <a:clrFrom>
+                <a:srgbClr val="FFFFFF"/>
+              </a:clrFrom>
+              <a:clrTo>
+                <a:srgbClr val="FFFFFF">
+                  <a:alpha val="0"/>
+                </a:srgbClr>
+              </a:clrTo>
+            </a:clrChange>
+            <a:extLst>
+              <a:ext uri="{28A0092B-C50C-407E-A947-70E740481C1C}">
+                <a14:useLocalDpi xmlns:a14="http://schemas.microsoft.com/office/drawing/2010/main" val="0"/>
+              </a:ext>
+            </a:extLst>
+          </a:blip>
+          <a:stretch>
+            <a:fillRect/>
+          </a:stretch>
+        </p:blipFill>
+        <p:spPr>
+          <a:xfrm>
+            <a:off x="25805921" y="538032"/>
+            <a:ext cx="3142244" cy="3142244"/>
+          </a:xfrm>
+          <a:prstGeom prst="rect">
+            <a:avLst/>
+          </a:prstGeom>
+        </p:spPr>
+      </p:pic>
+      <p:pic>
+        <p:nvPicPr>
+          <p:cNvPr id="42" name="Picture 41">
+            <a:extLst>
+              <a:ext uri="{FF2B5EF4-FFF2-40B4-BE49-F238E27FC236}">
+                <a16:creationId xmlns:a16="http://schemas.microsoft.com/office/drawing/2014/main" id="{94F03FAB-3662-13F4-7371-1F5D934E4343}"/>
+              </a:ext>
+            </a:extLst>
+          </p:cNvPr>
+          <p:cNvPicPr>
+            <a:picLocks noChangeAspect="1"/>
+          </p:cNvPicPr>
+          <p:nvPr/>
+        </p:nvPicPr>
+        <p:blipFill>
+          <a:blip r:embed="rId5">
+            <a:extLst>
+              <a:ext uri="{28A0092B-C50C-407E-A947-70E740481C1C}">
+                <a14:useLocalDpi xmlns:a14="http://schemas.microsoft.com/office/drawing/2010/main" val="0"/>
+              </a:ext>
+            </a:extLst>
+          </a:blip>
+          <a:stretch>
+            <a:fillRect/>
+          </a:stretch>
+        </p:blipFill>
+        <p:spPr>
+          <a:xfrm>
+            <a:off x="7794809" y="4027039"/>
+            <a:ext cx="14172258" cy="10932884"/>
+          </a:xfrm>
+          <a:prstGeom prst="rect">
+            <a:avLst/>
+          </a:prstGeom>
+        </p:spPr>
+      </p:pic>
+      <p:sp>
+        <p:nvSpPr>
+          <p:cNvPr id="4" name="Rectangle: Rounded Corners 3">
+            <a:extLst>
+              <a:ext uri="{FF2B5EF4-FFF2-40B4-BE49-F238E27FC236}">
+                <a16:creationId xmlns:a16="http://schemas.microsoft.com/office/drawing/2014/main" id="{FD2A00D2-4012-F3C5-E946-6B865AC0275D}"/>
+              </a:ext>
+            </a:extLst>
+          </p:cNvPr>
+          <p:cNvSpPr/>
+          <p:nvPr/>
+        </p:nvSpPr>
+        <p:spPr>
+          <a:xfrm>
+            <a:off x="762566" y="17737015"/>
+            <a:ext cx="13680266" cy="12144224"/>
+          </a:xfrm>
+          <a:prstGeom prst="roundRect">
+            <a:avLst/>
+          </a:prstGeom>
+          <a:solidFill>
+            <a:schemeClr val="bg1"/>
+          </a:solidFill>
+          <a:ln>
+            <a:noFill/>
+          </a:ln>
+        </p:spPr>
+        <p:style>
+          <a:lnRef idx="2">
+            <a:schemeClr val="accent1">
+              <a:shade val="15000"/>
+            </a:schemeClr>
+          </a:lnRef>
+          <a:fillRef idx="1">
+            <a:schemeClr val="accent1"/>
+          </a:fillRef>
+          <a:effectRef idx="0">
+            <a:schemeClr val="accent1"/>
+          </a:effectRef>
+          <a:fontRef idx="minor">
+            <a:schemeClr val="lt1"/>
+          </a:fontRef>
+        </p:style>
+        <p:txBody>
+          <a:bodyPr rtlCol="0" anchor="ctr"/>
+          <a:lstStyle/>
+          <a:p>
+            <a:pPr algn="ctr"/>
+            <a:endParaRPr lang="en-MY"/>
+          </a:p>
+        </p:txBody>
+      </p:sp>
+      <p:pic>
+        <p:nvPicPr>
+          <p:cNvPr id="7" name="Picture 6">
+            <a:extLst>
+              <a:ext uri="{FF2B5EF4-FFF2-40B4-BE49-F238E27FC236}">
+                <a16:creationId xmlns:a16="http://schemas.microsoft.com/office/drawing/2014/main" id="{22BCAECB-6747-AE8F-98A4-F24186CBF681}"/>
+              </a:ext>
+            </a:extLst>
+          </p:cNvPr>
+          <p:cNvPicPr>
+            <a:picLocks noChangeAspect="1"/>
+          </p:cNvPicPr>
+          <p:nvPr/>
+        </p:nvPicPr>
+        <p:blipFill>
+          <a:blip r:embed="rId6">
+            <a:extLst>
+              <a:ext uri="{28A0092B-C50C-407E-A947-70E740481C1C}">
+                <a14:useLocalDpi xmlns:a14="http://schemas.microsoft.com/office/drawing/2010/main" val="0"/>
+              </a:ext>
+            </a:extLst>
+          </a:blip>
+          <a:stretch>
+            <a:fillRect/>
+          </a:stretch>
+        </p:blipFill>
+        <p:spPr>
+          <a:xfrm>
+            <a:off x="1769402" y="18391300"/>
+            <a:ext cx="12331345" cy="10789716"/>
+          </a:xfrm>
+          <a:prstGeom prst="rect">
+            <a:avLst/>
+          </a:prstGeom>
+        </p:spPr>
+      </p:pic>
+      <p:sp>
+        <p:nvSpPr>
+          <p:cNvPr id="10" name="Rectangle: Rounded Corners 9">
+            <a:extLst>
+              <a:ext uri="{FF2B5EF4-FFF2-40B4-BE49-F238E27FC236}">
+                <a16:creationId xmlns:a16="http://schemas.microsoft.com/office/drawing/2014/main" id="{D685B25B-23E8-0AFF-A312-3B918A33FDB5}"/>
+              </a:ext>
+            </a:extLst>
+          </p:cNvPr>
+          <p:cNvSpPr/>
+          <p:nvPr/>
+        </p:nvSpPr>
+        <p:spPr>
+          <a:xfrm>
+            <a:off x="15832382" y="17834351"/>
+            <a:ext cx="13680266" cy="12144224"/>
+          </a:xfrm>
+          <a:prstGeom prst="roundRect">
+            <a:avLst/>
+          </a:prstGeom>
+          <a:solidFill>
+            <a:schemeClr val="bg1"/>
+          </a:solidFill>
+          <a:ln>
+            <a:noFill/>
+          </a:ln>
+        </p:spPr>
+        <p:style>
+          <a:lnRef idx="2">
+            <a:schemeClr val="accent1">
+              <a:shade val="15000"/>
+            </a:schemeClr>
+          </a:lnRef>
+          <a:fillRef idx="1">
+            <a:schemeClr val="accent1"/>
+          </a:fillRef>
+          <a:effectRef idx="0">
+            <a:schemeClr val="accent1"/>
+          </a:effectRef>
+          <a:fontRef idx="minor">
+            <a:schemeClr val="lt1"/>
+          </a:fontRef>
+        </p:style>
+        <p:txBody>
+          <a:bodyPr rtlCol="0" anchor="ctr"/>
+          <a:lstStyle/>
+          <a:p>
+            <a:pPr algn="ctr"/>
+            <a:endParaRPr lang="en-MY"/>
+          </a:p>
+        </p:txBody>
+      </p:sp>
+      <p:pic>
+        <p:nvPicPr>
+          <p:cNvPr id="13" name="Picture 12">
+            <a:extLst>
+              <a:ext uri="{FF2B5EF4-FFF2-40B4-BE49-F238E27FC236}">
+                <a16:creationId xmlns:a16="http://schemas.microsoft.com/office/drawing/2014/main" id="{F3285674-42DB-3164-9B85-05E83345DD23}"/>
+              </a:ext>
+            </a:extLst>
+          </p:cNvPr>
+          <p:cNvPicPr>
+            <a:picLocks noChangeAspect="1"/>
+          </p:cNvPicPr>
+          <p:nvPr/>
+        </p:nvPicPr>
+        <p:blipFill>
+          <a:blip r:embed="rId7">
+            <a:extLst>
+              <a:ext uri="{28A0092B-C50C-407E-A947-70E740481C1C}">
+                <a14:useLocalDpi xmlns:a14="http://schemas.microsoft.com/office/drawing/2010/main" val="0"/>
+              </a:ext>
+            </a:extLst>
+          </a:blip>
+          <a:stretch>
+            <a:fillRect/>
+          </a:stretch>
+        </p:blipFill>
+        <p:spPr>
+          <a:xfrm>
+            <a:off x="16282785" y="18648997"/>
+            <a:ext cx="12779459" cy="9858440"/>
+          </a:xfrm>
+          <a:prstGeom prst="rect">
+            <a:avLst/>
+          </a:prstGeom>
+        </p:spPr>
+      </p:pic>
+    </p:spTree>
+    <p:extLst>
+      <p:ext uri="{BB962C8B-B14F-4D97-AF65-F5344CB8AC3E}">
+        <p14:creationId xmlns:p14="http://schemas.microsoft.com/office/powerpoint/2010/main" val="617834201"/>
+      </p:ext>
+    </p:extLst>
+  </p:cSld>
+  <p:clrMapOvr>
+    <a:masterClrMapping/>
+  </p:clrMapOvr>
+</p:sld>
+</file>
+
+<file path=ppt/slides/slide4.xml><?xml version="1.0" encoding="utf-8"?>
+<p:sld xmlns:a="http://schemas.openxmlformats.org/drawingml/2006/main" xmlns:r="http://schemas.openxmlformats.org/officeDocument/2006/relationships" xmlns:p="http://schemas.openxmlformats.org/presentationml/2006/main" showMasterSp="0">
+  <p:cSld>
+    <p:bg>
+      <p:bgPr>
+        <a:blipFill dpi="0" rotWithShape="1">
+          <a:blip r:embed="rId3">
+            <a:alphaModFix amt="40000"/>
+            <a:lum/>
+          </a:blip>
+          <a:srcRect/>
+          <a:stretch>
+            <a:fillRect l="-50000" r="-50000"/>
+          </a:stretch>
+        </a:blipFill>
+        <a:effectLst/>
+      </p:bgPr>
+    </p:bg>
+    <p:spTree>
+      <p:nvGrpSpPr>
+        <p:cNvPr id="1" name=""/>
+        <p:cNvGrpSpPr/>
+        <p:nvPr/>
+      </p:nvGrpSpPr>
+      <p:grpSpPr>
+        <a:xfrm>
+          <a:off x="0" y="0"/>
+          <a:ext cx="0" cy="0"/>
+          <a:chOff x="0" y="0"/>
+          <a:chExt cx="0" cy="0"/>
+        </a:xfrm>
+      </p:grpSpPr>
+      <p:sp>
+        <p:nvSpPr>
+          <p:cNvPr id="46" name="Rectangle: Rounded Corners 45">
+            <a:extLst>
+              <a:ext uri="{FF2B5EF4-FFF2-40B4-BE49-F238E27FC236}">
+                <a16:creationId xmlns:a16="http://schemas.microsoft.com/office/drawing/2014/main" id="{8CA1AF2F-7D28-452A-40FC-31815356C6F6}"/>
+              </a:ext>
+            </a:extLst>
+          </p:cNvPr>
+          <p:cNvSpPr/>
+          <p:nvPr/>
+        </p:nvSpPr>
+        <p:spPr>
+          <a:xfrm>
+            <a:off x="7291754" y="3294184"/>
+            <a:ext cx="15755814" cy="12190162"/>
+          </a:xfrm>
+          <a:prstGeom prst="roundRect">
+            <a:avLst/>
+          </a:prstGeom>
+          <a:solidFill>
+            <a:schemeClr val="bg1"/>
+          </a:solidFill>
+          <a:ln>
+            <a:noFill/>
+          </a:ln>
+        </p:spPr>
+        <p:style>
+          <a:lnRef idx="2">
+            <a:schemeClr val="accent1">
+              <a:shade val="15000"/>
+            </a:schemeClr>
+          </a:lnRef>
+          <a:fillRef idx="1">
+            <a:schemeClr val="accent1"/>
+          </a:fillRef>
+          <a:effectRef idx="0">
+            <a:schemeClr val="accent1"/>
+          </a:effectRef>
+          <a:fontRef idx="minor">
+            <a:schemeClr val="lt1"/>
+          </a:fontRef>
+        </p:style>
+        <p:txBody>
+          <a:bodyPr rtlCol="0" anchor="ctr"/>
+          <a:lstStyle/>
+          <a:p>
+            <a:pPr algn="ctr"/>
+            <a:endParaRPr lang="en-MY"/>
+          </a:p>
+        </p:txBody>
+      </p:sp>
+      <p:sp>
+        <p:nvSpPr>
+          <p:cNvPr id="58" name="TextBox 57">
+            <a:extLst>
+              <a:ext uri="{FF2B5EF4-FFF2-40B4-BE49-F238E27FC236}">
+                <a16:creationId xmlns:a16="http://schemas.microsoft.com/office/drawing/2014/main" id="{68AD2F2E-1DF3-FE12-A288-90276DF6DFB4}"/>
+              </a:ext>
+            </a:extLst>
+          </p:cNvPr>
+          <p:cNvSpPr txBox="1"/>
+          <p:nvPr/>
+        </p:nvSpPr>
+        <p:spPr>
+          <a:xfrm>
+            <a:off x="1486483" y="1294218"/>
+            <a:ext cx="24319437" cy="954107"/>
+          </a:xfrm>
+          <a:prstGeom prst="rect">
+            <a:avLst/>
+          </a:prstGeom>
+          <a:noFill/>
+        </p:spPr>
+        <p:txBody>
+          <a:bodyPr wrap="square" rtlCol="0">
+            <a:spAutoFit/>
+          </a:bodyPr>
+          <a:lstStyle/>
+          <a:p>
+            <a:r>
+              <a:rPr lang="en-US" sz="5600" b="1" dirty="0">
+                <a:latin typeface="Verdana" panose="020B0604030504040204" pitchFamily="34" charset="0"/>
+                <a:ea typeface="Verdana" panose="020B0604030504040204" pitchFamily="34" charset="0"/>
+                <a:cs typeface="Aharoni" panose="02010803020104030203" pitchFamily="2" charset="-79"/>
+              </a:rPr>
+              <a:t>Malaysia’s Blood Donation Retention Trends (2012 – 2024)</a:t>
+            </a:r>
+            <a:endParaRPr lang="en-MY" sz="5600" b="1" dirty="0">
+              <a:latin typeface="Verdana" panose="020B0604030504040204" pitchFamily="34" charset="0"/>
+              <a:ea typeface="Verdana" panose="020B0604030504040204" pitchFamily="34" charset="0"/>
+              <a:cs typeface="Aharoni" panose="02010803020104030203" pitchFamily="2" charset="-79"/>
+            </a:endParaRPr>
+          </a:p>
+        </p:txBody>
+      </p:sp>
+      <p:pic>
+        <p:nvPicPr>
+          <p:cNvPr id="50" name="Picture 49">
+            <a:extLst>
+              <a:ext uri="{FF2B5EF4-FFF2-40B4-BE49-F238E27FC236}">
+                <a16:creationId xmlns:a16="http://schemas.microsoft.com/office/drawing/2014/main" id="{7D39F7BD-CBE9-9D05-B8BC-9A644A533803}"/>
+              </a:ext>
+            </a:extLst>
+          </p:cNvPr>
+          <p:cNvPicPr>
+            <a:picLocks noChangeAspect="1"/>
+          </p:cNvPicPr>
+          <p:nvPr/>
+        </p:nvPicPr>
+        <p:blipFill>
+          <a:blip r:embed="rId4">
+            <a:clrChange>
+              <a:clrFrom>
+                <a:srgbClr val="FFFFFF"/>
+              </a:clrFrom>
+              <a:clrTo>
+                <a:srgbClr val="FFFFFF">
+                  <a:alpha val="0"/>
+                </a:srgbClr>
+              </a:clrTo>
+            </a:clrChange>
+            <a:extLst>
+              <a:ext uri="{28A0092B-C50C-407E-A947-70E740481C1C}">
+                <a14:useLocalDpi xmlns:a14="http://schemas.microsoft.com/office/drawing/2010/main" val="0"/>
+              </a:ext>
+            </a:extLst>
+          </a:blip>
+          <a:stretch>
+            <a:fillRect/>
+          </a:stretch>
+        </p:blipFill>
+        <p:spPr>
+          <a:xfrm>
+            <a:off x="25805921" y="538032"/>
+            <a:ext cx="3142244" cy="3142244"/>
+          </a:xfrm>
+          <a:prstGeom prst="rect">
+            <a:avLst/>
+          </a:prstGeom>
+        </p:spPr>
+      </p:pic>
+      <p:sp>
+        <p:nvSpPr>
+          <p:cNvPr id="4" name="Rectangle: Rounded Corners 3">
+            <a:extLst>
+              <a:ext uri="{FF2B5EF4-FFF2-40B4-BE49-F238E27FC236}">
+                <a16:creationId xmlns:a16="http://schemas.microsoft.com/office/drawing/2014/main" id="{FD2A00D2-4012-F3C5-E946-6B865AC0275D}"/>
+              </a:ext>
+            </a:extLst>
+          </p:cNvPr>
+          <p:cNvSpPr/>
+          <p:nvPr/>
+        </p:nvSpPr>
+        <p:spPr>
+          <a:xfrm>
+            <a:off x="762566" y="17737015"/>
+            <a:ext cx="13680266" cy="12144224"/>
+          </a:xfrm>
+          <a:prstGeom prst="roundRect">
+            <a:avLst/>
+          </a:prstGeom>
+          <a:solidFill>
+            <a:schemeClr val="bg1"/>
+          </a:solidFill>
+          <a:ln>
+            <a:noFill/>
+          </a:ln>
+        </p:spPr>
+        <p:style>
+          <a:lnRef idx="2">
+            <a:schemeClr val="accent1">
+              <a:shade val="15000"/>
+            </a:schemeClr>
+          </a:lnRef>
+          <a:fillRef idx="1">
+            <a:schemeClr val="accent1"/>
+          </a:fillRef>
+          <a:effectRef idx="0">
+            <a:schemeClr val="accent1"/>
+          </a:effectRef>
+          <a:fontRef idx="minor">
+            <a:schemeClr val="lt1"/>
+          </a:fontRef>
+        </p:style>
+        <p:txBody>
+          <a:bodyPr rtlCol="0" anchor="ctr"/>
+          <a:lstStyle/>
+          <a:p>
+            <a:pPr algn="ctr"/>
+            <a:endParaRPr lang="en-MY"/>
+          </a:p>
+        </p:txBody>
+      </p:sp>
+      <p:sp>
+        <p:nvSpPr>
+          <p:cNvPr id="10" name="Rectangle: Rounded Corners 9">
+            <a:extLst>
+              <a:ext uri="{FF2B5EF4-FFF2-40B4-BE49-F238E27FC236}">
+                <a16:creationId xmlns:a16="http://schemas.microsoft.com/office/drawing/2014/main" id="{D685B25B-23E8-0AFF-A312-3B918A33FDB5}"/>
+              </a:ext>
+            </a:extLst>
+          </p:cNvPr>
+          <p:cNvSpPr/>
+          <p:nvPr/>
+        </p:nvSpPr>
+        <p:spPr>
+          <a:xfrm>
+            <a:off x="15832382" y="17834351"/>
+            <a:ext cx="13680266" cy="12144224"/>
+          </a:xfrm>
+          <a:prstGeom prst="roundRect">
+            <a:avLst/>
+          </a:prstGeom>
+          <a:solidFill>
+            <a:schemeClr val="bg1"/>
+          </a:solidFill>
+          <a:ln>
+            <a:noFill/>
+          </a:ln>
+        </p:spPr>
+        <p:style>
+          <a:lnRef idx="2">
+            <a:schemeClr val="accent1">
+              <a:shade val="15000"/>
+            </a:schemeClr>
+          </a:lnRef>
+          <a:fillRef idx="1">
+            <a:schemeClr val="accent1"/>
+          </a:fillRef>
+          <a:effectRef idx="0">
+            <a:schemeClr val="accent1"/>
+          </a:effectRef>
+          <a:fontRef idx="minor">
+            <a:schemeClr val="lt1"/>
+          </a:fontRef>
+        </p:style>
+        <p:txBody>
+          <a:bodyPr rtlCol="0" anchor="ctr"/>
+          <a:lstStyle/>
+          <a:p>
+            <a:pPr algn="ctr"/>
+            <a:endParaRPr lang="en-MY"/>
+          </a:p>
+        </p:txBody>
+      </p:sp>
+      <p:pic>
+        <p:nvPicPr>
+          <p:cNvPr id="3" name="Chart 3">
+            <a:extLst>
+              <a:ext uri="{FF2B5EF4-FFF2-40B4-BE49-F238E27FC236}">
+                <a16:creationId xmlns:a16="http://schemas.microsoft.com/office/drawing/2014/main" id="{9A3B5F3F-94BB-CB73-9B76-C867E90681BA}"/>
+              </a:ext>
+            </a:extLst>
+          </p:cNvPr>
+          <p:cNvPicPr>
+            <a:picLocks noChangeAspect="1"/>
+          </p:cNvPicPr>
+          <p:nvPr/>
+        </p:nvPicPr>
+        <p:blipFill>
+          <a:blip r:embed="rId5">
+            <a:extLst>
+              <a:ext uri="{28A0092B-C50C-407E-A947-70E740481C1C}">
+                <a14:useLocalDpi xmlns:a14="http://schemas.microsoft.com/office/drawing/2010/main" val="0"/>
+              </a:ext>
+            </a:extLst>
+          </a:blip>
+          <a:stretch>
+            <a:fillRect/>
+          </a:stretch>
+        </p:blipFill>
+        <p:spPr>
+          <a:xfrm>
+            <a:off x="7969020" y="3838383"/>
+            <a:ext cx="14401281" cy="11109559"/>
+          </a:xfrm>
+          <a:prstGeom prst="rect">
+            <a:avLst/>
+          </a:prstGeom>
+        </p:spPr>
+      </p:pic>
+      <p:pic>
+        <p:nvPicPr>
+          <p:cNvPr id="6" name="Chart 4">
+            <a:extLst>
+              <a:ext uri="{FF2B5EF4-FFF2-40B4-BE49-F238E27FC236}">
+                <a16:creationId xmlns:a16="http://schemas.microsoft.com/office/drawing/2014/main" id="{184557C9-139A-3E66-62F0-03F1739C64F9}"/>
+              </a:ext>
+            </a:extLst>
+          </p:cNvPr>
+          <p:cNvPicPr>
+            <a:picLocks noChangeAspect="1"/>
+          </p:cNvPicPr>
+          <p:nvPr/>
+        </p:nvPicPr>
+        <p:blipFill>
+          <a:blip r:embed="rId6">
+            <a:extLst>
+              <a:ext uri="{28A0092B-C50C-407E-A947-70E740481C1C}">
+                <a14:useLocalDpi xmlns:a14="http://schemas.microsoft.com/office/drawing/2010/main" val="0"/>
+              </a:ext>
+            </a:extLst>
+          </a:blip>
+          <a:stretch>
+            <a:fillRect/>
+          </a:stretch>
+        </p:blipFill>
+        <p:spPr>
+          <a:xfrm>
+            <a:off x="1112036" y="18606312"/>
+            <a:ext cx="13060660" cy="10075367"/>
+          </a:xfrm>
+          <a:prstGeom prst="rect">
+            <a:avLst/>
+          </a:prstGeom>
+        </p:spPr>
+      </p:pic>
+      <p:pic>
+        <p:nvPicPr>
+          <p:cNvPr id="9" name="Chart 5">
+            <a:extLst>
+              <a:ext uri="{FF2B5EF4-FFF2-40B4-BE49-F238E27FC236}">
+                <a16:creationId xmlns:a16="http://schemas.microsoft.com/office/drawing/2014/main" id="{09660A60-4FA0-298C-1573-C6B8C17274BF}"/>
+              </a:ext>
+            </a:extLst>
+          </p:cNvPr>
+          <p:cNvPicPr>
+            <a:picLocks noChangeAspect="1"/>
+          </p:cNvPicPr>
+          <p:nvPr/>
+        </p:nvPicPr>
+        <p:blipFill>
+          <a:blip r:embed="rId7">
+            <a:extLst>
+              <a:ext uri="{28A0092B-C50C-407E-A947-70E740481C1C}">
+                <a14:useLocalDpi xmlns:a14="http://schemas.microsoft.com/office/drawing/2010/main" val="0"/>
+              </a:ext>
+            </a:extLst>
+          </a:blip>
+          <a:stretch>
+            <a:fillRect/>
+          </a:stretch>
+        </p:blipFill>
+        <p:spPr>
+          <a:xfrm>
+            <a:off x="16094355" y="18781637"/>
+            <a:ext cx="13034234" cy="10054980"/>
+          </a:xfrm>
+          <a:prstGeom prst="rect">
+            <a:avLst/>
+          </a:prstGeom>
+        </p:spPr>
+      </p:pic>
+      <p:sp>
+        <p:nvSpPr>
+          <p:cNvPr id="23" name="Rectangle: Rounded Corners 22">
+            <a:extLst>
+              <a:ext uri="{FF2B5EF4-FFF2-40B4-BE49-F238E27FC236}">
+                <a16:creationId xmlns:a16="http://schemas.microsoft.com/office/drawing/2014/main" id="{3369D79F-D6BB-54D9-D420-7352C5F5CA67}"/>
+              </a:ext>
+            </a:extLst>
+          </p:cNvPr>
+          <p:cNvSpPr/>
+          <p:nvPr/>
+        </p:nvSpPr>
+        <p:spPr>
+          <a:xfrm>
+            <a:off x="764255" y="3977640"/>
+            <a:ext cx="5712745" cy="2834640"/>
+          </a:xfrm>
+          <a:prstGeom prst="roundRect">
+            <a:avLst/>
+          </a:prstGeom>
+          <a:gradFill>
+            <a:gsLst>
+              <a:gs pos="0">
+                <a:srgbClr val="000428"/>
+              </a:gs>
+              <a:gs pos="100000">
+                <a:srgbClr val="004E92"/>
+              </a:gs>
+            </a:gsLst>
+            <a:lin ang="5400000" scaled="0"/>
+          </a:gradFill>
+          <a:ln>
+            <a:noFill/>
+          </a:ln>
+        </p:spPr>
+        <p:style>
+          <a:lnRef idx="2">
+            <a:schemeClr val="accent1">
+              <a:shade val="15000"/>
+            </a:schemeClr>
+          </a:lnRef>
+          <a:fillRef idx="1">
+            <a:schemeClr val="accent1"/>
+          </a:fillRef>
+          <a:effectRef idx="0">
+            <a:schemeClr val="accent1"/>
+          </a:effectRef>
+          <a:fontRef idx="minor">
+            <a:schemeClr val="lt1"/>
+          </a:fontRef>
+        </p:style>
+        <p:txBody>
+          <a:bodyPr rtlCol="0" anchor="ctr"/>
+          <a:lstStyle/>
+          <a:p>
+            <a:pPr algn="ctr"/>
+            <a:endParaRPr lang="en-MY" dirty="0"/>
+          </a:p>
+        </p:txBody>
+      </p:sp>
+      <p:sp>
+        <p:nvSpPr>
+          <p:cNvPr id="11" name="TextBox 10">
+            <a:extLst>
+              <a:ext uri="{FF2B5EF4-FFF2-40B4-BE49-F238E27FC236}">
+                <a16:creationId xmlns:a16="http://schemas.microsoft.com/office/drawing/2014/main" id="{9DF5805B-38A6-062A-F6F0-F4C3608E3A9F}"/>
+              </a:ext>
+            </a:extLst>
+          </p:cNvPr>
+          <p:cNvSpPr txBox="1"/>
+          <p:nvPr/>
+        </p:nvSpPr>
+        <p:spPr>
+          <a:xfrm>
+            <a:off x="771696" y="4452623"/>
+            <a:ext cx="5699641" cy="584775"/>
+          </a:xfrm>
+          <a:prstGeom prst="rect">
+            <a:avLst/>
+          </a:prstGeom>
+          <a:noFill/>
+        </p:spPr>
+        <p:txBody>
+          <a:bodyPr wrap="square" rtlCol="0">
+            <a:spAutoFit/>
+          </a:bodyPr>
+          <a:lstStyle/>
+          <a:p>
+            <a:pPr algn="ctr"/>
+            <a:r>
+              <a:rPr lang="en-US" sz="3200" b="1" dirty="0">
+                <a:solidFill>
+                  <a:schemeClr val="bg1"/>
+                </a:solidFill>
+                <a:latin typeface="Verdana" panose="020B0604030504040204" pitchFamily="34" charset="0"/>
+                <a:ea typeface="Verdana" panose="020B0604030504040204" pitchFamily="34" charset="0"/>
+              </a:rPr>
+              <a:t>Total Donations</a:t>
+            </a:r>
+            <a:endParaRPr lang="en-MY" sz="3200" b="1" dirty="0">
+              <a:solidFill>
+                <a:schemeClr val="bg1"/>
+              </a:solidFill>
+              <a:latin typeface="Verdana" panose="020B0604030504040204" pitchFamily="34" charset="0"/>
+              <a:ea typeface="Verdana" panose="020B0604030504040204" pitchFamily="34" charset="0"/>
+            </a:endParaRPr>
+          </a:p>
+        </p:txBody>
+      </p:sp>
+      <p:sp>
+        <p:nvSpPr>
+          <p:cNvPr id="12" name="TextBox 11">
+            <a:extLst>
+              <a:ext uri="{FF2B5EF4-FFF2-40B4-BE49-F238E27FC236}">
+                <a16:creationId xmlns:a16="http://schemas.microsoft.com/office/drawing/2014/main" id="{C4114AAC-9140-FFA0-BC7D-7AAB7E875EA5}"/>
+              </a:ext>
+            </a:extLst>
+          </p:cNvPr>
+          <p:cNvSpPr txBox="1"/>
+          <p:nvPr/>
+        </p:nvSpPr>
+        <p:spPr>
+          <a:xfrm>
+            <a:off x="762566" y="5405923"/>
+            <a:ext cx="5685738" cy="830997"/>
+          </a:xfrm>
+          <a:prstGeom prst="rect">
+            <a:avLst/>
+          </a:prstGeom>
+          <a:noFill/>
+        </p:spPr>
+        <p:txBody>
+          <a:bodyPr wrap="square" rtlCol="0">
+            <a:spAutoFit/>
+          </a:bodyPr>
+          <a:lstStyle/>
+          <a:p>
+            <a:pPr algn="ctr"/>
+            <a:r>
+              <a:rPr lang="en-US" sz="4800" b="1" dirty="0" err="1">
+                <a:solidFill>
+                  <a:schemeClr val="bg1"/>
+                </a:solidFill>
+                <a:latin typeface="Verdana" panose="020B0604030504040204" pitchFamily="34" charset="0"/>
+                <a:ea typeface="Verdana" panose="020B0604030504040204" pitchFamily="34" charset="0"/>
+              </a:rPr>
+              <a:t>total_donation</a:t>
+            </a:r>
+            <a:endParaRPr lang="en-MY" sz="4800" b="1" dirty="0">
+              <a:solidFill>
+                <a:schemeClr val="bg1"/>
+              </a:solidFill>
+              <a:latin typeface="Verdana" panose="020B0604030504040204" pitchFamily="34" charset="0"/>
+              <a:ea typeface="Verdana" panose="020B0604030504040204" pitchFamily="34" charset="0"/>
+            </a:endParaRPr>
+          </a:p>
+        </p:txBody>
+      </p:sp>
+      <p:sp>
+        <p:nvSpPr>
+          <p:cNvPr id="14" name="Rectangle: Rounded Corners 13">
+            <a:extLst>
+              <a:ext uri="{FF2B5EF4-FFF2-40B4-BE49-F238E27FC236}">
+                <a16:creationId xmlns:a16="http://schemas.microsoft.com/office/drawing/2014/main" id="{564E3002-8B03-B38F-7F20-FF038AAAF79E}"/>
+              </a:ext>
+            </a:extLst>
+          </p:cNvPr>
+          <p:cNvSpPr/>
+          <p:nvPr/>
+        </p:nvSpPr>
+        <p:spPr>
+          <a:xfrm>
+            <a:off x="23819468" y="3977640"/>
+            <a:ext cx="5712745" cy="2834640"/>
+          </a:xfrm>
+          <a:prstGeom prst="roundRect">
+            <a:avLst/>
+          </a:prstGeom>
+          <a:gradFill>
+            <a:gsLst>
+              <a:gs pos="0">
+                <a:srgbClr val="000428"/>
+              </a:gs>
+              <a:gs pos="100000">
+                <a:srgbClr val="004E92"/>
+              </a:gs>
+            </a:gsLst>
+            <a:lin ang="5400000" scaled="0"/>
+          </a:gradFill>
+          <a:ln>
+            <a:noFill/>
+          </a:ln>
+        </p:spPr>
+        <p:style>
+          <a:lnRef idx="2">
+            <a:schemeClr val="accent1">
+              <a:shade val="15000"/>
+            </a:schemeClr>
+          </a:lnRef>
+          <a:fillRef idx="1">
+            <a:schemeClr val="accent1"/>
+          </a:fillRef>
+          <a:effectRef idx="0">
+            <a:schemeClr val="accent1"/>
+          </a:effectRef>
+          <a:fontRef idx="minor">
+            <a:schemeClr val="lt1"/>
+          </a:fontRef>
+        </p:style>
+        <p:txBody>
+          <a:bodyPr rtlCol="0" anchor="ctr"/>
+          <a:lstStyle/>
+          <a:p>
+            <a:pPr algn="ctr"/>
+            <a:endParaRPr lang="en-MY" dirty="0"/>
+          </a:p>
+        </p:txBody>
+      </p:sp>
+      <p:sp>
+        <p:nvSpPr>
+          <p:cNvPr id="15" name="TextBox 14">
+            <a:extLst>
+              <a:ext uri="{FF2B5EF4-FFF2-40B4-BE49-F238E27FC236}">
+                <a16:creationId xmlns:a16="http://schemas.microsoft.com/office/drawing/2014/main" id="{90F25535-3104-6A08-483D-3A9ADE6EDA86}"/>
+              </a:ext>
+            </a:extLst>
+          </p:cNvPr>
+          <p:cNvSpPr txBox="1"/>
+          <p:nvPr/>
+        </p:nvSpPr>
+        <p:spPr>
+          <a:xfrm>
+            <a:off x="23826909" y="4452623"/>
+            <a:ext cx="5699641" cy="584775"/>
+          </a:xfrm>
+          <a:prstGeom prst="rect">
+            <a:avLst/>
+          </a:prstGeom>
+          <a:noFill/>
+        </p:spPr>
+        <p:txBody>
+          <a:bodyPr wrap="square" rtlCol="0">
+            <a:spAutoFit/>
+          </a:bodyPr>
+          <a:lstStyle/>
+          <a:p>
+            <a:pPr algn="ctr"/>
+            <a:r>
+              <a:rPr lang="en-US" sz="3200" b="1" dirty="0">
+                <a:solidFill>
+                  <a:schemeClr val="bg1"/>
+                </a:solidFill>
+                <a:latin typeface="Verdana" panose="020B0604030504040204" pitchFamily="34" charset="0"/>
+                <a:ea typeface="Verdana" panose="020B0604030504040204" pitchFamily="34" charset="0"/>
+              </a:rPr>
+              <a:t>Total Unique Donors</a:t>
+            </a:r>
+            <a:endParaRPr lang="en-MY" sz="3200" b="1" dirty="0">
+              <a:solidFill>
+                <a:schemeClr val="bg1"/>
+              </a:solidFill>
+              <a:latin typeface="Verdana" panose="020B0604030504040204" pitchFamily="34" charset="0"/>
+              <a:ea typeface="Verdana" panose="020B0604030504040204" pitchFamily="34" charset="0"/>
+            </a:endParaRPr>
+          </a:p>
+        </p:txBody>
+      </p:sp>
+      <p:sp>
+        <p:nvSpPr>
+          <p:cNvPr id="16" name="TextBox 15">
+            <a:extLst>
+              <a:ext uri="{FF2B5EF4-FFF2-40B4-BE49-F238E27FC236}">
+                <a16:creationId xmlns:a16="http://schemas.microsoft.com/office/drawing/2014/main" id="{0343ADB8-37E5-A4CE-E606-83973E9C6F22}"/>
+              </a:ext>
+            </a:extLst>
+          </p:cNvPr>
+          <p:cNvSpPr txBox="1"/>
+          <p:nvPr/>
+        </p:nvSpPr>
+        <p:spPr>
+          <a:xfrm>
+            <a:off x="23817779" y="5405923"/>
+            <a:ext cx="5685738" cy="830997"/>
+          </a:xfrm>
+          <a:prstGeom prst="rect">
+            <a:avLst/>
+          </a:prstGeom>
+          <a:noFill/>
+        </p:spPr>
+        <p:txBody>
+          <a:bodyPr wrap="square" rtlCol="0">
+            <a:spAutoFit/>
+          </a:bodyPr>
+          <a:lstStyle/>
+          <a:p>
+            <a:pPr algn="ctr"/>
+            <a:r>
+              <a:rPr lang="en-US" sz="4800" b="1" dirty="0" err="1">
+                <a:solidFill>
+                  <a:schemeClr val="bg1"/>
+                </a:solidFill>
+                <a:latin typeface="Verdana" panose="020B0604030504040204" pitchFamily="34" charset="0"/>
+                <a:ea typeface="Verdana" panose="020B0604030504040204" pitchFamily="34" charset="0"/>
+              </a:rPr>
+              <a:t>unique_donor</a:t>
+            </a:r>
+            <a:endParaRPr lang="en-MY" sz="4800" b="1" dirty="0">
+              <a:solidFill>
+                <a:schemeClr val="bg1"/>
+              </a:solidFill>
+              <a:latin typeface="Verdana" panose="020B0604030504040204" pitchFamily="34" charset="0"/>
+              <a:ea typeface="Verdana" panose="020B0604030504040204" pitchFamily="34" charset="0"/>
+            </a:endParaRPr>
+          </a:p>
+        </p:txBody>
+      </p:sp>
+      <p:sp>
+        <p:nvSpPr>
+          <p:cNvPr id="17" name="TextBox 16">
+            <a:extLst>
+              <a:ext uri="{FF2B5EF4-FFF2-40B4-BE49-F238E27FC236}">
+                <a16:creationId xmlns:a16="http://schemas.microsoft.com/office/drawing/2014/main" id="{7F888A1C-7ED0-FFA0-5F03-224728521976}"/>
+              </a:ext>
+            </a:extLst>
+          </p:cNvPr>
+          <p:cNvSpPr txBox="1"/>
+          <p:nvPr/>
+        </p:nvSpPr>
+        <p:spPr>
+          <a:xfrm>
+            <a:off x="1603713" y="2448436"/>
+            <a:ext cx="5266010" cy="399981"/>
+          </a:xfrm>
+          <a:prstGeom prst="rect">
+            <a:avLst/>
+          </a:prstGeom>
+          <a:noFill/>
+        </p:spPr>
+        <p:txBody>
+          <a:bodyPr wrap="square" rtlCol="0">
+            <a:spAutoFit/>
+          </a:bodyPr>
+          <a:lstStyle/>
+          <a:p>
+            <a:r>
+              <a:rPr lang="en-US" sz="1999" dirty="0">
+                <a:solidFill>
+                  <a:schemeClr val="tx1">
+                    <a:lumMod val="85000"/>
+                    <a:lumOff val="15000"/>
+                  </a:schemeClr>
+                </a:solidFill>
+                <a:latin typeface="Verdana" panose="020B0604030504040204" pitchFamily="34" charset="0"/>
+                <a:ea typeface="Verdana" panose="020B0604030504040204" pitchFamily="34" charset="0"/>
+              </a:rPr>
+              <a:t>Data as of </a:t>
+            </a:r>
+            <a:r>
+              <a:rPr lang="en-US" sz="1999" dirty="0" err="1">
+                <a:solidFill>
+                  <a:schemeClr val="tx1">
+                    <a:lumMod val="85000"/>
+                    <a:lumOff val="15000"/>
+                  </a:schemeClr>
+                </a:solidFill>
+                <a:latin typeface="Verdana" panose="020B0604030504040204" pitchFamily="34" charset="0"/>
+                <a:ea typeface="Verdana" panose="020B0604030504040204" pitchFamily="34" charset="0"/>
+              </a:rPr>
+              <a:t>max_granular_date</a:t>
+            </a:r>
+            <a:endParaRPr lang="en-MY" sz="1999" dirty="0">
+              <a:solidFill>
+                <a:schemeClr val="tx1">
+                  <a:lumMod val="85000"/>
+                  <a:lumOff val="15000"/>
+                </a:schemeClr>
+              </a:solidFill>
+              <a:latin typeface="Verdana" panose="020B0604030504040204" pitchFamily="34" charset="0"/>
+              <a:ea typeface="Verdana" panose="020B0604030504040204" pitchFamily="34" charset="0"/>
+            </a:endParaRPr>
+          </a:p>
+        </p:txBody>
+      </p:sp>
+    </p:spTree>
+    <p:extLst>
+      <p:ext uri="{BB962C8B-B14F-4D97-AF65-F5344CB8AC3E}">
+        <p14:creationId xmlns:p14="http://schemas.microsoft.com/office/powerpoint/2010/main" val="1283378059"/>
       </p:ext>
     </p:extLst>
   </p:cSld>
